--- a/tests/testresults/script_IQSlidedeck_IQobjects_Default_16_9.pptx
+++ b/tests/testresults/script_IQSlidedeck_IQobjects_Default_16_9.pptx
@@ -5151,7 +5151,7 @@
           <a:p>
             <a:r>
               <a:rPr/>
-              <a:t>script_IQSlidedeck.R | Date: 2021-01-11 16:15:44</a:t>
+              <a:t>script_IQSlidedeck.R | Date: 2021-01-11 16:38:10</a:t>
             </a:r>
           </a:p>
         </p:txBody>
@@ -5487,7 +5487,7 @@
           <a:p>
             <a:r>
               <a:rPr/>
-              <a:t>script_IQSlidedeck.R | Date: 2021-01-11 16:15:45</a:t>
+              <a:t>script_IQSlidedeck.R | Date: 2021-01-11 16:38:12</a:t>
             </a:r>
           </a:p>
         </p:txBody>
@@ -5823,7 +5823,7 @@
           <a:p>
             <a:r>
               <a:rPr/>
-              <a:t>script_IQSlidedeck.R | Date: 2021-01-11 16:15:46</a:t>
+              <a:t>script_IQSlidedeck.R | Date: 2021-01-11 16:38:13</a:t>
             </a:r>
           </a:p>
         </p:txBody>
@@ -6229,7 +6229,7 @@
           <a:p>
             <a:r>
               <a:rPr/>
-              <a:t>IQSlidedeck_IQRobjects.R | Date: 2021-01-11 16:16:11</a:t>
+              <a:t>IQSlidedeck_IQRobjects.R | Date: 2021-01-11 16:38:41</a:t>
             </a:r>
           </a:p>
         </p:txBody>
@@ -6583,7 +6583,7 @@
           <a:p>
             <a:r>
               <a:rPr/>
-              <a:t>IQSlidedeck_IQRobjects.R | Date: 2021-01-11 16:16:11</a:t>
+              <a:t>IQSlidedeck_IQRobjects.R | Date: 2021-01-11 16:38:41</a:t>
             </a:r>
           </a:p>
         </p:txBody>
@@ -6937,7 +6937,7 @@
           <a:p>
             <a:r>
               <a:rPr/>
-              <a:t>IQSlidedeck_IQRobjects.R | Date: 2021-01-11 16:16:12</a:t>
+              <a:t>IQSlidedeck_IQRobjects.R | Date: 2021-01-11 16:38:41</a:t>
             </a:r>
           </a:p>
         </p:txBody>
@@ -7256,7 +7256,7 @@
           <a:p>
             <a:r>
               <a:rPr/>
-              <a:t>IQSlidedeck_IQRobjects.R | Date: 2021-01-11 16:16:13</a:t>
+              <a:t>IQSlidedeck_IQRobjects.R | Date: 2021-01-11 16:38:42</a:t>
             </a:r>
           </a:p>
         </p:txBody>
@@ -7388,7 +7388,7 @@
           <a:p>
             <a:r>
               <a:rPr/>
-              <a:t>IQSlidedeck_IQRobjects.R | Date: 2021-01-11 16:16:14</a:t>
+              <a:t>IQSlidedeck_IQRobjects.R | Date: 2021-01-11 16:38:43</a:t>
             </a:r>
           </a:p>
         </p:txBody>
@@ -7552,7 +7552,7 @@
           <a:p>
             <a:r>
               <a:rPr/>
-              <a:t>script_IQSlidedeck.R | Date: 2021-01-11 16:15:43</a:t>
+              <a:t>script_IQSlidedeck.R | Date: 2021-01-11 16:38:09</a:t>
             </a:r>
           </a:p>
         </p:txBody>
@@ -7769,7 +7769,7 @@
           <a:p>
             <a:r>
               <a:rPr/>
-              <a:t>script_IQSlidedeck.R | Date: 2021-01-11 16:15:43</a:t>
+              <a:t>script_IQSlidedeck.R | Date: 2021-01-11 16:38:10</a:t>
             </a:r>
           </a:p>
         </p:txBody>
@@ -7874,7 +7874,7 @@
           <a:p>
             <a:r>
               <a:rPr/>
-              <a:t>script_IQSlidedeck.R | Date: 2021-01-11 16:15:47</a:t>
+              <a:t>script_IQSlidedeck.R | Date: 2021-01-11 16:38:13</a:t>
             </a:r>
           </a:p>
         </p:txBody>
@@ -7979,7 +7979,7 @@
           <a:p>
             <a:r>
               <a:rPr/>
-              <a:t>script_IQSlidedeck.R | Date: 2021-01-11 16:15:48</a:t>
+              <a:t>script_IQSlidedeck.R | Date: 2021-01-11 16:38:14</a:t>
             </a:r>
           </a:p>
         </p:txBody>
@@ -8084,7 +8084,7 @@
           <a:p>
             <a:r>
               <a:rPr/>
-              <a:t>script_IQSlidedeck.R | Date: 2021-01-11 16:15:54</a:t>
+              <a:t>script_IQSlidedeck.R | Date: 2021-01-11 16:38:21</a:t>
             </a:r>
           </a:p>
         </p:txBody>

--- a/tests/testresults/script_IQSlidedeck_IQobjects_Default_16_9.pptx
+++ b/tests/testresults/script_IQSlidedeck_IQobjects_Default_16_9.pptx
@@ -5151,7 +5151,7 @@
           <a:p>
             <a:r>
               <a:rPr/>
-              <a:t>script_IQSlidedeck.R | Date: 2021-01-11 16:38:10</a:t>
+              <a:t>script_IQSlidedeck.R | Date: 2021-01-11 17:08:06</a:t>
             </a:r>
           </a:p>
         </p:txBody>
@@ -5236,8 +5236,8 @@
                     <a:alpha val="100000"/>
                   </a:srgbClr>
                 </a:solidFill>
-                <a:latin typeface=""/>
-                <a:cs typeface=""/>
+                <a:latin typeface="Calibri"/>
+                <a:cs typeface="Calibri"/>
               </a:rPr>
               <a:t>Bullet point with </a:t>
             </a:r>
@@ -5248,8 +5248,8 @@
                     <a:alpha val="100000"/>
                   </a:srgbClr>
                 </a:solidFill>
-                <a:latin typeface=""/>
-                <a:cs typeface=""/>
+                <a:latin typeface="Calibri"/>
+                <a:cs typeface="Calibri"/>
               </a:rPr>
               <a:t>bold</a:t>
             </a:r>
@@ -5260,8 +5260,8 @@
                     <a:alpha val="100000"/>
                   </a:srgbClr>
                 </a:solidFill>
-                <a:latin typeface=""/>
-                <a:cs typeface=""/>
+                <a:latin typeface="Calibri"/>
+                <a:cs typeface="Calibri"/>
               </a:rPr>
               <a:t> and </a:t>
             </a:r>
@@ -5272,8 +5272,8 @@
                     <a:alpha val="100000"/>
                   </a:srgbClr>
                 </a:solidFill>
-                <a:latin typeface=""/>
-                <a:cs typeface=""/>
+                <a:latin typeface="Calibri"/>
+                <a:cs typeface="Calibri"/>
               </a:rPr>
               <a:t>italic</a:t>
             </a:r>
@@ -5287,8 +5287,8 @@
                     <a:alpha val="100000"/>
                   </a:srgbClr>
                 </a:solidFill>
-                <a:latin typeface=""/>
-                <a:cs typeface=""/>
+                <a:latin typeface="Calibri"/>
+                <a:cs typeface="Calibri"/>
               </a:rPr>
               <a:t>Another bullet point</a:t>
             </a:r>
@@ -5302,8 +5302,8 @@
                     <a:alpha val="100000"/>
                   </a:srgbClr>
                 </a:solidFill>
-                <a:latin typeface=""/>
-                <a:cs typeface=""/>
+                <a:latin typeface="Calibri"/>
+                <a:cs typeface="Calibri"/>
               </a:rPr>
               <a:t>Indented by two spaces</a:t>
             </a:r>
@@ -5317,8 +5317,8 @@
                     <a:alpha val="100000"/>
                   </a:srgbClr>
                 </a:solidFill>
-                <a:latin typeface=""/>
-                <a:cs typeface=""/>
+                <a:latin typeface="Calibri"/>
+                <a:cs typeface="Calibri"/>
               </a:rPr>
               <a:t>Another one</a:t>
             </a:r>
@@ -5332,8 +5332,8 @@
                     <a:alpha val="100000"/>
                   </a:srgbClr>
                 </a:solidFill>
-                <a:latin typeface=""/>
-                <a:cs typeface=""/>
+                <a:latin typeface="Calibri"/>
+                <a:cs typeface="Calibri"/>
               </a:rPr>
               <a:t>And back to </a:t>
             </a:r>
@@ -5344,8 +5344,8 @@
                     <a:alpha val="100000"/>
                   </a:srgbClr>
                 </a:solidFill>
-                <a:latin typeface=""/>
-                <a:cs typeface=""/>
+                <a:latin typeface="Calibri"/>
+                <a:cs typeface="Calibri"/>
               </a:rPr>
               <a:t>really</a:t>
             </a:r>
@@ -5356,8 +5356,8 @@
                     <a:alpha val="100000"/>
                   </a:srgbClr>
                 </a:solidFill>
-                <a:latin typeface=""/>
-                <a:cs typeface=""/>
+                <a:latin typeface="Calibri"/>
+                <a:cs typeface="Calibri"/>
               </a:rPr>
               <a:t> outer</a:t>
             </a:r>
@@ -5368,8 +5368,8 @@
                     <a:alpha val="100000"/>
                   </a:srgbClr>
                 </a:solidFill>
-                <a:latin typeface=""/>
-                <a:cs typeface=""/>
+                <a:latin typeface="Calibri"/>
+                <a:cs typeface="Calibri"/>
               </a:rPr>
               <a:t> level</a:t>
             </a:r>
@@ -5383,8 +5383,8 @@
                     <a:alpha val="100000"/>
                   </a:srgbClr>
                 </a:solidFill>
-                <a:latin typeface=""/>
-                <a:cs typeface=""/>
+                <a:latin typeface="Calibri"/>
+                <a:cs typeface="Calibri"/>
               </a:rPr>
               <a:t>Some sort of formula </a:t>
             </a:r>
@@ -5487,7 +5487,7 @@
           <a:p>
             <a:r>
               <a:rPr/>
-              <a:t>script_IQSlidedeck.R | Date: 2021-01-11 16:38:12</a:t>
+              <a:t>script_IQSlidedeck.R | Date: 2021-01-11 17:08:07</a:t>
             </a:r>
           </a:p>
         </p:txBody>
@@ -5598,8 +5598,8 @@
                     <a:alpha val="100000"/>
                   </a:srgbClr>
                 </a:solidFill>
-                <a:latin typeface=""/>
-                <a:cs typeface=""/>
+                <a:latin typeface="Calibri"/>
+                <a:cs typeface="Calibri"/>
               </a:rPr>
               <a:t>Bullet point with </a:t>
             </a:r>
@@ -5610,8 +5610,8 @@
                     <a:alpha val="100000"/>
                   </a:srgbClr>
                 </a:solidFill>
-                <a:latin typeface=""/>
-                <a:cs typeface=""/>
+                <a:latin typeface="Calibri"/>
+                <a:cs typeface="Calibri"/>
               </a:rPr>
               <a:t>bold</a:t>
             </a:r>
@@ -5622,8 +5622,8 @@
                     <a:alpha val="100000"/>
                   </a:srgbClr>
                 </a:solidFill>
-                <a:latin typeface=""/>
-                <a:cs typeface=""/>
+                <a:latin typeface="Calibri"/>
+                <a:cs typeface="Calibri"/>
               </a:rPr>
               <a:t> and </a:t>
             </a:r>
@@ -5634,8 +5634,8 @@
                     <a:alpha val="100000"/>
                   </a:srgbClr>
                 </a:solidFill>
-                <a:latin typeface=""/>
-                <a:cs typeface=""/>
+                <a:latin typeface="Calibri"/>
+                <a:cs typeface="Calibri"/>
               </a:rPr>
               <a:t>italic</a:t>
             </a:r>
@@ -5649,8 +5649,8 @@
                     <a:alpha val="100000"/>
                   </a:srgbClr>
                 </a:solidFill>
-                <a:latin typeface=""/>
-                <a:cs typeface=""/>
+                <a:latin typeface="Calibri"/>
+                <a:cs typeface="Calibri"/>
               </a:rPr>
               <a:t>Another bullet point</a:t>
             </a:r>
@@ -5664,8 +5664,8 @@
                     <a:alpha val="100000"/>
                   </a:srgbClr>
                 </a:solidFill>
-                <a:latin typeface=""/>
-                <a:cs typeface=""/>
+                <a:latin typeface="Calibri"/>
+                <a:cs typeface="Calibri"/>
               </a:rPr>
               <a:t>Indented by two spaces</a:t>
             </a:r>
@@ -5679,8 +5679,8 @@
                     <a:alpha val="100000"/>
                   </a:srgbClr>
                 </a:solidFill>
-                <a:latin typeface=""/>
-                <a:cs typeface=""/>
+                <a:latin typeface="Calibri"/>
+                <a:cs typeface="Calibri"/>
               </a:rPr>
               <a:t>Another one</a:t>
             </a:r>
@@ -5694,8 +5694,8 @@
                     <a:alpha val="100000"/>
                   </a:srgbClr>
                 </a:solidFill>
-                <a:latin typeface=""/>
-                <a:cs typeface=""/>
+                <a:latin typeface="Calibri"/>
+                <a:cs typeface="Calibri"/>
               </a:rPr>
               <a:t>And back to </a:t>
             </a:r>
@@ -5706,8 +5706,8 @@
                     <a:alpha val="100000"/>
                   </a:srgbClr>
                 </a:solidFill>
-                <a:latin typeface=""/>
-                <a:cs typeface=""/>
+                <a:latin typeface="Calibri"/>
+                <a:cs typeface="Calibri"/>
               </a:rPr>
               <a:t>really</a:t>
             </a:r>
@@ -5718,8 +5718,8 @@
                     <a:alpha val="100000"/>
                   </a:srgbClr>
                 </a:solidFill>
-                <a:latin typeface=""/>
-                <a:cs typeface=""/>
+                <a:latin typeface="Calibri"/>
+                <a:cs typeface="Calibri"/>
               </a:rPr>
               <a:t> outer</a:t>
             </a:r>
@@ -5730,8 +5730,8 @@
                     <a:alpha val="100000"/>
                   </a:srgbClr>
                 </a:solidFill>
-                <a:latin typeface=""/>
-                <a:cs typeface=""/>
+                <a:latin typeface="Calibri"/>
+                <a:cs typeface="Calibri"/>
               </a:rPr>
               <a:t> level</a:t>
             </a:r>
@@ -5745,8 +5745,8 @@
                     <a:alpha val="100000"/>
                   </a:srgbClr>
                 </a:solidFill>
-                <a:latin typeface=""/>
-                <a:cs typeface=""/>
+                <a:latin typeface="Calibri"/>
+                <a:cs typeface="Calibri"/>
               </a:rPr>
               <a:t>Some sort of formula </a:t>
             </a:r>
@@ -5823,7 +5823,7 @@
           <a:p>
             <a:r>
               <a:rPr/>
-              <a:t>script_IQSlidedeck.R | Date: 2021-01-11 16:38:13</a:t>
+              <a:t>script_IQSlidedeck.R | Date: 2021-01-11 17:08:08</a:t>
             </a:r>
           </a:p>
         </p:txBody>
@@ -5960,8 +5960,8 @@
                     <a:alpha val="100000"/>
                   </a:srgbClr>
                 </a:solidFill>
-                <a:latin typeface=""/>
-                <a:cs typeface=""/>
+                <a:latin typeface="Calibri"/>
+                <a:cs typeface="Calibri"/>
               </a:rPr>
               <a:t>A list of ggplot objects was created</a:t>
             </a:r>
@@ -5975,8 +5975,8 @@
                     <a:alpha val="100000"/>
                   </a:srgbClr>
                 </a:solidFill>
-                <a:latin typeface=""/>
-                <a:cs typeface=""/>
+                <a:latin typeface="Calibri"/>
+                <a:cs typeface="Calibri"/>
               </a:rPr>
               <a:t>Called </a:t>
             </a:r>
@@ -5999,8 +5999,8 @@
                     <a:alpha val="100000"/>
                   </a:srgbClr>
                 </a:solidFill>
-                <a:latin typeface=""/>
-                <a:cs typeface=""/>
+                <a:latin typeface="Calibri"/>
+                <a:cs typeface="Calibri"/>
               </a:rPr>
               <a:t> with arguments </a:t>
             </a:r>
@@ -6023,8 +6023,8 @@
                     <a:alpha val="100000"/>
                   </a:srgbClr>
                 </a:solidFill>
-                <a:latin typeface=""/>
-                <a:cs typeface=""/>
+                <a:latin typeface="Calibri"/>
+                <a:cs typeface="Calibri"/>
               </a:rPr>
               <a:t>, </a:t>
             </a:r>
@@ -6047,8 +6047,8 @@
                     <a:alpha val="100000"/>
                   </a:srgbClr>
                 </a:solidFill>
-                <a:latin typeface=""/>
-                <a:cs typeface=""/>
+                <a:latin typeface="Calibri"/>
+                <a:cs typeface="Calibri"/>
               </a:rPr>
               <a:t>, </a:t>
             </a:r>
@@ -6071,8 +6071,8 @@
                     <a:alpha val="100000"/>
                   </a:srgbClr>
                 </a:solidFill>
-                <a:latin typeface=""/>
-                <a:cs typeface=""/>
+                <a:latin typeface="Calibri"/>
+                <a:cs typeface="Calibri"/>
               </a:rPr>
               <a:t> and </a:t>
             </a:r>
@@ -6098,8 +6098,8 @@
                     <a:alpha val="100000"/>
                   </a:srgbClr>
                 </a:solidFill>
-                <a:latin typeface=""/>
-                <a:cs typeface=""/>
+                <a:latin typeface="Calibri"/>
+                <a:cs typeface="Calibri"/>
               </a:rPr>
               <a:t>Called </a:t>
             </a:r>
@@ -6122,8 +6122,8 @@
                     <a:alpha val="100000"/>
                   </a:srgbClr>
                 </a:solidFill>
-                <a:latin typeface=""/>
-                <a:cs typeface=""/>
+                <a:latin typeface="Calibri"/>
+                <a:cs typeface="Calibri"/>
               </a:rPr>
               <a:t> with bullet point list and </a:t>
             </a:r>
@@ -6146,8 +6146,8 @@
                     <a:alpha val="100000"/>
                   </a:srgbClr>
                 </a:solidFill>
-                <a:latin typeface=""/>
-                <a:cs typeface=""/>
+                <a:latin typeface="Calibri"/>
+                <a:cs typeface="Calibri"/>
               </a:rPr>
               <a:t> object.</a:t>
             </a:r>
@@ -6229,7 +6229,7 @@
           <a:p>
             <a:r>
               <a:rPr/>
-              <a:t>IQSlidedeck_IQRobjects.R | Date: 2021-01-11 16:38:41</a:t>
+              <a:t>IQSlidedeck_IQRobjects.R | Date: 2021-01-11 17:08:37</a:t>
             </a:r>
           </a:p>
         </p:txBody>
@@ -6314,8 +6314,8 @@
                     <a:alpha val="100000"/>
                   </a:srgbClr>
                 </a:solidFill>
-                <a:latin typeface=""/>
-                <a:cs typeface=""/>
+                <a:latin typeface="Calibri"/>
+                <a:cs typeface="Calibri"/>
               </a:rPr>
               <a:t>A list of ggplot objects was created</a:t>
             </a:r>
@@ -6329,8 +6329,8 @@
                     <a:alpha val="100000"/>
                   </a:srgbClr>
                 </a:solidFill>
-                <a:latin typeface=""/>
-                <a:cs typeface=""/>
+                <a:latin typeface="Calibri"/>
+                <a:cs typeface="Calibri"/>
               </a:rPr>
               <a:t>Called </a:t>
             </a:r>
@@ -6353,8 +6353,8 @@
                     <a:alpha val="100000"/>
                   </a:srgbClr>
                 </a:solidFill>
-                <a:latin typeface=""/>
-                <a:cs typeface=""/>
+                <a:latin typeface="Calibri"/>
+                <a:cs typeface="Calibri"/>
               </a:rPr>
               <a:t> with arguments </a:t>
             </a:r>
@@ -6377,8 +6377,8 @@
                     <a:alpha val="100000"/>
                   </a:srgbClr>
                 </a:solidFill>
-                <a:latin typeface=""/>
-                <a:cs typeface=""/>
+                <a:latin typeface="Calibri"/>
+                <a:cs typeface="Calibri"/>
               </a:rPr>
               <a:t>, </a:t>
             </a:r>
@@ -6401,8 +6401,8 @@
                     <a:alpha val="100000"/>
                   </a:srgbClr>
                 </a:solidFill>
-                <a:latin typeface=""/>
-                <a:cs typeface=""/>
+                <a:latin typeface="Calibri"/>
+                <a:cs typeface="Calibri"/>
               </a:rPr>
               <a:t>, </a:t>
             </a:r>
@@ -6425,8 +6425,8 @@
                     <a:alpha val="100000"/>
                   </a:srgbClr>
                 </a:solidFill>
-                <a:latin typeface=""/>
-                <a:cs typeface=""/>
+                <a:latin typeface="Calibri"/>
+                <a:cs typeface="Calibri"/>
               </a:rPr>
               <a:t> and </a:t>
             </a:r>
@@ -6452,8 +6452,8 @@
                     <a:alpha val="100000"/>
                   </a:srgbClr>
                 </a:solidFill>
-                <a:latin typeface=""/>
-                <a:cs typeface=""/>
+                <a:latin typeface="Calibri"/>
+                <a:cs typeface="Calibri"/>
               </a:rPr>
               <a:t>Called </a:t>
             </a:r>
@@ -6476,8 +6476,8 @@
                     <a:alpha val="100000"/>
                   </a:srgbClr>
                 </a:solidFill>
-                <a:latin typeface=""/>
-                <a:cs typeface=""/>
+                <a:latin typeface="Calibri"/>
+                <a:cs typeface="Calibri"/>
               </a:rPr>
               <a:t> with bullet point list and </a:t>
             </a:r>
@@ -6500,8 +6500,8 @@
                     <a:alpha val="100000"/>
                   </a:srgbClr>
                 </a:solidFill>
-                <a:latin typeface=""/>
-                <a:cs typeface=""/>
+                <a:latin typeface="Calibri"/>
+                <a:cs typeface="Calibri"/>
               </a:rPr>
               <a:t> object.</a:t>
             </a:r>
@@ -6583,7 +6583,7 @@
           <a:p>
             <a:r>
               <a:rPr/>
-              <a:t>IQSlidedeck_IQRobjects.R | Date: 2021-01-11 16:38:41</a:t>
+              <a:t>IQSlidedeck_IQRobjects.R | Date: 2021-01-11 17:08:37</a:t>
             </a:r>
           </a:p>
         </p:txBody>
@@ -6668,8 +6668,8 @@
                     <a:alpha val="100000"/>
                   </a:srgbClr>
                 </a:solidFill>
-                <a:latin typeface=""/>
-                <a:cs typeface=""/>
+                <a:latin typeface="Calibri"/>
+                <a:cs typeface="Calibri"/>
               </a:rPr>
               <a:t>A list of ggplot objects was created</a:t>
             </a:r>
@@ -6683,8 +6683,8 @@
                     <a:alpha val="100000"/>
                   </a:srgbClr>
                 </a:solidFill>
-                <a:latin typeface=""/>
-                <a:cs typeface=""/>
+                <a:latin typeface="Calibri"/>
+                <a:cs typeface="Calibri"/>
               </a:rPr>
               <a:t>Called </a:t>
             </a:r>
@@ -6707,8 +6707,8 @@
                     <a:alpha val="100000"/>
                   </a:srgbClr>
                 </a:solidFill>
-                <a:latin typeface=""/>
-                <a:cs typeface=""/>
+                <a:latin typeface="Calibri"/>
+                <a:cs typeface="Calibri"/>
               </a:rPr>
               <a:t> with arguments </a:t>
             </a:r>
@@ -6731,8 +6731,8 @@
                     <a:alpha val="100000"/>
                   </a:srgbClr>
                 </a:solidFill>
-                <a:latin typeface=""/>
-                <a:cs typeface=""/>
+                <a:latin typeface="Calibri"/>
+                <a:cs typeface="Calibri"/>
               </a:rPr>
               <a:t>, </a:t>
             </a:r>
@@ -6755,8 +6755,8 @@
                     <a:alpha val="100000"/>
                   </a:srgbClr>
                 </a:solidFill>
-                <a:latin typeface=""/>
-                <a:cs typeface=""/>
+                <a:latin typeface="Calibri"/>
+                <a:cs typeface="Calibri"/>
               </a:rPr>
               <a:t>, </a:t>
             </a:r>
@@ -6779,8 +6779,8 @@
                     <a:alpha val="100000"/>
                   </a:srgbClr>
                 </a:solidFill>
-                <a:latin typeface=""/>
-                <a:cs typeface=""/>
+                <a:latin typeface="Calibri"/>
+                <a:cs typeface="Calibri"/>
               </a:rPr>
               <a:t> and </a:t>
             </a:r>
@@ -6806,8 +6806,8 @@
                     <a:alpha val="100000"/>
                   </a:srgbClr>
                 </a:solidFill>
-                <a:latin typeface=""/>
-                <a:cs typeface=""/>
+                <a:latin typeface="Calibri"/>
+                <a:cs typeface="Calibri"/>
               </a:rPr>
               <a:t>Called </a:t>
             </a:r>
@@ -6830,8 +6830,8 @@
                     <a:alpha val="100000"/>
                   </a:srgbClr>
                 </a:solidFill>
-                <a:latin typeface=""/>
-                <a:cs typeface=""/>
+                <a:latin typeface="Calibri"/>
+                <a:cs typeface="Calibri"/>
               </a:rPr>
               <a:t> with bullet point list and </a:t>
             </a:r>
@@ -6854,8 +6854,8 @@
                     <a:alpha val="100000"/>
                   </a:srgbClr>
                 </a:solidFill>
-                <a:latin typeface=""/>
-                <a:cs typeface=""/>
+                <a:latin typeface="Calibri"/>
+                <a:cs typeface="Calibri"/>
               </a:rPr>
               <a:t> object.</a:t>
             </a:r>
@@ -6937,7 +6937,7 @@
           <a:p>
             <a:r>
               <a:rPr/>
-              <a:t>IQSlidedeck_IQRobjects.R | Date: 2021-01-11 16:38:41</a:t>
+              <a:t>IQSlidedeck_IQRobjects.R | Date: 2021-01-11 17:08:37</a:t>
             </a:r>
           </a:p>
         </p:txBody>
@@ -7022,8 +7022,8 @@
                     <a:alpha val="100000"/>
                   </a:srgbClr>
                 </a:solidFill>
-                <a:latin typeface=""/>
-                <a:cs typeface=""/>
+                <a:latin typeface="Calibri"/>
+                <a:cs typeface="Calibri"/>
               </a:rPr>
               <a:t>Used well known standard data set </a:t>
             </a:r>
@@ -7049,8 +7049,8 @@
                     <a:alpha val="100000"/>
                   </a:srgbClr>
                 </a:solidFill>
-                <a:latin typeface=""/>
-                <a:cs typeface=""/>
+                <a:latin typeface="Calibri"/>
+                <a:cs typeface="Calibri"/>
               </a:rPr>
               <a:t>Applied </a:t>
             </a:r>
@@ -7073,8 +7073,8 @@
                     <a:alpha val="100000"/>
                   </a:srgbClr>
                 </a:solidFill>
-                <a:latin typeface=""/>
-                <a:cs typeface=""/>
+                <a:latin typeface="Calibri"/>
+                <a:cs typeface="Calibri"/>
               </a:rPr>
               <a:t> with arguments </a:t>
             </a:r>
@@ -7097,8 +7097,8 @@
                     <a:alpha val="100000"/>
                   </a:srgbClr>
                 </a:solidFill>
-                <a:latin typeface=""/>
-                <a:cs typeface=""/>
+                <a:latin typeface="Calibri"/>
+                <a:cs typeface="Calibri"/>
               </a:rPr>
               <a:t> and </a:t>
             </a:r>
@@ -7124,8 +7124,8 @@
                     <a:alpha val="100000"/>
                   </a:srgbClr>
                 </a:solidFill>
-                <a:latin typeface=""/>
-                <a:cs typeface=""/>
+                <a:latin typeface="Calibri"/>
+                <a:cs typeface="Calibri"/>
               </a:rPr>
               <a:t>Called </a:t>
             </a:r>
@@ -7148,8 +7148,8 @@
                     <a:alpha val="100000"/>
                   </a:srgbClr>
                 </a:solidFill>
-                <a:latin typeface=""/>
-                <a:cs typeface=""/>
+                <a:latin typeface="Calibri"/>
+                <a:cs typeface="Calibri"/>
               </a:rPr>
               <a:t> with bullet point list and </a:t>
             </a:r>
@@ -7172,8 +7172,8 @@
                     <a:alpha val="100000"/>
                   </a:srgbClr>
                 </a:solidFill>
-                <a:latin typeface=""/>
-                <a:cs typeface=""/>
+                <a:latin typeface="Calibri"/>
+                <a:cs typeface="Calibri"/>
               </a:rPr>
               <a:t> object</a:t>
             </a:r>
@@ -7256,7 +7256,7 @@
           <a:p>
             <a:r>
               <a:rPr/>
-              <a:t>IQSlidedeck_IQRobjects.R | Date: 2021-01-11 16:38:42</a:t>
+              <a:t>IQSlidedeck_IQRobjects.R | Date: 2021-01-11 17:08:38</a:t>
             </a:r>
           </a:p>
         </p:txBody>
@@ -7388,7 +7388,7 @@
           <a:p>
             <a:r>
               <a:rPr/>
-              <a:t>IQSlidedeck_IQRobjects.R | Date: 2021-01-11 16:38:43</a:t>
+              <a:t>IQSlidedeck_IQRobjects.R | Date: 2021-01-11 17:08:39</a:t>
             </a:r>
           </a:p>
         </p:txBody>
@@ -7552,7 +7552,7 @@
           <a:p>
             <a:r>
               <a:rPr/>
-              <a:t>script_IQSlidedeck.R | Date: 2021-01-11 16:38:09</a:t>
+              <a:t>script_IQSlidedeck.R | Date: 2021-01-11 17:08:05</a:t>
             </a:r>
           </a:p>
         </p:txBody>
@@ -7769,7 +7769,7 @@
           <a:p>
             <a:r>
               <a:rPr/>
-              <a:t>script_IQSlidedeck.R | Date: 2021-01-11 16:38:10</a:t>
+              <a:t>script_IQSlidedeck.R | Date: 2021-01-11 17:08:05</a:t>
             </a:r>
           </a:p>
         </p:txBody>
@@ -7874,7 +7874,7 @@
           <a:p>
             <a:r>
               <a:rPr/>
-              <a:t>script_IQSlidedeck.R | Date: 2021-01-11 16:38:13</a:t>
+              <a:t>script_IQSlidedeck.R | Date: 2021-01-11 17:08:09</a:t>
             </a:r>
           </a:p>
         </p:txBody>
@@ -7979,7 +7979,7 @@
           <a:p>
             <a:r>
               <a:rPr/>
-              <a:t>script_IQSlidedeck.R | Date: 2021-01-11 16:38:14</a:t>
+              <a:t>script_IQSlidedeck.R | Date: 2021-01-11 17:08:10</a:t>
             </a:r>
           </a:p>
         </p:txBody>
@@ -8084,7 +8084,7 @@
           <a:p>
             <a:r>
               <a:rPr/>
-              <a:t>script_IQSlidedeck.R | Date: 2021-01-11 16:38:21</a:t>
+              <a:t>script_IQSlidedeck.R | Date: 2021-01-11 17:08:16</a:t>
             </a:r>
           </a:p>
         </p:txBody>

--- a/tests/testresults/script_IQSlidedeck_IQobjects_Default_16_9.pptx
+++ b/tests/testresults/script_IQSlidedeck_IQobjects_Default_16_9.pptx
@@ -287,7 +287,7 @@
           <a:p>
             <a:fld id="{7B272C57-2FA0-4A9D-99A4-6F756B65018B}" type="datetimeFigureOut">
               <a:rPr lang="en-US" smtClean="0"/>
-              <a:t>4/23/2020</a:t>
+              <a:t>1/11/2021</a:t>
             </a:fld>
             <a:endParaRPr lang="en-US"/>
           </a:p>
@@ -361,6 +361,883 @@
 </file>
 
 <file path=ppt/slideLayouts/slideLayout10.xml><?xml version="1.0" encoding="utf-8"?>
+<p:sldLayout xmlns:a="http://schemas.openxmlformats.org/drawingml/2006/main" xmlns:r="http://schemas.openxmlformats.org/officeDocument/2006/relationships" xmlns:p="http://schemas.openxmlformats.org/presentationml/2006/main" preserve="1" userDrawn="1">
+  <p:cSld name="Two Content and Caption">
+    <p:bg>
+      <p:bgPr>
+        <a:solidFill>
+          <a:schemeClr val="bg1"/>
+        </a:solidFill>
+        <a:effectLst/>
+      </p:bgPr>
+    </p:bg>
+    <p:spTree>
+      <p:nvGrpSpPr>
+        <p:cNvPr id="1" name=""/>
+        <p:cNvGrpSpPr/>
+        <p:nvPr/>
+      </p:nvGrpSpPr>
+      <p:grpSpPr>
+        <a:xfrm>
+          <a:off x="0" y="0"/>
+          <a:ext cx="0" cy="0"/>
+          <a:chOff x="0" y="0"/>
+          <a:chExt cx="0" cy="0"/>
+        </a:xfrm>
+      </p:grpSpPr>
+      <p:sp>
+        <p:nvSpPr>
+          <p:cNvPr id="5" name="Date Placeholder 4">
+            <a:extLst>
+              <a:ext uri="{FF2B5EF4-FFF2-40B4-BE49-F238E27FC236}">
+                <a16:creationId xmlns:a16="http://schemas.microsoft.com/office/drawing/2014/main" id="{985F3433-3055-4279-A232-CDB35C481677}"/>
+              </a:ext>
+            </a:extLst>
+          </p:cNvPr>
+          <p:cNvSpPr>
+            <a:spLocks noGrp="1"/>
+          </p:cNvSpPr>
+          <p:nvPr>
+            <p:ph type="dt" sz="half" idx="10"/>
+          </p:nvPr>
+        </p:nvSpPr>
+        <p:spPr/>
+        <p:txBody>
+          <a:bodyPr/>
+          <a:lstStyle/>
+          <a:p>
+            <a:fld id="{7B272C57-2FA0-4A9D-99A4-6F756B65018B}" type="datetimeFigureOut">
+              <a:rPr lang="en-US" smtClean="0"/>
+              <a:t>1/11/2021</a:t>
+            </a:fld>
+            <a:endParaRPr lang="en-US"/>
+          </a:p>
+        </p:txBody>
+      </p:sp>
+      <p:sp>
+        <p:nvSpPr>
+          <p:cNvPr id="6" name="Footer Placeholder 5">
+            <a:extLst>
+              <a:ext uri="{FF2B5EF4-FFF2-40B4-BE49-F238E27FC236}">
+                <a16:creationId xmlns:a16="http://schemas.microsoft.com/office/drawing/2014/main" id="{C4190A63-5D67-4FD5-97FD-79F7445B6A2E}"/>
+              </a:ext>
+            </a:extLst>
+          </p:cNvPr>
+          <p:cNvSpPr>
+            <a:spLocks noGrp="1"/>
+          </p:cNvSpPr>
+          <p:nvPr>
+            <p:ph type="ftr" sz="quarter" idx="11"/>
+          </p:nvPr>
+        </p:nvSpPr>
+        <p:spPr/>
+        <p:txBody>
+          <a:bodyPr/>
+          <a:lstStyle/>
+          <a:p>
+            <a:endParaRPr lang="en-US"/>
+          </a:p>
+        </p:txBody>
+      </p:sp>
+      <p:sp>
+        <p:nvSpPr>
+          <p:cNvPr id="7" name="Slide Number Placeholder 6">
+            <a:extLst>
+              <a:ext uri="{FF2B5EF4-FFF2-40B4-BE49-F238E27FC236}">
+                <a16:creationId xmlns:a16="http://schemas.microsoft.com/office/drawing/2014/main" id="{D2687DAE-A442-4DC3-8550-20F58B781EC7}"/>
+              </a:ext>
+            </a:extLst>
+          </p:cNvPr>
+          <p:cNvSpPr>
+            <a:spLocks noGrp="1"/>
+          </p:cNvSpPr>
+          <p:nvPr>
+            <p:ph type="sldNum" sz="quarter" idx="12"/>
+          </p:nvPr>
+        </p:nvSpPr>
+        <p:spPr/>
+        <p:txBody>
+          <a:bodyPr/>
+          <a:lstStyle/>
+          <a:p>
+            <a:fld id="{C064A79B-B315-413E-88BB-EFE0B5D603D0}" type="slidenum">
+              <a:rPr lang="en-US" smtClean="0"/>
+              <a:t>‹#›</a:t>
+            </a:fld>
+            <a:endParaRPr lang="en-US"/>
+          </a:p>
+        </p:txBody>
+      </p:sp>
+      <p:sp>
+        <p:nvSpPr>
+          <p:cNvPr id="9" name="Title 1">
+            <a:extLst>
+              <a:ext uri="{FF2B5EF4-FFF2-40B4-BE49-F238E27FC236}">
+                <a16:creationId xmlns:a16="http://schemas.microsoft.com/office/drawing/2014/main" id="{177E17F1-D3B2-42A6-9982-8788655386CF}"/>
+              </a:ext>
+            </a:extLst>
+          </p:cNvPr>
+          <p:cNvSpPr>
+            <a:spLocks noGrp="1"/>
+          </p:cNvSpPr>
+          <p:nvPr>
+            <p:ph type="title"/>
+          </p:nvPr>
+        </p:nvSpPr>
+        <p:spPr>
+          <a:xfrm>
+            <a:off x="0" y="0"/>
+            <a:ext cx="12192000" cy="1013635"/>
+          </a:xfrm>
+          <a:solidFill>
+            <a:srgbClr val="2E3640"/>
+          </a:solidFill>
+        </p:spPr>
+        <p:txBody>
+          <a:bodyPr/>
+          <a:lstStyle>
+            <a:lvl1pPr>
+              <a:defRPr lang="en-US" dirty="0"/>
+            </a:lvl1pPr>
+          </a:lstStyle>
+          <a:p>
+            <a:r>
+              <a:rPr lang="en-US" dirty="0"/>
+              <a:t>Click to edit Master title style</a:t>
+            </a:r>
+          </a:p>
+        </p:txBody>
+      </p:sp>
+      <p:sp>
+        <p:nvSpPr>
+          <p:cNvPr id="10" name="Content Placeholder 2">
+            <a:extLst>
+              <a:ext uri="{FF2B5EF4-FFF2-40B4-BE49-F238E27FC236}">
+                <a16:creationId xmlns:a16="http://schemas.microsoft.com/office/drawing/2014/main" id="{F1A58CC4-526C-4991-898F-C0879D5343E8}"/>
+              </a:ext>
+            </a:extLst>
+          </p:cNvPr>
+          <p:cNvSpPr>
+            <a:spLocks noGrp="1"/>
+          </p:cNvSpPr>
+          <p:nvPr>
+            <p:ph sz="half" idx="1"/>
+          </p:nvPr>
+        </p:nvSpPr>
+        <p:spPr>
+          <a:xfrm>
+            <a:off x="250521" y="1205547"/>
+            <a:ext cx="5769279" cy="4446906"/>
+          </a:xfrm>
+        </p:spPr>
+        <p:txBody>
+          <a:bodyPr/>
+          <a:lstStyle/>
+          <a:p>
+            <a:pPr lvl="0"/>
+            <a:r>
+              <a:rPr lang="en-US" dirty="0"/>
+              <a:t>Click to edit Master text styles</a:t>
+            </a:r>
+          </a:p>
+          <a:p>
+            <a:pPr lvl="1"/>
+            <a:r>
+              <a:rPr lang="en-US" dirty="0"/>
+              <a:t>Second level</a:t>
+            </a:r>
+          </a:p>
+          <a:p>
+            <a:pPr lvl="2"/>
+            <a:r>
+              <a:rPr lang="en-US" dirty="0"/>
+              <a:t>Third level</a:t>
+            </a:r>
+          </a:p>
+          <a:p>
+            <a:pPr lvl="3"/>
+            <a:r>
+              <a:rPr lang="en-US" dirty="0"/>
+              <a:t>Fourth level</a:t>
+            </a:r>
+          </a:p>
+          <a:p>
+            <a:pPr lvl="4"/>
+            <a:r>
+              <a:rPr lang="en-US" dirty="0"/>
+              <a:t>Fifth level</a:t>
+            </a:r>
+          </a:p>
+        </p:txBody>
+      </p:sp>
+      <p:sp>
+        <p:nvSpPr>
+          <p:cNvPr id="11" name="Content Placeholder 3">
+            <a:extLst>
+              <a:ext uri="{FF2B5EF4-FFF2-40B4-BE49-F238E27FC236}">
+                <a16:creationId xmlns:a16="http://schemas.microsoft.com/office/drawing/2014/main" id="{CB008E43-F727-4C47-9855-9440A412ACCB}"/>
+              </a:ext>
+            </a:extLst>
+          </p:cNvPr>
+          <p:cNvSpPr>
+            <a:spLocks noGrp="1"/>
+          </p:cNvSpPr>
+          <p:nvPr>
+            <p:ph sz="half" idx="2"/>
+          </p:nvPr>
+        </p:nvSpPr>
+        <p:spPr>
+          <a:xfrm>
+            <a:off x="6172199" y="1205548"/>
+            <a:ext cx="5727527" cy="4446905"/>
+          </a:xfrm>
+        </p:spPr>
+        <p:txBody>
+          <a:bodyPr/>
+          <a:lstStyle/>
+          <a:p>
+            <a:pPr lvl="0"/>
+            <a:r>
+              <a:rPr lang="en-US"/>
+              <a:t>Click to edit Master text styles</a:t>
+            </a:r>
+          </a:p>
+          <a:p>
+            <a:pPr lvl="1"/>
+            <a:r>
+              <a:rPr lang="en-US"/>
+              <a:t>Second level</a:t>
+            </a:r>
+          </a:p>
+          <a:p>
+            <a:pPr lvl="2"/>
+            <a:r>
+              <a:rPr lang="en-US"/>
+              <a:t>Third level</a:t>
+            </a:r>
+          </a:p>
+          <a:p>
+            <a:pPr lvl="3"/>
+            <a:r>
+              <a:rPr lang="en-US"/>
+              <a:t>Fourth level</a:t>
+            </a:r>
+          </a:p>
+          <a:p>
+            <a:pPr lvl="4"/>
+            <a:r>
+              <a:rPr lang="en-US"/>
+              <a:t>Fifth level</a:t>
+            </a:r>
+          </a:p>
+        </p:txBody>
+      </p:sp>
+      <p:sp>
+        <p:nvSpPr>
+          <p:cNvPr id="3" name="Text Placeholder 2">
+            <a:extLst>
+              <a:ext uri="{FF2B5EF4-FFF2-40B4-BE49-F238E27FC236}">
+                <a16:creationId xmlns:a16="http://schemas.microsoft.com/office/drawing/2014/main" id="{B6810FF5-0B9C-4441-B73D-B10146FB8996}"/>
+              </a:ext>
+            </a:extLst>
+          </p:cNvPr>
+          <p:cNvSpPr>
+            <a:spLocks noGrp="1"/>
+          </p:cNvSpPr>
+          <p:nvPr>
+            <p:ph type="body" sz="quarter" idx="13"/>
+          </p:nvPr>
+        </p:nvSpPr>
+        <p:spPr>
+          <a:xfrm>
+            <a:off x="250825" y="5781584"/>
+            <a:ext cx="5768975" cy="445634"/>
+          </a:xfrm>
+        </p:spPr>
+        <p:txBody>
+          <a:bodyPr/>
+          <a:lstStyle>
+            <a:lvl1pPr marL="0" indent="0">
+              <a:buFont typeface="Arial" panose="020B0604020202020204" pitchFamily="34" charset="0"/>
+              <a:buNone/>
+              <a:defRPr sz="1200"/>
+            </a:lvl1pPr>
+            <a:lvl2pPr marL="457200" indent="0">
+              <a:buFont typeface="Arial" panose="020B0604020202020204" pitchFamily="34" charset="0"/>
+              <a:buNone/>
+              <a:defRPr sz="1100"/>
+            </a:lvl2pPr>
+            <a:lvl3pPr marL="914400" indent="0">
+              <a:buFont typeface="Arial" panose="020B0604020202020204" pitchFamily="34" charset="0"/>
+              <a:buNone/>
+              <a:defRPr sz="1050"/>
+            </a:lvl3pPr>
+            <a:lvl4pPr marL="1371600" indent="0">
+              <a:buFont typeface="Arial" panose="020B0604020202020204" pitchFamily="34" charset="0"/>
+              <a:buNone/>
+              <a:defRPr sz="1000"/>
+            </a:lvl4pPr>
+            <a:lvl5pPr marL="1828800" indent="0">
+              <a:buFont typeface="Arial" panose="020B0604020202020204" pitchFamily="34" charset="0"/>
+              <a:buNone/>
+              <a:defRPr sz="1000"/>
+            </a:lvl5pPr>
+          </a:lstStyle>
+          <a:p>
+            <a:pPr lvl="0"/>
+            <a:r>
+              <a:rPr lang="en-US" dirty="0"/>
+              <a:t>Click to edit Master text styles</a:t>
+            </a:r>
+          </a:p>
+          <a:p>
+            <a:pPr lvl="1"/>
+            <a:r>
+              <a:rPr lang="en-US" dirty="0"/>
+              <a:t>Second level</a:t>
+            </a:r>
+          </a:p>
+          <a:p>
+            <a:pPr lvl="2"/>
+            <a:r>
+              <a:rPr lang="en-US" dirty="0"/>
+              <a:t>Third level</a:t>
+            </a:r>
+          </a:p>
+          <a:p>
+            <a:pPr lvl="3"/>
+            <a:r>
+              <a:rPr lang="en-US" dirty="0"/>
+              <a:t>Fourth level</a:t>
+            </a:r>
+          </a:p>
+          <a:p>
+            <a:pPr lvl="4"/>
+            <a:r>
+              <a:rPr lang="en-US" dirty="0"/>
+              <a:t>Fifth level</a:t>
+            </a:r>
+            <a:endParaRPr lang="en-CH" dirty="0"/>
+          </a:p>
+        </p:txBody>
+      </p:sp>
+      <p:sp>
+        <p:nvSpPr>
+          <p:cNvPr id="4" name="Text Placeholder 3">
+            <a:extLst>
+              <a:ext uri="{FF2B5EF4-FFF2-40B4-BE49-F238E27FC236}">
+                <a16:creationId xmlns:a16="http://schemas.microsoft.com/office/drawing/2014/main" id="{EF8CA0C6-2B85-43B4-92F5-635817B1E191}"/>
+              </a:ext>
+            </a:extLst>
+          </p:cNvPr>
+          <p:cNvSpPr>
+            <a:spLocks noGrp="1"/>
+          </p:cNvSpPr>
+          <p:nvPr>
+            <p:ph type="body" sz="quarter" idx="14"/>
+          </p:nvPr>
+        </p:nvSpPr>
+        <p:spPr>
+          <a:xfrm>
+            <a:off x="6172200" y="5781675"/>
+            <a:ext cx="5727700" cy="446088"/>
+          </a:xfrm>
+        </p:spPr>
+        <p:txBody>
+          <a:bodyPr>
+            <a:noAutofit/>
+          </a:bodyPr>
+          <a:lstStyle>
+            <a:lvl1pPr marL="0" indent="0">
+              <a:buFontTx/>
+              <a:buNone/>
+              <a:defRPr sz="1200"/>
+            </a:lvl1pPr>
+            <a:lvl2pPr marL="457200" indent="0">
+              <a:buFontTx/>
+              <a:buNone/>
+              <a:defRPr sz="1100"/>
+            </a:lvl2pPr>
+            <a:lvl3pPr marL="914400" indent="0">
+              <a:buFontTx/>
+              <a:buNone/>
+              <a:defRPr sz="1050"/>
+            </a:lvl3pPr>
+            <a:lvl4pPr marL="1371600" indent="0">
+              <a:buFontTx/>
+              <a:buNone/>
+              <a:defRPr sz="1000"/>
+            </a:lvl4pPr>
+            <a:lvl5pPr marL="1828800" indent="0">
+              <a:buFontTx/>
+              <a:buNone/>
+              <a:defRPr sz="1000"/>
+            </a:lvl5pPr>
+          </a:lstStyle>
+          <a:p>
+            <a:pPr lvl="0"/>
+            <a:r>
+              <a:rPr lang="en-US" dirty="0"/>
+              <a:t>Click to edit Master text styles</a:t>
+            </a:r>
+          </a:p>
+          <a:p>
+            <a:pPr lvl="1"/>
+            <a:r>
+              <a:rPr lang="en-US" dirty="0"/>
+              <a:t>Second level</a:t>
+            </a:r>
+          </a:p>
+          <a:p>
+            <a:pPr lvl="2"/>
+            <a:r>
+              <a:rPr lang="en-US" dirty="0"/>
+              <a:t>Third level</a:t>
+            </a:r>
+          </a:p>
+          <a:p>
+            <a:pPr lvl="3"/>
+            <a:r>
+              <a:rPr lang="en-US" dirty="0"/>
+              <a:t>Fourth level</a:t>
+            </a:r>
+          </a:p>
+          <a:p>
+            <a:pPr lvl="4"/>
+            <a:r>
+              <a:rPr lang="en-US" dirty="0"/>
+              <a:t>Fifth level</a:t>
+            </a:r>
+            <a:endParaRPr lang="en-CH" dirty="0"/>
+          </a:p>
+        </p:txBody>
+      </p:sp>
+    </p:spTree>
+    <p:extLst>
+      <p:ext uri="{BB962C8B-B14F-4D97-AF65-F5344CB8AC3E}">
+        <p14:creationId xmlns:p14="http://schemas.microsoft.com/office/powerpoint/2010/main" val="1216857061"/>
+      </p:ext>
+    </p:extLst>
+  </p:cSld>
+  <p:clrMapOvr>
+    <a:masterClrMapping/>
+  </p:clrMapOvr>
+</p:sldLayout>
+</file>
+
+<file path=ppt/slideLayouts/slideLayout11.xml><?xml version="1.0" encoding="utf-8"?>
+<p:sldLayout xmlns:a="http://schemas.openxmlformats.org/drawingml/2006/main" xmlns:r="http://schemas.openxmlformats.org/officeDocument/2006/relationships" xmlns:p="http://schemas.openxmlformats.org/presentationml/2006/main" type="twoTxTwoObj" preserve="1">
+  <p:cSld name="Comparison">
+    <p:spTree>
+      <p:nvGrpSpPr>
+        <p:cNvPr id="1" name=""/>
+        <p:cNvGrpSpPr/>
+        <p:nvPr/>
+      </p:nvGrpSpPr>
+      <p:grpSpPr>
+        <a:xfrm>
+          <a:off x="0" y="0"/>
+          <a:ext cx="0" cy="0"/>
+          <a:chOff x="0" y="0"/>
+          <a:chExt cx="0" cy="0"/>
+        </a:xfrm>
+      </p:grpSpPr>
+      <p:sp>
+        <p:nvSpPr>
+          <p:cNvPr id="2" name="Title 1">
+            <a:extLst>
+              <a:ext uri="{FF2B5EF4-FFF2-40B4-BE49-F238E27FC236}">
+                <a16:creationId xmlns:a16="http://schemas.microsoft.com/office/drawing/2014/main" id="{DDCEEDBF-B9EE-46CF-A2B0-8EE3479EFD83}"/>
+              </a:ext>
+            </a:extLst>
+          </p:cNvPr>
+          <p:cNvSpPr>
+            <a:spLocks noGrp="1"/>
+          </p:cNvSpPr>
+          <p:nvPr>
+            <p:ph type="title"/>
+          </p:nvPr>
+        </p:nvSpPr>
+        <p:spPr>
+          <a:xfrm>
+            <a:off x="839788" y="365125"/>
+            <a:ext cx="10515600" cy="1325563"/>
+          </a:xfrm>
+        </p:spPr>
+        <p:txBody>
+          <a:bodyPr/>
+          <a:lstStyle/>
+          <a:p>
+            <a:r>
+              <a:rPr lang="en-US"/>
+              <a:t>Click to edit Master title style</a:t>
+            </a:r>
+          </a:p>
+        </p:txBody>
+      </p:sp>
+      <p:sp>
+        <p:nvSpPr>
+          <p:cNvPr id="3" name="Text Placeholder 2">
+            <a:extLst>
+              <a:ext uri="{FF2B5EF4-FFF2-40B4-BE49-F238E27FC236}">
+                <a16:creationId xmlns:a16="http://schemas.microsoft.com/office/drawing/2014/main" id="{544AF6FB-AD6C-4882-81B0-96CE078AAFDE}"/>
+              </a:ext>
+            </a:extLst>
+          </p:cNvPr>
+          <p:cNvSpPr>
+            <a:spLocks noGrp="1"/>
+          </p:cNvSpPr>
+          <p:nvPr>
+            <p:ph type="body" idx="1"/>
+          </p:nvPr>
+        </p:nvSpPr>
+        <p:spPr>
+          <a:xfrm>
+            <a:off x="839788" y="1681163"/>
+            <a:ext cx="5157787" cy="823912"/>
+          </a:xfrm>
+        </p:spPr>
+        <p:txBody>
+          <a:bodyPr anchor="b"/>
+          <a:lstStyle>
+            <a:lvl1pPr marL="0" indent="0">
+              <a:buNone/>
+              <a:defRPr sz="2400" b="1"/>
+            </a:lvl1pPr>
+            <a:lvl2pPr marL="457200" indent="0">
+              <a:buNone/>
+              <a:defRPr sz="2000" b="1"/>
+            </a:lvl2pPr>
+            <a:lvl3pPr marL="914400" indent="0">
+              <a:buNone/>
+              <a:defRPr sz="1800" b="1"/>
+            </a:lvl3pPr>
+            <a:lvl4pPr marL="1371600" indent="0">
+              <a:buNone/>
+              <a:defRPr sz="1600" b="1"/>
+            </a:lvl4pPr>
+            <a:lvl5pPr marL="1828800" indent="0">
+              <a:buNone/>
+              <a:defRPr sz="1600" b="1"/>
+            </a:lvl5pPr>
+            <a:lvl6pPr marL="2286000" indent="0">
+              <a:buNone/>
+              <a:defRPr sz="1600" b="1"/>
+            </a:lvl6pPr>
+            <a:lvl7pPr marL="2743200" indent="0">
+              <a:buNone/>
+              <a:defRPr sz="1600" b="1"/>
+            </a:lvl7pPr>
+            <a:lvl8pPr marL="3200400" indent="0">
+              <a:buNone/>
+              <a:defRPr sz="1600" b="1"/>
+            </a:lvl8pPr>
+            <a:lvl9pPr marL="3657600" indent="0">
+              <a:buNone/>
+              <a:defRPr sz="1600" b="1"/>
+            </a:lvl9pPr>
+          </a:lstStyle>
+          <a:p>
+            <a:pPr lvl="0"/>
+            <a:r>
+              <a:rPr lang="en-US"/>
+              <a:t>Click to edit Master text styles</a:t>
+            </a:r>
+          </a:p>
+        </p:txBody>
+      </p:sp>
+      <p:sp>
+        <p:nvSpPr>
+          <p:cNvPr id="4" name="Content Placeholder 3">
+            <a:extLst>
+              <a:ext uri="{FF2B5EF4-FFF2-40B4-BE49-F238E27FC236}">
+                <a16:creationId xmlns:a16="http://schemas.microsoft.com/office/drawing/2014/main" id="{1533832D-5B97-457A-BE16-A272372A4631}"/>
+              </a:ext>
+            </a:extLst>
+          </p:cNvPr>
+          <p:cNvSpPr>
+            <a:spLocks noGrp="1"/>
+          </p:cNvSpPr>
+          <p:nvPr>
+            <p:ph sz="half" idx="2"/>
+          </p:nvPr>
+        </p:nvSpPr>
+        <p:spPr>
+          <a:xfrm>
+            <a:off x="839788" y="2505075"/>
+            <a:ext cx="5157787" cy="3684588"/>
+          </a:xfrm>
+        </p:spPr>
+        <p:txBody>
+          <a:bodyPr/>
+          <a:lstStyle/>
+          <a:p>
+            <a:pPr lvl="0"/>
+            <a:r>
+              <a:rPr lang="en-US"/>
+              <a:t>Click to edit Master text styles</a:t>
+            </a:r>
+          </a:p>
+          <a:p>
+            <a:pPr lvl="1"/>
+            <a:r>
+              <a:rPr lang="en-US"/>
+              <a:t>Second level</a:t>
+            </a:r>
+          </a:p>
+          <a:p>
+            <a:pPr lvl="2"/>
+            <a:r>
+              <a:rPr lang="en-US"/>
+              <a:t>Third level</a:t>
+            </a:r>
+          </a:p>
+          <a:p>
+            <a:pPr lvl="3"/>
+            <a:r>
+              <a:rPr lang="en-US"/>
+              <a:t>Fourth level</a:t>
+            </a:r>
+          </a:p>
+          <a:p>
+            <a:pPr lvl="4"/>
+            <a:r>
+              <a:rPr lang="en-US"/>
+              <a:t>Fifth level</a:t>
+            </a:r>
+          </a:p>
+        </p:txBody>
+      </p:sp>
+      <p:sp>
+        <p:nvSpPr>
+          <p:cNvPr id="5" name="Text Placeholder 4">
+            <a:extLst>
+              <a:ext uri="{FF2B5EF4-FFF2-40B4-BE49-F238E27FC236}">
+                <a16:creationId xmlns:a16="http://schemas.microsoft.com/office/drawing/2014/main" id="{EB0BE55C-A71C-4022-9131-15FEDC116784}"/>
+              </a:ext>
+            </a:extLst>
+          </p:cNvPr>
+          <p:cNvSpPr>
+            <a:spLocks noGrp="1"/>
+          </p:cNvSpPr>
+          <p:nvPr>
+            <p:ph type="body" sz="quarter" idx="3"/>
+          </p:nvPr>
+        </p:nvSpPr>
+        <p:spPr>
+          <a:xfrm>
+            <a:off x="6172200" y="1681163"/>
+            <a:ext cx="5183188" cy="823912"/>
+          </a:xfrm>
+        </p:spPr>
+        <p:txBody>
+          <a:bodyPr anchor="b"/>
+          <a:lstStyle>
+            <a:lvl1pPr marL="0" indent="0">
+              <a:buNone/>
+              <a:defRPr sz="2400" b="1"/>
+            </a:lvl1pPr>
+            <a:lvl2pPr marL="457200" indent="0">
+              <a:buNone/>
+              <a:defRPr sz="2000" b="1"/>
+            </a:lvl2pPr>
+            <a:lvl3pPr marL="914400" indent="0">
+              <a:buNone/>
+              <a:defRPr sz="1800" b="1"/>
+            </a:lvl3pPr>
+            <a:lvl4pPr marL="1371600" indent="0">
+              <a:buNone/>
+              <a:defRPr sz="1600" b="1"/>
+            </a:lvl4pPr>
+            <a:lvl5pPr marL="1828800" indent="0">
+              <a:buNone/>
+              <a:defRPr sz="1600" b="1"/>
+            </a:lvl5pPr>
+            <a:lvl6pPr marL="2286000" indent="0">
+              <a:buNone/>
+              <a:defRPr sz="1600" b="1"/>
+            </a:lvl6pPr>
+            <a:lvl7pPr marL="2743200" indent="0">
+              <a:buNone/>
+              <a:defRPr sz="1600" b="1"/>
+            </a:lvl7pPr>
+            <a:lvl8pPr marL="3200400" indent="0">
+              <a:buNone/>
+              <a:defRPr sz="1600" b="1"/>
+            </a:lvl8pPr>
+            <a:lvl9pPr marL="3657600" indent="0">
+              <a:buNone/>
+              <a:defRPr sz="1600" b="1"/>
+            </a:lvl9pPr>
+          </a:lstStyle>
+          <a:p>
+            <a:pPr lvl="0"/>
+            <a:r>
+              <a:rPr lang="en-US"/>
+              <a:t>Click to edit Master text styles</a:t>
+            </a:r>
+          </a:p>
+        </p:txBody>
+      </p:sp>
+      <p:sp>
+        <p:nvSpPr>
+          <p:cNvPr id="6" name="Content Placeholder 5">
+            <a:extLst>
+              <a:ext uri="{FF2B5EF4-FFF2-40B4-BE49-F238E27FC236}">
+                <a16:creationId xmlns:a16="http://schemas.microsoft.com/office/drawing/2014/main" id="{B42F743A-257A-4CB8-B95B-5C988CC62C5F}"/>
+              </a:ext>
+            </a:extLst>
+          </p:cNvPr>
+          <p:cNvSpPr>
+            <a:spLocks noGrp="1"/>
+          </p:cNvSpPr>
+          <p:nvPr>
+            <p:ph sz="quarter" idx="4"/>
+          </p:nvPr>
+        </p:nvSpPr>
+        <p:spPr>
+          <a:xfrm>
+            <a:off x="6172200" y="2505075"/>
+            <a:ext cx="5183188" cy="3684588"/>
+          </a:xfrm>
+        </p:spPr>
+        <p:txBody>
+          <a:bodyPr/>
+          <a:lstStyle/>
+          <a:p>
+            <a:pPr lvl="0"/>
+            <a:r>
+              <a:rPr lang="en-US"/>
+              <a:t>Click to edit Master text styles</a:t>
+            </a:r>
+          </a:p>
+          <a:p>
+            <a:pPr lvl="1"/>
+            <a:r>
+              <a:rPr lang="en-US"/>
+              <a:t>Second level</a:t>
+            </a:r>
+          </a:p>
+          <a:p>
+            <a:pPr lvl="2"/>
+            <a:r>
+              <a:rPr lang="en-US"/>
+              <a:t>Third level</a:t>
+            </a:r>
+          </a:p>
+          <a:p>
+            <a:pPr lvl="3"/>
+            <a:r>
+              <a:rPr lang="en-US"/>
+              <a:t>Fourth level</a:t>
+            </a:r>
+          </a:p>
+          <a:p>
+            <a:pPr lvl="4"/>
+            <a:r>
+              <a:rPr lang="en-US"/>
+              <a:t>Fifth level</a:t>
+            </a:r>
+          </a:p>
+        </p:txBody>
+      </p:sp>
+      <p:sp>
+        <p:nvSpPr>
+          <p:cNvPr id="7" name="Date Placeholder 6">
+            <a:extLst>
+              <a:ext uri="{FF2B5EF4-FFF2-40B4-BE49-F238E27FC236}">
+                <a16:creationId xmlns:a16="http://schemas.microsoft.com/office/drawing/2014/main" id="{D25E529E-3A21-43D7-BDFA-A5A848AC67B7}"/>
+              </a:ext>
+            </a:extLst>
+          </p:cNvPr>
+          <p:cNvSpPr>
+            <a:spLocks noGrp="1"/>
+          </p:cNvSpPr>
+          <p:nvPr>
+            <p:ph type="dt" sz="half" idx="10"/>
+          </p:nvPr>
+        </p:nvSpPr>
+        <p:spPr/>
+        <p:txBody>
+          <a:bodyPr/>
+          <a:lstStyle/>
+          <a:p>
+            <a:fld id="{7B272C57-2FA0-4A9D-99A4-6F756B65018B}" type="datetimeFigureOut">
+              <a:rPr lang="en-US" smtClean="0"/>
+              <a:t>1/11/2021</a:t>
+            </a:fld>
+            <a:endParaRPr lang="en-US"/>
+          </a:p>
+        </p:txBody>
+      </p:sp>
+      <p:sp>
+        <p:nvSpPr>
+          <p:cNvPr id="8" name="Footer Placeholder 7">
+            <a:extLst>
+              <a:ext uri="{FF2B5EF4-FFF2-40B4-BE49-F238E27FC236}">
+                <a16:creationId xmlns:a16="http://schemas.microsoft.com/office/drawing/2014/main" id="{E8A1AC98-0217-4FDD-B158-1F74B7A158CE}"/>
+              </a:ext>
+            </a:extLst>
+          </p:cNvPr>
+          <p:cNvSpPr>
+            <a:spLocks noGrp="1"/>
+          </p:cNvSpPr>
+          <p:nvPr>
+            <p:ph type="ftr" sz="quarter" idx="11"/>
+          </p:nvPr>
+        </p:nvSpPr>
+        <p:spPr/>
+        <p:txBody>
+          <a:bodyPr/>
+          <a:lstStyle/>
+          <a:p>
+            <a:endParaRPr lang="en-US"/>
+          </a:p>
+        </p:txBody>
+      </p:sp>
+      <p:sp>
+        <p:nvSpPr>
+          <p:cNvPr id="9" name="Slide Number Placeholder 8">
+            <a:extLst>
+              <a:ext uri="{FF2B5EF4-FFF2-40B4-BE49-F238E27FC236}">
+                <a16:creationId xmlns:a16="http://schemas.microsoft.com/office/drawing/2014/main" id="{38112B28-E129-463E-A880-BAB46D30BA21}"/>
+              </a:ext>
+            </a:extLst>
+          </p:cNvPr>
+          <p:cNvSpPr>
+            <a:spLocks noGrp="1"/>
+          </p:cNvSpPr>
+          <p:nvPr>
+            <p:ph type="sldNum" sz="quarter" idx="12"/>
+          </p:nvPr>
+        </p:nvSpPr>
+        <p:spPr/>
+        <p:txBody>
+          <a:bodyPr/>
+          <a:lstStyle/>
+          <a:p>
+            <a:fld id="{C064A79B-B315-413E-88BB-EFE0B5D603D0}" type="slidenum">
+              <a:rPr lang="en-US" smtClean="0"/>
+              <a:t>‹#›</a:t>
+            </a:fld>
+            <a:endParaRPr lang="en-US"/>
+          </a:p>
+        </p:txBody>
+      </p:sp>
+    </p:spTree>
+    <p:extLst>
+      <p:ext uri="{BB962C8B-B14F-4D97-AF65-F5344CB8AC3E}">
+        <p14:creationId xmlns:p14="http://schemas.microsoft.com/office/powerpoint/2010/main" val="3298881254"/>
+      </p:ext>
+    </p:extLst>
+  </p:cSld>
+  <p:clrMapOvr>
+    <a:masterClrMapping/>
+  </p:clrMapOvr>
+</p:sldLayout>
+</file>
+
+<file path=ppt/slideLayouts/slideLayout12.xml><?xml version="1.0" encoding="utf-8"?>
 <p:sldLayout xmlns:a="http://schemas.openxmlformats.org/drawingml/2006/main" xmlns:r="http://schemas.openxmlformats.org/officeDocument/2006/relationships" xmlns:p="http://schemas.openxmlformats.org/presentationml/2006/main" type="titleOnly" preserve="1">
   <p:cSld name="Title Only">
     <p:spTree>
@@ -444,7 +1321,7 @@
           <a:p>
             <a:fld id="{7B272C57-2FA0-4A9D-99A4-6F756B65018B}" type="datetimeFigureOut">
               <a:rPr lang="en-US" smtClean="0"/>
-              <a:t>4/23/2020</a:t>
+              <a:t>1/11/2021</a:t>
             </a:fld>
             <a:endParaRPr lang="en-US"/>
           </a:p>
@@ -517,7 +1394,7 @@
 </p:sldLayout>
 </file>
 
-<file path=ppt/slideLayouts/slideLayout11.xml><?xml version="1.0" encoding="utf-8"?>
+<file path=ppt/slideLayouts/slideLayout13.xml><?xml version="1.0" encoding="utf-8"?>
 <p:sldLayout xmlns:a="http://schemas.openxmlformats.org/drawingml/2006/main" xmlns:r="http://schemas.openxmlformats.org/officeDocument/2006/relationships" xmlns:p="http://schemas.openxmlformats.org/presentationml/2006/main" type="blank" preserve="1">
   <p:cSld name="Blank">
     <p:spTree>
@@ -557,7 +1434,7 @@
           <a:p>
             <a:fld id="{7B272C57-2FA0-4A9D-99A4-6F756B65018B}" type="datetimeFigureOut">
               <a:rPr lang="en-US" smtClean="0"/>
-              <a:t>4/23/2020</a:t>
+              <a:t>1/11/2021</a:t>
             </a:fld>
             <a:endParaRPr lang="en-US"/>
           </a:p>
@@ -630,7 +1507,7 @@
 </p:sldLayout>
 </file>
 
-<file path=ppt/slideLayouts/slideLayout12.xml><?xml version="1.0" encoding="utf-8"?>
+<file path=ppt/slideLayouts/slideLayout14.xml><?xml version="1.0" encoding="utf-8"?>
 <p:sldLayout xmlns:a="http://schemas.openxmlformats.org/drawingml/2006/main" xmlns:r="http://schemas.openxmlformats.org/officeDocument/2006/relationships" xmlns:p="http://schemas.openxmlformats.org/presentationml/2006/main" type="objTx" preserve="1">
   <p:cSld name="Content with Caption">
     <p:spTree>
@@ -868,7 +1745,7 @@
           <a:p>
             <a:fld id="{7B272C57-2FA0-4A9D-99A4-6F756B65018B}" type="datetimeFigureOut">
               <a:rPr lang="en-US" smtClean="0"/>
-              <a:t>4/23/2020</a:t>
+              <a:t>1/11/2021</a:t>
             </a:fld>
             <a:endParaRPr lang="en-US"/>
           </a:p>
@@ -941,7 +1818,7 @@
 </p:sldLayout>
 </file>
 
-<file path=ppt/slideLayouts/slideLayout13.xml><?xml version="1.0" encoding="utf-8"?>
+<file path=ppt/slideLayouts/slideLayout15.xml><?xml version="1.0" encoding="utf-8"?>
 <p:sldLayout xmlns:a="http://schemas.openxmlformats.org/drawingml/2006/main" xmlns:r="http://schemas.openxmlformats.org/officeDocument/2006/relationships" xmlns:p="http://schemas.openxmlformats.org/presentationml/2006/main" type="picTx" preserve="1">
   <p:cSld name="Picture with Caption">
     <p:spTree>
@@ -1156,7 +2033,7 @@
           <a:p>
             <a:fld id="{7B272C57-2FA0-4A9D-99A4-6F756B65018B}" type="datetimeFigureOut">
               <a:rPr lang="en-US" smtClean="0"/>
-              <a:t>4/23/2020</a:t>
+              <a:t>1/11/2021</a:t>
             </a:fld>
             <a:endParaRPr lang="en-US"/>
           </a:p>
@@ -1229,7 +2106,7 @@
 </p:sldLayout>
 </file>
 
-<file path=ppt/slideLayouts/slideLayout14.xml><?xml version="1.0" encoding="utf-8"?>
+<file path=ppt/slideLayouts/slideLayout16.xml><?xml version="1.0" encoding="utf-8"?>
 <p:sldLayout xmlns:a="http://schemas.openxmlformats.org/drawingml/2006/main" xmlns:r="http://schemas.openxmlformats.org/officeDocument/2006/relationships" xmlns:p="http://schemas.openxmlformats.org/presentationml/2006/main" type="vertTx" preserve="1">
   <p:cSld name="Title and Vertical Text">
     <p:spTree>
@@ -1354,7 +2231,7 @@
           <a:p>
             <a:fld id="{7B272C57-2FA0-4A9D-99A4-6F756B65018B}" type="datetimeFigureOut">
               <a:rPr lang="en-US" smtClean="0"/>
-              <a:t>4/23/2020</a:t>
+              <a:t>1/11/2021</a:t>
             </a:fld>
             <a:endParaRPr lang="en-US"/>
           </a:p>
@@ -1427,7 +2304,7 @@
 </p:sldLayout>
 </file>
 
-<file path=ppt/slideLayouts/slideLayout15.xml><?xml version="1.0" encoding="utf-8"?>
+<file path=ppt/slideLayouts/slideLayout17.xml><?xml version="1.0" encoding="utf-8"?>
 <p:sldLayout xmlns:a="http://schemas.openxmlformats.org/drawingml/2006/main" xmlns:r="http://schemas.openxmlformats.org/officeDocument/2006/relationships" xmlns:p="http://schemas.openxmlformats.org/presentationml/2006/main" type="vertTitleAndTx" preserve="1">
   <p:cSld name="Vertical Title and Text">
     <p:spTree>
@@ -1562,7 +2439,7 @@
           <a:p>
             <a:fld id="{7B272C57-2FA0-4A9D-99A4-6F756B65018B}" type="datetimeFigureOut">
               <a:rPr lang="en-US" smtClean="0"/>
-              <a:t>4/23/2020</a:t>
+              <a:t>1/11/2021</a:t>
             </a:fld>
             <a:endParaRPr lang="en-US"/>
           </a:p>
@@ -1765,7 +2642,7 @@
           <a:p>
             <a:fld id="{7B272C57-2FA0-4A9D-99A4-6F756B65018B}" type="datetimeFigureOut">
               <a:rPr lang="en-US" smtClean="0"/>
-              <a:t>4/23/2020</a:t>
+              <a:t>1/11/2021</a:t>
             </a:fld>
             <a:endParaRPr lang="en-US"/>
           </a:p>
@@ -1839,6 +2716,284 @@
 </file>
 
 <file path=ppt/slideLayouts/slideLayout3.xml><?xml version="1.0" encoding="utf-8"?>
+<p:sldLayout xmlns:a="http://schemas.openxmlformats.org/drawingml/2006/main" xmlns:r="http://schemas.openxmlformats.org/officeDocument/2006/relationships" xmlns:p="http://schemas.openxmlformats.org/presentationml/2006/main" type="obj" preserve="1">
+  <p:cSld name="Title and Content Wide">
+    <p:spTree>
+      <p:nvGrpSpPr>
+        <p:cNvPr id="1" name=""/>
+        <p:cNvGrpSpPr/>
+        <p:nvPr/>
+      </p:nvGrpSpPr>
+      <p:grpSpPr>
+        <a:xfrm>
+          <a:off x="0" y="0"/>
+          <a:ext cx="0" cy="0"/>
+          <a:chOff x="0" y="0"/>
+          <a:chExt cx="0" cy="0"/>
+        </a:xfrm>
+      </p:grpSpPr>
+      <p:sp>
+        <p:nvSpPr>
+          <p:cNvPr id="2" name="Title 1">
+            <a:extLst>
+              <a:ext uri="{FF2B5EF4-FFF2-40B4-BE49-F238E27FC236}">
+                <a16:creationId xmlns:a16="http://schemas.microsoft.com/office/drawing/2014/main" id="{4905F3F5-CD26-4383-BCD3-A8D434E2D639}"/>
+              </a:ext>
+            </a:extLst>
+          </p:cNvPr>
+          <p:cNvSpPr>
+            <a:spLocks noGrp="1"/>
+          </p:cNvSpPr>
+          <p:nvPr>
+            <p:ph type="title"/>
+          </p:nvPr>
+        </p:nvSpPr>
+        <p:spPr>
+          <a:xfrm>
+            <a:off x="0" y="0"/>
+            <a:ext cx="3600000" cy="6858000"/>
+          </a:xfrm>
+        </p:spPr>
+        <p:txBody>
+          <a:bodyPr/>
+          <a:lstStyle/>
+          <a:p>
+            <a:r>
+              <a:rPr lang="en-US" dirty="0"/>
+              <a:t>Click to edit Master title style</a:t>
+            </a:r>
+          </a:p>
+        </p:txBody>
+      </p:sp>
+      <p:sp>
+        <p:nvSpPr>
+          <p:cNvPr id="3" name="Content Placeholder 2">
+            <a:extLst>
+              <a:ext uri="{FF2B5EF4-FFF2-40B4-BE49-F238E27FC236}">
+                <a16:creationId xmlns:a16="http://schemas.microsoft.com/office/drawing/2014/main" id="{3FBC0A59-A7F8-4091-BC22-97B46458BECE}"/>
+              </a:ext>
+            </a:extLst>
+          </p:cNvPr>
+          <p:cNvSpPr>
+            <a:spLocks noGrp="1"/>
+          </p:cNvSpPr>
+          <p:nvPr>
+            <p:ph idx="1"/>
+          </p:nvPr>
+        </p:nvSpPr>
+        <p:spPr>
+          <a:xfrm>
+            <a:off x="3763477" y="136525"/>
+            <a:ext cx="8136249" cy="6040438"/>
+          </a:xfrm>
+        </p:spPr>
+        <p:txBody>
+          <a:bodyPr/>
+          <a:lstStyle/>
+          <a:p>
+            <a:pPr lvl="0"/>
+            <a:r>
+              <a:rPr lang="en-US"/>
+              <a:t>Click to edit Master text styles</a:t>
+            </a:r>
+          </a:p>
+          <a:p>
+            <a:pPr lvl="1"/>
+            <a:r>
+              <a:rPr lang="en-US"/>
+              <a:t>Second level</a:t>
+            </a:r>
+          </a:p>
+          <a:p>
+            <a:pPr lvl="2"/>
+            <a:r>
+              <a:rPr lang="en-US"/>
+              <a:t>Third level</a:t>
+            </a:r>
+          </a:p>
+          <a:p>
+            <a:pPr lvl="3"/>
+            <a:r>
+              <a:rPr lang="en-US"/>
+              <a:t>Fourth level</a:t>
+            </a:r>
+          </a:p>
+          <a:p>
+            <a:pPr lvl="4"/>
+            <a:r>
+              <a:rPr lang="en-US"/>
+              <a:t>Fifth level</a:t>
+            </a:r>
+          </a:p>
+        </p:txBody>
+      </p:sp>
+      <p:sp>
+        <p:nvSpPr>
+          <p:cNvPr id="4" name="Date Placeholder 3">
+            <a:extLst>
+              <a:ext uri="{FF2B5EF4-FFF2-40B4-BE49-F238E27FC236}">
+                <a16:creationId xmlns:a16="http://schemas.microsoft.com/office/drawing/2014/main" id="{5E4D15F2-B97A-4D46-A56B-AACA64275B31}"/>
+              </a:ext>
+            </a:extLst>
+          </p:cNvPr>
+          <p:cNvSpPr>
+            <a:spLocks noGrp="1"/>
+          </p:cNvSpPr>
+          <p:nvPr>
+            <p:ph type="dt" sz="half" idx="10"/>
+          </p:nvPr>
+        </p:nvSpPr>
+        <p:spPr>
+          <a:xfrm>
+            <a:off x="250521" y="6356349"/>
+            <a:ext cx="1924788" cy="365125"/>
+          </a:xfrm>
+        </p:spPr>
+        <p:txBody>
+          <a:bodyPr/>
+          <a:lstStyle/>
+          <a:p>
+            <a:fld id="{7B272C57-2FA0-4A9D-99A4-6F756B65018B}" type="datetimeFigureOut">
+              <a:rPr lang="en-US" smtClean="0"/>
+              <a:t>1/11/2021</a:t>
+            </a:fld>
+            <a:endParaRPr lang="en-US" dirty="0"/>
+          </a:p>
+        </p:txBody>
+      </p:sp>
+      <p:sp>
+        <p:nvSpPr>
+          <p:cNvPr id="5" name="Footer Placeholder 4">
+            <a:extLst>
+              <a:ext uri="{FF2B5EF4-FFF2-40B4-BE49-F238E27FC236}">
+                <a16:creationId xmlns:a16="http://schemas.microsoft.com/office/drawing/2014/main" id="{EFDF8A97-3399-44D7-ACF7-3642988247E1}"/>
+              </a:ext>
+            </a:extLst>
+          </p:cNvPr>
+          <p:cNvSpPr>
+            <a:spLocks noGrp="1"/>
+          </p:cNvSpPr>
+          <p:nvPr>
+            <p:ph type="ftr" sz="quarter" idx="11"/>
+          </p:nvPr>
+        </p:nvSpPr>
+        <p:spPr>
+          <a:xfrm>
+            <a:off x="3763477" y="6356347"/>
+            <a:ext cx="6811487" cy="365125"/>
+          </a:xfrm>
+        </p:spPr>
+        <p:txBody>
+          <a:bodyPr/>
+          <a:lstStyle/>
+          <a:p>
+            <a:endParaRPr lang="en-US"/>
+          </a:p>
+        </p:txBody>
+      </p:sp>
+      <p:sp>
+        <p:nvSpPr>
+          <p:cNvPr id="6" name="Slide Number Placeholder 5">
+            <a:extLst>
+              <a:ext uri="{FF2B5EF4-FFF2-40B4-BE49-F238E27FC236}">
+                <a16:creationId xmlns:a16="http://schemas.microsoft.com/office/drawing/2014/main" id="{BCBF6AC6-8F39-4227-B48E-79664419D365}"/>
+              </a:ext>
+            </a:extLst>
+          </p:cNvPr>
+          <p:cNvSpPr>
+            <a:spLocks noGrp="1"/>
+          </p:cNvSpPr>
+          <p:nvPr>
+            <p:ph type="sldNum" sz="quarter" idx="12"/>
+          </p:nvPr>
+        </p:nvSpPr>
+        <p:spPr>
+          <a:xfrm>
+            <a:off x="10689921" y="6356348"/>
+            <a:ext cx="1209805" cy="365125"/>
+          </a:xfrm>
+          <a:solidFill>
+            <a:schemeClr val="bg1"/>
+          </a:solidFill>
+        </p:spPr>
+        <p:txBody>
+          <a:bodyPr/>
+          <a:lstStyle/>
+          <a:p>
+            <a:fld id="{C064A79B-B315-413E-88BB-EFE0B5D603D0}" type="slidenum">
+              <a:rPr lang="en-US" smtClean="0"/>
+              <a:t>‹#›</a:t>
+            </a:fld>
+            <a:endParaRPr lang="en-US"/>
+          </a:p>
+        </p:txBody>
+      </p:sp>
+      <p:sp>
+        <p:nvSpPr>
+          <p:cNvPr id="7" name="TextBox 6">
+            <a:extLst>
+              <a:ext uri="{FF2B5EF4-FFF2-40B4-BE49-F238E27FC236}">
+                <a16:creationId xmlns:a16="http://schemas.microsoft.com/office/drawing/2014/main" id="{8CBBE93D-AA4B-4660-AFA2-2E9EE05E2CD8}"/>
+              </a:ext>
+            </a:extLst>
+          </p:cNvPr>
+          <p:cNvSpPr txBox="1"/>
+          <p:nvPr userDrawn="1"/>
+        </p:nvSpPr>
+        <p:spPr>
+          <a:xfrm>
+            <a:off x="2415622" y="6352143"/>
+            <a:ext cx="1014046" cy="369332"/>
+          </a:xfrm>
+          <a:prstGeom prst="rect">
+            <a:avLst/>
+          </a:prstGeom>
+          <a:noFill/>
+        </p:spPr>
+        <p:txBody>
+          <a:bodyPr wrap="square" rtlCol="0">
+            <a:spAutoFit/>
+          </a:bodyPr>
+          <a:lstStyle/>
+          <a:p>
+            <a:r>
+              <a:rPr lang="en-US" b="1" dirty="0">
+                <a:solidFill>
+                  <a:srgbClr val="9FA82E"/>
+                </a:solidFill>
+              </a:rPr>
+              <a:t>IQR</a:t>
+            </a:r>
+            <a:r>
+              <a:rPr lang="en-US" b="1" dirty="0">
+                <a:solidFill>
+                  <a:schemeClr val="bg1"/>
+                </a:solidFill>
+              </a:rPr>
+              <a:t>tools</a:t>
+            </a:r>
+            <a:endParaRPr lang="en-CH" b="1" dirty="0">
+              <a:solidFill>
+                <a:schemeClr val="bg1"/>
+              </a:solidFill>
+            </a:endParaRPr>
+          </a:p>
+        </p:txBody>
+      </p:sp>
+    </p:spTree>
+    <p:extLst>
+      <p:ext uri="{BB962C8B-B14F-4D97-AF65-F5344CB8AC3E}">
+        <p14:creationId xmlns:p14="http://schemas.microsoft.com/office/powerpoint/2010/main" val="3335664420"/>
+      </p:ext>
+    </p:extLst>
+  </p:cSld>
+  <p:clrMapOvr>
+    <a:masterClrMapping/>
+  </p:clrMapOvr>
+</p:sldLayout>
+</file>
+
+<file path=ppt/slideLayouts/slideLayout4.xml><?xml version="1.0" encoding="utf-8"?>
 <p:sldLayout xmlns:a="http://schemas.openxmlformats.org/drawingml/2006/main" xmlns:r="http://schemas.openxmlformats.org/officeDocument/2006/relationships" xmlns:p="http://schemas.openxmlformats.org/presentationml/2006/main" preserve="1" userDrawn="1">
   <p:cSld name="Title and Content and Caption">
     <p:spTree>
@@ -1973,7 +3128,7 @@
           <a:p>
             <a:fld id="{7B272C57-2FA0-4A9D-99A4-6F756B65018B}" type="datetimeFigureOut">
               <a:rPr lang="en-US" smtClean="0"/>
-              <a:t>4/23/2020</a:t>
+              <a:t>1/11/2021</a:t>
             </a:fld>
             <a:endParaRPr lang="en-US"/>
           </a:p>
@@ -2132,7 +3287,371 @@
 </p:sldLayout>
 </file>
 
-<file path=ppt/slideLayouts/slideLayout4.xml><?xml version="1.0" encoding="utf-8"?>
+<file path=ppt/slideLayouts/slideLayout5.xml><?xml version="1.0" encoding="utf-8"?>
+<p:sldLayout xmlns:a="http://schemas.openxmlformats.org/drawingml/2006/main" xmlns:r="http://schemas.openxmlformats.org/officeDocument/2006/relationships" xmlns:p="http://schemas.openxmlformats.org/presentationml/2006/main" preserve="1" userDrawn="1">
+  <p:cSld name="Title and Content and Caption Wide">
+    <p:spTree>
+      <p:nvGrpSpPr>
+        <p:cNvPr id="1" name=""/>
+        <p:cNvGrpSpPr/>
+        <p:nvPr/>
+      </p:nvGrpSpPr>
+      <p:grpSpPr>
+        <a:xfrm>
+          <a:off x="0" y="0"/>
+          <a:ext cx="0" cy="0"/>
+          <a:chOff x="0" y="0"/>
+          <a:chExt cx="0" cy="0"/>
+        </a:xfrm>
+      </p:grpSpPr>
+      <p:sp>
+        <p:nvSpPr>
+          <p:cNvPr id="2" name="Title 1">
+            <a:extLst>
+              <a:ext uri="{FF2B5EF4-FFF2-40B4-BE49-F238E27FC236}">
+                <a16:creationId xmlns:a16="http://schemas.microsoft.com/office/drawing/2014/main" id="{4905F3F5-CD26-4383-BCD3-A8D434E2D639}"/>
+              </a:ext>
+            </a:extLst>
+          </p:cNvPr>
+          <p:cNvSpPr>
+            <a:spLocks noGrp="1"/>
+          </p:cNvSpPr>
+          <p:nvPr>
+            <p:ph type="title"/>
+          </p:nvPr>
+        </p:nvSpPr>
+        <p:spPr>
+          <a:xfrm>
+            <a:off x="0" y="0"/>
+            <a:ext cx="3600000" cy="6858000"/>
+          </a:xfrm>
+        </p:spPr>
+        <p:txBody>
+          <a:bodyPr/>
+          <a:lstStyle/>
+          <a:p>
+            <a:r>
+              <a:rPr lang="en-US" dirty="0"/>
+              <a:t>Click to edit Master title style</a:t>
+            </a:r>
+          </a:p>
+        </p:txBody>
+      </p:sp>
+      <p:sp>
+        <p:nvSpPr>
+          <p:cNvPr id="3" name="Content Placeholder 2">
+            <a:extLst>
+              <a:ext uri="{FF2B5EF4-FFF2-40B4-BE49-F238E27FC236}">
+                <a16:creationId xmlns:a16="http://schemas.microsoft.com/office/drawing/2014/main" id="{3FBC0A59-A7F8-4091-BC22-97B46458BECE}"/>
+              </a:ext>
+            </a:extLst>
+          </p:cNvPr>
+          <p:cNvSpPr>
+            <a:spLocks noGrp="1"/>
+          </p:cNvSpPr>
+          <p:nvPr>
+            <p:ph idx="1"/>
+          </p:nvPr>
+        </p:nvSpPr>
+        <p:spPr>
+          <a:xfrm>
+            <a:off x="3773103" y="136525"/>
+            <a:ext cx="8126624" cy="5570311"/>
+          </a:xfrm>
+        </p:spPr>
+        <p:txBody>
+          <a:bodyPr/>
+          <a:lstStyle/>
+          <a:p>
+            <a:pPr lvl="0"/>
+            <a:r>
+              <a:rPr lang="en-US"/>
+              <a:t>Click to edit Master text styles</a:t>
+            </a:r>
+          </a:p>
+          <a:p>
+            <a:pPr lvl="1"/>
+            <a:r>
+              <a:rPr lang="en-US"/>
+              <a:t>Second level</a:t>
+            </a:r>
+          </a:p>
+          <a:p>
+            <a:pPr lvl="2"/>
+            <a:r>
+              <a:rPr lang="en-US"/>
+              <a:t>Third level</a:t>
+            </a:r>
+          </a:p>
+          <a:p>
+            <a:pPr lvl="3"/>
+            <a:r>
+              <a:rPr lang="en-US"/>
+              <a:t>Fourth level</a:t>
+            </a:r>
+          </a:p>
+          <a:p>
+            <a:pPr lvl="4"/>
+            <a:r>
+              <a:rPr lang="en-US"/>
+              <a:t>Fifth level</a:t>
+            </a:r>
+          </a:p>
+        </p:txBody>
+      </p:sp>
+      <p:sp>
+        <p:nvSpPr>
+          <p:cNvPr id="4" name="Date Placeholder 3">
+            <a:extLst>
+              <a:ext uri="{FF2B5EF4-FFF2-40B4-BE49-F238E27FC236}">
+                <a16:creationId xmlns:a16="http://schemas.microsoft.com/office/drawing/2014/main" id="{5E4D15F2-B97A-4D46-A56B-AACA64275B31}"/>
+              </a:ext>
+            </a:extLst>
+          </p:cNvPr>
+          <p:cNvSpPr>
+            <a:spLocks noGrp="1"/>
+          </p:cNvSpPr>
+          <p:nvPr>
+            <p:ph type="dt" sz="half" idx="10"/>
+          </p:nvPr>
+        </p:nvSpPr>
+        <p:spPr>
+          <a:xfrm>
+            <a:off x="250521" y="6356349"/>
+            <a:ext cx="1751534" cy="365125"/>
+          </a:xfrm>
+        </p:spPr>
+        <p:txBody>
+          <a:bodyPr/>
+          <a:lstStyle/>
+          <a:p>
+            <a:fld id="{7B272C57-2FA0-4A9D-99A4-6F756B65018B}" type="datetimeFigureOut">
+              <a:rPr lang="en-US" smtClean="0"/>
+              <a:t>1/11/2021</a:t>
+            </a:fld>
+            <a:endParaRPr lang="en-US"/>
+          </a:p>
+        </p:txBody>
+      </p:sp>
+      <p:sp>
+        <p:nvSpPr>
+          <p:cNvPr id="5" name="Footer Placeholder 4">
+            <a:extLst>
+              <a:ext uri="{FF2B5EF4-FFF2-40B4-BE49-F238E27FC236}">
+                <a16:creationId xmlns:a16="http://schemas.microsoft.com/office/drawing/2014/main" id="{EFDF8A97-3399-44D7-ACF7-3642988247E1}"/>
+              </a:ext>
+            </a:extLst>
+          </p:cNvPr>
+          <p:cNvSpPr>
+            <a:spLocks noGrp="1"/>
+          </p:cNvSpPr>
+          <p:nvPr>
+            <p:ph type="ftr" sz="quarter" idx="11"/>
+          </p:nvPr>
+        </p:nvSpPr>
+        <p:spPr>
+          <a:xfrm>
+            <a:off x="3773101" y="6356350"/>
+            <a:ext cx="6747312" cy="365125"/>
+          </a:xfrm>
+        </p:spPr>
+        <p:txBody>
+          <a:bodyPr/>
+          <a:lstStyle/>
+          <a:p>
+            <a:endParaRPr lang="en-US"/>
+          </a:p>
+        </p:txBody>
+      </p:sp>
+      <p:sp>
+        <p:nvSpPr>
+          <p:cNvPr id="6" name="Slide Number Placeholder 5">
+            <a:extLst>
+              <a:ext uri="{FF2B5EF4-FFF2-40B4-BE49-F238E27FC236}">
+                <a16:creationId xmlns:a16="http://schemas.microsoft.com/office/drawing/2014/main" id="{BCBF6AC6-8F39-4227-B48E-79664419D365}"/>
+              </a:ext>
+            </a:extLst>
+          </p:cNvPr>
+          <p:cNvSpPr>
+            <a:spLocks noGrp="1"/>
+          </p:cNvSpPr>
+          <p:nvPr>
+            <p:ph type="sldNum" sz="quarter" idx="12"/>
+          </p:nvPr>
+        </p:nvSpPr>
+        <p:spPr>
+          <a:xfrm>
+            <a:off x="10689921" y="6356348"/>
+            <a:ext cx="1209805" cy="365125"/>
+          </a:xfrm>
+          <a:solidFill>
+            <a:schemeClr val="bg1"/>
+          </a:solidFill>
+        </p:spPr>
+        <p:txBody>
+          <a:bodyPr/>
+          <a:lstStyle/>
+          <a:p>
+            <a:fld id="{C064A79B-B315-413E-88BB-EFE0B5D603D0}" type="slidenum">
+              <a:rPr lang="en-US" smtClean="0"/>
+              <a:t>‹#›</a:t>
+            </a:fld>
+            <a:endParaRPr lang="en-US"/>
+          </a:p>
+        </p:txBody>
+      </p:sp>
+      <p:sp>
+        <p:nvSpPr>
+          <p:cNvPr id="9" name="Text Placeholder 8">
+            <a:extLst>
+              <a:ext uri="{FF2B5EF4-FFF2-40B4-BE49-F238E27FC236}">
+                <a16:creationId xmlns:a16="http://schemas.microsoft.com/office/drawing/2014/main" id="{F6B30566-8B30-4362-BCB6-7F3B3746AF24}"/>
+              </a:ext>
+            </a:extLst>
+          </p:cNvPr>
+          <p:cNvSpPr>
+            <a:spLocks noGrp="1"/>
+          </p:cNvSpPr>
+          <p:nvPr>
+            <p:ph type="body" sz="quarter" idx="13"/>
+          </p:nvPr>
+        </p:nvSpPr>
+        <p:spPr>
+          <a:xfrm>
+            <a:off x="3773101" y="5816374"/>
+            <a:ext cx="8126625" cy="365125"/>
+          </a:xfrm>
+        </p:spPr>
+        <p:txBody>
+          <a:bodyPr>
+            <a:noAutofit/>
+          </a:bodyPr>
+          <a:lstStyle>
+            <a:lvl1pPr marL="0" indent="0">
+              <a:buNone/>
+              <a:defRPr sz="1200"/>
+            </a:lvl1pPr>
+            <a:lvl2pPr marL="457200" indent="0">
+              <a:buNone/>
+              <a:defRPr sz="1100"/>
+            </a:lvl2pPr>
+            <a:lvl3pPr marL="914400" indent="0">
+              <a:buNone/>
+              <a:defRPr sz="1050"/>
+            </a:lvl3pPr>
+            <a:lvl4pPr marL="1371600" indent="0">
+              <a:buNone/>
+              <a:defRPr sz="1000"/>
+            </a:lvl4pPr>
+            <a:lvl5pPr marL="1828800" indent="0">
+              <a:buNone/>
+              <a:defRPr sz="1000"/>
+            </a:lvl5pPr>
+          </a:lstStyle>
+          <a:p>
+            <a:pPr lvl="0"/>
+            <a:r>
+              <a:rPr lang="en-US" dirty="0"/>
+              <a:t>Click to edit Master text styles</a:t>
+            </a:r>
+          </a:p>
+          <a:p>
+            <a:pPr lvl="1"/>
+            <a:r>
+              <a:rPr lang="en-US" dirty="0"/>
+              <a:t>Second level</a:t>
+            </a:r>
+          </a:p>
+          <a:p>
+            <a:pPr lvl="2"/>
+            <a:r>
+              <a:rPr lang="en-US" dirty="0"/>
+              <a:t>Third level</a:t>
+            </a:r>
+          </a:p>
+          <a:p>
+            <a:pPr lvl="3"/>
+            <a:r>
+              <a:rPr lang="en-US" dirty="0"/>
+              <a:t>Fourth level</a:t>
+            </a:r>
+          </a:p>
+          <a:p>
+            <a:pPr lvl="4"/>
+            <a:r>
+              <a:rPr lang="en-US" dirty="0"/>
+              <a:t>Fifth level</a:t>
+            </a:r>
+            <a:endParaRPr lang="en-CH" dirty="0"/>
+          </a:p>
+        </p:txBody>
+      </p:sp>
+      <p:sp>
+        <p:nvSpPr>
+          <p:cNvPr id="8" name="TextBox 7">
+            <a:extLst>
+              <a:ext uri="{FF2B5EF4-FFF2-40B4-BE49-F238E27FC236}">
+                <a16:creationId xmlns:a16="http://schemas.microsoft.com/office/drawing/2014/main" id="{FF73CFF0-DE98-4FDB-9580-F0D07D3FE050}"/>
+              </a:ext>
+            </a:extLst>
+          </p:cNvPr>
+          <p:cNvSpPr txBox="1"/>
+          <p:nvPr userDrawn="1"/>
+        </p:nvSpPr>
+        <p:spPr>
+          <a:xfrm>
+            <a:off x="2415622" y="6352143"/>
+            <a:ext cx="1014046" cy="369332"/>
+          </a:xfrm>
+          <a:prstGeom prst="rect">
+            <a:avLst/>
+          </a:prstGeom>
+          <a:noFill/>
+        </p:spPr>
+        <p:txBody>
+          <a:bodyPr wrap="square" rtlCol="0">
+            <a:spAutoFit/>
+          </a:bodyPr>
+          <a:lstStyle/>
+          <a:p>
+            <a:r>
+              <a:rPr lang="en-US" b="1" dirty="0">
+                <a:solidFill>
+                  <a:srgbClr val="9FA82E"/>
+                </a:solidFill>
+              </a:rPr>
+              <a:t>IQR</a:t>
+            </a:r>
+            <a:r>
+              <a:rPr lang="en-US" b="1" dirty="0">
+                <a:solidFill>
+                  <a:schemeClr val="bg1"/>
+                </a:solidFill>
+              </a:rPr>
+              <a:t>tools</a:t>
+            </a:r>
+            <a:endParaRPr lang="en-CH" b="1" dirty="0">
+              <a:solidFill>
+                <a:schemeClr val="bg1"/>
+              </a:solidFill>
+            </a:endParaRPr>
+          </a:p>
+        </p:txBody>
+      </p:sp>
+    </p:spTree>
+    <p:extLst>
+      <p:ext uri="{BB962C8B-B14F-4D97-AF65-F5344CB8AC3E}">
+        <p14:creationId xmlns:p14="http://schemas.microsoft.com/office/powerpoint/2010/main" val="1285960738"/>
+      </p:ext>
+    </p:extLst>
+  </p:cSld>
+  <p:clrMapOvr>
+    <a:masterClrMapping/>
+  </p:clrMapOvr>
+</p:sldLayout>
+</file>
+
+<file path=ppt/slideLayouts/slideLayout6.xml><?xml version="1.0" encoding="utf-8"?>
 <p:sldLayout xmlns:a="http://schemas.openxmlformats.org/drawingml/2006/main" xmlns:r="http://schemas.openxmlformats.org/officeDocument/2006/relationships" xmlns:p="http://schemas.openxmlformats.org/presentationml/2006/main" type="secHead" preserve="1">
   <p:cSld name="Section Header">
     <p:spTree>
@@ -2334,7 +3853,7 @@
           <a:p>
             <a:fld id="{7B272C57-2FA0-4A9D-99A4-6F756B65018B}" type="datetimeFigureOut">
               <a:rPr lang="en-US" smtClean="0"/>
-              <a:t>4/23/2020</a:t>
+              <a:t>1/11/2021</a:t>
             </a:fld>
             <a:endParaRPr lang="en-US"/>
           </a:p>
@@ -2407,7 +3926,7 @@
 </p:sldLayout>
 </file>
 
-<file path=ppt/slideLayouts/slideLayout5.xml><?xml version="1.0" encoding="utf-8"?>
+<file path=ppt/slideLayouts/slideLayout7.xml><?xml version="1.0" encoding="utf-8"?>
 <p:sldLayout xmlns:a="http://schemas.openxmlformats.org/drawingml/2006/main" xmlns:r="http://schemas.openxmlformats.org/officeDocument/2006/relationships" xmlns:p="http://schemas.openxmlformats.org/presentationml/2006/main" preserve="1" userDrawn="1">
   <p:cSld name="Two Content">
     <p:bg>
@@ -2455,7 +3974,7 @@
           <a:p>
             <a:fld id="{7B272C57-2FA0-4A9D-99A4-6F756B65018B}" type="datetimeFigureOut">
               <a:rPr lang="en-US" smtClean="0"/>
-              <a:t>4/23/2020</a:t>
+              <a:t>1/11/2021</a:t>
             </a:fld>
             <a:endParaRPr lang="en-US"/>
           </a:p>
@@ -2692,7 +4211,7 @@
 </p:sldLayout>
 </file>
 
-<file path=ppt/slideLayouts/slideLayout6.xml><?xml version="1.0" encoding="utf-8"?>
+<file path=ppt/slideLayouts/slideLayout8.xml><?xml version="1.0" encoding="utf-8"?>
 <p:sldLayout xmlns:a="http://schemas.openxmlformats.org/drawingml/2006/main" xmlns:r="http://schemas.openxmlformats.org/officeDocument/2006/relationships" xmlns:p="http://schemas.openxmlformats.org/presentationml/2006/main" preserve="1" userDrawn="1">
   <p:cSld name="Two Content and Caption Right">
     <p:bg>
@@ -2740,7 +4259,7 @@
           <a:p>
             <a:fld id="{7B272C57-2FA0-4A9D-99A4-6F756B65018B}" type="datetimeFigureOut">
               <a:rPr lang="en-US" smtClean="0"/>
-              <a:t>4/23/2020</a:t>
+              <a:t>1/11/2021</a:t>
             </a:fld>
             <a:endParaRPr lang="en-US"/>
           </a:p>
@@ -3066,7 +4585,7 @@
 </p:sldLayout>
 </file>
 
-<file path=ppt/slideLayouts/slideLayout7.xml><?xml version="1.0" encoding="utf-8"?>
+<file path=ppt/slideLayouts/slideLayout9.xml><?xml version="1.0" encoding="utf-8"?>
 <p:sldLayout xmlns:a="http://schemas.openxmlformats.org/drawingml/2006/main" xmlns:r="http://schemas.openxmlformats.org/officeDocument/2006/relationships" xmlns:p="http://schemas.openxmlformats.org/presentationml/2006/main" preserve="1" userDrawn="1">
   <p:cSld name="Two Content and Caption Left">
     <p:bg>
@@ -3114,7 +4633,7 @@
           <a:p>
             <a:fld id="{7B272C57-2FA0-4A9D-99A4-6F756B65018B}" type="datetimeFigureOut">
               <a:rPr lang="en-US" smtClean="0"/>
-              <a:t>4/23/2020</a:t>
+              <a:t>1/11/2021</a:t>
             </a:fld>
             <a:endParaRPr lang="en-US"/>
           </a:p>
@@ -3431,883 +4950,6 @@
     <p:extLst>
       <p:ext uri="{BB962C8B-B14F-4D97-AF65-F5344CB8AC3E}">
         <p14:creationId xmlns:p14="http://schemas.microsoft.com/office/powerpoint/2010/main" val="3059227006"/>
-      </p:ext>
-    </p:extLst>
-  </p:cSld>
-  <p:clrMapOvr>
-    <a:masterClrMapping/>
-  </p:clrMapOvr>
-</p:sldLayout>
-</file>
-
-<file path=ppt/slideLayouts/slideLayout8.xml><?xml version="1.0" encoding="utf-8"?>
-<p:sldLayout xmlns:a="http://schemas.openxmlformats.org/drawingml/2006/main" xmlns:r="http://schemas.openxmlformats.org/officeDocument/2006/relationships" xmlns:p="http://schemas.openxmlformats.org/presentationml/2006/main" preserve="1" userDrawn="1">
-  <p:cSld name="Two Content and Caption">
-    <p:bg>
-      <p:bgPr>
-        <a:solidFill>
-          <a:schemeClr val="bg1"/>
-        </a:solidFill>
-        <a:effectLst/>
-      </p:bgPr>
-    </p:bg>
-    <p:spTree>
-      <p:nvGrpSpPr>
-        <p:cNvPr id="1" name=""/>
-        <p:cNvGrpSpPr/>
-        <p:nvPr/>
-      </p:nvGrpSpPr>
-      <p:grpSpPr>
-        <a:xfrm>
-          <a:off x="0" y="0"/>
-          <a:ext cx="0" cy="0"/>
-          <a:chOff x="0" y="0"/>
-          <a:chExt cx="0" cy="0"/>
-        </a:xfrm>
-      </p:grpSpPr>
-      <p:sp>
-        <p:nvSpPr>
-          <p:cNvPr id="5" name="Date Placeholder 4">
-            <a:extLst>
-              <a:ext uri="{FF2B5EF4-FFF2-40B4-BE49-F238E27FC236}">
-                <a16:creationId xmlns:a16="http://schemas.microsoft.com/office/drawing/2014/main" id="{985F3433-3055-4279-A232-CDB35C481677}"/>
-              </a:ext>
-            </a:extLst>
-          </p:cNvPr>
-          <p:cNvSpPr>
-            <a:spLocks noGrp="1"/>
-          </p:cNvSpPr>
-          <p:nvPr>
-            <p:ph type="dt" sz="half" idx="10"/>
-          </p:nvPr>
-        </p:nvSpPr>
-        <p:spPr/>
-        <p:txBody>
-          <a:bodyPr/>
-          <a:lstStyle/>
-          <a:p>
-            <a:fld id="{7B272C57-2FA0-4A9D-99A4-6F756B65018B}" type="datetimeFigureOut">
-              <a:rPr lang="en-US" smtClean="0"/>
-              <a:t>4/23/2020</a:t>
-            </a:fld>
-            <a:endParaRPr lang="en-US"/>
-          </a:p>
-        </p:txBody>
-      </p:sp>
-      <p:sp>
-        <p:nvSpPr>
-          <p:cNvPr id="6" name="Footer Placeholder 5">
-            <a:extLst>
-              <a:ext uri="{FF2B5EF4-FFF2-40B4-BE49-F238E27FC236}">
-                <a16:creationId xmlns:a16="http://schemas.microsoft.com/office/drawing/2014/main" id="{C4190A63-5D67-4FD5-97FD-79F7445B6A2E}"/>
-              </a:ext>
-            </a:extLst>
-          </p:cNvPr>
-          <p:cNvSpPr>
-            <a:spLocks noGrp="1"/>
-          </p:cNvSpPr>
-          <p:nvPr>
-            <p:ph type="ftr" sz="quarter" idx="11"/>
-          </p:nvPr>
-        </p:nvSpPr>
-        <p:spPr/>
-        <p:txBody>
-          <a:bodyPr/>
-          <a:lstStyle/>
-          <a:p>
-            <a:endParaRPr lang="en-US"/>
-          </a:p>
-        </p:txBody>
-      </p:sp>
-      <p:sp>
-        <p:nvSpPr>
-          <p:cNvPr id="7" name="Slide Number Placeholder 6">
-            <a:extLst>
-              <a:ext uri="{FF2B5EF4-FFF2-40B4-BE49-F238E27FC236}">
-                <a16:creationId xmlns:a16="http://schemas.microsoft.com/office/drawing/2014/main" id="{D2687DAE-A442-4DC3-8550-20F58B781EC7}"/>
-              </a:ext>
-            </a:extLst>
-          </p:cNvPr>
-          <p:cNvSpPr>
-            <a:spLocks noGrp="1"/>
-          </p:cNvSpPr>
-          <p:nvPr>
-            <p:ph type="sldNum" sz="quarter" idx="12"/>
-          </p:nvPr>
-        </p:nvSpPr>
-        <p:spPr/>
-        <p:txBody>
-          <a:bodyPr/>
-          <a:lstStyle/>
-          <a:p>
-            <a:fld id="{C064A79B-B315-413E-88BB-EFE0B5D603D0}" type="slidenum">
-              <a:rPr lang="en-US" smtClean="0"/>
-              <a:t>‹#›</a:t>
-            </a:fld>
-            <a:endParaRPr lang="en-US"/>
-          </a:p>
-        </p:txBody>
-      </p:sp>
-      <p:sp>
-        <p:nvSpPr>
-          <p:cNvPr id="9" name="Title 1">
-            <a:extLst>
-              <a:ext uri="{FF2B5EF4-FFF2-40B4-BE49-F238E27FC236}">
-                <a16:creationId xmlns:a16="http://schemas.microsoft.com/office/drawing/2014/main" id="{177E17F1-D3B2-42A6-9982-8788655386CF}"/>
-              </a:ext>
-            </a:extLst>
-          </p:cNvPr>
-          <p:cNvSpPr>
-            <a:spLocks noGrp="1"/>
-          </p:cNvSpPr>
-          <p:nvPr>
-            <p:ph type="title"/>
-          </p:nvPr>
-        </p:nvSpPr>
-        <p:spPr>
-          <a:xfrm>
-            <a:off x="0" y="0"/>
-            <a:ext cx="12192000" cy="1013635"/>
-          </a:xfrm>
-          <a:solidFill>
-            <a:srgbClr val="2E3640"/>
-          </a:solidFill>
-        </p:spPr>
-        <p:txBody>
-          <a:bodyPr/>
-          <a:lstStyle>
-            <a:lvl1pPr>
-              <a:defRPr lang="en-US" dirty="0"/>
-            </a:lvl1pPr>
-          </a:lstStyle>
-          <a:p>
-            <a:r>
-              <a:rPr lang="en-US" dirty="0"/>
-              <a:t>Click to edit Master title style</a:t>
-            </a:r>
-          </a:p>
-        </p:txBody>
-      </p:sp>
-      <p:sp>
-        <p:nvSpPr>
-          <p:cNvPr id="10" name="Content Placeholder 2">
-            <a:extLst>
-              <a:ext uri="{FF2B5EF4-FFF2-40B4-BE49-F238E27FC236}">
-                <a16:creationId xmlns:a16="http://schemas.microsoft.com/office/drawing/2014/main" id="{F1A58CC4-526C-4991-898F-C0879D5343E8}"/>
-              </a:ext>
-            </a:extLst>
-          </p:cNvPr>
-          <p:cNvSpPr>
-            <a:spLocks noGrp="1"/>
-          </p:cNvSpPr>
-          <p:nvPr>
-            <p:ph sz="half" idx="1"/>
-          </p:nvPr>
-        </p:nvSpPr>
-        <p:spPr>
-          <a:xfrm>
-            <a:off x="250521" y="1205547"/>
-            <a:ext cx="5769279" cy="4446906"/>
-          </a:xfrm>
-        </p:spPr>
-        <p:txBody>
-          <a:bodyPr/>
-          <a:lstStyle/>
-          <a:p>
-            <a:pPr lvl="0"/>
-            <a:r>
-              <a:rPr lang="en-US" dirty="0"/>
-              <a:t>Click to edit Master text styles</a:t>
-            </a:r>
-          </a:p>
-          <a:p>
-            <a:pPr lvl="1"/>
-            <a:r>
-              <a:rPr lang="en-US" dirty="0"/>
-              <a:t>Second level</a:t>
-            </a:r>
-          </a:p>
-          <a:p>
-            <a:pPr lvl="2"/>
-            <a:r>
-              <a:rPr lang="en-US" dirty="0"/>
-              <a:t>Third level</a:t>
-            </a:r>
-          </a:p>
-          <a:p>
-            <a:pPr lvl="3"/>
-            <a:r>
-              <a:rPr lang="en-US" dirty="0"/>
-              <a:t>Fourth level</a:t>
-            </a:r>
-          </a:p>
-          <a:p>
-            <a:pPr lvl="4"/>
-            <a:r>
-              <a:rPr lang="en-US" dirty="0"/>
-              <a:t>Fifth level</a:t>
-            </a:r>
-          </a:p>
-        </p:txBody>
-      </p:sp>
-      <p:sp>
-        <p:nvSpPr>
-          <p:cNvPr id="11" name="Content Placeholder 3">
-            <a:extLst>
-              <a:ext uri="{FF2B5EF4-FFF2-40B4-BE49-F238E27FC236}">
-                <a16:creationId xmlns:a16="http://schemas.microsoft.com/office/drawing/2014/main" id="{CB008E43-F727-4C47-9855-9440A412ACCB}"/>
-              </a:ext>
-            </a:extLst>
-          </p:cNvPr>
-          <p:cNvSpPr>
-            <a:spLocks noGrp="1"/>
-          </p:cNvSpPr>
-          <p:nvPr>
-            <p:ph sz="half" idx="2"/>
-          </p:nvPr>
-        </p:nvSpPr>
-        <p:spPr>
-          <a:xfrm>
-            <a:off x="6172199" y="1205548"/>
-            <a:ext cx="5727527" cy="4446905"/>
-          </a:xfrm>
-        </p:spPr>
-        <p:txBody>
-          <a:bodyPr/>
-          <a:lstStyle/>
-          <a:p>
-            <a:pPr lvl="0"/>
-            <a:r>
-              <a:rPr lang="en-US"/>
-              <a:t>Click to edit Master text styles</a:t>
-            </a:r>
-          </a:p>
-          <a:p>
-            <a:pPr lvl="1"/>
-            <a:r>
-              <a:rPr lang="en-US"/>
-              <a:t>Second level</a:t>
-            </a:r>
-          </a:p>
-          <a:p>
-            <a:pPr lvl="2"/>
-            <a:r>
-              <a:rPr lang="en-US"/>
-              <a:t>Third level</a:t>
-            </a:r>
-          </a:p>
-          <a:p>
-            <a:pPr lvl="3"/>
-            <a:r>
-              <a:rPr lang="en-US"/>
-              <a:t>Fourth level</a:t>
-            </a:r>
-          </a:p>
-          <a:p>
-            <a:pPr lvl="4"/>
-            <a:r>
-              <a:rPr lang="en-US"/>
-              <a:t>Fifth level</a:t>
-            </a:r>
-          </a:p>
-        </p:txBody>
-      </p:sp>
-      <p:sp>
-        <p:nvSpPr>
-          <p:cNvPr id="3" name="Text Placeholder 2">
-            <a:extLst>
-              <a:ext uri="{FF2B5EF4-FFF2-40B4-BE49-F238E27FC236}">
-                <a16:creationId xmlns:a16="http://schemas.microsoft.com/office/drawing/2014/main" id="{B6810FF5-0B9C-4441-B73D-B10146FB8996}"/>
-              </a:ext>
-            </a:extLst>
-          </p:cNvPr>
-          <p:cNvSpPr>
-            <a:spLocks noGrp="1"/>
-          </p:cNvSpPr>
-          <p:nvPr>
-            <p:ph type="body" sz="quarter" idx="13"/>
-          </p:nvPr>
-        </p:nvSpPr>
-        <p:spPr>
-          <a:xfrm>
-            <a:off x="250825" y="5781584"/>
-            <a:ext cx="5768975" cy="445634"/>
-          </a:xfrm>
-        </p:spPr>
-        <p:txBody>
-          <a:bodyPr/>
-          <a:lstStyle>
-            <a:lvl1pPr marL="0" indent="0">
-              <a:buFont typeface="Arial" panose="020B0604020202020204" pitchFamily="34" charset="0"/>
-              <a:buNone/>
-              <a:defRPr sz="1200"/>
-            </a:lvl1pPr>
-            <a:lvl2pPr marL="457200" indent="0">
-              <a:buFont typeface="Arial" panose="020B0604020202020204" pitchFamily="34" charset="0"/>
-              <a:buNone/>
-              <a:defRPr sz="1100"/>
-            </a:lvl2pPr>
-            <a:lvl3pPr marL="914400" indent="0">
-              <a:buFont typeface="Arial" panose="020B0604020202020204" pitchFamily="34" charset="0"/>
-              <a:buNone/>
-              <a:defRPr sz="1050"/>
-            </a:lvl3pPr>
-            <a:lvl4pPr marL="1371600" indent="0">
-              <a:buFont typeface="Arial" panose="020B0604020202020204" pitchFamily="34" charset="0"/>
-              <a:buNone/>
-              <a:defRPr sz="1000"/>
-            </a:lvl4pPr>
-            <a:lvl5pPr marL="1828800" indent="0">
-              <a:buFont typeface="Arial" panose="020B0604020202020204" pitchFamily="34" charset="0"/>
-              <a:buNone/>
-              <a:defRPr sz="1000"/>
-            </a:lvl5pPr>
-          </a:lstStyle>
-          <a:p>
-            <a:pPr lvl="0"/>
-            <a:r>
-              <a:rPr lang="en-US" dirty="0"/>
-              <a:t>Click to edit Master text styles</a:t>
-            </a:r>
-          </a:p>
-          <a:p>
-            <a:pPr lvl="1"/>
-            <a:r>
-              <a:rPr lang="en-US" dirty="0"/>
-              <a:t>Second level</a:t>
-            </a:r>
-          </a:p>
-          <a:p>
-            <a:pPr lvl="2"/>
-            <a:r>
-              <a:rPr lang="en-US" dirty="0"/>
-              <a:t>Third level</a:t>
-            </a:r>
-          </a:p>
-          <a:p>
-            <a:pPr lvl="3"/>
-            <a:r>
-              <a:rPr lang="en-US" dirty="0"/>
-              <a:t>Fourth level</a:t>
-            </a:r>
-          </a:p>
-          <a:p>
-            <a:pPr lvl="4"/>
-            <a:r>
-              <a:rPr lang="en-US" dirty="0"/>
-              <a:t>Fifth level</a:t>
-            </a:r>
-            <a:endParaRPr lang="en-CH" dirty="0"/>
-          </a:p>
-        </p:txBody>
-      </p:sp>
-      <p:sp>
-        <p:nvSpPr>
-          <p:cNvPr id="4" name="Text Placeholder 3">
-            <a:extLst>
-              <a:ext uri="{FF2B5EF4-FFF2-40B4-BE49-F238E27FC236}">
-                <a16:creationId xmlns:a16="http://schemas.microsoft.com/office/drawing/2014/main" id="{EF8CA0C6-2B85-43B4-92F5-635817B1E191}"/>
-              </a:ext>
-            </a:extLst>
-          </p:cNvPr>
-          <p:cNvSpPr>
-            <a:spLocks noGrp="1"/>
-          </p:cNvSpPr>
-          <p:nvPr>
-            <p:ph type="body" sz="quarter" idx="14"/>
-          </p:nvPr>
-        </p:nvSpPr>
-        <p:spPr>
-          <a:xfrm>
-            <a:off x="6172200" y="5781675"/>
-            <a:ext cx="5727700" cy="446088"/>
-          </a:xfrm>
-        </p:spPr>
-        <p:txBody>
-          <a:bodyPr>
-            <a:noAutofit/>
-          </a:bodyPr>
-          <a:lstStyle>
-            <a:lvl1pPr marL="0" indent="0">
-              <a:buFontTx/>
-              <a:buNone/>
-              <a:defRPr sz="1200"/>
-            </a:lvl1pPr>
-            <a:lvl2pPr marL="457200" indent="0">
-              <a:buFontTx/>
-              <a:buNone/>
-              <a:defRPr sz="1100"/>
-            </a:lvl2pPr>
-            <a:lvl3pPr marL="914400" indent="0">
-              <a:buFontTx/>
-              <a:buNone/>
-              <a:defRPr sz="1050"/>
-            </a:lvl3pPr>
-            <a:lvl4pPr marL="1371600" indent="0">
-              <a:buFontTx/>
-              <a:buNone/>
-              <a:defRPr sz="1000"/>
-            </a:lvl4pPr>
-            <a:lvl5pPr marL="1828800" indent="0">
-              <a:buFontTx/>
-              <a:buNone/>
-              <a:defRPr sz="1000"/>
-            </a:lvl5pPr>
-          </a:lstStyle>
-          <a:p>
-            <a:pPr lvl="0"/>
-            <a:r>
-              <a:rPr lang="en-US" dirty="0"/>
-              <a:t>Click to edit Master text styles</a:t>
-            </a:r>
-          </a:p>
-          <a:p>
-            <a:pPr lvl="1"/>
-            <a:r>
-              <a:rPr lang="en-US" dirty="0"/>
-              <a:t>Second level</a:t>
-            </a:r>
-          </a:p>
-          <a:p>
-            <a:pPr lvl="2"/>
-            <a:r>
-              <a:rPr lang="en-US" dirty="0"/>
-              <a:t>Third level</a:t>
-            </a:r>
-          </a:p>
-          <a:p>
-            <a:pPr lvl="3"/>
-            <a:r>
-              <a:rPr lang="en-US" dirty="0"/>
-              <a:t>Fourth level</a:t>
-            </a:r>
-          </a:p>
-          <a:p>
-            <a:pPr lvl="4"/>
-            <a:r>
-              <a:rPr lang="en-US" dirty="0"/>
-              <a:t>Fifth level</a:t>
-            </a:r>
-            <a:endParaRPr lang="en-CH" dirty="0"/>
-          </a:p>
-        </p:txBody>
-      </p:sp>
-    </p:spTree>
-    <p:extLst>
-      <p:ext uri="{BB962C8B-B14F-4D97-AF65-F5344CB8AC3E}">
-        <p14:creationId xmlns:p14="http://schemas.microsoft.com/office/powerpoint/2010/main" val="1216857061"/>
-      </p:ext>
-    </p:extLst>
-  </p:cSld>
-  <p:clrMapOvr>
-    <a:masterClrMapping/>
-  </p:clrMapOvr>
-</p:sldLayout>
-</file>
-
-<file path=ppt/slideLayouts/slideLayout9.xml><?xml version="1.0" encoding="utf-8"?>
-<p:sldLayout xmlns:a="http://schemas.openxmlformats.org/drawingml/2006/main" xmlns:r="http://schemas.openxmlformats.org/officeDocument/2006/relationships" xmlns:p="http://schemas.openxmlformats.org/presentationml/2006/main" type="twoTxTwoObj" preserve="1">
-  <p:cSld name="Comparison">
-    <p:spTree>
-      <p:nvGrpSpPr>
-        <p:cNvPr id="1" name=""/>
-        <p:cNvGrpSpPr/>
-        <p:nvPr/>
-      </p:nvGrpSpPr>
-      <p:grpSpPr>
-        <a:xfrm>
-          <a:off x="0" y="0"/>
-          <a:ext cx="0" cy="0"/>
-          <a:chOff x="0" y="0"/>
-          <a:chExt cx="0" cy="0"/>
-        </a:xfrm>
-      </p:grpSpPr>
-      <p:sp>
-        <p:nvSpPr>
-          <p:cNvPr id="2" name="Title 1">
-            <a:extLst>
-              <a:ext uri="{FF2B5EF4-FFF2-40B4-BE49-F238E27FC236}">
-                <a16:creationId xmlns:a16="http://schemas.microsoft.com/office/drawing/2014/main" id="{DDCEEDBF-B9EE-46CF-A2B0-8EE3479EFD83}"/>
-              </a:ext>
-            </a:extLst>
-          </p:cNvPr>
-          <p:cNvSpPr>
-            <a:spLocks noGrp="1"/>
-          </p:cNvSpPr>
-          <p:nvPr>
-            <p:ph type="title"/>
-          </p:nvPr>
-        </p:nvSpPr>
-        <p:spPr>
-          <a:xfrm>
-            <a:off x="839788" y="365125"/>
-            <a:ext cx="10515600" cy="1325563"/>
-          </a:xfrm>
-        </p:spPr>
-        <p:txBody>
-          <a:bodyPr/>
-          <a:lstStyle/>
-          <a:p>
-            <a:r>
-              <a:rPr lang="en-US"/>
-              <a:t>Click to edit Master title style</a:t>
-            </a:r>
-          </a:p>
-        </p:txBody>
-      </p:sp>
-      <p:sp>
-        <p:nvSpPr>
-          <p:cNvPr id="3" name="Text Placeholder 2">
-            <a:extLst>
-              <a:ext uri="{FF2B5EF4-FFF2-40B4-BE49-F238E27FC236}">
-                <a16:creationId xmlns:a16="http://schemas.microsoft.com/office/drawing/2014/main" id="{544AF6FB-AD6C-4882-81B0-96CE078AAFDE}"/>
-              </a:ext>
-            </a:extLst>
-          </p:cNvPr>
-          <p:cNvSpPr>
-            <a:spLocks noGrp="1"/>
-          </p:cNvSpPr>
-          <p:nvPr>
-            <p:ph type="body" idx="1"/>
-          </p:nvPr>
-        </p:nvSpPr>
-        <p:spPr>
-          <a:xfrm>
-            <a:off x="839788" y="1681163"/>
-            <a:ext cx="5157787" cy="823912"/>
-          </a:xfrm>
-        </p:spPr>
-        <p:txBody>
-          <a:bodyPr anchor="b"/>
-          <a:lstStyle>
-            <a:lvl1pPr marL="0" indent="0">
-              <a:buNone/>
-              <a:defRPr sz="2400" b="1"/>
-            </a:lvl1pPr>
-            <a:lvl2pPr marL="457200" indent="0">
-              <a:buNone/>
-              <a:defRPr sz="2000" b="1"/>
-            </a:lvl2pPr>
-            <a:lvl3pPr marL="914400" indent="0">
-              <a:buNone/>
-              <a:defRPr sz="1800" b="1"/>
-            </a:lvl3pPr>
-            <a:lvl4pPr marL="1371600" indent="0">
-              <a:buNone/>
-              <a:defRPr sz="1600" b="1"/>
-            </a:lvl4pPr>
-            <a:lvl5pPr marL="1828800" indent="0">
-              <a:buNone/>
-              <a:defRPr sz="1600" b="1"/>
-            </a:lvl5pPr>
-            <a:lvl6pPr marL="2286000" indent="0">
-              <a:buNone/>
-              <a:defRPr sz="1600" b="1"/>
-            </a:lvl6pPr>
-            <a:lvl7pPr marL="2743200" indent="0">
-              <a:buNone/>
-              <a:defRPr sz="1600" b="1"/>
-            </a:lvl7pPr>
-            <a:lvl8pPr marL="3200400" indent="0">
-              <a:buNone/>
-              <a:defRPr sz="1600" b="1"/>
-            </a:lvl8pPr>
-            <a:lvl9pPr marL="3657600" indent="0">
-              <a:buNone/>
-              <a:defRPr sz="1600" b="1"/>
-            </a:lvl9pPr>
-          </a:lstStyle>
-          <a:p>
-            <a:pPr lvl="0"/>
-            <a:r>
-              <a:rPr lang="en-US"/>
-              <a:t>Click to edit Master text styles</a:t>
-            </a:r>
-          </a:p>
-        </p:txBody>
-      </p:sp>
-      <p:sp>
-        <p:nvSpPr>
-          <p:cNvPr id="4" name="Content Placeholder 3">
-            <a:extLst>
-              <a:ext uri="{FF2B5EF4-FFF2-40B4-BE49-F238E27FC236}">
-                <a16:creationId xmlns:a16="http://schemas.microsoft.com/office/drawing/2014/main" id="{1533832D-5B97-457A-BE16-A272372A4631}"/>
-              </a:ext>
-            </a:extLst>
-          </p:cNvPr>
-          <p:cNvSpPr>
-            <a:spLocks noGrp="1"/>
-          </p:cNvSpPr>
-          <p:nvPr>
-            <p:ph sz="half" idx="2"/>
-          </p:nvPr>
-        </p:nvSpPr>
-        <p:spPr>
-          <a:xfrm>
-            <a:off x="839788" y="2505075"/>
-            <a:ext cx="5157787" cy="3684588"/>
-          </a:xfrm>
-        </p:spPr>
-        <p:txBody>
-          <a:bodyPr/>
-          <a:lstStyle/>
-          <a:p>
-            <a:pPr lvl="0"/>
-            <a:r>
-              <a:rPr lang="en-US"/>
-              <a:t>Click to edit Master text styles</a:t>
-            </a:r>
-          </a:p>
-          <a:p>
-            <a:pPr lvl="1"/>
-            <a:r>
-              <a:rPr lang="en-US"/>
-              <a:t>Second level</a:t>
-            </a:r>
-          </a:p>
-          <a:p>
-            <a:pPr lvl="2"/>
-            <a:r>
-              <a:rPr lang="en-US"/>
-              <a:t>Third level</a:t>
-            </a:r>
-          </a:p>
-          <a:p>
-            <a:pPr lvl="3"/>
-            <a:r>
-              <a:rPr lang="en-US"/>
-              <a:t>Fourth level</a:t>
-            </a:r>
-          </a:p>
-          <a:p>
-            <a:pPr lvl="4"/>
-            <a:r>
-              <a:rPr lang="en-US"/>
-              <a:t>Fifth level</a:t>
-            </a:r>
-          </a:p>
-        </p:txBody>
-      </p:sp>
-      <p:sp>
-        <p:nvSpPr>
-          <p:cNvPr id="5" name="Text Placeholder 4">
-            <a:extLst>
-              <a:ext uri="{FF2B5EF4-FFF2-40B4-BE49-F238E27FC236}">
-                <a16:creationId xmlns:a16="http://schemas.microsoft.com/office/drawing/2014/main" id="{EB0BE55C-A71C-4022-9131-15FEDC116784}"/>
-              </a:ext>
-            </a:extLst>
-          </p:cNvPr>
-          <p:cNvSpPr>
-            <a:spLocks noGrp="1"/>
-          </p:cNvSpPr>
-          <p:nvPr>
-            <p:ph type="body" sz="quarter" idx="3"/>
-          </p:nvPr>
-        </p:nvSpPr>
-        <p:spPr>
-          <a:xfrm>
-            <a:off x="6172200" y="1681163"/>
-            <a:ext cx="5183188" cy="823912"/>
-          </a:xfrm>
-        </p:spPr>
-        <p:txBody>
-          <a:bodyPr anchor="b"/>
-          <a:lstStyle>
-            <a:lvl1pPr marL="0" indent="0">
-              <a:buNone/>
-              <a:defRPr sz="2400" b="1"/>
-            </a:lvl1pPr>
-            <a:lvl2pPr marL="457200" indent="0">
-              <a:buNone/>
-              <a:defRPr sz="2000" b="1"/>
-            </a:lvl2pPr>
-            <a:lvl3pPr marL="914400" indent="0">
-              <a:buNone/>
-              <a:defRPr sz="1800" b="1"/>
-            </a:lvl3pPr>
-            <a:lvl4pPr marL="1371600" indent="0">
-              <a:buNone/>
-              <a:defRPr sz="1600" b="1"/>
-            </a:lvl4pPr>
-            <a:lvl5pPr marL="1828800" indent="0">
-              <a:buNone/>
-              <a:defRPr sz="1600" b="1"/>
-            </a:lvl5pPr>
-            <a:lvl6pPr marL="2286000" indent="0">
-              <a:buNone/>
-              <a:defRPr sz="1600" b="1"/>
-            </a:lvl6pPr>
-            <a:lvl7pPr marL="2743200" indent="0">
-              <a:buNone/>
-              <a:defRPr sz="1600" b="1"/>
-            </a:lvl7pPr>
-            <a:lvl8pPr marL="3200400" indent="0">
-              <a:buNone/>
-              <a:defRPr sz="1600" b="1"/>
-            </a:lvl8pPr>
-            <a:lvl9pPr marL="3657600" indent="0">
-              <a:buNone/>
-              <a:defRPr sz="1600" b="1"/>
-            </a:lvl9pPr>
-          </a:lstStyle>
-          <a:p>
-            <a:pPr lvl="0"/>
-            <a:r>
-              <a:rPr lang="en-US"/>
-              <a:t>Click to edit Master text styles</a:t>
-            </a:r>
-          </a:p>
-        </p:txBody>
-      </p:sp>
-      <p:sp>
-        <p:nvSpPr>
-          <p:cNvPr id="6" name="Content Placeholder 5">
-            <a:extLst>
-              <a:ext uri="{FF2B5EF4-FFF2-40B4-BE49-F238E27FC236}">
-                <a16:creationId xmlns:a16="http://schemas.microsoft.com/office/drawing/2014/main" id="{B42F743A-257A-4CB8-B95B-5C988CC62C5F}"/>
-              </a:ext>
-            </a:extLst>
-          </p:cNvPr>
-          <p:cNvSpPr>
-            <a:spLocks noGrp="1"/>
-          </p:cNvSpPr>
-          <p:nvPr>
-            <p:ph sz="quarter" idx="4"/>
-          </p:nvPr>
-        </p:nvSpPr>
-        <p:spPr>
-          <a:xfrm>
-            <a:off x="6172200" y="2505075"/>
-            <a:ext cx="5183188" cy="3684588"/>
-          </a:xfrm>
-        </p:spPr>
-        <p:txBody>
-          <a:bodyPr/>
-          <a:lstStyle/>
-          <a:p>
-            <a:pPr lvl="0"/>
-            <a:r>
-              <a:rPr lang="en-US"/>
-              <a:t>Click to edit Master text styles</a:t>
-            </a:r>
-          </a:p>
-          <a:p>
-            <a:pPr lvl="1"/>
-            <a:r>
-              <a:rPr lang="en-US"/>
-              <a:t>Second level</a:t>
-            </a:r>
-          </a:p>
-          <a:p>
-            <a:pPr lvl="2"/>
-            <a:r>
-              <a:rPr lang="en-US"/>
-              <a:t>Third level</a:t>
-            </a:r>
-          </a:p>
-          <a:p>
-            <a:pPr lvl="3"/>
-            <a:r>
-              <a:rPr lang="en-US"/>
-              <a:t>Fourth level</a:t>
-            </a:r>
-          </a:p>
-          <a:p>
-            <a:pPr lvl="4"/>
-            <a:r>
-              <a:rPr lang="en-US"/>
-              <a:t>Fifth level</a:t>
-            </a:r>
-          </a:p>
-        </p:txBody>
-      </p:sp>
-      <p:sp>
-        <p:nvSpPr>
-          <p:cNvPr id="7" name="Date Placeholder 6">
-            <a:extLst>
-              <a:ext uri="{FF2B5EF4-FFF2-40B4-BE49-F238E27FC236}">
-                <a16:creationId xmlns:a16="http://schemas.microsoft.com/office/drawing/2014/main" id="{D25E529E-3A21-43D7-BDFA-A5A848AC67B7}"/>
-              </a:ext>
-            </a:extLst>
-          </p:cNvPr>
-          <p:cNvSpPr>
-            <a:spLocks noGrp="1"/>
-          </p:cNvSpPr>
-          <p:nvPr>
-            <p:ph type="dt" sz="half" idx="10"/>
-          </p:nvPr>
-        </p:nvSpPr>
-        <p:spPr/>
-        <p:txBody>
-          <a:bodyPr/>
-          <a:lstStyle/>
-          <a:p>
-            <a:fld id="{7B272C57-2FA0-4A9D-99A4-6F756B65018B}" type="datetimeFigureOut">
-              <a:rPr lang="en-US" smtClean="0"/>
-              <a:t>4/23/2020</a:t>
-            </a:fld>
-            <a:endParaRPr lang="en-US"/>
-          </a:p>
-        </p:txBody>
-      </p:sp>
-      <p:sp>
-        <p:nvSpPr>
-          <p:cNvPr id="8" name="Footer Placeholder 7">
-            <a:extLst>
-              <a:ext uri="{FF2B5EF4-FFF2-40B4-BE49-F238E27FC236}">
-                <a16:creationId xmlns:a16="http://schemas.microsoft.com/office/drawing/2014/main" id="{E8A1AC98-0217-4FDD-B158-1F74B7A158CE}"/>
-              </a:ext>
-            </a:extLst>
-          </p:cNvPr>
-          <p:cNvSpPr>
-            <a:spLocks noGrp="1"/>
-          </p:cNvSpPr>
-          <p:nvPr>
-            <p:ph type="ftr" sz="quarter" idx="11"/>
-          </p:nvPr>
-        </p:nvSpPr>
-        <p:spPr/>
-        <p:txBody>
-          <a:bodyPr/>
-          <a:lstStyle/>
-          <a:p>
-            <a:endParaRPr lang="en-US"/>
-          </a:p>
-        </p:txBody>
-      </p:sp>
-      <p:sp>
-        <p:nvSpPr>
-          <p:cNvPr id="9" name="Slide Number Placeholder 8">
-            <a:extLst>
-              <a:ext uri="{FF2B5EF4-FFF2-40B4-BE49-F238E27FC236}">
-                <a16:creationId xmlns:a16="http://schemas.microsoft.com/office/drawing/2014/main" id="{38112B28-E129-463E-A880-BAB46D30BA21}"/>
-              </a:ext>
-            </a:extLst>
-          </p:cNvPr>
-          <p:cNvSpPr>
-            <a:spLocks noGrp="1"/>
-          </p:cNvSpPr>
-          <p:nvPr>
-            <p:ph type="sldNum" sz="quarter" idx="12"/>
-          </p:nvPr>
-        </p:nvSpPr>
-        <p:spPr/>
-        <p:txBody>
-          <a:bodyPr/>
-          <a:lstStyle/>
-          <a:p>
-            <a:fld id="{C064A79B-B315-413E-88BB-EFE0B5D603D0}" type="slidenum">
-              <a:rPr lang="en-US" smtClean="0"/>
-              <a:t>‹#›</a:t>
-            </a:fld>
-            <a:endParaRPr lang="en-US"/>
-          </a:p>
-        </p:txBody>
-      </p:sp>
-    </p:spTree>
-    <p:extLst>
-      <p:ext uri="{BB962C8B-B14F-4D97-AF65-F5344CB8AC3E}">
-        <p14:creationId xmlns:p14="http://schemas.microsoft.com/office/powerpoint/2010/main" val="3298881254"/>
       </p:ext>
     </p:extLst>
   </p:cSld>
@@ -4491,7 +5133,7 @@
           <a:p>
             <a:fld id="{7B272C57-2FA0-4A9D-99A4-6F756B65018B}" type="datetimeFigureOut">
               <a:rPr lang="en-US" smtClean="0"/>
-              <a:t>4/23/2020</a:t>
+              <a:t>1/11/2021</a:t>
             </a:fld>
             <a:endParaRPr lang="en-US"/>
           </a:p>
@@ -4602,7 +5244,7 @@
           <p:nvPr userDrawn="1"/>
         </p:nvPicPr>
         <p:blipFill>
-          <a:blip r:embed="rId17"/>
+          <a:blip r:embed="rId19"/>
           <a:stretch>
             <a:fillRect/>
           </a:stretch>
@@ -4628,19 +5270,21 @@
   <p:sldLayoutIdLst>
     <p:sldLayoutId id="2147483649" r:id="rId1"/>
     <p:sldLayoutId id="2147483650" r:id="rId2"/>
-    <p:sldLayoutId id="2147483660" r:id="rId3"/>
-    <p:sldLayoutId id="2147483651" r:id="rId4"/>
-    <p:sldLayoutId id="2147483652" r:id="rId5"/>
-    <p:sldLayoutId id="2147483661" r:id="rId6"/>
-    <p:sldLayoutId id="2147483662" r:id="rId7"/>
-    <p:sldLayoutId id="2147483663" r:id="rId8"/>
-    <p:sldLayoutId id="2147483653" r:id="rId9"/>
-    <p:sldLayoutId id="2147483654" r:id="rId10"/>
-    <p:sldLayoutId id="2147483655" r:id="rId11"/>
-    <p:sldLayoutId id="2147483656" r:id="rId12"/>
-    <p:sldLayoutId id="2147483657" r:id="rId13"/>
-    <p:sldLayoutId id="2147483658" r:id="rId14"/>
-    <p:sldLayoutId id="2147483659" r:id="rId15"/>
+    <p:sldLayoutId id="2147483664" r:id="rId3"/>
+    <p:sldLayoutId id="2147483660" r:id="rId4"/>
+    <p:sldLayoutId id="2147483665" r:id="rId5"/>
+    <p:sldLayoutId id="2147483651" r:id="rId6"/>
+    <p:sldLayoutId id="2147483652" r:id="rId7"/>
+    <p:sldLayoutId id="2147483661" r:id="rId8"/>
+    <p:sldLayoutId id="2147483662" r:id="rId9"/>
+    <p:sldLayoutId id="2147483663" r:id="rId10"/>
+    <p:sldLayoutId id="2147483653" r:id="rId11"/>
+    <p:sldLayoutId id="2147483654" r:id="rId12"/>
+    <p:sldLayoutId id="2147483655" r:id="rId13"/>
+    <p:sldLayoutId id="2147483656" r:id="rId14"/>
+    <p:sldLayoutId id="2147483657" r:id="rId15"/>
+    <p:sldLayoutId id="2147483658" r:id="rId16"/>
+    <p:sldLayoutId id="2147483659" r:id="rId17"/>
   </p:sldLayoutIdLst>
   <p:txStyles>
     <p:titleStyle>
@@ -5151,7 +5795,7 @@
           <a:p>
             <a:r>
               <a:rPr/>
-              <a:t>script_IQSlidedeck.R | Date: 2021-01-11 17:08:06</a:t>
+              <a:t>script_IQSlidedeck.R | Date: 2021-01-11 18:21:08</a:t>
             </a:r>
           </a:p>
         </p:txBody>
@@ -5487,7 +6131,7 @@
           <a:p>
             <a:r>
               <a:rPr/>
-              <a:t>script_IQSlidedeck.R | Date: 2021-01-11 17:08:07</a:t>
+              <a:t>script_IQSlidedeck.R | Date: 2021-01-11 18:21:09</a:t>
             </a:r>
           </a:p>
         </p:txBody>
@@ -5823,7 +6467,7 @@
           <a:p>
             <a:r>
               <a:rPr/>
-              <a:t>script_IQSlidedeck.R | Date: 2021-01-11 17:08:08</a:t>
+              <a:t>script_IQSlidedeck.R | Date: 2021-01-11 18:21:10</a:t>
             </a:r>
           </a:p>
         </p:txBody>
@@ -6229,7 +6873,7 @@
           <a:p>
             <a:r>
               <a:rPr/>
-              <a:t>IQSlidedeck_IQRobjects.R | Date: 2021-01-11 17:08:37</a:t>
+              <a:t>IQSlidedeck_IQRobjects.R | Date: 2021-01-11 18:21:38</a:t>
             </a:r>
           </a:p>
         </p:txBody>
@@ -6583,7 +7227,7 @@
           <a:p>
             <a:r>
               <a:rPr/>
-              <a:t>IQSlidedeck_IQRobjects.R | Date: 2021-01-11 17:08:37</a:t>
+              <a:t>IQSlidedeck_IQRobjects.R | Date: 2021-01-11 18:21:38</a:t>
             </a:r>
           </a:p>
         </p:txBody>
@@ -6937,7 +7581,7 @@
           <a:p>
             <a:r>
               <a:rPr/>
-              <a:t>IQSlidedeck_IQRobjects.R | Date: 2021-01-11 17:08:37</a:t>
+              <a:t>IQSlidedeck_IQRobjects.R | Date: 2021-01-11 18:21:39</a:t>
             </a:r>
           </a:p>
         </p:txBody>
@@ -7256,7 +7900,7 @@
           <a:p>
             <a:r>
               <a:rPr/>
-              <a:t>IQSlidedeck_IQRobjects.R | Date: 2021-01-11 17:08:38</a:t>
+              <a:t>IQSlidedeck_IQRobjects.R | Date: 2021-01-11 18:21:39</a:t>
             </a:r>
           </a:p>
         </p:txBody>
@@ -7299,7 +7943,7 @@
         <p:spPr>
           <a:xfrm>
             <a:off x="0" y="0"/>
-            <a:ext cx="12192000" cy="1013635"/>
+            <a:ext cx="3600000" cy="6858000"/>
           </a:xfrm>
         </p:spPr>
         <p:txBody>
@@ -7308,7 +7952,7 @@
           <a:p>
             <a:r>
               <a:rPr/>
-              <a:t>Plotting white noise</a:t>
+              <a:t>Plotting white noise and testing the wide title layout</a:t>
             </a:r>
           </a:p>
         </p:txBody>
@@ -7331,8 +7975,8 @@
         </p:blipFill>
         <p:spPr>
           <a:xfrm>
-            <a:off x="250521" y="1227551"/>
-            <a:ext cx="11649206" cy="4479285"/>
+            <a:off x="3773103" y="136525"/>
+            <a:ext cx="8126624" cy="5570311"/>
           </a:xfrm>
           <a:prstGeom prst="rect">
             <a:avLst/>
@@ -7351,8 +7995,8 @@
         </p:nvSpPr>
         <p:spPr>
           <a:xfrm>
-            <a:off x="250521" y="5816374"/>
-            <a:ext cx="11649206" cy="365125"/>
+            <a:off x="3773101" y="5816374"/>
+            <a:ext cx="8126625" cy="365125"/>
           </a:xfrm>
         </p:spPr>
         <p:txBody>
@@ -7378,8 +8022,8 @@
         </p:nvSpPr>
         <p:spPr>
           <a:xfrm>
-            <a:off x="3144033" y="6356350"/>
-            <a:ext cx="5842763" cy="365125"/>
+            <a:off x="3773101" y="6356350"/>
+            <a:ext cx="6747312" cy="365125"/>
           </a:xfrm>
         </p:spPr>
         <p:txBody>
@@ -7388,7 +8032,7 @@
           <a:p>
             <a:r>
               <a:rPr/>
-              <a:t>IQSlidedeck_IQRobjects.R | Date: 2021-01-11 17:08:39</a:t>
+              <a:t>IQSlidedeck_IQRobjects.R | Date: 2021-01-11 18:21:41</a:t>
             </a:r>
           </a:p>
         </p:txBody>
@@ -7552,7 +8196,7 @@
           <a:p>
             <a:r>
               <a:rPr/>
-              <a:t>script_IQSlidedeck.R | Date: 2021-01-11 17:08:05</a:t>
+              <a:t>script_IQSlidedeck.R | Date: 2021-01-11 18:21:07</a:t>
             </a:r>
           </a:p>
         </p:txBody>
@@ -7769,7 +8413,7 @@
           <a:p>
             <a:r>
               <a:rPr/>
-              <a:t>script_IQSlidedeck.R | Date: 2021-01-11 17:08:05</a:t>
+              <a:t>script_IQSlidedeck.R | Date: 2021-01-11 18:21:07</a:t>
             </a:r>
           </a:p>
         </p:txBody>
@@ -7874,7 +8518,7 @@
           <a:p>
             <a:r>
               <a:rPr/>
-              <a:t>script_IQSlidedeck.R | Date: 2021-01-11 17:08:09</a:t>
+              <a:t>script_IQSlidedeck.R | Date: 2021-01-11 18:21:11</a:t>
             </a:r>
           </a:p>
         </p:txBody>
@@ -7979,7 +8623,7 @@
           <a:p>
             <a:r>
               <a:rPr/>
-              <a:t>script_IQSlidedeck.R | Date: 2021-01-11 17:08:10</a:t>
+              <a:t>script_IQSlidedeck.R | Date: 2021-01-11 18:21:12</a:t>
             </a:r>
           </a:p>
         </p:txBody>
@@ -8084,7 +8728,7 @@
           <a:p>
             <a:r>
               <a:rPr/>
-              <a:t>script_IQSlidedeck.R | Date: 2021-01-11 17:08:16</a:t>
+              <a:t>script_IQSlidedeck.R | Date: 2021-01-11 18:21:18</a:t>
             </a:r>
           </a:p>
         </p:txBody>

--- a/tests/testresults/script_IQSlidedeck_IQobjects_Default_16_9.pptx
+++ b/tests/testresults/script_IQSlidedeck_IQobjects_Default_16_9.pptx
@@ -5657,7 +5657,7 @@
               <a:rPr/>
               <a:t>IQR Objects
 Daniel Kaschek, IntiQuan
-2021-01-11</a:t>
+2021-03-09</a:t>
             </a:r>
           </a:p>
         </p:txBody>
@@ -5795,7 +5795,7 @@
           <a:p>
             <a:r>
               <a:rPr/>
-              <a:t>script_IQSlidedeck.R | Date: 2021-01-11 18:21:08</a:t>
+              <a:t>script_IQSlidedeck.R | Date: 2021-03-09 17:50:18</a:t>
             </a:r>
           </a:p>
         </p:txBody>
@@ -6131,7 +6131,7 @@
           <a:p>
             <a:r>
               <a:rPr/>
-              <a:t>script_IQSlidedeck.R | Date: 2021-01-11 18:21:09</a:t>
+              <a:t>script_IQSlidedeck.R | Date: 2021-03-09 17:50:19</a:t>
             </a:r>
           </a:p>
         </p:txBody>
@@ -6467,7 +6467,7 @@
           <a:p>
             <a:r>
               <a:rPr/>
-              <a:t>script_IQSlidedeck.R | Date: 2021-01-11 18:21:10</a:t>
+              <a:t>script_IQSlidedeck.R | Date: 2021-03-09 17:50:20</a:t>
             </a:r>
           </a:p>
         </p:txBody>
@@ -6873,7 +6873,7 @@
           <a:p>
             <a:r>
               <a:rPr/>
-              <a:t>IQSlidedeck_IQRobjects.R | Date: 2021-01-11 18:21:38</a:t>
+              <a:t>IQSlidedeck_IQRobjects.R | Date: 2021-03-09 17:50:45</a:t>
             </a:r>
           </a:p>
         </p:txBody>
@@ -7227,7 +7227,7 @@
           <a:p>
             <a:r>
               <a:rPr/>
-              <a:t>IQSlidedeck_IQRobjects.R | Date: 2021-01-11 18:21:38</a:t>
+              <a:t>IQSlidedeck_IQRobjects.R | Date: 2021-03-09 17:50:46</a:t>
             </a:r>
           </a:p>
         </p:txBody>
@@ -7581,7 +7581,7 @@
           <a:p>
             <a:r>
               <a:rPr/>
-              <a:t>IQSlidedeck_IQRobjects.R | Date: 2021-01-11 18:21:39</a:t>
+              <a:t>IQSlidedeck_IQRobjects.R | Date: 2021-03-09 17:50:46</a:t>
             </a:r>
           </a:p>
         </p:txBody>
@@ -7900,7 +7900,7 @@
           <a:p>
             <a:r>
               <a:rPr/>
-              <a:t>IQSlidedeck_IQRobjects.R | Date: 2021-01-11 18:21:39</a:t>
+              <a:t>IQSlidedeck_IQRobjects.R | Date: 2021-03-09 17:50:47</a:t>
             </a:r>
           </a:p>
         </p:txBody>
@@ -8032,7 +8032,7 @@
           <a:p>
             <a:r>
               <a:rPr/>
-              <a:t>IQSlidedeck_IQRobjects.R | Date: 2021-01-11 18:21:41</a:t>
+              <a:t>IQSlidedeck_IQRobjects.R | Date: 2021-03-09 17:50:48</a:t>
             </a:r>
           </a:p>
         </p:txBody>
@@ -8196,7 +8196,7 @@
           <a:p>
             <a:r>
               <a:rPr/>
-              <a:t>script_IQSlidedeck.R | Date: 2021-01-11 18:21:07</a:t>
+              <a:t>script_IQSlidedeck.R | Date: 2021-03-09 17:50:17</a:t>
             </a:r>
           </a:p>
         </p:txBody>
@@ -8413,7 +8413,7 @@
           <a:p>
             <a:r>
               <a:rPr/>
-              <a:t>script_IQSlidedeck.R | Date: 2021-01-11 18:21:07</a:t>
+              <a:t>script_IQSlidedeck.R | Date: 2021-03-09 17:50:17</a:t>
             </a:r>
           </a:p>
         </p:txBody>
@@ -8518,7 +8518,7 @@
           <a:p>
             <a:r>
               <a:rPr/>
-              <a:t>script_IQSlidedeck.R | Date: 2021-01-11 18:21:11</a:t>
+              <a:t>script_IQSlidedeck.R | Date: 2021-03-09 17:50:21</a:t>
             </a:r>
           </a:p>
         </p:txBody>
@@ -8623,7 +8623,7 @@
           <a:p>
             <a:r>
               <a:rPr/>
-              <a:t>script_IQSlidedeck.R | Date: 2021-01-11 18:21:12</a:t>
+              <a:t>script_IQSlidedeck.R | Date: 2021-03-09 17:50:22</a:t>
             </a:r>
           </a:p>
         </p:txBody>
@@ -8728,7 +8728,7 @@
           <a:p>
             <a:r>
               <a:rPr/>
-              <a:t>script_IQSlidedeck.R | Date: 2021-01-11 18:21:18</a:t>
+              <a:t>script_IQSlidedeck.R | Date: 2021-03-09 17:50:28</a:t>
             </a:r>
           </a:p>
         </p:txBody>

--- a/tests/testresults/script_IQSlidedeck_IQobjects_Default_16_9.pptx
+++ b/tests/testresults/script_IQSlidedeck_IQobjects_Default_16_9.pptx
@@ -5657,7 +5657,7 @@
               <a:rPr/>
               <a:t>IQR Objects
 Daniel Kaschek, IntiQuan
-2021-03-09</a:t>
+2021-04-26</a:t>
             </a:r>
           </a:p>
         </p:txBody>
@@ -5795,7 +5795,7 @@
           <a:p>
             <a:r>
               <a:rPr/>
-              <a:t>script_IQSlidedeck.R | Date: 2021-03-09 17:50:18</a:t>
+              <a:t>script_IQSlidedeck.R | Date: 2021-04-26 10:12:54</a:t>
             </a:r>
           </a:p>
         </p:txBody>
@@ -6131,7 +6131,7 @@
           <a:p>
             <a:r>
               <a:rPr/>
-              <a:t>script_IQSlidedeck.R | Date: 2021-03-09 17:50:19</a:t>
+              <a:t>script_IQSlidedeck.R | Date: 2021-04-26 10:12:55</a:t>
             </a:r>
           </a:p>
         </p:txBody>
@@ -6467,7 +6467,7 @@
           <a:p>
             <a:r>
               <a:rPr/>
-              <a:t>script_IQSlidedeck.R | Date: 2021-03-09 17:50:20</a:t>
+              <a:t>script_IQSlidedeck.R | Date: 2021-04-26 10:12:56</a:t>
             </a:r>
           </a:p>
         </p:txBody>
@@ -6873,7 +6873,7 @@
           <a:p>
             <a:r>
               <a:rPr/>
-              <a:t>IQSlidedeck_IQRobjects.R | Date: 2021-03-09 17:50:45</a:t>
+              <a:t>IQSlidedeck_IQRobjects.R | Date: 2021-04-26 10:13:21</a:t>
             </a:r>
           </a:p>
         </p:txBody>
@@ -7227,7 +7227,7 @@
           <a:p>
             <a:r>
               <a:rPr/>
-              <a:t>IQSlidedeck_IQRobjects.R | Date: 2021-03-09 17:50:46</a:t>
+              <a:t>IQSlidedeck_IQRobjects.R | Date: 2021-04-26 10:13:21</a:t>
             </a:r>
           </a:p>
         </p:txBody>
@@ -7581,7 +7581,7 @@
           <a:p>
             <a:r>
               <a:rPr/>
-              <a:t>IQSlidedeck_IQRobjects.R | Date: 2021-03-09 17:50:46</a:t>
+              <a:t>IQSlidedeck_IQRobjects.R | Date: 2021-04-26 10:13:21</a:t>
             </a:r>
           </a:p>
         </p:txBody>
@@ -7900,7 +7900,7 @@
           <a:p>
             <a:r>
               <a:rPr/>
-              <a:t>IQSlidedeck_IQRobjects.R | Date: 2021-03-09 17:50:47</a:t>
+              <a:t>IQSlidedeck_IQRobjects.R | Date: 2021-04-26 10:13:22</a:t>
             </a:r>
           </a:p>
         </p:txBody>
@@ -8032,7 +8032,7 @@
           <a:p>
             <a:r>
               <a:rPr/>
-              <a:t>IQSlidedeck_IQRobjects.R | Date: 2021-03-09 17:50:48</a:t>
+              <a:t>IQSlidedeck_IQRobjects.R | Date: 2021-04-26 10:13:23</a:t>
             </a:r>
           </a:p>
         </p:txBody>
@@ -8196,7 +8196,7 @@
           <a:p>
             <a:r>
               <a:rPr/>
-              <a:t>script_IQSlidedeck.R | Date: 2021-03-09 17:50:17</a:t>
+              <a:t>script_IQSlidedeck.R | Date: 2021-04-26 10:12:53</a:t>
             </a:r>
           </a:p>
         </p:txBody>
@@ -8413,7 +8413,7 @@
           <a:p>
             <a:r>
               <a:rPr/>
-              <a:t>script_IQSlidedeck.R | Date: 2021-03-09 17:50:17</a:t>
+              <a:t>script_IQSlidedeck.R | Date: 2021-04-26 10:12:53</a:t>
             </a:r>
           </a:p>
         </p:txBody>
@@ -8518,7 +8518,7 @@
           <a:p>
             <a:r>
               <a:rPr/>
-              <a:t>script_IQSlidedeck.R | Date: 2021-03-09 17:50:21</a:t>
+              <a:t>script_IQSlidedeck.R | Date: 2021-04-26 10:12:57</a:t>
             </a:r>
           </a:p>
         </p:txBody>
@@ -8623,7 +8623,7 @@
           <a:p>
             <a:r>
               <a:rPr/>
-              <a:t>script_IQSlidedeck.R | Date: 2021-03-09 17:50:22</a:t>
+              <a:t>script_IQSlidedeck.R | Date: 2021-04-26 10:12:58</a:t>
             </a:r>
           </a:p>
         </p:txBody>
@@ -8728,7 +8728,7 @@
           <a:p>
             <a:r>
               <a:rPr/>
-              <a:t>script_IQSlidedeck.R | Date: 2021-03-09 17:50:28</a:t>
+              <a:t>script_IQSlidedeck.R | Date: 2021-04-26 10:13:04</a:t>
             </a:r>
           </a:p>
         </p:txBody>

--- a/tests/testresults/script_IQSlidedeck_IQobjects_Default_16_9.pptx
+++ b/tests/testresults/script_IQSlidedeck_IQobjects_Default_16_9.pptx
@@ -23,6 +23,8 @@
     <p:sldId id="271" r:id="rId21"/>
     <p:sldId id="272" r:id="rId22"/>
     <p:sldId id="273" r:id="rId23"/>
+    <p:sldId id="274" r:id="rId24"/>
+    <p:sldId id="275" r:id="rId25"/>
   </p:sldIdLst>
   <p:sldSz cx="12192000" cy="6858000"/>
   <p:notesSz cx="6858000" cy="9144000"/>
@@ -5657,7 +5659,7 @@
               <a:rPr/>
               <a:t>IQR Objects
 Daniel Kaschek, IntiQuan
-2021-04-26</a:t>
+2021-07-20</a:t>
             </a:r>
           </a:p>
         </p:txBody>
@@ -5795,7 +5797,7 @@
           <a:p>
             <a:r>
               <a:rPr/>
-              <a:t>script_IQSlidedeck.R | Date: 2021-04-26 10:12:54</a:t>
+              <a:t>script_IQSlidedeck.R | Date: 2021-07-20 13:41:31</a:t>
             </a:r>
           </a:p>
         </p:txBody>
@@ -6131,7 +6133,7 @@
           <a:p>
             <a:r>
               <a:rPr/>
-              <a:t>script_IQSlidedeck.R | Date: 2021-04-26 10:12:55</a:t>
+              <a:t>script_IQSlidedeck.R | Date: 2021-07-20 13:41:32</a:t>
             </a:r>
           </a:p>
         </p:txBody>
@@ -6467,7 +6469,7 @@
           <a:p>
             <a:r>
               <a:rPr/>
-              <a:t>script_IQSlidedeck.R | Date: 2021-04-26 10:12:56</a:t>
+              <a:t>script_IQSlidedeck.R | Date: 2021-07-20 13:41:33</a:t>
             </a:r>
           </a:p>
         </p:txBody>
@@ -6873,7 +6875,7 @@
           <a:p>
             <a:r>
               <a:rPr/>
-              <a:t>IQSlidedeck_IQRobjects.R | Date: 2021-04-26 10:13:21</a:t>
+              <a:t>IQSlidedeck_IQRobjects.R | Date: 2021-07-20 13:41:59</a:t>
             </a:r>
           </a:p>
         </p:txBody>
@@ -7227,7 +7229,7 @@
           <a:p>
             <a:r>
               <a:rPr/>
-              <a:t>IQSlidedeck_IQRobjects.R | Date: 2021-04-26 10:13:21</a:t>
+              <a:t>IQSlidedeck_IQRobjects.R | Date: 2021-07-20 13:41:59</a:t>
             </a:r>
           </a:p>
         </p:txBody>
@@ -7581,7 +7583,7 @@
           <a:p>
             <a:r>
               <a:rPr/>
-              <a:t>IQSlidedeck_IQRobjects.R | Date: 2021-04-26 10:13:21</a:t>
+              <a:t>IQSlidedeck_IQRobjects.R | Date: 2021-07-20 13:41:59</a:t>
             </a:r>
           </a:p>
         </p:txBody>
@@ -7900,7 +7902,7 @@
           <a:p>
             <a:r>
               <a:rPr/>
-              <a:t>IQSlidedeck_IQRobjects.R | Date: 2021-04-26 10:13:22</a:t>
+              <a:t>IQSlidedeck_IQRobjects.R | Date: 2021-07-20 13:42:00</a:t>
             </a:r>
           </a:p>
         </p:txBody>
@@ -8032,7 +8034,140 @@
           <a:p>
             <a:r>
               <a:rPr/>
-              <a:t>IQSlidedeck_IQRobjects.R | Date: 2021-04-26 10:13:23</a:t>
+              <a:t>IQSlidedeck_IQRobjects.R | Date: 2021-07-20 13:42:02</a:t>
+            </a:r>
+          </a:p>
+        </p:txBody>
+      </p:sp>
+    </p:spTree>
+  </p:cSld>
+  <p:clrMapOvr>
+    <a:masterClrMapping/>
+  </p:clrMapOvr>
+</p:sld>
+</file>
+
+<file path=ppt/slides/slide19.xml><?xml version="1.0" encoding="utf-8"?>
+<p:sld xmlns:a="http://schemas.openxmlformats.org/drawingml/2006/main" xmlns:r="http://schemas.openxmlformats.org/officeDocument/2006/relationships" xmlns:p="http://schemas.openxmlformats.org/presentationml/2006/main">
+  <p:cSld>
+    <p:spTree>
+      <p:nvGrpSpPr>
+        <p:cNvPr id="1" name=""/>
+        <p:cNvGrpSpPr/>
+        <p:nvPr/>
+      </p:nvGrpSpPr>
+      <p:grpSpPr>
+        <a:xfrm>
+          <a:off x="0" y="0"/>
+          <a:ext cx="0" cy="0"/>
+          <a:chOff x="0" y="0"/>
+          <a:chExt cx="0" cy="0"/>
+        </a:xfrm>
+      </p:grpSpPr>
+      <p:sp xmlns:a="http://schemas.openxmlformats.org/drawingml/2006/main" xmlns:r="http://schemas.openxmlformats.org/officeDocument/2006/relationships" xmlns:p="http://schemas.openxmlformats.org/presentationml/2006/main">
+        <p:nvSpPr>
+          <p:cNvPr id="2" name="Title 1"/>
+          <p:cNvSpPr>
+            <a:spLocks noGrp="1"/>
+          </p:cNvSpPr>
+          <p:nvPr>
+            <p:ph type="title"/>
+          </p:nvPr>
+        </p:nvSpPr>
+        <p:spPr>
+          <a:xfrm>
+            <a:off x="0" y="0"/>
+            <a:ext cx="12192000" cy="1013635"/>
+          </a:xfrm>
+        </p:spPr>
+        <p:txBody>
+          <a:bodyPr/>
+          <a:lstStyle/>
+          <a:p>
+            <a:r>
+              <a:rPr/>
+              <a:t>Cars data set</a:t>
+            </a:r>
+          </a:p>
+        </p:txBody>
+      </p:sp>
+      <p:pic xmlns:a="http://schemas.openxmlformats.org/drawingml/2006/main" xmlns:r="http://schemas.openxmlformats.org/officeDocument/2006/relationships" xmlns:p="http://schemas.openxmlformats.org/presentationml/2006/main">
+        <p:nvPicPr>
+          <p:cNvPr id="3" name="Content Placeholder 2"/>
+          <p:cNvPicPr>
+            <a:picLocks noGrp="1"/>
+          </p:cNvPicPr>
+          <p:nvPr>
+            <p:ph idx="1"/>
+          </p:nvPr>
+        </p:nvPicPr>
+        <p:blipFill>
+          <a:blip cstate="print" r:embed="rId2"/>
+          <a:stretch>
+            <a:fillRect/>
+          </a:stretch>
+        </p:blipFill>
+        <p:spPr>
+          <a:xfrm>
+            <a:off x="250521" y="1227551"/>
+            <a:ext cx="11649206" cy="4479285"/>
+          </a:xfrm>
+          <a:prstGeom prst="rect">
+            <a:avLst/>
+          </a:prstGeom>
+        </p:spPr>
+      </p:pic>
+      <p:sp xmlns:a="http://schemas.openxmlformats.org/drawingml/2006/main" xmlns:r="http://schemas.openxmlformats.org/officeDocument/2006/relationships" xmlns:p="http://schemas.openxmlformats.org/presentationml/2006/main">
+        <p:nvSpPr>
+          <p:cNvPr id="4" name="Text Placeholder 8"/>
+          <p:cNvSpPr>
+            <a:spLocks noGrp="1"/>
+          </p:cNvSpPr>
+          <p:nvPr>
+            <p:ph type="body" sz="quarter" idx="13"/>
+          </p:nvPr>
+        </p:nvSpPr>
+        <p:spPr>
+          <a:xfrm>
+            <a:off x="250521" y="5816374"/>
+            <a:ext cx="11649206" cy="365125"/>
+          </a:xfrm>
+        </p:spPr>
+        <p:txBody>
+          <a:bodyPr/>
+          <a:lstStyle/>
+          <a:p>
+            <a:r>
+              <a:rPr/>
+              <a:t>See R datasets::mtcars
+File: ../Output/01_test/cars_table.txt</a:t>
+            </a:r>
+          </a:p>
+        </p:txBody>
+      </p:sp>
+      <p:sp xmlns:a="http://schemas.openxmlformats.org/drawingml/2006/main" xmlns:r="http://schemas.openxmlformats.org/officeDocument/2006/relationships" xmlns:p="http://schemas.openxmlformats.org/presentationml/2006/main">
+        <p:nvSpPr>
+          <p:cNvPr id="5" name="Footer Placeholder 4"/>
+          <p:cNvSpPr>
+            <a:spLocks noGrp="1"/>
+          </p:cNvSpPr>
+          <p:nvPr>
+            <p:ph type="ftr" sz="quarter" idx="11"/>
+          </p:nvPr>
+        </p:nvSpPr>
+        <p:spPr>
+          <a:xfrm>
+            <a:off x="3144033" y="6356350"/>
+            <a:ext cx="5842763" cy="365125"/>
+          </a:xfrm>
+        </p:spPr>
+        <p:txBody>
+          <a:bodyPr/>
+          <a:lstStyle/>
+          <a:p>
+            <a:r>
+              <a:rPr/>
+              <a:t>IQSlidedeck_IQRobjects.R | Date: 2021-07-20 13:42:03</a:t>
             </a:r>
           </a:p>
         </p:txBody>
@@ -8097,6 +8232,191 @@
 </p:sld>
 </file>
 
+<file path=ppt/slides/slide20.xml><?xml version="1.0" encoding="utf-8"?>
+<p:sld xmlns:a="http://schemas.openxmlformats.org/drawingml/2006/main" xmlns:r="http://schemas.openxmlformats.org/officeDocument/2006/relationships" xmlns:p="http://schemas.openxmlformats.org/presentationml/2006/main">
+  <p:cSld>
+    <p:spTree>
+      <p:nvGrpSpPr>
+        <p:cNvPr id="1" name=""/>
+        <p:cNvGrpSpPr/>
+        <p:nvPr/>
+      </p:nvGrpSpPr>
+      <p:grpSpPr>
+        <a:xfrm>
+          <a:off x="0" y="0"/>
+          <a:ext cx="0" cy="0"/>
+          <a:chOff x="0" y="0"/>
+          <a:chExt cx="0" cy="0"/>
+        </a:xfrm>
+      </p:grpSpPr>
+      <p:sp xmlns:a="http://schemas.openxmlformats.org/drawingml/2006/main" xmlns:r="http://schemas.openxmlformats.org/officeDocument/2006/relationships" xmlns:p="http://schemas.openxmlformats.org/presentationml/2006/main">
+        <p:nvSpPr>
+          <p:cNvPr id="2" name="Title 1"/>
+          <p:cNvSpPr>
+            <a:spLocks noGrp="1"/>
+          </p:cNvSpPr>
+          <p:nvPr>
+            <p:ph type="title"/>
+          </p:nvPr>
+        </p:nvSpPr>
+        <p:spPr>
+          <a:xfrm>
+            <a:off x="0" y="0"/>
+            <a:ext cx="12192000" cy="1013635"/>
+          </a:xfrm>
+        </p:spPr>
+        <p:txBody>
+          <a:bodyPr/>
+          <a:lstStyle/>
+          <a:p>
+            <a:r>
+              <a:rPr/>
+              <a:t/>
+            </a:r>
+          </a:p>
+        </p:txBody>
+      </p:sp>
+      <p:pic xmlns:a="http://schemas.openxmlformats.org/drawingml/2006/main" xmlns:r="http://schemas.openxmlformats.org/officeDocument/2006/relationships" xmlns:p="http://schemas.openxmlformats.org/presentationml/2006/main">
+        <p:nvPicPr>
+          <p:cNvPr id="3" name="Content Placeholder 2"/>
+          <p:cNvPicPr>
+            <a:picLocks noGrp="1"/>
+          </p:cNvPicPr>
+          <p:nvPr>
+            <p:ph sz="half" idx="1"/>
+          </p:nvPr>
+        </p:nvPicPr>
+        <p:blipFill>
+          <a:blip cstate="print" r:embed="rId2"/>
+          <a:stretch>
+            <a:fillRect/>
+          </a:stretch>
+        </p:blipFill>
+        <p:spPr>
+          <a:xfrm>
+            <a:off x="250521" y="1205547"/>
+            <a:ext cx="5769279" cy="4446906"/>
+          </a:xfrm>
+          <a:prstGeom prst="rect">
+            <a:avLst/>
+          </a:prstGeom>
+        </p:spPr>
+      </p:pic>
+      <p:sp xmlns:a="http://schemas.openxmlformats.org/drawingml/2006/main" xmlns:r="http://schemas.openxmlformats.org/officeDocument/2006/relationships" xmlns:p="http://schemas.openxmlformats.org/presentationml/2006/main">
+        <p:nvSpPr>
+          <p:cNvPr id="4" name="Text Placeholder 2"/>
+          <p:cNvSpPr>
+            <a:spLocks noGrp="1"/>
+          </p:cNvSpPr>
+          <p:nvPr>
+            <p:ph type="body" sz="quarter" idx="13"/>
+          </p:nvPr>
+        </p:nvSpPr>
+        <p:spPr>
+          <a:xfrm>
+            <a:off x="250825" y="5781584"/>
+            <a:ext cx="5768975" cy="445634"/>
+          </a:xfrm>
+        </p:spPr>
+        <p:txBody>
+          <a:bodyPr/>
+          <a:lstStyle/>
+          <a:p>
+            <a:r>
+              <a:rPr/>
+              <a:t>File: ../Output/01_test/normal_distributions_longlist.pdf</a:t>
+            </a:r>
+          </a:p>
+        </p:txBody>
+      </p:sp>
+      <p:pic xmlns:a="http://schemas.openxmlformats.org/drawingml/2006/main" xmlns:r="http://schemas.openxmlformats.org/officeDocument/2006/relationships" xmlns:p="http://schemas.openxmlformats.org/presentationml/2006/main">
+        <p:nvPicPr>
+          <p:cNvPr id="5" name="Content Placeholder 3"/>
+          <p:cNvPicPr>
+            <a:picLocks noGrp="1"/>
+          </p:cNvPicPr>
+          <p:nvPr>
+            <p:ph sz="half" idx="2"/>
+          </p:nvPr>
+        </p:nvPicPr>
+        <p:blipFill>
+          <a:blip cstate="print" r:embed="rId3"/>
+          <a:stretch>
+            <a:fillRect/>
+          </a:stretch>
+        </p:blipFill>
+        <p:spPr>
+          <a:xfrm>
+            <a:off x="6172199" y="1205548"/>
+            <a:ext cx="5727527" cy="4446905"/>
+          </a:xfrm>
+          <a:prstGeom prst="rect">
+            <a:avLst/>
+          </a:prstGeom>
+        </p:spPr>
+      </p:pic>
+      <p:sp xmlns:a="http://schemas.openxmlformats.org/drawingml/2006/main" xmlns:r="http://schemas.openxmlformats.org/officeDocument/2006/relationships" xmlns:p="http://schemas.openxmlformats.org/presentationml/2006/main">
+        <p:nvSpPr>
+          <p:cNvPr id="6" name="Text Placeholder 3"/>
+          <p:cNvSpPr>
+            <a:spLocks noGrp="1"/>
+          </p:cNvSpPr>
+          <p:nvPr>
+            <p:ph type="body" sz="quarter" idx="14"/>
+          </p:nvPr>
+        </p:nvSpPr>
+        <p:spPr>
+          <a:xfrm>
+            <a:off x="6172200" y="5781675"/>
+            <a:ext cx="5727700" cy="446088"/>
+          </a:xfrm>
+        </p:spPr>
+        <p:txBody>
+          <a:bodyPr/>
+          <a:lstStyle/>
+          <a:p>
+            <a:r>
+              <a:rPr/>
+              <a:t>File: ../Output/01_test/normal_distributions_longlist.pdf</a:t>
+            </a:r>
+          </a:p>
+        </p:txBody>
+      </p:sp>
+      <p:sp xmlns:a="http://schemas.openxmlformats.org/drawingml/2006/main" xmlns:r="http://schemas.openxmlformats.org/officeDocument/2006/relationships" xmlns:p="http://schemas.openxmlformats.org/presentationml/2006/main">
+        <p:nvSpPr>
+          <p:cNvPr id="7" name="Footer Placeholder 5"/>
+          <p:cNvSpPr>
+            <a:spLocks noGrp="1"/>
+          </p:cNvSpPr>
+          <p:nvPr>
+            <p:ph type="ftr" sz="quarter" idx="11"/>
+          </p:nvPr>
+        </p:nvSpPr>
+        <p:spPr>
+          <a:xfrm>
+            <a:off x="3144033" y="6356350"/>
+            <a:ext cx="5842763" cy="365125"/>
+          </a:xfrm>
+        </p:spPr>
+        <p:txBody>
+          <a:bodyPr/>
+          <a:lstStyle/>
+          <a:p>
+            <a:r>
+              <a:rPr/>
+              <a:t>IQSlidedeck_IQRobjects.R | Date: 2021-07-20 13:42:03</a:t>
+            </a:r>
+          </a:p>
+        </p:txBody>
+      </p:sp>
+    </p:spTree>
+  </p:cSld>
+  <p:clrMapOvr>
+    <a:masterClrMapping/>
+  </p:clrMapOvr>
+</p:sld>
+</file>
+
 <file path=ppt/slides/slide3.xml><?xml version="1.0" encoding="utf-8"?>
 <p:sld xmlns:a="http://schemas.openxmlformats.org/drawingml/2006/main" xmlns:r="http://schemas.openxmlformats.org/officeDocument/2006/relationships" xmlns:p="http://schemas.openxmlformats.org/presentationml/2006/main">
   <p:cSld>
@@ -8196,7 +8516,7 @@
           <a:p>
             <a:r>
               <a:rPr/>
-              <a:t>script_IQSlidedeck.R | Date: 2021-04-26 10:12:53</a:t>
+              <a:t>script_IQSlidedeck.R | Date: 2021-07-20 13:41:30</a:t>
             </a:r>
           </a:p>
         </p:txBody>
@@ -8413,7 +8733,7 @@
           <a:p>
             <a:r>
               <a:rPr/>
-              <a:t>script_IQSlidedeck.R | Date: 2021-04-26 10:12:53</a:t>
+              <a:t>script_IQSlidedeck.R | Date: 2021-07-20 13:41:30</a:t>
             </a:r>
           </a:p>
         </p:txBody>
@@ -8518,7 +8838,7 @@
           <a:p>
             <a:r>
               <a:rPr/>
-              <a:t>script_IQSlidedeck.R | Date: 2021-04-26 10:12:57</a:t>
+              <a:t>script_IQSlidedeck.R | Date: 2021-07-20 13:41:34</a:t>
             </a:r>
           </a:p>
         </p:txBody>
@@ -8623,7 +8943,7 @@
           <a:p>
             <a:r>
               <a:rPr/>
-              <a:t>script_IQSlidedeck.R | Date: 2021-04-26 10:12:58</a:t>
+              <a:t>script_IQSlidedeck.R | Date: 2021-07-20 13:41:35</a:t>
             </a:r>
           </a:p>
         </p:txBody>
@@ -8728,7 +9048,7 @@
           <a:p>
             <a:r>
               <a:rPr/>
-              <a:t>script_IQSlidedeck.R | Date: 2021-04-26 10:13:04</a:t>
+              <a:t>script_IQSlidedeck.R | Date: 2021-07-20 13:41:40</a:t>
             </a:r>
           </a:p>
         </p:txBody>

--- a/tests/testresults/script_IQSlidedeck_IQobjects_Default_16_9.pptx
+++ b/tests/testresults/script_IQSlidedeck_IQobjects_Default_16_9.pptx
@@ -5659,7 +5659,7 @@
               <a:rPr/>
               <a:t>IQR Objects
 Daniel Kaschek, IntiQuan
-2021-07-20</a:t>
+2021-10-15</a:t>
             </a:r>
           </a:p>
         </p:txBody>
@@ -5797,7 +5797,7 @@
           <a:p>
             <a:r>
               <a:rPr/>
-              <a:t>script_IQSlidedeck.R | Date: 2021-07-20 13:41:31</a:t>
+              <a:t>script_IQSlidedeck.R | Date: 2021-10-15 12:45:14</a:t>
             </a:r>
           </a:p>
         </p:txBody>
@@ -6133,7 +6133,7 @@
           <a:p>
             <a:r>
               <a:rPr/>
-              <a:t>script_IQSlidedeck.R | Date: 2021-07-20 13:41:32</a:t>
+              <a:t>script_IQSlidedeck.R | Date: 2021-10-15 12:45:15</a:t>
             </a:r>
           </a:p>
         </p:txBody>
@@ -6469,7 +6469,7 @@
           <a:p>
             <a:r>
               <a:rPr/>
-              <a:t>script_IQSlidedeck.R | Date: 2021-07-20 13:41:33</a:t>
+              <a:t>script_IQSlidedeck.R | Date: 2021-10-15 12:45:16</a:t>
             </a:r>
           </a:p>
         </p:txBody>
@@ -6875,7 +6875,7 @@
           <a:p>
             <a:r>
               <a:rPr/>
-              <a:t>IQSlidedeck_IQRobjects.R | Date: 2021-07-20 13:41:59</a:t>
+              <a:t>IQSlidedeck_IQRobjects.R | Date: 2021-10-15 12:45:43</a:t>
             </a:r>
           </a:p>
         </p:txBody>
@@ -7229,7 +7229,7 @@
           <a:p>
             <a:r>
               <a:rPr/>
-              <a:t>IQSlidedeck_IQRobjects.R | Date: 2021-07-20 13:41:59</a:t>
+              <a:t>IQSlidedeck_IQRobjects.R | Date: 2021-10-15 12:45:43</a:t>
             </a:r>
           </a:p>
         </p:txBody>
@@ -7583,7 +7583,7 @@
           <a:p>
             <a:r>
               <a:rPr/>
-              <a:t>IQSlidedeck_IQRobjects.R | Date: 2021-07-20 13:41:59</a:t>
+              <a:t>IQSlidedeck_IQRobjects.R | Date: 2021-10-15 12:45:43</a:t>
             </a:r>
           </a:p>
         </p:txBody>
@@ -7902,7 +7902,7 @@
           <a:p>
             <a:r>
               <a:rPr/>
-              <a:t>IQSlidedeck_IQRobjects.R | Date: 2021-07-20 13:42:00</a:t>
+              <a:t>IQSlidedeck_IQRobjects.R | Date: 2021-10-15 12:45:44</a:t>
             </a:r>
           </a:p>
         </p:txBody>
@@ -8034,7 +8034,7 @@
           <a:p>
             <a:r>
               <a:rPr/>
-              <a:t>IQSlidedeck_IQRobjects.R | Date: 2021-07-20 13:42:02</a:t>
+              <a:t>IQSlidedeck_IQRobjects.R | Date: 2021-10-15 12:45:46</a:t>
             </a:r>
           </a:p>
         </p:txBody>
@@ -8167,7 +8167,7 @@
           <a:p>
             <a:r>
               <a:rPr/>
-              <a:t>IQSlidedeck_IQRobjects.R | Date: 2021-07-20 13:42:03</a:t>
+              <a:t>IQSlidedeck_IQRobjects.R | Date: 2021-10-15 12:45:47</a:t>
             </a:r>
           </a:p>
         </p:txBody>
@@ -8404,7 +8404,7 @@
           <a:p>
             <a:r>
               <a:rPr/>
-              <a:t>IQSlidedeck_IQRobjects.R | Date: 2021-07-20 13:42:03</a:t>
+              <a:t>IQSlidedeck_IQRobjects.R | Date: 2021-10-15 12:45:48</a:t>
             </a:r>
           </a:p>
         </p:txBody>
@@ -8516,7 +8516,7 @@
           <a:p>
             <a:r>
               <a:rPr/>
-              <a:t>script_IQSlidedeck.R | Date: 2021-07-20 13:41:30</a:t>
+              <a:t>script_IQSlidedeck.R | Date: 2021-10-15 12:45:13</a:t>
             </a:r>
           </a:p>
         </p:txBody>
@@ -8733,7 +8733,7 @@
           <a:p>
             <a:r>
               <a:rPr/>
-              <a:t>script_IQSlidedeck.R | Date: 2021-07-20 13:41:30</a:t>
+              <a:t>script_IQSlidedeck.R | Date: 2021-10-15 12:45:13</a:t>
             </a:r>
           </a:p>
         </p:txBody>
@@ -8838,7 +8838,7 @@
           <a:p>
             <a:r>
               <a:rPr/>
-              <a:t>script_IQSlidedeck.R | Date: 2021-07-20 13:41:34</a:t>
+              <a:t>script_IQSlidedeck.R | Date: 2021-10-15 12:45:16</a:t>
             </a:r>
           </a:p>
         </p:txBody>
@@ -8943,7 +8943,7 @@
           <a:p>
             <a:r>
               <a:rPr/>
-              <a:t>script_IQSlidedeck.R | Date: 2021-07-20 13:41:35</a:t>
+              <a:t>script_IQSlidedeck.R | Date: 2021-10-15 12:45:17</a:t>
             </a:r>
           </a:p>
         </p:txBody>
@@ -9048,7 +9048,7 @@
           <a:p>
             <a:r>
               <a:rPr/>
-              <a:t>script_IQSlidedeck.R | Date: 2021-07-20 13:41:40</a:t>
+              <a:t>script_IQSlidedeck.R | Date: 2021-10-15 12:45:23</a:t>
             </a:r>
           </a:p>
         </p:txBody>

--- a/tests/testresults/script_IQSlidedeck_IQobjects_Default_16_9.pptx
+++ b/tests/testresults/script_IQSlidedeck_IQobjects_Default_16_9.pptx
@@ -211,7 +211,7 @@
         <p:spPr>
           <a:xfrm>
             <a:off x="277660" y="2894388"/>
-            <a:ext cx="11636679" cy="644842"/>
+            <a:ext cx="11636679" cy="3201612"/>
           </a:xfrm>
         </p:spPr>
         <p:txBody>
@@ -289,7 +289,7 @@
           <a:p>
             <a:fld id="{7B272C57-2FA0-4A9D-99A4-6F756B65018B}" type="datetimeFigureOut">
               <a:rPr lang="en-US" smtClean="0"/>
-              <a:t>1/11/2021</a:t>
+              <a:t>1/7/2022</a:t>
             </a:fld>
             <a:endParaRPr lang="en-US"/>
           </a:p>
@@ -410,7 +410,7 @@
           <a:p>
             <a:fld id="{7B272C57-2FA0-4A9D-99A4-6F756B65018B}" type="datetimeFigureOut">
               <a:rPr lang="en-US" smtClean="0"/>
-              <a:t>1/11/2021</a:t>
+              <a:t>1/7/2022</a:t>
             </a:fld>
             <a:endParaRPr lang="en-US"/>
           </a:p>
@@ -1166,7 +1166,7 @@
           <a:p>
             <a:fld id="{7B272C57-2FA0-4A9D-99A4-6F756B65018B}" type="datetimeFigureOut">
               <a:rPr lang="en-US" smtClean="0"/>
-              <a:t>1/11/2021</a:t>
+              <a:t>1/7/2022</a:t>
             </a:fld>
             <a:endParaRPr lang="en-US"/>
           </a:p>
@@ -1323,7 +1323,7 @@
           <a:p>
             <a:fld id="{7B272C57-2FA0-4A9D-99A4-6F756B65018B}" type="datetimeFigureOut">
               <a:rPr lang="en-US" smtClean="0"/>
-              <a:t>1/11/2021</a:t>
+              <a:t>1/7/2022</a:t>
             </a:fld>
             <a:endParaRPr lang="en-US"/>
           </a:p>
@@ -1436,7 +1436,7 @@
           <a:p>
             <a:fld id="{7B272C57-2FA0-4A9D-99A4-6F756B65018B}" type="datetimeFigureOut">
               <a:rPr lang="en-US" smtClean="0"/>
-              <a:t>1/11/2021</a:t>
+              <a:t>1/7/2022</a:t>
             </a:fld>
             <a:endParaRPr lang="en-US"/>
           </a:p>
@@ -1747,7 +1747,7 @@
           <a:p>
             <a:fld id="{7B272C57-2FA0-4A9D-99A4-6F756B65018B}" type="datetimeFigureOut">
               <a:rPr lang="en-US" smtClean="0"/>
-              <a:t>1/11/2021</a:t>
+              <a:t>1/7/2022</a:t>
             </a:fld>
             <a:endParaRPr lang="en-US"/>
           </a:p>
@@ -2035,7 +2035,7 @@
           <a:p>
             <a:fld id="{7B272C57-2FA0-4A9D-99A4-6F756B65018B}" type="datetimeFigureOut">
               <a:rPr lang="en-US" smtClean="0"/>
-              <a:t>1/11/2021</a:t>
+              <a:t>1/7/2022</a:t>
             </a:fld>
             <a:endParaRPr lang="en-US"/>
           </a:p>
@@ -2233,7 +2233,7 @@
           <a:p>
             <a:fld id="{7B272C57-2FA0-4A9D-99A4-6F756B65018B}" type="datetimeFigureOut">
               <a:rPr lang="en-US" smtClean="0"/>
-              <a:t>1/11/2021</a:t>
+              <a:t>1/7/2022</a:t>
             </a:fld>
             <a:endParaRPr lang="en-US"/>
           </a:p>
@@ -2441,7 +2441,7 @@
           <a:p>
             <a:fld id="{7B272C57-2FA0-4A9D-99A4-6F756B65018B}" type="datetimeFigureOut">
               <a:rPr lang="en-US" smtClean="0"/>
-              <a:t>1/11/2021</a:t>
+              <a:t>1/7/2022</a:t>
             </a:fld>
             <a:endParaRPr lang="en-US"/>
           </a:p>
@@ -2644,7 +2644,7 @@
           <a:p>
             <a:fld id="{7B272C57-2FA0-4A9D-99A4-6F756B65018B}" type="datetimeFigureOut">
               <a:rPr lang="en-US" smtClean="0"/>
-              <a:t>1/11/2021</a:t>
+              <a:t>1/7/2022</a:t>
             </a:fld>
             <a:endParaRPr lang="en-US"/>
           </a:p>
@@ -2857,7 +2857,7 @@
           <a:p>
             <a:fld id="{7B272C57-2FA0-4A9D-99A4-6F756B65018B}" type="datetimeFigureOut">
               <a:rPr lang="en-US" smtClean="0"/>
-              <a:t>1/11/2021</a:t>
+              <a:t>1/7/2022</a:t>
             </a:fld>
             <a:endParaRPr lang="en-US" dirty="0"/>
           </a:p>
@@ -3130,7 +3130,7 @@
           <a:p>
             <a:fld id="{7B272C57-2FA0-4A9D-99A4-6F756B65018B}" type="datetimeFigureOut">
               <a:rPr lang="en-US" smtClean="0"/>
-              <a:t>1/11/2021</a:t>
+              <a:t>1/7/2022</a:t>
             </a:fld>
             <a:endParaRPr lang="en-US"/>
           </a:p>
@@ -3429,7 +3429,7 @@
           <a:p>
             <a:fld id="{7B272C57-2FA0-4A9D-99A4-6F756B65018B}" type="datetimeFigureOut">
               <a:rPr lang="en-US" smtClean="0"/>
-              <a:t>1/11/2021</a:t>
+              <a:t>1/7/2022</a:t>
             </a:fld>
             <a:endParaRPr lang="en-US"/>
           </a:p>
@@ -3855,7 +3855,7 @@
           <a:p>
             <a:fld id="{7B272C57-2FA0-4A9D-99A4-6F756B65018B}" type="datetimeFigureOut">
               <a:rPr lang="en-US" smtClean="0"/>
-              <a:t>1/11/2021</a:t>
+              <a:t>1/7/2022</a:t>
             </a:fld>
             <a:endParaRPr lang="en-US"/>
           </a:p>
@@ -3976,7 +3976,7 @@
           <a:p>
             <a:fld id="{7B272C57-2FA0-4A9D-99A4-6F756B65018B}" type="datetimeFigureOut">
               <a:rPr lang="en-US" smtClean="0"/>
-              <a:t>1/11/2021</a:t>
+              <a:t>1/7/2022</a:t>
             </a:fld>
             <a:endParaRPr lang="en-US"/>
           </a:p>
@@ -4261,7 +4261,7 @@
           <a:p>
             <a:fld id="{7B272C57-2FA0-4A9D-99A4-6F756B65018B}" type="datetimeFigureOut">
               <a:rPr lang="en-US" smtClean="0"/>
-              <a:t>1/11/2021</a:t>
+              <a:t>1/7/2022</a:t>
             </a:fld>
             <a:endParaRPr lang="en-US"/>
           </a:p>
@@ -4635,7 +4635,7 @@
           <a:p>
             <a:fld id="{7B272C57-2FA0-4A9D-99A4-6F756B65018B}" type="datetimeFigureOut">
               <a:rPr lang="en-US" smtClean="0"/>
-              <a:t>1/11/2021</a:t>
+              <a:t>1/7/2022</a:t>
             </a:fld>
             <a:endParaRPr lang="en-US"/>
           </a:p>
@@ -5135,7 +5135,7 @@
           <a:p>
             <a:fld id="{7B272C57-2FA0-4A9D-99A4-6F756B65018B}" type="datetimeFigureOut">
               <a:rPr lang="en-US" smtClean="0"/>
-              <a:t>1/11/2021</a:t>
+              <a:t>1/7/2022</a:t>
             </a:fld>
             <a:endParaRPr lang="en-US"/>
           </a:p>
@@ -5648,7 +5648,7 @@
         <p:spPr>
           <a:xfrm>
             <a:off x="277660" y="2894388"/>
-            <a:ext cx="11636679" cy="644842"/>
+            <a:ext cx="11636679" cy="3201612"/>
           </a:xfrm>
         </p:spPr>
         <p:txBody>
@@ -5659,7 +5659,7 @@
               <a:rPr/>
               <a:t>IQR Objects
 Daniel Kaschek, IntiQuan
-2021-10-15</a:t>
+2022-03-29</a:t>
             </a:r>
           </a:p>
         </p:txBody>
@@ -5751,7 +5751,7 @@
       </p:sp>
       <p:pic xmlns:a="http://schemas.openxmlformats.org/drawingml/2006/main" xmlns:r="http://schemas.openxmlformats.org/officeDocument/2006/relationships" xmlns:p="http://schemas.openxmlformats.org/presentationml/2006/main">
         <p:nvPicPr>
-          <p:cNvPr id="4" name="Content Placeholder 3"/>
+          <p:cNvPr id="4" name="Content Placeholder 3" descr=""/>
           <p:cNvPicPr>
             <a:picLocks noGrp="1"/>
           </p:cNvPicPr>
@@ -5797,7 +5797,7 @@
           <a:p>
             <a:r>
               <a:rPr/>
-              <a:t>script_IQSlidedeck.R | Date: 2021-10-15 12:45:14</a:t>
+              <a:t>script_IQSlidedeck.R | Date: 2022-03-29 18:35:32</a:t>
             </a:r>
           </a:p>
         </p:txBody>
@@ -5884,6 +5884,8 @@
                 </a:solidFill>
                 <a:latin typeface="Calibri"/>
                 <a:cs typeface="Calibri"/>
+                <a:ea typeface="Calibri"/>
+                <a:sym typeface="Calibri"/>
               </a:rPr>
               <a:t>Bullet point with </a:t>
             </a:r>
@@ -5896,6 +5898,8 @@
                 </a:solidFill>
                 <a:latin typeface="Calibri"/>
                 <a:cs typeface="Calibri"/>
+                <a:ea typeface="Calibri"/>
+                <a:sym typeface="Calibri"/>
               </a:rPr>
               <a:t>bold</a:t>
             </a:r>
@@ -5908,6 +5912,8 @@
                 </a:solidFill>
                 <a:latin typeface="Calibri"/>
                 <a:cs typeface="Calibri"/>
+                <a:ea typeface="Calibri"/>
+                <a:sym typeface="Calibri"/>
               </a:rPr>
               <a:t> and </a:t>
             </a:r>
@@ -5920,6 +5926,8 @@
                 </a:solidFill>
                 <a:latin typeface="Calibri"/>
                 <a:cs typeface="Calibri"/>
+                <a:ea typeface="Calibri"/>
+                <a:sym typeface="Calibri"/>
               </a:rPr>
               <a:t>italic</a:t>
             </a:r>
@@ -5935,6 +5943,8 @@
                 </a:solidFill>
                 <a:latin typeface="Calibri"/>
                 <a:cs typeface="Calibri"/>
+                <a:ea typeface="Calibri"/>
+                <a:sym typeface="Calibri"/>
               </a:rPr>
               <a:t>Another bullet point</a:t>
             </a:r>
@@ -5950,6 +5960,8 @@
                 </a:solidFill>
                 <a:latin typeface="Calibri"/>
                 <a:cs typeface="Calibri"/>
+                <a:ea typeface="Calibri"/>
+                <a:sym typeface="Calibri"/>
               </a:rPr>
               <a:t>Indented by two spaces</a:t>
             </a:r>
@@ -5965,6 +5977,8 @@
                 </a:solidFill>
                 <a:latin typeface="Calibri"/>
                 <a:cs typeface="Calibri"/>
+                <a:ea typeface="Calibri"/>
+                <a:sym typeface="Calibri"/>
               </a:rPr>
               <a:t>Another one</a:t>
             </a:r>
@@ -5980,6 +5994,8 @@
                 </a:solidFill>
                 <a:latin typeface="Calibri"/>
                 <a:cs typeface="Calibri"/>
+                <a:ea typeface="Calibri"/>
+                <a:sym typeface="Calibri"/>
               </a:rPr>
               <a:t>And back to </a:t>
             </a:r>
@@ -5992,6 +6008,8 @@
                 </a:solidFill>
                 <a:latin typeface="Calibri"/>
                 <a:cs typeface="Calibri"/>
+                <a:ea typeface="Calibri"/>
+                <a:sym typeface="Calibri"/>
               </a:rPr>
               <a:t>really</a:t>
             </a:r>
@@ -6004,6 +6022,8 @@
                 </a:solidFill>
                 <a:latin typeface="Calibri"/>
                 <a:cs typeface="Calibri"/>
+                <a:ea typeface="Calibri"/>
+                <a:sym typeface="Calibri"/>
               </a:rPr>
               <a:t> outer</a:t>
             </a:r>
@@ -6016,6 +6036,8 @@
                 </a:solidFill>
                 <a:latin typeface="Calibri"/>
                 <a:cs typeface="Calibri"/>
+                <a:ea typeface="Calibri"/>
+                <a:sym typeface="Calibri"/>
               </a:rPr>
               <a:t> level</a:t>
             </a:r>
@@ -6031,6 +6053,8 @@
                 </a:solidFill>
                 <a:latin typeface="Calibri"/>
                 <a:cs typeface="Calibri"/>
+                <a:ea typeface="Calibri"/>
+                <a:sym typeface="Calibri"/>
               </a:rPr>
               <a:t>Some sort of formula </a:t>
             </a:r>
@@ -6043,6 +6067,8 @@
                 </a:solidFill>
                 <a:latin typeface="Consolas"/>
                 <a:cs typeface="Consolas"/>
+                <a:ea typeface="Consolas"/>
+                <a:sym typeface="Consolas"/>
               </a:rPr>
               <a:t>E</a:t>
             </a:r>
@@ -6055,6 +6081,8 @@
                 </a:solidFill>
                 <a:latin typeface="Consolas"/>
                 <a:cs typeface="Consolas"/>
+                <a:ea typeface="Consolas"/>
+                <a:sym typeface="Consolas"/>
               </a:rPr>
               <a:t>rel</a:t>
             </a:r>
@@ -6067,6 +6095,8 @@
                 </a:solidFill>
                 <a:latin typeface="Consolas"/>
                 <a:cs typeface="Consolas"/>
+                <a:ea typeface="Consolas"/>
+                <a:sym typeface="Consolas"/>
               </a:rPr>
               <a:t> = m*c</a:t>
             </a:r>
@@ -6079,6 +6109,8 @@
                 </a:solidFill>
                 <a:latin typeface="Consolas"/>
                 <a:cs typeface="Consolas"/>
+                <a:ea typeface="Consolas"/>
+                <a:sym typeface="Consolas"/>
               </a:rPr>
               <a:t>2</a:t>
             </a:r>
@@ -6087,7 +6119,7 @@
       </p:sp>
       <p:pic xmlns:a="http://schemas.openxmlformats.org/drawingml/2006/main" xmlns:r="http://schemas.openxmlformats.org/officeDocument/2006/relationships" xmlns:p="http://schemas.openxmlformats.org/presentationml/2006/main">
         <p:nvPicPr>
-          <p:cNvPr id="4" name="Content Placeholder 3"/>
+          <p:cNvPr id="4" name="Content Placeholder 3" descr=""/>
           <p:cNvPicPr>
             <a:picLocks noGrp="1"/>
           </p:cNvPicPr>
@@ -6133,7 +6165,7 @@
           <a:p>
             <a:r>
               <a:rPr/>
-              <a:t>script_IQSlidedeck.R | Date: 2021-10-15 12:45:15</a:t>
+              <a:t>script_IQSlidedeck.R | Date: 2022-03-29 18:35:34</a:t>
             </a:r>
           </a:p>
         </p:txBody>
@@ -6192,7 +6224,7 @@
       </p:sp>
       <p:pic xmlns:a="http://schemas.openxmlformats.org/drawingml/2006/main" xmlns:r="http://schemas.openxmlformats.org/officeDocument/2006/relationships" xmlns:p="http://schemas.openxmlformats.org/presentationml/2006/main">
         <p:nvPicPr>
-          <p:cNvPr id="3" name="Content Placeholder 2"/>
+          <p:cNvPr id="3" name="Content Placeholder 2" descr=""/>
           <p:cNvPicPr>
             <a:picLocks noGrp="1"/>
           </p:cNvPicPr>
@@ -6246,6 +6278,8 @@
                 </a:solidFill>
                 <a:latin typeface="Calibri"/>
                 <a:cs typeface="Calibri"/>
+                <a:ea typeface="Calibri"/>
+                <a:sym typeface="Calibri"/>
               </a:rPr>
               <a:t>Bullet point with </a:t>
             </a:r>
@@ -6258,6 +6292,8 @@
                 </a:solidFill>
                 <a:latin typeface="Calibri"/>
                 <a:cs typeface="Calibri"/>
+                <a:ea typeface="Calibri"/>
+                <a:sym typeface="Calibri"/>
               </a:rPr>
               <a:t>bold</a:t>
             </a:r>
@@ -6270,6 +6306,8 @@
                 </a:solidFill>
                 <a:latin typeface="Calibri"/>
                 <a:cs typeface="Calibri"/>
+                <a:ea typeface="Calibri"/>
+                <a:sym typeface="Calibri"/>
               </a:rPr>
               <a:t> and </a:t>
             </a:r>
@@ -6282,6 +6320,8 @@
                 </a:solidFill>
                 <a:latin typeface="Calibri"/>
                 <a:cs typeface="Calibri"/>
+                <a:ea typeface="Calibri"/>
+                <a:sym typeface="Calibri"/>
               </a:rPr>
               <a:t>italic</a:t>
             </a:r>
@@ -6297,6 +6337,8 @@
                 </a:solidFill>
                 <a:latin typeface="Calibri"/>
                 <a:cs typeface="Calibri"/>
+                <a:ea typeface="Calibri"/>
+                <a:sym typeface="Calibri"/>
               </a:rPr>
               <a:t>Another bullet point</a:t>
             </a:r>
@@ -6312,6 +6354,8 @@
                 </a:solidFill>
                 <a:latin typeface="Calibri"/>
                 <a:cs typeface="Calibri"/>
+                <a:ea typeface="Calibri"/>
+                <a:sym typeface="Calibri"/>
               </a:rPr>
               <a:t>Indented by two spaces</a:t>
             </a:r>
@@ -6327,6 +6371,8 @@
                 </a:solidFill>
                 <a:latin typeface="Calibri"/>
                 <a:cs typeface="Calibri"/>
+                <a:ea typeface="Calibri"/>
+                <a:sym typeface="Calibri"/>
               </a:rPr>
               <a:t>Another one</a:t>
             </a:r>
@@ -6342,6 +6388,8 @@
                 </a:solidFill>
                 <a:latin typeface="Calibri"/>
                 <a:cs typeface="Calibri"/>
+                <a:ea typeface="Calibri"/>
+                <a:sym typeface="Calibri"/>
               </a:rPr>
               <a:t>And back to </a:t>
             </a:r>
@@ -6354,6 +6402,8 @@
                 </a:solidFill>
                 <a:latin typeface="Calibri"/>
                 <a:cs typeface="Calibri"/>
+                <a:ea typeface="Calibri"/>
+                <a:sym typeface="Calibri"/>
               </a:rPr>
               <a:t>really</a:t>
             </a:r>
@@ -6366,6 +6416,8 @@
                 </a:solidFill>
                 <a:latin typeface="Calibri"/>
                 <a:cs typeface="Calibri"/>
+                <a:ea typeface="Calibri"/>
+                <a:sym typeface="Calibri"/>
               </a:rPr>
               <a:t> outer</a:t>
             </a:r>
@@ -6378,6 +6430,8 @@
                 </a:solidFill>
                 <a:latin typeface="Calibri"/>
                 <a:cs typeface="Calibri"/>
+                <a:ea typeface="Calibri"/>
+                <a:sym typeface="Calibri"/>
               </a:rPr>
               <a:t> level</a:t>
             </a:r>
@@ -6393,6 +6447,8 @@
                 </a:solidFill>
                 <a:latin typeface="Calibri"/>
                 <a:cs typeface="Calibri"/>
+                <a:ea typeface="Calibri"/>
+                <a:sym typeface="Calibri"/>
               </a:rPr>
               <a:t>Some sort of formula </a:t>
             </a:r>
@@ -6405,6 +6461,8 @@
                 </a:solidFill>
                 <a:latin typeface="Consolas"/>
                 <a:cs typeface="Consolas"/>
+                <a:ea typeface="Consolas"/>
+                <a:sym typeface="Consolas"/>
               </a:rPr>
               <a:t>E</a:t>
             </a:r>
@@ -6417,6 +6475,8 @@
                 </a:solidFill>
                 <a:latin typeface="Consolas"/>
                 <a:cs typeface="Consolas"/>
+                <a:ea typeface="Consolas"/>
+                <a:sym typeface="Consolas"/>
               </a:rPr>
               <a:t>rel</a:t>
             </a:r>
@@ -6429,6 +6489,8 @@
                 </a:solidFill>
                 <a:latin typeface="Consolas"/>
                 <a:cs typeface="Consolas"/>
+                <a:ea typeface="Consolas"/>
+                <a:sym typeface="Consolas"/>
               </a:rPr>
               <a:t> = m*c</a:t>
             </a:r>
@@ -6441,6 +6503,8 @@
                 </a:solidFill>
                 <a:latin typeface="Consolas"/>
                 <a:cs typeface="Consolas"/>
+                <a:ea typeface="Consolas"/>
+                <a:sym typeface="Consolas"/>
               </a:rPr>
               <a:t>2</a:t>
             </a:r>
@@ -6469,7 +6533,7 @@
           <a:p>
             <a:r>
               <a:rPr/>
-              <a:t>script_IQSlidedeck.R | Date: 2021-10-15 12:45:16</a:t>
+              <a:t>script_IQSlidedeck.R | Date: 2022-03-29 18:35:35</a:t>
             </a:r>
           </a:p>
         </p:txBody>
@@ -6608,6 +6672,8 @@
                 </a:solidFill>
                 <a:latin typeface="Calibri"/>
                 <a:cs typeface="Calibri"/>
+                <a:ea typeface="Calibri"/>
+                <a:sym typeface="Calibri"/>
               </a:rPr>
               <a:t>A list of ggplot objects was created</a:t>
             </a:r>
@@ -6623,6 +6689,8 @@
                 </a:solidFill>
                 <a:latin typeface="Calibri"/>
                 <a:cs typeface="Calibri"/>
+                <a:ea typeface="Calibri"/>
+                <a:sym typeface="Calibri"/>
               </a:rPr>
               <a:t>Called </a:t>
             </a:r>
@@ -6635,6 +6703,8 @@
                 </a:solidFill>
                 <a:latin typeface="Consolas"/>
                 <a:cs typeface="Consolas"/>
+                <a:ea typeface="Consolas"/>
+                <a:sym typeface="Consolas"/>
               </a:rPr>
               <a:t>IQRoutputFigure</a:t>
             </a:r>
@@ -6647,6 +6717,8 @@
                 </a:solidFill>
                 <a:latin typeface="Calibri"/>
                 <a:cs typeface="Calibri"/>
+                <a:ea typeface="Calibri"/>
+                <a:sym typeface="Calibri"/>
               </a:rPr>
               <a:t> with arguments </a:t>
             </a:r>
@@ -6659,6 +6731,8 @@
                 </a:solidFill>
                 <a:latin typeface="Consolas"/>
                 <a:cs typeface="Consolas"/>
+                <a:ea typeface="Consolas"/>
+                <a:sym typeface="Consolas"/>
               </a:rPr>
               <a:t>nrow</a:t>
             </a:r>
@@ -6671,6 +6745,8 @@
                 </a:solidFill>
                 <a:latin typeface="Calibri"/>
                 <a:cs typeface="Calibri"/>
+                <a:ea typeface="Calibri"/>
+                <a:sym typeface="Calibri"/>
               </a:rPr>
               <a:t>, </a:t>
             </a:r>
@@ -6683,6 +6759,8 @@
                 </a:solidFill>
                 <a:latin typeface="Consolas"/>
                 <a:cs typeface="Consolas"/>
+                <a:ea typeface="Consolas"/>
+                <a:sym typeface="Consolas"/>
               </a:rPr>
               <a:t>ncol</a:t>
             </a:r>
@@ -6695,6 +6773,8 @@
                 </a:solidFill>
                 <a:latin typeface="Calibri"/>
                 <a:cs typeface="Calibri"/>
+                <a:ea typeface="Calibri"/>
+                <a:sym typeface="Calibri"/>
               </a:rPr>
               <a:t>, </a:t>
             </a:r>
@@ -6707,6 +6787,8 @@
                 </a:solidFill>
                 <a:latin typeface="Consolas"/>
                 <a:cs typeface="Consolas"/>
+                <a:ea typeface="Consolas"/>
+                <a:sym typeface="Consolas"/>
               </a:rPr>
               <a:t>footer</a:t>
             </a:r>
@@ -6719,6 +6801,8 @@
                 </a:solidFill>
                 <a:latin typeface="Calibri"/>
                 <a:cs typeface="Calibri"/>
+                <a:ea typeface="Calibri"/>
+                <a:sym typeface="Calibri"/>
               </a:rPr>
               <a:t> and </a:t>
             </a:r>
@@ -6731,6 +6815,8 @@
                 </a:solidFill>
                 <a:latin typeface="Consolas"/>
                 <a:cs typeface="Consolas"/>
+                <a:ea typeface="Consolas"/>
+                <a:sym typeface="Consolas"/>
               </a:rPr>
               <a:t>filename</a:t>
             </a:r>
@@ -6746,6 +6832,8 @@
                 </a:solidFill>
                 <a:latin typeface="Calibri"/>
                 <a:cs typeface="Calibri"/>
+                <a:ea typeface="Calibri"/>
+                <a:sym typeface="Calibri"/>
               </a:rPr>
               <a:t>Called </a:t>
             </a:r>
@@ -6758,6 +6846,8 @@
                 </a:solidFill>
                 <a:latin typeface="Consolas"/>
                 <a:cs typeface="Consolas"/>
+                <a:ea typeface="Consolas"/>
+                <a:sym typeface="Consolas"/>
               </a:rPr>
               <a:t>IQRoutputPPTX</a:t>
             </a:r>
@@ -6770,6 +6860,8 @@
                 </a:solidFill>
                 <a:latin typeface="Calibri"/>
                 <a:cs typeface="Calibri"/>
+                <a:ea typeface="Calibri"/>
+                <a:sym typeface="Calibri"/>
               </a:rPr>
               <a:t> with bullet point list and </a:t>
             </a:r>
@@ -6782,6 +6874,8 @@
                 </a:solidFill>
                 <a:latin typeface="Consolas"/>
                 <a:cs typeface="Consolas"/>
+                <a:ea typeface="Consolas"/>
+                <a:sym typeface="Consolas"/>
               </a:rPr>
               <a:t>IQRoutputFigure</a:t>
             </a:r>
@@ -6794,6 +6888,8 @@
                 </a:solidFill>
                 <a:latin typeface="Calibri"/>
                 <a:cs typeface="Calibri"/>
+                <a:ea typeface="Calibri"/>
+                <a:sym typeface="Calibri"/>
               </a:rPr>
               <a:t> object.</a:t>
             </a:r>
@@ -6802,7 +6898,7 @@
       </p:sp>
       <p:pic xmlns:a="http://schemas.openxmlformats.org/drawingml/2006/main" xmlns:r="http://schemas.openxmlformats.org/officeDocument/2006/relationships" xmlns:p="http://schemas.openxmlformats.org/presentationml/2006/main">
         <p:nvPicPr>
-          <p:cNvPr id="4" name="Content Placeholder 3"/>
+          <p:cNvPr id="4" name="Content Placeholder 3" descr=""/>
           <p:cNvPicPr>
             <a:picLocks noGrp="1"/>
           </p:cNvPicPr>
@@ -6875,7 +6971,7 @@
           <a:p>
             <a:r>
               <a:rPr/>
-              <a:t>IQSlidedeck_IQRobjects.R | Date: 2021-10-15 12:45:43</a:t>
+              <a:t>IQSlidedeck_IQRobjects.R | Date: 2022-03-29 18:36:04</a:t>
             </a:r>
           </a:p>
         </p:txBody>
@@ -6962,6 +7058,8 @@
                 </a:solidFill>
                 <a:latin typeface="Calibri"/>
                 <a:cs typeface="Calibri"/>
+                <a:ea typeface="Calibri"/>
+                <a:sym typeface="Calibri"/>
               </a:rPr>
               <a:t>A list of ggplot objects was created</a:t>
             </a:r>
@@ -6977,6 +7075,8 @@
                 </a:solidFill>
                 <a:latin typeface="Calibri"/>
                 <a:cs typeface="Calibri"/>
+                <a:ea typeface="Calibri"/>
+                <a:sym typeface="Calibri"/>
               </a:rPr>
               <a:t>Called </a:t>
             </a:r>
@@ -6989,6 +7089,8 @@
                 </a:solidFill>
                 <a:latin typeface="Consolas"/>
                 <a:cs typeface="Consolas"/>
+                <a:ea typeface="Consolas"/>
+                <a:sym typeface="Consolas"/>
               </a:rPr>
               <a:t>IQRoutputFigure</a:t>
             </a:r>
@@ -7001,6 +7103,8 @@
                 </a:solidFill>
                 <a:latin typeface="Calibri"/>
                 <a:cs typeface="Calibri"/>
+                <a:ea typeface="Calibri"/>
+                <a:sym typeface="Calibri"/>
               </a:rPr>
               <a:t> with arguments </a:t>
             </a:r>
@@ -7013,6 +7117,8 @@
                 </a:solidFill>
                 <a:latin typeface="Consolas"/>
                 <a:cs typeface="Consolas"/>
+                <a:ea typeface="Consolas"/>
+                <a:sym typeface="Consolas"/>
               </a:rPr>
               <a:t>nrow</a:t>
             </a:r>
@@ -7025,6 +7131,8 @@
                 </a:solidFill>
                 <a:latin typeface="Calibri"/>
                 <a:cs typeface="Calibri"/>
+                <a:ea typeface="Calibri"/>
+                <a:sym typeface="Calibri"/>
               </a:rPr>
               <a:t>, </a:t>
             </a:r>
@@ -7037,6 +7145,8 @@
                 </a:solidFill>
                 <a:latin typeface="Consolas"/>
                 <a:cs typeface="Consolas"/>
+                <a:ea typeface="Consolas"/>
+                <a:sym typeface="Consolas"/>
               </a:rPr>
               <a:t>ncol</a:t>
             </a:r>
@@ -7049,6 +7159,8 @@
                 </a:solidFill>
                 <a:latin typeface="Calibri"/>
                 <a:cs typeface="Calibri"/>
+                <a:ea typeface="Calibri"/>
+                <a:sym typeface="Calibri"/>
               </a:rPr>
               <a:t>, </a:t>
             </a:r>
@@ -7061,6 +7173,8 @@
                 </a:solidFill>
                 <a:latin typeface="Consolas"/>
                 <a:cs typeface="Consolas"/>
+                <a:ea typeface="Consolas"/>
+                <a:sym typeface="Consolas"/>
               </a:rPr>
               <a:t>footer</a:t>
             </a:r>
@@ -7073,6 +7187,8 @@
                 </a:solidFill>
                 <a:latin typeface="Calibri"/>
                 <a:cs typeface="Calibri"/>
+                <a:ea typeface="Calibri"/>
+                <a:sym typeface="Calibri"/>
               </a:rPr>
               <a:t> and </a:t>
             </a:r>
@@ -7085,6 +7201,8 @@
                 </a:solidFill>
                 <a:latin typeface="Consolas"/>
                 <a:cs typeface="Consolas"/>
+                <a:ea typeface="Consolas"/>
+                <a:sym typeface="Consolas"/>
               </a:rPr>
               <a:t>filename</a:t>
             </a:r>
@@ -7100,6 +7218,8 @@
                 </a:solidFill>
                 <a:latin typeface="Calibri"/>
                 <a:cs typeface="Calibri"/>
+                <a:ea typeface="Calibri"/>
+                <a:sym typeface="Calibri"/>
               </a:rPr>
               <a:t>Called </a:t>
             </a:r>
@@ -7112,6 +7232,8 @@
                 </a:solidFill>
                 <a:latin typeface="Consolas"/>
                 <a:cs typeface="Consolas"/>
+                <a:ea typeface="Consolas"/>
+                <a:sym typeface="Consolas"/>
               </a:rPr>
               <a:t>IQRoutputPPTX</a:t>
             </a:r>
@@ -7124,6 +7246,8 @@
                 </a:solidFill>
                 <a:latin typeface="Calibri"/>
                 <a:cs typeface="Calibri"/>
+                <a:ea typeface="Calibri"/>
+                <a:sym typeface="Calibri"/>
               </a:rPr>
               <a:t> with bullet point list and </a:t>
             </a:r>
@@ -7136,6 +7260,8 @@
                 </a:solidFill>
                 <a:latin typeface="Consolas"/>
                 <a:cs typeface="Consolas"/>
+                <a:ea typeface="Consolas"/>
+                <a:sym typeface="Consolas"/>
               </a:rPr>
               <a:t>IQRoutputFigure</a:t>
             </a:r>
@@ -7148,6 +7274,8 @@
                 </a:solidFill>
                 <a:latin typeface="Calibri"/>
                 <a:cs typeface="Calibri"/>
+                <a:ea typeface="Calibri"/>
+                <a:sym typeface="Calibri"/>
               </a:rPr>
               <a:t> object.</a:t>
             </a:r>
@@ -7156,7 +7284,7 @@
       </p:sp>
       <p:pic xmlns:a="http://schemas.openxmlformats.org/drawingml/2006/main" xmlns:r="http://schemas.openxmlformats.org/officeDocument/2006/relationships" xmlns:p="http://schemas.openxmlformats.org/presentationml/2006/main">
         <p:nvPicPr>
-          <p:cNvPr id="4" name="Content Placeholder 3"/>
+          <p:cNvPr id="4" name="Content Placeholder 3" descr=""/>
           <p:cNvPicPr>
             <a:picLocks noGrp="1"/>
           </p:cNvPicPr>
@@ -7229,7 +7357,7 @@
           <a:p>
             <a:r>
               <a:rPr/>
-              <a:t>IQSlidedeck_IQRobjects.R | Date: 2021-10-15 12:45:43</a:t>
+              <a:t>IQSlidedeck_IQRobjects.R | Date: 2022-03-29 18:36:04</a:t>
             </a:r>
           </a:p>
         </p:txBody>
@@ -7316,6 +7444,8 @@
                 </a:solidFill>
                 <a:latin typeface="Calibri"/>
                 <a:cs typeface="Calibri"/>
+                <a:ea typeface="Calibri"/>
+                <a:sym typeface="Calibri"/>
               </a:rPr>
               <a:t>A list of ggplot objects was created</a:t>
             </a:r>
@@ -7331,6 +7461,8 @@
                 </a:solidFill>
                 <a:latin typeface="Calibri"/>
                 <a:cs typeface="Calibri"/>
+                <a:ea typeface="Calibri"/>
+                <a:sym typeface="Calibri"/>
               </a:rPr>
               <a:t>Called </a:t>
             </a:r>
@@ -7343,6 +7475,8 @@
                 </a:solidFill>
                 <a:latin typeface="Consolas"/>
                 <a:cs typeface="Consolas"/>
+                <a:ea typeface="Consolas"/>
+                <a:sym typeface="Consolas"/>
               </a:rPr>
               <a:t>IQRoutputFigure</a:t>
             </a:r>
@@ -7355,6 +7489,8 @@
                 </a:solidFill>
                 <a:latin typeface="Calibri"/>
                 <a:cs typeface="Calibri"/>
+                <a:ea typeface="Calibri"/>
+                <a:sym typeface="Calibri"/>
               </a:rPr>
               <a:t> with arguments </a:t>
             </a:r>
@@ -7367,6 +7503,8 @@
                 </a:solidFill>
                 <a:latin typeface="Consolas"/>
                 <a:cs typeface="Consolas"/>
+                <a:ea typeface="Consolas"/>
+                <a:sym typeface="Consolas"/>
               </a:rPr>
               <a:t>nrow</a:t>
             </a:r>
@@ -7379,6 +7517,8 @@
                 </a:solidFill>
                 <a:latin typeface="Calibri"/>
                 <a:cs typeface="Calibri"/>
+                <a:ea typeface="Calibri"/>
+                <a:sym typeface="Calibri"/>
               </a:rPr>
               <a:t>, </a:t>
             </a:r>
@@ -7391,6 +7531,8 @@
                 </a:solidFill>
                 <a:latin typeface="Consolas"/>
                 <a:cs typeface="Consolas"/>
+                <a:ea typeface="Consolas"/>
+                <a:sym typeface="Consolas"/>
               </a:rPr>
               <a:t>ncol</a:t>
             </a:r>
@@ -7403,6 +7545,8 @@
                 </a:solidFill>
                 <a:latin typeface="Calibri"/>
                 <a:cs typeface="Calibri"/>
+                <a:ea typeface="Calibri"/>
+                <a:sym typeface="Calibri"/>
               </a:rPr>
               <a:t>, </a:t>
             </a:r>
@@ -7415,6 +7559,8 @@
                 </a:solidFill>
                 <a:latin typeface="Consolas"/>
                 <a:cs typeface="Consolas"/>
+                <a:ea typeface="Consolas"/>
+                <a:sym typeface="Consolas"/>
               </a:rPr>
               <a:t>footer</a:t>
             </a:r>
@@ -7427,6 +7573,8 @@
                 </a:solidFill>
                 <a:latin typeface="Calibri"/>
                 <a:cs typeface="Calibri"/>
+                <a:ea typeface="Calibri"/>
+                <a:sym typeface="Calibri"/>
               </a:rPr>
               <a:t> and </a:t>
             </a:r>
@@ -7439,6 +7587,8 @@
                 </a:solidFill>
                 <a:latin typeface="Consolas"/>
                 <a:cs typeface="Consolas"/>
+                <a:ea typeface="Consolas"/>
+                <a:sym typeface="Consolas"/>
               </a:rPr>
               <a:t>filename</a:t>
             </a:r>
@@ -7454,6 +7604,8 @@
                 </a:solidFill>
                 <a:latin typeface="Calibri"/>
                 <a:cs typeface="Calibri"/>
+                <a:ea typeface="Calibri"/>
+                <a:sym typeface="Calibri"/>
               </a:rPr>
               <a:t>Called </a:t>
             </a:r>
@@ -7466,6 +7618,8 @@
                 </a:solidFill>
                 <a:latin typeface="Consolas"/>
                 <a:cs typeface="Consolas"/>
+                <a:ea typeface="Consolas"/>
+                <a:sym typeface="Consolas"/>
               </a:rPr>
               <a:t>IQRoutputPPTX</a:t>
             </a:r>
@@ -7478,6 +7632,8 @@
                 </a:solidFill>
                 <a:latin typeface="Calibri"/>
                 <a:cs typeface="Calibri"/>
+                <a:ea typeface="Calibri"/>
+                <a:sym typeface="Calibri"/>
               </a:rPr>
               <a:t> with bullet point list and </a:t>
             </a:r>
@@ -7490,6 +7646,8 @@
                 </a:solidFill>
                 <a:latin typeface="Consolas"/>
                 <a:cs typeface="Consolas"/>
+                <a:ea typeface="Consolas"/>
+                <a:sym typeface="Consolas"/>
               </a:rPr>
               <a:t>IQRoutputFigure</a:t>
             </a:r>
@@ -7502,6 +7660,8 @@
                 </a:solidFill>
                 <a:latin typeface="Calibri"/>
                 <a:cs typeface="Calibri"/>
+                <a:ea typeface="Calibri"/>
+                <a:sym typeface="Calibri"/>
               </a:rPr>
               <a:t> object.</a:t>
             </a:r>
@@ -7510,7 +7670,7 @@
       </p:sp>
       <p:pic xmlns:a="http://schemas.openxmlformats.org/drawingml/2006/main" xmlns:r="http://schemas.openxmlformats.org/officeDocument/2006/relationships" xmlns:p="http://schemas.openxmlformats.org/presentationml/2006/main">
         <p:nvPicPr>
-          <p:cNvPr id="4" name="Content Placeholder 3"/>
+          <p:cNvPr id="4" name="Content Placeholder 3" descr=""/>
           <p:cNvPicPr>
             <a:picLocks noGrp="1"/>
           </p:cNvPicPr>
@@ -7583,7 +7743,7 @@
           <a:p>
             <a:r>
               <a:rPr/>
-              <a:t>IQSlidedeck_IQRobjects.R | Date: 2021-10-15 12:45:43</a:t>
+              <a:t>IQSlidedeck_IQRobjects.R | Date: 2022-03-29 18:36:04</a:t>
             </a:r>
           </a:p>
         </p:txBody>
@@ -7670,6 +7830,8 @@
                 </a:solidFill>
                 <a:latin typeface="Calibri"/>
                 <a:cs typeface="Calibri"/>
+                <a:ea typeface="Calibri"/>
+                <a:sym typeface="Calibri"/>
               </a:rPr>
               <a:t>Used well known standard data set </a:t>
             </a:r>
@@ -7682,6 +7844,8 @@
                 </a:solidFill>
                 <a:latin typeface="Consolas"/>
                 <a:cs typeface="Consolas"/>
+                <a:ea typeface="Consolas"/>
+                <a:sym typeface="Consolas"/>
               </a:rPr>
               <a:t>mtcars</a:t>
             </a:r>
@@ -7697,6 +7861,8 @@
                 </a:solidFill>
                 <a:latin typeface="Calibri"/>
                 <a:cs typeface="Calibri"/>
+                <a:ea typeface="Calibri"/>
+                <a:sym typeface="Calibri"/>
               </a:rPr>
               <a:t>Applied </a:t>
             </a:r>
@@ -7709,6 +7875,8 @@
                 </a:solidFill>
                 <a:latin typeface="Consolas"/>
                 <a:cs typeface="Consolas"/>
+                <a:ea typeface="Consolas"/>
+                <a:sym typeface="Consolas"/>
               </a:rPr>
               <a:t>IQRoutputTable</a:t>
             </a:r>
@@ -7721,6 +7889,8 @@
                 </a:solidFill>
                 <a:latin typeface="Calibri"/>
                 <a:cs typeface="Calibri"/>
+                <a:ea typeface="Calibri"/>
+                <a:sym typeface="Calibri"/>
               </a:rPr>
               <a:t> with arguments </a:t>
             </a:r>
@@ -7733,6 +7903,8 @@
                 </a:solidFill>
                 <a:latin typeface="Consolas"/>
                 <a:cs typeface="Consolas"/>
+                <a:ea typeface="Consolas"/>
+                <a:sym typeface="Consolas"/>
               </a:rPr>
               <a:t>xfooter</a:t>
             </a:r>
@@ -7745,6 +7917,8 @@
                 </a:solidFill>
                 <a:latin typeface="Calibri"/>
                 <a:cs typeface="Calibri"/>
+                <a:ea typeface="Calibri"/>
+                <a:sym typeface="Calibri"/>
               </a:rPr>
               <a:t> and </a:t>
             </a:r>
@@ -7757,6 +7931,8 @@
                 </a:solidFill>
                 <a:latin typeface="Consolas"/>
                 <a:cs typeface="Consolas"/>
+                <a:ea typeface="Consolas"/>
+                <a:sym typeface="Consolas"/>
               </a:rPr>
               <a:t>filename</a:t>
             </a:r>
@@ -7772,6 +7948,8 @@
                 </a:solidFill>
                 <a:latin typeface="Calibri"/>
                 <a:cs typeface="Calibri"/>
+                <a:ea typeface="Calibri"/>
+                <a:sym typeface="Calibri"/>
               </a:rPr>
               <a:t>Called </a:t>
             </a:r>
@@ -7784,6 +7962,8 @@
                 </a:solidFill>
                 <a:latin typeface="Consolas"/>
                 <a:cs typeface="Consolas"/>
+                <a:ea typeface="Consolas"/>
+                <a:sym typeface="Consolas"/>
               </a:rPr>
               <a:t>IQRoutputPPTX</a:t>
             </a:r>
@@ -7796,6 +7976,8 @@
                 </a:solidFill>
                 <a:latin typeface="Calibri"/>
                 <a:cs typeface="Calibri"/>
+                <a:ea typeface="Calibri"/>
+                <a:sym typeface="Calibri"/>
               </a:rPr>
               <a:t> with bullet point list and </a:t>
             </a:r>
@@ -7808,6 +7990,8 @@
                 </a:solidFill>
                 <a:latin typeface="Consolas"/>
                 <a:cs typeface="Consolas"/>
+                <a:ea typeface="Consolas"/>
+                <a:sym typeface="Consolas"/>
               </a:rPr>
               <a:t>IQRoutputTable</a:t>
             </a:r>
@@ -7820,6 +8004,8 @@
                 </a:solidFill>
                 <a:latin typeface="Calibri"/>
                 <a:cs typeface="Calibri"/>
+                <a:ea typeface="Calibri"/>
+                <a:sym typeface="Calibri"/>
               </a:rPr>
               <a:t> object</a:t>
             </a:r>
@@ -7828,7 +8014,7 @@
       </p:sp>
       <p:pic xmlns:a="http://schemas.openxmlformats.org/drawingml/2006/main" xmlns:r="http://schemas.openxmlformats.org/officeDocument/2006/relationships" xmlns:p="http://schemas.openxmlformats.org/presentationml/2006/main">
         <p:nvPicPr>
-          <p:cNvPr id="4" name="Content Placeholder 3"/>
+          <p:cNvPr id="4" name="Content Placeholder 3" descr=""/>
           <p:cNvPicPr>
             <a:picLocks noGrp="1"/>
           </p:cNvPicPr>
@@ -7902,7 +8088,7 @@
           <a:p>
             <a:r>
               <a:rPr/>
-              <a:t>IQSlidedeck_IQRobjects.R | Date: 2021-10-15 12:45:44</a:t>
+              <a:t>IQSlidedeck_IQRobjects.R | Date: 2022-03-29 18:36:05</a:t>
             </a:r>
           </a:p>
         </p:txBody>
@@ -7961,7 +8147,7 @@
       </p:sp>
       <p:pic xmlns:a="http://schemas.openxmlformats.org/drawingml/2006/main" xmlns:r="http://schemas.openxmlformats.org/officeDocument/2006/relationships" xmlns:p="http://schemas.openxmlformats.org/presentationml/2006/main">
         <p:nvPicPr>
-          <p:cNvPr id="3" name="Content Placeholder 2"/>
+          <p:cNvPr id="3" name="Content Placeholder 2" descr=""/>
           <p:cNvPicPr>
             <a:picLocks noGrp="1"/>
           </p:cNvPicPr>
@@ -8034,7 +8220,7 @@
           <a:p>
             <a:r>
               <a:rPr/>
-              <a:t>IQSlidedeck_IQRobjects.R | Date: 2021-10-15 12:45:46</a:t>
+              <a:t>IQSlidedeck_IQRobjects.R | Date: 2022-03-29 18:36:07</a:t>
             </a:r>
           </a:p>
         </p:txBody>
@@ -8093,7 +8279,7 @@
       </p:sp>
       <p:pic xmlns:a="http://schemas.openxmlformats.org/drawingml/2006/main" xmlns:r="http://schemas.openxmlformats.org/officeDocument/2006/relationships" xmlns:p="http://schemas.openxmlformats.org/presentationml/2006/main">
         <p:nvPicPr>
-          <p:cNvPr id="3" name="Content Placeholder 2"/>
+          <p:cNvPr id="3" name="Content Placeholder 2" descr=""/>
           <p:cNvPicPr>
             <a:picLocks noGrp="1"/>
           </p:cNvPicPr>
@@ -8167,7 +8353,7 @@
           <a:p>
             <a:r>
               <a:rPr/>
-              <a:t>IQSlidedeck_IQRobjects.R | Date: 2021-10-15 12:45:47</a:t>
+              <a:t>IQSlidedeck_IQRobjects.R | Date: 2022-03-29 18:36:08</a:t>
             </a:r>
           </a:p>
         </p:txBody>
@@ -8278,7 +8464,7 @@
       </p:sp>
       <p:pic xmlns:a="http://schemas.openxmlformats.org/drawingml/2006/main" xmlns:r="http://schemas.openxmlformats.org/officeDocument/2006/relationships" xmlns:p="http://schemas.openxmlformats.org/presentationml/2006/main">
         <p:nvPicPr>
-          <p:cNvPr id="3" name="Content Placeholder 2"/>
+          <p:cNvPr id="3" name="Content Placeholder 2" descr=""/>
           <p:cNvPicPr>
             <a:picLocks noGrp="1"/>
           </p:cNvPicPr>
@@ -8331,7 +8517,7 @@
       </p:sp>
       <p:pic xmlns:a="http://schemas.openxmlformats.org/drawingml/2006/main" xmlns:r="http://schemas.openxmlformats.org/officeDocument/2006/relationships" xmlns:p="http://schemas.openxmlformats.org/presentationml/2006/main">
         <p:nvPicPr>
-          <p:cNvPr id="5" name="Content Placeholder 3"/>
+          <p:cNvPr id="5" name="Content Placeholder 3" descr=""/>
           <p:cNvPicPr>
             <a:picLocks noGrp="1"/>
           </p:cNvPicPr>
@@ -8404,7 +8590,7 @@
           <a:p>
             <a:r>
               <a:rPr/>
-              <a:t>IQSlidedeck_IQRobjects.R | Date: 2021-10-15 12:45:48</a:t>
+              <a:t>IQSlidedeck_IQRobjects.R | Date: 2022-03-29 18:36:10</a:t>
             </a:r>
           </a:p>
         </p:txBody>
@@ -8516,7 +8702,7 @@
           <a:p>
             <a:r>
               <a:rPr/>
-              <a:t>script_IQSlidedeck.R | Date: 2021-10-15 12:45:13</a:t>
+              <a:t>script_IQSlidedeck.R | Date: 2022-03-29 18:35:31</a:t>
             </a:r>
           </a:p>
         </p:txBody>
@@ -8660,7 +8846,7 @@
       </p:sp>
       <p:pic xmlns:a="http://schemas.openxmlformats.org/drawingml/2006/main" xmlns:r="http://schemas.openxmlformats.org/officeDocument/2006/relationships" xmlns:p="http://schemas.openxmlformats.org/presentationml/2006/main">
         <p:nvPicPr>
-          <p:cNvPr id="4" name="Content Placeholder 3"/>
+          <p:cNvPr id="4" name="Content Placeholder 3" descr=""/>
           <p:cNvPicPr>
             <a:picLocks noGrp="1"/>
           </p:cNvPicPr>
@@ -8733,7 +8919,7 @@
           <a:p>
             <a:r>
               <a:rPr/>
-              <a:t>script_IQSlidedeck.R | Date: 2021-10-15 12:45:13</a:t>
+              <a:t>script_IQSlidedeck.R | Date: 2022-03-29 18:35:31</a:t>
             </a:r>
           </a:p>
         </p:txBody>
@@ -8792,7 +8978,7 @@
       </p:sp>
       <p:pic xmlns:a="http://schemas.openxmlformats.org/drawingml/2006/main" xmlns:r="http://schemas.openxmlformats.org/officeDocument/2006/relationships" xmlns:p="http://schemas.openxmlformats.org/presentationml/2006/main">
         <p:nvPicPr>
-          <p:cNvPr id="3" name="Content Placeholder 2"/>
+          <p:cNvPr id="3" name="Content Placeholder 2" descr=""/>
           <p:cNvPicPr>
             <a:picLocks noGrp="1"/>
           </p:cNvPicPr>
@@ -8838,7 +9024,7 @@
           <a:p>
             <a:r>
               <a:rPr/>
-              <a:t>script_IQSlidedeck.R | Date: 2021-10-15 12:45:16</a:t>
+              <a:t>script_IQSlidedeck.R | Date: 2022-03-29 18:35:36</a:t>
             </a:r>
           </a:p>
         </p:txBody>
@@ -8897,7 +9083,7 @@
       </p:sp>
       <p:pic xmlns:a="http://schemas.openxmlformats.org/drawingml/2006/main" xmlns:r="http://schemas.openxmlformats.org/officeDocument/2006/relationships" xmlns:p="http://schemas.openxmlformats.org/presentationml/2006/main">
         <p:nvPicPr>
-          <p:cNvPr id="3" name="Content Placeholder 2"/>
+          <p:cNvPr id="3" name="Content Placeholder 2" descr=""/>
           <p:cNvPicPr>
             <a:picLocks noGrp="1"/>
           </p:cNvPicPr>
@@ -8943,7 +9129,7 @@
           <a:p>
             <a:r>
               <a:rPr/>
-              <a:t>script_IQSlidedeck.R | Date: 2021-10-15 12:45:17</a:t>
+              <a:t>script_IQSlidedeck.R | Date: 2022-03-29 18:35:37</a:t>
             </a:r>
           </a:p>
         </p:txBody>
@@ -9002,7 +9188,7 @@
       </p:sp>
       <p:pic xmlns:a="http://schemas.openxmlformats.org/drawingml/2006/main" xmlns:r="http://schemas.openxmlformats.org/officeDocument/2006/relationships" xmlns:p="http://schemas.openxmlformats.org/presentationml/2006/main">
         <p:nvPicPr>
-          <p:cNvPr id="3" name="Content Placeholder 2"/>
+          <p:cNvPr id="3" name="Content Placeholder 2" descr=""/>
           <p:cNvPicPr>
             <a:picLocks noGrp="1"/>
           </p:cNvPicPr>
@@ -9048,7 +9234,7 @@
           <a:p>
             <a:r>
               <a:rPr/>
-              <a:t>script_IQSlidedeck.R | Date: 2021-10-15 12:45:23</a:t>
+              <a:t>script_IQSlidedeck.R | Date: 2022-03-29 18:35:42</a:t>
             </a:r>
           </a:p>
         </p:txBody>

--- a/tests/testresults/script_IQSlidedeck_IQobjects_Default_16_9.pptx
+++ b/tests/testresults/script_IQSlidedeck_IQobjects_Default_16_9.pptx
@@ -5659,7 +5659,7 @@
               <a:rPr/>
               <a:t>IQR Objects
 Daniel Kaschek, IntiQuan
-2022-03-29</a:t>
+2022-03-30</a:t>
             </a:r>
           </a:p>
         </p:txBody>
@@ -5797,7 +5797,7 @@
           <a:p>
             <a:r>
               <a:rPr/>
-              <a:t>script_IQSlidedeck.R | Date: 2022-03-29 18:35:32</a:t>
+              <a:t>script_IQSlidedeck.R | Date: 2022-03-30 13:33:14</a:t>
             </a:r>
           </a:p>
         </p:txBody>
@@ -6165,7 +6165,7 @@
           <a:p>
             <a:r>
               <a:rPr/>
-              <a:t>script_IQSlidedeck.R | Date: 2022-03-29 18:35:34</a:t>
+              <a:t>script_IQSlidedeck.R | Date: 2022-03-30 13:33:15</a:t>
             </a:r>
           </a:p>
         </p:txBody>
@@ -6533,7 +6533,7 @@
           <a:p>
             <a:r>
               <a:rPr/>
-              <a:t>script_IQSlidedeck.R | Date: 2022-03-29 18:35:35</a:t>
+              <a:t>script_IQSlidedeck.R | Date: 2022-03-30 13:33:16</a:t>
             </a:r>
           </a:p>
         </p:txBody>
@@ -6971,7 +6971,7 @@
           <a:p>
             <a:r>
               <a:rPr/>
-              <a:t>IQSlidedeck_IQRobjects.R | Date: 2022-03-29 18:36:04</a:t>
+              <a:t>IQSlidedeck_IQRobjects.R | Date: 2022-03-30 13:33:43</a:t>
             </a:r>
           </a:p>
         </p:txBody>
@@ -7357,7 +7357,7 @@
           <a:p>
             <a:r>
               <a:rPr/>
-              <a:t>IQSlidedeck_IQRobjects.R | Date: 2022-03-29 18:36:04</a:t>
+              <a:t>IQSlidedeck_IQRobjects.R | Date: 2022-03-30 13:33:43</a:t>
             </a:r>
           </a:p>
         </p:txBody>
@@ -7743,7 +7743,7 @@
           <a:p>
             <a:r>
               <a:rPr/>
-              <a:t>IQSlidedeck_IQRobjects.R | Date: 2022-03-29 18:36:04</a:t>
+              <a:t>IQSlidedeck_IQRobjects.R | Date: 2022-03-30 13:33:43</a:t>
             </a:r>
           </a:p>
         </p:txBody>
@@ -8088,7 +8088,7 @@
           <a:p>
             <a:r>
               <a:rPr/>
-              <a:t>IQSlidedeck_IQRobjects.R | Date: 2022-03-29 18:36:05</a:t>
+              <a:t>IQSlidedeck_IQRobjects.R | Date: 2022-03-30 13:33:44</a:t>
             </a:r>
           </a:p>
         </p:txBody>
@@ -8220,7 +8220,7 @@
           <a:p>
             <a:r>
               <a:rPr/>
-              <a:t>IQSlidedeck_IQRobjects.R | Date: 2022-03-29 18:36:07</a:t>
+              <a:t>IQSlidedeck_IQRobjects.R | Date: 2022-03-30 13:33:46</a:t>
             </a:r>
           </a:p>
         </p:txBody>
@@ -8353,7 +8353,7 @@
           <a:p>
             <a:r>
               <a:rPr/>
-              <a:t>IQSlidedeck_IQRobjects.R | Date: 2022-03-29 18:36:08</a:t>
+              <a:t>IQSlidedeck_IQRobjects.R | Date: 2022-03-30 13:33:48</a:t>
             </a:r>
           </a:p>
         </p:txBody>
@@ -8590,7 +8590,7 @@
           <a:p>
             <a:r>
               <a:rPr/>
-              <a:t>IQSlidedeck_IQRobjects.R | Date: 2022-03-29 18:36:10</a:t>
+              <a:t>IQSlidedeck_IQRobjects.R | Date: 2022-03-30 13:33:49</a:t>
             </a:r>
           </a:p>
         </p:txBody>
@@ -8702,7 +8702,7 @@
           <a:p>
             <a:r>
               <a:rPr/>
-              <a:t>script_IQSlidedeck.R | Date: 2022-03-29 18:35:31</a:t>
+              <a:t>script_IQSlidedeck.R | Date: 2022-03-30 13:33:13</a:t>
             </a:r>
           </a:p>
         </p:txBody>
@@ -8919,7 +8919,7 @@
           <a:p>
             <a:r>
               <a:rPr/>
-              <a:t>script_IQSlidedeck.R | Date: 2022-03-29 18:35:31</a:t>
+              <a:t>script_IQSlidedeck.R | Date: 2022-03-30 13:33:13</a:t>
             </a:r>
           </a:p>
         </p:txBody>
@@ -9024,7 +9024,7 @@
           <a:p>
             <a:r>
               <a:rPr/>
-              <a:t>script_IQSlidedeck.R | Date: 2022-03-29 18:35:36</a:t>
+              <a:t>script_IQSlidedeck.R | Date: 2022-03-30 13:33:17</a:t>
             </a:r>
           </a:p>
         </p:txBody>
@@ -9129,7 +9129,7 @@
           <a:p>
             <a:r>
               <a:rPr/>
-              <a:t>script_IQSlidedeck.R | Date: 2022-03-29 18:35:37</a:t>
+              <a:t>script_IQSlidedeck.R | Date: 2022-03-30 13:33:18</a:t>
             </a:r>
           </a:p>
         </p:txBody>
@@ -9234,7 +9234,7 @@
           <a:p>
             <a:r>
               <a:rPr/>
-              <a:t>script_IQSlidedeck.R | Date: 2022-03-29 18:35:42</a:t>
+              <a:t>script_IQSlidedeck.R | Date: 2022-03-30 13:33:23</a:t>
             </a:r>
           </a:p>
         </p:txBody>

--- a/tests/testresults/script_IQSlidedeck_IQobjects_Default_16_9.pptx
+++ b/tests/testresults/script_IQSlidedeck_IQobjects_Default_16_9.pptx
@@ -25,6 +25,11 @@
     <p:sldId id="273" r:id="rId23"/>
     <p:sldId id="274" r:id="rId24"/>
     <p:sldId id="275" r:id="rId25"/>
+    <p:sldId id="276" r:id="rId26"/>
+    <p:sldId id="277" r:id="rId27"/>
+    <p:sldId id="278" r:id="rId28"/>
+    <p:sldId id="279" r:id="rId29"/>
+    <p:sldId id="280" r:id="rId30"/>
   </p:sldIdLst>
   <p:sldSz cx="12192000" cy="6858000"/>
   <p:notesSz cx="6858000" cy="9144000"/>
@@ -289,7 +294,7 @@
           <a:p>
             <a:fld id="{7B272C57-2FA0-4A9D-99A4-6F756B65018B}" type="datetimeFigureOut">
               <a:rPr lang="en-US" smtClean="0"/>
-              <a:t>1/7/2022</a:t>
+              <a:t>5/17/2022</a:t>
             </a:fld>
             <a:endParaRPr lang="en-US"/>
           </a:p>
@@ -363,6 +368,380 @@
 </file>
 
 <file path=ppt/slideLayouts/slideLayout10.xml><?xml version="1.0" encoding="utf-8"?>
+<p:sldLayout xmlns:a="http://schemas.openxmlformats.org/drawingml/2006/main" xmlns:r="http://schemas.openxmlformats.org/officeDocument/2006/relationships" xmlns:p="http://schemas.openxmlformats.org/presentationml/2006/main" preserve="1" userDrawn="1">
+  <p:cSld name="Two Content and Caption Left">
+    <p:bg>
+      <p:bgPr>
+        <a:solidFill>
+          <a:schemeClr val="bg1"/>
+        </a:solidFill>
+        <a:effectLst/>
+      </p:bgPr>
+    </p:bg>
+    <p:spTree>
+      <p:nvGrpSpPr>
+        <p:cNvPr id="1" name=""/>
+        <p:cNvGrpSpPr/>
+        <p:nvPr/>
+      </p:nvGrpSpPr>
+      <p:grpSpPr>
+        <a:xfrm>
+          <a:off x="0" y="0"/>
+          <a:ext cx="0" cy="0"/>
+          <a:chOff x="0" y="0"/>
+          <a:chExt cx="0" cy="0"/>
+        </a:xfrm>
+      </p:grpSpPr>
+      <p:sp>
+        <p:nvSpPr>
+          <p:cNvPr id="5" name="Date Placeholder 4">
+            <a:extLst>
+              <a:ext uri="{FF2B5EF4-FFF2-40B4-BE49-F238E27FC236}">
+                <a16:creationId xmlns:a16="http://schemas.microsoft.com/office/drawing/2014/main" id="{985F3433-3055-4279-A232-CDB35C481677}"/>
+              </a:ext>
+            </a:extLst>
+          </p:cNvPr>
+          <p:cNvSpPr>
+            <a:spLocks noGrp="1"/>
+          </p:cNvSpPr>
+          <p:nvPr>
+            <p:ph type="dt" sz="half" idx="10"/>
+          </p:nvPr>
+        </p:nvSpPr>
+        <p:spPr/>
+        <p:txBody>
+          <a:bodyPr/>
+          <a:lstStyle/>
+          <a:p>
+            <a:fld id="{7B272C57-2FA0-4A9D-99A4-6F756B65018B}" type="datetimeFigureOut">
+              <a:rPr lang="en-US" smtClean="0"/>
+              <a:t>5/17/2022</a:t>
+            </a:fld>
+            <a:endParaRPr lang="en-US"/>
+          </a:p>
+        </p:txBody>
+      </p:sp>
+      <p:sp>
+        <p:nvSpPr>
+          <p:cNvPr id="6" name="Footer Placeholder 5">
+            <a:extLst>
+              <a:ext uri="{FF2B5EF4-FFF2-40B4-BE49-F238E27FC236}">
+                <a16:creationId xmlns:a16="http://schemas.microsoft.com/office/drawing/2014/main" id="{C4190A63-5D67-4FD5-97FD-79F7445B6A2E}"/>
+              </a:ext>
+            </a:extLst>
+          </p:cNvPr>
+          <p:cNvSpPr>
+            <a:spLocks noGrp="1"/>
+          </p:cNvSpPr>
+          <p:nvPr>
+            <p:ph type="ftr" sz="quarter" idx="11"/>
+          </p:nvPr>
+        </p:nvSpPr>
+        <p:spPr/>
+        <p:txBody>
+          <a:bodyPr/>
+          <a:lstStyle/>
+          <a:p>
+            <a:endParaRPr lang="en-US"/>
+          </a:p>
+        </p:txBody>
+      </p:sp>
+      <p:sp>
+        <p:nvSpPr>
+          <p:cNvPr id="7" name="Slide Number Placeholder 6">
+            <a:extLst>
+              <a:ext uri="{FF2B5EF4-FFF2-40B4-BE49-F238E27FC236}">
+                <a16:creationId xmlns:a16="http://schemas.microsoft.com/office/drawing/2014/main" id="{D2687DAE-A442-4DC3-8550-20F58B781EC7}"/>
+              </a:ext>
+            </a:extLst>
+          </p:cNvPr>
+          <p:cNvSpPr>
+            <a:spLocks noGrp="1"/>
+          </p:cNvSpPr>
+          <p:nvPr>
+            <p:ph type="sldNum" sz="quarter" idx="12"/>
+          </p:nvPr>
+        </p:nvSpPr>
+        <p:spPr/>
+        <p:txBody>
+          <a:bodyPr/>
+          <a:lstStyle/>
+          <a:p>
+            <a:fld id="{C064A79B-B315-413E-88BB-EFE0B5D603D0}" type="slidenum">
+              <a:rPr lang="en-US" smtClean="0"/>
+              <a:t>‹#›</a:t>
+            </a:fld>
+            <a:endParaRPr lang="en-US"/>
+          </a:p>
+        </p:txBody>
+      </p:sp>
+      <p:sp>
+        <p:nvSpPr>
+          <p:cNvPr id="9" name="Title 1">
+            <a:extLst>
+              <a:ext uri="{FF2B5EF4-FFF2-40B4-BE49-F238E27FC236}">
+                <a16:creationId xmlns:a16="http://schemas.microsoft.com/office/drawing/2014/main" id="{177E17F1-D3B2-42A6-9982-8788655386CF}"/>
+              </a:ext>
+            </a:extLst>
+          </p:cNvPr>
+          <p:cNvSpPr>
+            <a:spLocks noGrp="1"/>
+          </p:cNvSpPr>
+          <p:nvPr>
+            <p:ph type="title"/>
+          </p:nvPr>
+        </p:nvSpPr>
+        <p:spPr>
+          <a:xfrm>
+            <a:off x="0" y="0"/>
+            <a:ext cx="12192000" cy="1013635"/>
+          </a:xfrm>
+          <a:solidFill>
+            <a:srgbClr val="2E3640"/>
+          </a:solidFill>
+        </p:spPr>
+        <p:txBody>
+          <a:bodyPr/>
+          <a:lstStyle>
+            <a:lvl1pPr>
+              <a:defRPr lang="en-US" dirty="0"/>
+            </a:lvl1pPr>
+          </a:lstStyle>
+          <a:p>
+            <a:r>
+              <a:rPr lang="en-US" dirty="0"/>
+              <a:t>Click to edit Master title style</a:t>
+            </a:r>
+          </a:p>
+        </p:txBody>
+      </p:sp>
+      <p:sp>
+        <p:nvSpPr>
+          <p:cNvPr id="10" name="Content Placeholder 2">
+            <a:extLst>
+              <a:ext uri="{FF2B5EF4-FFF2-40B4-BE49-F238E27FC236}">
+                <a16:creationId xmlns:a16="http://schemas.microsoft.com/office/drawing/2014/main" id="{F1A58CC4-526C-4991-898F-C0879D5343E8}"/>
+              </a:ext>
+            </a:extLst>
+          </p:cNvPr>
+          <p:cNvSpPr>
+            <a:spLocks noGrp="1"/>
+          </p:cNvSpPr>
+          <p:nvPr>
+            <p:ph sz="half" idx="1"/>
+          </p:nvPr>
+        </p:nvSpPr>
+        <p:spPr>
+          <a:xfrm>
+            <a:off x="250521" y="1205547"/>
+            <a:ext cx="5769279" cy="4446906"/>
+          </a:xfrm>
+        </p:spPr>
+        <p:txBody>
+          <a:bodyPr/>
+          <a:lstStyle/>
+          <a:p>
+            <a:pPr lvl="0"/>
+            <a:r>
+              <a:rPr lang="en-US"/>
+              <a:t>Click to edit Master text styles</a:t>
+            </a:r>
+          </a:p>
+          <a:p>
+            <a:pPr lvl="1"/>
+            <a:r>
+              <a:rPr lang="en-US"/>
+              <a:t>Second level</a:t>
+            </a:r>
+          </a:p>
+          <a:p>
+            <a:pPr lvl="2"/>
+            <a:r>
+              <a:rPr lang="en-US"/>
+              <a:t>Third level</a:t>
+            </a:r>
+          </a:p>
+          <a:p>
+            <a:pPr lvl="3"/>
+            <a:r>
+              <a:rPr lang="en-US"/>
+              <a:t>Fourth level</a:t>
+            </a:r>
+          </a:p>
+          <a:p>
+            <a:pPr lvl="4"/>
+            <a:r>
+              <a:rPr lang="en-US"/>
+              <a:t>Fifth level</a:t>
+            </a:r>
+          </a:p>
+        </p:txBody>
+      </p:sp>
+      <p:sp>
+        <p:nvSpPr>
+          <p:cNvPr id="11" name="Content Placeholder 3">
+            <a:extLst>
+              <a:ext uri="{FF2B5EF4-FFF2-40B4-BE49-F238E27FC236}">
+                <a16:creationId xmlns:a16="http://schemas.microsoft.com/office/drawing/2014/main" id="{CB008E43-F727-4C47-9855-9440A412ACCB}"/>
+              </a:ext>
+            </a:extLst>
+          </p:cNvPr>
+          <p:cNvSpPr>
+            <a:spLocks noGrp="1"/>
+          </p:cNvSpPr>
+          <p:nvPr>
+            <p:ph sz="half" idx="2"/>
+          </p:nvPr>
+        </p:nvSpPr>
+        <p:spPr>
+          <a:xfrm>
+            <a:off x="6172199" y="1205548"/>
+            <a:ext cx="5727527" cy="5021670"/>
+          </a:xfrm>
+        </p:spPr>
+        <p:txBody>
+          <a:bodyPr/>
+          <a:lstStyle/>
+          <a:p>
+            <a:pPr lvl="0"/>
+            <a:r>
+              <a:rPr lang="en-US"/>
+              <a:t>Click to edit Master text styles</a:t>
+            </a:r>
+          </a:p>
+          <a:p>
+            <a:pPr lvl="1"/>
+            <a:r>
+              <a:rPr lang="en-US"/>
+              <a:t>Second level</a:t>
+            </a:r>
+          </a:p>
+          <a:p>
+            <a:pPr lvl="2"/>
+            <a:r>
+              <a:rPr lang="en-US"/>
+              <a:t>Third level</a:t>
+            </a:r>
+          </a:p>
+          <a:p>
+            <a:pPr lvl="3"/>
+            <a:r>
+              <a:rPr lang="en-US"/>
+              <a:t>Fourth level</a:t>
+            </a:r>
+          </a:p>
+          <a:p>
+            <a:pPr lvl="4"/>
+            <a:r>
+              <a:rPr lang="en-US"/>
+              <a:t>Fifth level</a:t>
+            </a:r>
+          </a:p>
+        </p:txBody>
+      </p:sp>
+      <p:sp>
+        <p:nvSpPr>
+          <p:cNvPr id="3" name="Text Placeholder 2">
+            <a:extLst>
+              <a:ext uri="{FF2B5EF4-FFF2-40B4-BE49-F238E27FC236}">
+                <a16:creationId xmlns:a16="http://schemas.microsoft.com/office/drawing/2014/main" id="{B6810FF5-0B9C-4441-B73D-B10146FB8996}"/>
+              </a:ext>
+            </a:extLst>
+          </p:cNvPr>
+          <p:cNvSpPr>
+            <a:spLocks noGrp="1"/>
+          </p:cNvSpPr>
+          <p:nvPr>
+            <p:ph type="body" sz="quarter" idx="13"/>
+          </p:nvPr>
+        </p:nvSpPr>
+        <p:spPr>
+          <a:xfrm>
+            <a:off x="250521" y="5781584"/>
+            <a:ext cx="5769279" cy="445634"/>
+          </a:xfrm>
+        </p:spPr>
+        <p:txBody>
+          <a:bodyPr/>
+          <a:lstStyle>
+            <a:lvl1pPr marL="0" indent="0">
+              <a:buFont typeface="Arial" panose="020B0604020202020204" pitchFamily="34" charset="0"/>
+              <a:buNone/>
+              <a:defRPr sz="1200"/>
+            </a:lvl1pPr>
+            <a:lvl2pPr marL="457200" indent="0">
+              <a:buFont typeface="Arial" panose="020B0604020202020204" pitchFamily="34" charset="0"/>
+              <a:buNone/>
+              <a:defRPr sz="1100"/>
+            </a:lvl2pPr>
+            <a:lvl3pPr marL="914400" indent="0">
+              <a:buFont typeface="Arial" panose="020B0604020202020204" pitchFamily="34" charset="0"/>
+              <a:buNone/>
+              <a:defRPr sz="1050"/>
+            </a:lvl3pPr>
+            <a:lvl4pPr marL="1371600" indent="0">
+              <a:buFont typeface="Arial" panose="020B0604020202020204" pitchFamily="34" charset="0"/>
+              <a:buNone/>
+              <a:defRPr sz="1000"/>
+            </a:lvl4pPr>
+            <a:lvl5pPr marL="1828800" indent="0">
+              <a:buFont typeface="Arial" panose="020B0604020202020204" pitchFamily="34" charset="0"/>
+              <a:buNone/>
+              <a:defRPr sz="1000"/>
+            </a:lvl5pPr>
+          </a:lstStyle>
+          <a:p>
+            <a:pPr lvl="0"/>
+            <a:r>
+              <a:rPr lang="en-US" dirty="0"/>
+              <a:t>Click to edit Master text styles</a:t>
+            </a:r>
+          </a:p>
+          <a:p>
+            <a:pPr lvl="1"/>
+            <a:r>
+              <a:rPr lang="en-US" dirty="0"/>
+              <a:t>Second level</a:t>
+            </a:r>
+          </a:p>
+          <a:p>
+            <a:pPr lvl="2"/>
+            <a:r>
+              <a:rPr lang="en-US" dirty="0"/>
+              <a:t>Third level</a:t>
+            </a:r>
+          </a:p>
+          <a:p>
+            <a:pPr lvl="3"/>
+            <a:r>
+              <a:rPr lang="en-US" dirty="0"/>
+              <a:t>Fourth level</a:t>
+            </a:r>
+          </a:p>
+          <a:p>
+            <a:pPr lvl="4"/>
+            <a:r>
+              <a:rPr lang="en-US" dirty="0"/>
+              <a:t>Fifth level</a:t>
+            </a:r>
+            <a:endParaRPr lang="en-CH" dirty="0"/>
+          </a:p>
+        </p:txBody>
+      </p:sp>
+    </p:spTree>
+    <p:extLst>
+      <p:ext uri="{BB962C8B-B14F-4D97-AF65-F5344CB8AC3E}">
+        <p14:creationId xmlns:p14="http://schemas.microsoft.com/office/powerpoint/2010/main" val="3059227006"/>
+      </p:ext>
+    </p:extLst>
+  </p:cSld>
+  <p:clrMapOvr>
+    <a:masterClrMapping/>
+  </p:clrMapOvr>
+</p:sldLayout>
+</file>
+
+<file path=ppt/slideLayouts/slideLayout11.xml><?xml version="1.0" encoding="utf-8"?>
 <p:sldLayout xmlns:a="http://schemas.openxmlformats.org/drawingml/2006/main" xmlns:r="http://schemas.openxmlformats.org/officeDocument/2006/relationships" xmlns:p="http://schemas.openxmlformats.org/presentationml/2006/main" preserve="1" userDrawn="1">
   <p:cSld name="Two Content and Caption">
     <p:bg>
@@ -410,7 +789,7 @@
           <a:p>
             <a:fld id="{7B272C57-2FA0-4A9D-99A4-6F756B65018B}" type="datetimeFigureOut">
               <a:rPr lang="en-US" smtClean="0"/>
-              <a:t>1/7/2022</a:t>
+              <a:t>5/17/2022</a:t>
             </a:fld>
             <a:endParaRPr lang="en-US"/>
           </a:p>
@@ -827,7 +1206,7 @@
 </p:sldLayout>
 </file>
 
-<file path=ppt/slideLayouts/slideLayout11.xml><?xml version="1.0" encoding="utf-8"?>
+<file path=ppt/slideLayouts/slideLayout12.xml><?xml version="1.0" encoding="utf-8"?>
 <p:sldLayout xmlns:a="http://schemas.openxmlformats.org/drawingml/2006/main" xmlns:r="http://schemas.openxmlformats.org/officeDocument/2006/relationships" xmlns:p="http://schemas.openxmlformats.org/presentationml/2006/main" type="twoTxTwoObj" preserve="1">
   <p:cSld name="Comparison">
     <p:spTree>
@@ -1166,7 +1545,7 @@
           <a:p>
             <a:fld id="{7B272C57-2FA0-4A9D-99A4-6F756B65018B}" type="datetimeFigureOut">
               <a:rPr lang="en-US" smtClean="0"/>
-              <a:t>1/7/2022</a:t>
+              <a:t>5/17/2022</a:t>
             </a:fld>
             <a:endParaRPr lang="en-US"/>
           </a:p>
@@ -1239,7 +1618,7 @@
 </p:sldLayout>
 </file>
 
-<file path=ppt/slideLayouts/slideLayout12.xml><?xml version="1.0" encoding="utf-8"?>
+<file path=ppt/slideLayouts/slideLayout13.xml><?xml version="1.0" encoding="utf-8"?>
 <p:sldLayout xmlns:a="http://schemas.openxmlformats.org/drawingml/2006/main" xmlns:r="http://schemas.openxmlformats.org/officeDocument/2006/relationships" xmlns:p="http://schemas.openxmlformats.org/presentationml/2006/main" type="titleOnly" preserve="1">
   <p:cSld name="Title Only">
     <p:spTree>
@@ -1323,7 +1702,7 @@
           <a:p>
             <a:fld id="{7B272C57-2FA0-4A9D-99A4-6F756B65018B}" type="datetimeFigureOut">
               <a:rPr lang="en-US" smtClean="0"/>
-              <a:t>1/7/2022</a:t>
+              <a:t>5/17/2022</a:t>
             </a:fld>
             <a:endParaRPr lang="en-US"/>
           </a:p>
@@ -1396,7 +1775,7 @@
 </p:sldLayout>
 </file>
 
-<file path=ppt/slideLayouts/slideLayout13.xml><?xml version="1.0" encoding="utf-8"?>
+<file path=ppt/slideLayouts/slideLayout14.xml><?xml version="1.0" encoding="utf-8"?>
 <p:sldLayout xmlns:a="http://schemas.openxmlformats.org/drawingml/2006/main" xmlns:r="http://schemas.openxmlformats.org/officeDocument/2006/relationships" xmlns:p="http://schemas.openxmlformats.org/presentationml/2006/main" type="blank" preserve="1">
   <p:cSld name="Blank">
     <p:spTree>
@@ -1436,7 +1815,7 @@
           <a:p>
             <a:fld id="{7B272C57-2FA0-4A9D-99A4-6F756B65018B}" type="datetimeFigureOut">
               <a:rPr lang="en-US" smtClean="0"/>
-              <a:t>1/7/2022</a:t>
+              <a:t>5/17/2022</a:t>
             </a:fld>
             <a:endParaRPr lang="en-US"/>
           </a:p>
@@ -1509,7 +1888,7 @@
 </p:sldLayout>
 </file>
 
-<file path=ppt/slideLayouts/slideLayout14.xml><?xml version="1.0" encoding="utf-8"?>
+<file path=ppt/slideLayouts/slideLayout15.xml><?xml version="1.0" encoding="utf-8"?>
 <p:sldLayout xmlns:a="http://schemas.openxmlformats.org/drawingml/2006/main" xmlns:r="http://schemas.openxmlformats.org/officeDocument/2006/relationships" xmlns:p="http://schemas.openxmlformats.org/presentationml/2006/main" type="objTx" preserve="1">
   <p:cSld name="Content with Caption">
     <p:spTree>
@@ -1747,7 +2126,7 @@
           <a:p>
             <a:fld id="{7B272C57-2FA0-4A9D-99A4-6F756B65018B}" type="datetimeFigureOut">
               <a:rPr lang="en-US" smtClean="0"/>
-              <a:t>1/7/2022</a:t>
+              <a:t>5/17/2022</a:t>
             </a:fld>
             <a:endParaRPr lang="en-US"/>
           </a:p>
@@ -1820,7 +2199,7 @@
 </p:sldLayout>
 </file>
 
-<file path=ppt/slideLayouts/slideLayout15.xml><?xml version="1.0" encoding="utf-8"?>
+<file path=ppt/slideLayouts/slideLayout16.xml><?xml version="1.0" encoding="utf-8"?>
 <p:sldLayout xmlns:a="http://schemas.openxmlformats.org/drawingml/2006/main" xmlns:r="http://schemas.openxmlformats.org/officeDocument/2006/relationships" xmlns:p="http://schemas.openxmlformats.org/presentationml/2006/main" type="picTx" preserve="1">
   <p:cSld name="Picture with Caption">
     <p:spTree>
@@ -2035,7 +2414,7 @@
           <a:p>
             <a:fld id="{7B272C57-2FA0-4A9D-99A4-6F756B65018B}" type="datetimeFigureOut">
               <a:rPr lang="en-US" smtClean="0"/>
-              <a:t>1/7/2022</a:t>
+              <a:t>5/17/2022</a:t>
             </a:fld>
             <a:endParaRPr lang="en-US"/>
           </a:p>
@@ -2108,7 +2487,7 @@
 </p:sldLayout>
 </file>
 
-<file path=ppt/slideLayouts/slideLayout16.xml><?xml version="1.0" encoding="utf-8"?>
+<file path=ppt/slideLayouts/slideLayout17.xml><?xml version="1.0" encoding="utf-8"?>
 <p:sldLayout xmlns:a="http://schemas.openxmlformats.org/drawingml/2006/main" xmlns:r="http://schemas.openxmlformats.org/officeDocument/2006/relationships" xmlns:p="http://schemas.openxmlformats.org/presentationml/2006/main" type="vertTx" preserve="1">
   <p:cSld name="Title and Vertical Text">
     <p:spTree>
@@ -2233,7 +2612,7 @@
           <a:p>
             <a:fld id="{7B272C57-2FA0-4A9D-99A4-6F756B65018B}" type="datetimeFigureOut">
               <a:rPr lang="en-US" smtClean="0"/>
-              <a:t>1/7/2022</a:t>
+              <a:t>5/17/2022</a:t>
             </a:fld>
             <a:endParaRPr lang="en-US"/>
           </a:p>
@@ -2306,7 +2685,7 @@
 </p:sldLayout>
 </file>
 
-<file path=ppt/slideLayouts/slideLayout17.xml><?xml version="1.0" encoding="utf-8"?>
+<file path=ppt/slideLayouts/slideLayout18.xml><?xml version="1.0" encoding="utf-8"?>
 <p:sldLayout xmlns:a="http://schemas.openxmlformats.org/drawingml/2006/main" xmlns:r="http://schemas.openxmlformats.org/officeDocument/2006/relationships" xmlns:p="http://schemas.openxmlformats.org/presentationml/2006/main" type="vertTitleAndTx" preserve="1">
   <p:cSld name="Vertical Title and Text">
     <p:spTree>
@@ -2441,7 +2820,7 @@
           <a:p>
             <a:fld id="{7B272C57-2FA0-4A9D-99A4-6F756B65018B}" type="datetimeFigureOut">
               <a:rPr lang="en-US" smtClean="0"/>
-              <a:t>1/7/2022</a:t>
+              <a:t>5/17/2022</a:t>
             </a:fld>
             <a:endParaRPr lang="en-US"/>
           </a:p>
@@ -2644,7 +3023,7 @@
           <a:p>
             <a:fld id="{7B272C57-2FA0-4A9D-99A4-6F756B65018B}" type="datetimeFigureOut">
               <a:rPr lang="en-US" smtClean="0"/>
-              <a:t>1/7/2022</a:t>
+              <a:t>5/17/2022</a:t>
             </a:fld>
             <a:endParaRPr lang="en-US"/>
           </a:p>
@@ -2857,7 +3236,7 @@
           <a:p>
             <a:fld id="{7B272C57-2FA0-4A9D-99A4-6F756B65018B}" type="datetimeFigureOut">
               <a:rPr lang="en-US" smtClean="0"/>
-              <a:t>1/7/2022</a:t>
+              <a:t>5/17/2022</a:t>
             </a:fld>
             <a:endParaRPr lang="en-US" dirty="0"/>
           </a:p>
@@ -3130,7 +3509,7 @@
           <a:p>
             <a:fld id="{7B272C57-2FA0-4A9D-99A4-6F756B65018B}" type="datetimeFigureOut">
               <a:rPr lang="en-US" smtClean="0"/>
-              <a:t>1/7/2022</a:t>
+              <a:t>5/17/2022</a:t>
             </a:fld>
             <a:endParaRPr lang="en-US"/>
           </a:p>
@@ -3429,7 +3808,7 @@
           <a:p>
             <a:fld id="{7B272C57-2FA0-4A9D-99A4-6F756B65018B}" type="datetimeFigureOut">
               <a:rPr lang="en-US" smtClean="0"/>
-              <a:t>1/7/2022</a:t>
+              <a:t>5/17/2022</a:t>
             </a:fld>
             <a:endParaRPr lang="en-US"/>
           </a:p>
@@ -3855,7 +4234,7 @@
           <a:p>
             <a:fld id="{7B272C57-2FA0-4A9D-99A4-6F756B65018B}" type="datetimeFigureOut">
               <a:rPr lang="en-US" smtClean="0"/>
-              <a:t>1/7/2022</a:t>
+              <a:t>5/17/2022</a:t>
             </a:fld>
             <a:endParaRPr lang="en-US"/>
           </a:p>
@@ -3976,7 +4355,7 @@
           <a:p>
             <a:fld id="{7B272C57-2FA0-4A9D-99A4-6F756B65018B}" type="datetimeFigureOut">
               <a:rPr lang="en-US" smtClean="0"/>
-              <a:t>1/7/2022</a:t>
+              <a:t>5/17/2022</a:t>
             </a:fld>
             <a:endParaRPr lang="en-US"/>
           </a:p>
@@ -4214,6 +4593,309 @@
 </file>
 
 <file path=ppt/slideLayouts/slideLayout8.xml><?xml version="1.0" encoding="utf-8"?>
+<p:sldLayout xmlns:a="http://schemas.openxmlformats.org/drawingml/2006/main" xmlns:r="http://schemas.openxmlformats.org/officeDocument/2006/relationships" xmlns:p="http://schemas.openxmlformats.org/presentationml/2006/main" preserve="1" userDrawn="1">
+  <p:cSld name="Two Content Right Bigger">
+    <p:bg>
+      <p:bgPr>
+        <a:solidFill>
+          <a:schemeClr val="bg1"/>
+        </a:solidFill>
+        <a:effectLst/>
+      </p:bgPr>
+    </p:bg>
+    <p:spTree>
+      <p:nvGrpSpPr>
+        <p:cNvPr id="1" name=""/>
+        <p:cNvGrpSpPr/>
+        <p:nvPr/>
+      </p:nvGrpSpPr>
+      <p:grpSpPr>
+        <a:xfrm>
+          <a:off x="0" y="0"/>
+          <a:ext cx="0" cy="0"/>
+          <a:chOff x="0" y="0"/>
+          <a:chExt cx="0" cy="0"/>
+        </a:xfrm>
+      </p:grpSpPr>
+      <p:sp>
+        <p:nvSpPr>
+          <p:cNvPr id="5" name="Date Placeholder 4">
+            <a:extLst>
+              <a:ext uri="{FF2B5EF4-FFF2-40B4-BE49-F238E27FC236}">
+                <a16:creationId xmlns:a16="http://schemas.microsoft.com/office/drawing/2014/main" id="{985F3433-3055-4279-A232-CDB35C481677}"/>
+              </a:ext>
+            </a:extLst>
+          </p:cNvPr>
+          <p:cNvSpPr>
+            <a:spLocks noGrp="1"/>
+          </p:cNvSpPr>
+          <p:nvPr>
+            <p:ph type="dt" sz="half" idx="10"/>
+          </p:nvPr>
+        </p:nvSpPr>
+        <p:spPr/>
+        <p:txBody>
+          <a:bodyPr/>
+          <a:lstStyle/>
+          <a:p>
+            <a:fld id="{7B272C57-2FA0-4A9D-99A4-6F756B65018B}" type="datetimeFigureOut">
+              <a:rPr lang="en-US" smtClean="0"/>
+              <a:t>5/17/2022</a:t>
+            </a:fld>
+            <a:endParaRPr lang="en-US"/>
+          </a:p>
+        </p:txBody>
+      </p:sp>
+      <p:sp>
+        <p:nvSpPr>
+          <p:cNvPr id="6" name="Footer Placeholder 5">
+            <a:extLst>
+              <a:ext uri="{FF2B5EF4-FFF2-40B4-BE49-F238E27FC236}">
+                <a16:creationId xmlns:a16="http://schemas.microsoft.com/office/drawing/2014/main" id="{C4190A63-5D67-4FD5-97FD-79F7445B6A2E}"/>
+              </a:ext>
+            </a:extLst>
+          </p:cNvPr>
+          <p:cNvSpPr>
+            <a:spLocks noGrp="1"/>
+          </p:cNvSpPr>
+          <p:nvPr>
+            <p:ph type="ftr" sz="quarter" idx="11"/>
+          </p:nvPr>
+        </p:nvSpPr>
+        <p:spPr/>
+        <p:txBody>
+          <a:bodyPr/>
+          <a:lstStyle/>
+          <a:p>
+            <a:endParaRPr lang="en-US"/>
+          </a:p>
+        </p:txBody>
+      </p:sp>
+      <p:sp>
+        <p:nvSpPr>
+          <p:cNvPr id="7" name="Slide Number Placeholder 6">
+            <a:extLst>
+              <a:ext uri="{FF2B5EF4-FFF2-40B4-BE49-F238E27FC236}">
+                <a16:creationId xmlns:a16="http://schemas.microsoft.com/office/drawing/2014/main" id="{D2687DAE-A442-4DC3-8550-20F58B781EC7}"/>
+              </a:ext>
+            </a:extLst>
+          </p:cNvPr>
+          <p:cNvSpPr>
+            <a:spLocks noGrp="1"/>
+          </p:cNvSpPr>
+          <p:nvPr>
+            <p:ph type="sldNum" sz="quarter" idx="12"/>
+          </p:nvPr>
+        </p:nvSpPr>
+        <p:spPr/>
+        <p:txBody>
+          <a:bodyPr/>
+          <a:lstStyle/>
+          <a:p>
+            <a:fld id="{C064A79B-B315-413E-88BB-EFE0B5D603D0}" type="slidenum">
+              <a:rPr lang="en-US" smtClean="0"/>
+              <a:t>‹#›</a:t>
+            </a:fld>
+            <a:endParaRPr lang="en-US"/>
+          </a:p>
+        </p:txBody>
+      </p:sp>
+      <p:sp>
+        <p:nvSpPr>
+          <p:cNvPr id="9" name="Title 1">
+            <a:extLst>
+              <a:ext uri="{FF2B5EF4-FFF2-40B4-BE49-F238E27FC236}">
+                <a16:creationId xmlns:a16="http://schemas.microsoft.com/office/drawing/2014/main" id="{177E17F1-D3B2-42A6-9982-8788655386CF}"/>
+              </a:ext>
+            </a:extLst>
+          </p:cNvPr>
+          <p:cNvSpPr>
+            <a:spLocks noGrp="1"/>
+          </p:cNvSpPr>
+          <p:nvPr>
+            <p:ph type="title"/>
+          </p:nvPr>
+        </p:nvSpPr>
+        <p:spPr>
+          <a:xfrm>
+            <a:off x="0" y="0"/>
+            <a:ext cx="12192000" cy="1013635"/>
+          </a:xfrm>
+          <a:solidFill>
+            <a:srgbClr val="2E3640"/>
+          </a:solidFill>
+        </p:spPr>
+        <p:txBody>
+          <a:bodyPr/>
+          <a:lstStyle>
+            <a:lvl1pPr>
+              <a:defRPr lang="en-US" dirty="0"/>
+            </a:lvl1pPr>
+          </a:lstStyle>
+          <a:p>
+            <a:r>
+              <a:rPr lang="en-US" dirty="0"/>
+              <a:t>Click to edit Master title style</a:t>
+            </a:r>
+          </a:p>
+        </p:txBody>
+      </p:sp>
+      <p:sp>
+        <p:nvSpPr>
+          <p:cNvPr id="10" name="Content Placeholder 2">
+            <a:extLst>
+              <a:ext uri="{FF2B5EF4-FFF2-40B4-BE49-F238E27FC236}">
+                <a16:creationId xmlns:a16="http://schemas.microsoft.com/office/drawing/2014/main" id="{F1A58CC4-526C-4991-898F-C0879D5343E8}"/>
+              </a:ext>
+            </a:extLst>
+          </p:cNvPr>
+          <p:cNvSpPr>
+            <a:spLocks noGrp="1"/>
+          </p:cNvSpPr>
+          <p:nvPr>
+            <p:ph sz="half" idx="1"/>
+          </p:nvPr>
+        </p:nvSpPr>
+        <p:spPr>
+          <a:xfrm>
+            <a:off x="250521" y="1205547"/>
+            <a:ext cx="2893512" cy="4971416"/>
+          </a:xfrm>
+        </p:spPr>
+        <p:txBody>
+          <a:bodyPr>
+            <a:normAutofit/>
+          </a:bodyPr>
+          <a:lstStyle>
+            <a:lvl1pPr>
+              <a:defRPr sz="1600"/>
+            </a:lvl1pPr>
+            <a:lvl2pPr>
+              <a:defRPr sz="1400"/>
+            </a:lvl2pPr>
+            <a:lvl3pPr>
+              <a:defRPr sz="1200"/>
+            </a:lvl3pPr>
+            <a:lvl4pPr>
+              <a:defRPr sz="1100"/>
+            </a:lvl4pPr>
+            <a:lvl5pPr>
+              <a:defRPr sz="1100"/>
+            </a:lvl5pPr>
+          </a:lstStyle>
+          <a:p>
+            <a:pPr lvl="0"/>
+            <a:r>
+              <a:rPr lang="en-US" dirty="0"/>
+              <a:t>Click to edit Master text styles</a:t>
+            </a:r>
+          </a:p>
+          <a:p>
+            <a:pPr lvl="1"/>
+            <a:r>
+              <a:rPr lang="en-US" dirty="0"/>
+              <a:t>Second level</a:t>
+            </a:r>
+          </a:p>
+          <a:p>
+            <a:pPr lvl="2"/>
+            <a:r>
+              <a:rPr lang="en-US" dirty="0"/>
+              <a:t>Third level</a:t>
+            </a:r>
+          </a:p>
+          <a:p>
+            <a:pPr lvl="3"/>
+            <a:r>
+              <a:rPr lang="en-US" dirty="0"/>
+              <a:t>Fourth level</a:t>
+            </a:r>
+          </a:p>
+          <a:p>
+            <a:pPr lvl="4"/>
+            <a:r>
+              <a:rPr lang="en-US" dirty="0"/>
+              <a:t>Fifth level</a:t>
+            </a:r>
+          </a:p>
+        </p:txBody>
+      </p:sp>
+      <p:sp>
+        <p:nvSpPr>
+          <p:cNvPr id="11" name="Content Placeholder 3">
+            <a:extLst>
+              <a:ext uri="{FF2B5EF4-FFF2-40B4-BE49-F238E27FC236}">
+                <a16:creationId xmlns:a16="http://schemas.microsoft.com/office/drawing/2014/main" id="{CB008E43-F727-4C47-9855-9440A412ACCB}"/>
+              </a:ext>
+            </a:extLst>
+          </p:cNvPr>
+          <p:cNvSpPr>
+            <a:spLocks noGrp="1"/>
+          </p:cNvSpPr>
+          <p:nvPr>
+            <p:ph sz="half" idx="2"/>
+          </p:nvPr>
+        </p:nvSpPr>
+        <p:spPr>
+          <a:xfrm>
+            <a:off x="3144033" y="1205547"/>
+            <a:ext cx="8755694" cy="4971416"/>
+          </a:xfrm>
+        </p:spPr>
+        <p:txBody>
+          <a:bodyPr/>
+          <a:lstStyle/>
+          <a:p>
+            <a:pPr lvl="0"/>
+            <a:r>
+              <a:rPr lang="en-US" dirty="0"/>
+              <a:t>Click to edit Master text styles</a:t>
+            </a:r>
+          </a:p>
+          <a:p>
+            <a:pPr lvl="1"/>
+            <a:r>
+              <a:rPr lang="en-US" dirty="0"/>
+              <a:t>Second level</a:t>
+            </a:r>
+          </a:p>
+          <a:p>
+            <a:pPr lvl="2"/>
+            <a:r>
+              <a:rPr lang="en-US" dirty="0"/>
+              <a:t>Third level</a:t>
+            </a:r>
+          </a:p>
+          <a:p>
+            <a:pPr lvl="3"/>
+            <a:r>
+              <a:rPr lang="en-US" dirty="0"/>
+              <a:t>Fourth level</a:t>
+            </a:r>
+          </a:p>
+          <a:p>
+            <a:pPr lvl="4"/>
+            <a:r>
+              <a:rPr lang="en-US" dirty="0"/>
+              <a:t>Fifth level</a:t>
+            </a:r>
+          </a:p>
+        </p:txBody>
+      </p:sp>
+    </p:spTree>
+    <p:extLst>
+      <p:ext uri="{BB962C8B-B14F-4D97-AF65-F5344CB8AC3E}">
+        <p14:creationId xmlns:p14="http://schemas.microsoft.com/office/powerpoint/2010/main" val="3917603814"/>
+      </p:ext>
+    </p:extLst>
+  </p:cSld>
+  <p:clrMapOvr>
+    <a:masterClrMapping/>
+  </p:clrMapOvr>
+</p:sldLayout>
+</file>
+
+<file path=ppt/slideLayouts/slideLayout9.xml><?xml version="1.0" encoding="utf-8"?>
 <p:sldLayout xmlns:a="http://schemas.openxmlformats.org/drawingml/2006/main" xmlns:r="http://schemas.openxmlformats.org/officeDocument/2006/relationships" xmlns:p="http://schemas.openxmlformats.org/presentationml/2006/main" preserve="1" userDrawn="1">
   <p:cSld name="Two Content and Caption Right">
     <p:bg>
@@ -4261,7 +4943,7 @@
           <a:p>
             <a:fld id="{7B272C57-2FA0-4A9D-99A4-6F756B65018B}" type="datetimeFigureOut">
               <a:rPr lang="en-US" smtClean="0"/>
-              <a:t>1/7/2022</a:t>
+              <a:t>5/17/2022</a:t>
             </a:fld>
             <a:endParaRPr lang="en-US"/>
           </a:p>
@@ -4578,380 +5260,6 @@
     <p:extLst>
       <p:ext uri="{BB962C8B-B14F-4D97-AF65-F5344CB8AC3E}">
         <p14:creationId xmlns:p14="http://schemas.microsoft.com/office/powerpoint/2010/main" val="3584477701"/>
-      </p:ext>
-    </p:extLst>
-  </p:cSld>
-  <p:clrMapOvr>
-    <a:masterClrMapping/>
-  </p:clrMapOvr>
-</p:sldLayout>
-</file>
-
-<file path=ppt/slideLayouts/slideLayout9.xml><?xml version="1.0" encoding="utf-8"?>
-<p:sldLayout xmlns:a="http://schemas.openxmlformats.org/drawingml/2006/main" xmlns:r="http://schemas.openxmlformats.org/officeDocument/2006/relationships" xmlns:p="http://schemas.openxmlformats.org/presentationml/2006/main" preserve="1" userDrawn="1">
-  <p:cSld name="Two Content and Caption Left">
-    <p:bg>
-      <p:bgPr>
-        <a:solidFill>
-          <a:schemeClr val="bg1"/>
-        </a:solidFill>
-        <a:effectLst/>
-      </p:bgPr>
-    </p:bg>
-    <p:spTree>
-      <p:nvGrpSpPr>
-        <p:cNvPr id="1" name=""/>
-        <p:cNvGrpSpPr/>
-        <p:nvPr/>
-      </p:nvGrpSpPr>
-      <p:grpSpPr>
-        <a:xfrm>
-          <a:off x="0" y="0"/>
-          <a:ext cx="0" cy="0"/>
-          <a:chOff x="0" y="0"/>
-          <a:chExt cx="0" cy="0"/>
-        </a:xfrm>
-      </p:grpSpPr>
-      <p:sp>
-        <p:nvSpPr>
-          <p:cNvPr id="5" name="Date Placeholder 4">
-            <a:extLst>
-              <a:ext uri="{FF2B5EF4-FFF2-40B4-BE49-F238E27FC236}">
-                <a16:creationId xmlns:a16="http://schemas.microsoft.com/office/drawing/2014/main" id="{985F3433-3055-4279-A232-CDB35C481677}"/>
-              </a:ext>
-            </a:extLst>
-          </p:cNvPr>
-          <p:cNvSpPr>
-            <a:spLocks noGrp="1"/>
-          </p:cNvSpPr>
-          <p:nvPr>
-            <p:ph type="dt" sz="half" idx="10"/>
-          </p:nvPr>
-        </p:nvSpPr>
-        <p:spPr/>
-        <p:txBody>
-          <a:bodyPr/>
-          <a:lstStyle/>
-          <a:p>
-            <a:fld id="{7B272C57-2FA0-4A9D-99A4-6F756B65018B}" type="datetimeFigureOut">
-              <a:rPr lang="en-US" smtClean="0"/>
-              <a:t>1/7/2022</a:t>
-            </a:fld>
-            <a:endParaRPr lang="en-US"/>
-          </a:p>
-        </p:txBody>
-      </p:sp>
-      <p:sp>
-        <p:nvSpPr>
-          <p:cNvPr id="6" name="Footer Placeholder 5">
-            <a:extLst>
-              <a:ext uri="{FF2B5EF4-FFF2-40B4-BE49-F238E27FC236}">
-                <a16:creationId xmlns:a16="http://schemas.microsoft.com/office/drawing/2014/main" id="{C4190A63-5D67-4FD5-97FD-79F7445B6A2E}"/>
-              </a:ext>
-            </a:extLst>
-          </p:cNvPr>
-          <p:cNvSpPr>
-            <a:spLocks noGrp="1"/>
-          </p:cNvSpPr>
-          <p:nvPr>
-            <p:ph type="ftr" sz="quarter" idx="11"/>
-          </p:nvPr>
-        </p:nvSpPr>
-        <p:spPr/>
-        <p:txBody>
-          <a:bodyPr/>
-          <a:lstStyle/>
-          <a:p>
-            <a:endParaRPr lang="en-US"/>
-          </a:p>
-        </p:txBody>
-      </p:sp>
-      <p:sp>
-        <p:nvSpPr>
-          <p:cNvPr id="7" name="Slide Number Placeholder 6">
-            <a:extLst>
-              <a:ext uri="{FF2B5EF4-FFF2-40B4-BE49-F238E27FC236}">
-                <a16:creationId xmlns:a16="http://schemas.microsoft.com/office/drawing/2014/main" id="{D2687DAE-A442-4DC3-8550-20F58B781EC7}"/>
-              </a:ext>
-            </a:extLst>
-          </p:cNvPr>
-          <p:cNvSpPr>
-            <a:spLocks noGrp="1"/>
-          </p:cNvSpPr>
-          <p:nvPr>
-            <p:ph type="sldNum" sz="quarter" idx="12"/>
-          </p:nvPr>
-        </p:nvSpPr>
-        <p:spPr/>
-        <p:txBody>
-          <a:bodyPr/>
-          <a:lstStyle/>
-          <a:p>
-            <a:fld id="{C064A79B-B315-413E-88BB-EFE0B5D603D0}" type="slidenum">
-              <a:rPr lang="en-US" smtClean="0"/>
-              <a:t>‹#›</a:t>
-            </a:fld>
-            <a:endParaRPr lang="en-US"/>
-          </a:p>
-        </p:txBody>
-      </p:sp>
-      <p:sp>
-        <p:nvSpPr>
-          <p:cNvPr id="9" name="Title 1">
-            <a:extLst>
-              <a:ext uri="{FF2B5EF4-FFF2-40B4-BE49-F238E27FC236}">
-                <a16:creationId xmlns:a16="http://schemas.microsoft.com/office/drawing/2014/main" id="{177E17F1-D3B2-42A6-9982-8788655386CF}"/>
-              </a:ext>
-            </a:extLst>
-          </p:cNvPr>
-          <p:cNvSpPr>
-            <a:spLocks noGrp="1"/>
-          </p:cNvSpPr>
-          <p:nvPr>
-            <p:ph type="title"/>
-          </p:nvPr>
-        </p:nvSpPr>
-        <p:spPr>
-          <a:xfrm>
-            <a:off x="0" y="0"/>
-            <a:ext cx="12192000" cy="1013635"/>
-          </a:xfrm>
-          <a:solidFill>
-            <a:srgbClr val="2E3640"/>
-          </a:solidFill>
-        </p:spPr>
-        <p:txBody>
-          <a:bodyPr/>
-          <a:lstStyle>
-            <a:lvl1pPr>
-              <a:defRPr lang="en-US" dirty="0"/>
-            </a:lvl1pPr>
-          </a:lstStyle>
-          <a:p>
-            <a:r>
-              <a:rPr lang="en-US" dirty="0"/>
-              <a:t>Click to edit Master title style</a:t>
-            </a:r>
-          </a:p>
-        </p:txBody>
-      </p:sp>
-      <p:sp>
-        <p:nvSpPr>
-          <p:cNvPr id="10" name="Content Placeholder 2">
-            <a:extLst>
-              <a:ext uri="{FF2B5EF4-FFF2-40B4-BE49-F238E27FC236}">
-                <a16:creationId xmlns:a16="http://schemas.microsoft.com/office/drawing/2014/main" id="{F1A58CC4-526C-4991-898F-C0879D5343E8}"/>
-              </a:ext>
-            </a:extLst>
-          </p:cNvPr>
-          <p:cNvSpPr>
-            <a:spLocks noGrp="1"/>
-          </p:cNvSpPr>
-          <p:nvPr>
-            <p:ph sz="half" idx="1"/>
-          </p:nvPr>
-        </p:nvSpPr>
-        <p:spPr>
-          <a:xfrm>
-            <a:off x="250521" y="1205547"/>
-            <a:ext cx="5769279" cy="4446906"/>
-          </a:xfrm>
-        </p:spPr>
-        <p:txBody>
-          <a:bodyPr/>
-          <a:lstStyle/>
-          <a:p>
-            <a:pPr lvl="0"/>
-            <a:r>
-              <a:rPr lang="en-US"/>
-              <a:t>Click to edit Master text styles</a:t>
-            </a:r>
-          </a:p>
-          <a:p>
-            <a:pPr lvl="1"/>
-            <a:r>
-              <a:rPr lang="en-US"/>
-              <a:t>Second level</a:t>
-            </a:r>
-          </a:p>
-          <a:p>
-            <a:pPr lvl="2"/>
-            <a:r>
-              <a:rPr lang="en-US"/>
-              <a:t>Third level</a:t>
-            </a:r>
-          </a:p>
-          <a:p>
-            <a:pPr lvl="3"/>
-            <a:r>
-              <a:rPr lang="en-US"/>
-              <a:t>Fourth level</a:t>
-            </a:r>
-          </a:p>
-          <a:p>
-            <a:pPr lvl="4"/>
-            <a:r>
-              <a:rPr lang="en-US"/>
-              <a:t>Fifth level</a:t>
-            </a:r>
-          </a:p>
-        </p:txBody>
-      </p:sp>
-      <p:sp>
-        <p:nvSpPr>
-          <p:cNvPr id="11" name="Content Placeholder 3">
-            <a:extLst>
-              <a:ext uri="{FF2B5EF4-FFF2-40B4-BE49-F238E27FC236}">
-                <a16:creationId xmlns:a16="http://schemas.microsoft.com/office/drawing/2014/main" id="{CB008E43-F727-4C47-9855-9440A412ACCB}"/>
-              </a:ext>
-            </a:extLst>
-          </p:cNvPr>
-          <p:cNvSpPr>
-            <a:spLocks noGrp="1"/>
-          </p:cNvSpPr>
-          <p:nvPr>
-            <p:ph sz="half" idx="2"/>
-          </p:nvPr>
-        </p:nvSpPr>
-        <p:spPr>
-          <a:xfrm>
-            <a:off x="6172199" y="1205548"/>
-            <a:ext cx="5727527" cy="5021670"/>
-          </a:xfrm>
-        </p:spPr>
-        <p:txBody>
-          <a:bodyPr/>
-          <a:lstStyle/>
-          <a:p>
-            <a:pPr lvl="0"/>
-            <a:r>
-              <a:rPr lang="en-US"/>
-              <a:t>Click to edit Master text styles</a:t>
-            </a:r>
-          </a:p>
-          <a:p>
-            <a:pPr lvl="1"/>
-            <a:r>
-              <a:rPr lang="en-US"/>
-              <a:t>Second level</a:t>
-            </a:r>
-          </a:p>
-          <a:p>
-            <a:pPr lvl="2"/>
-            <a:r>
-              <a:rPr lang="en-US"/>
-              <a:t>Third level</a:t>
-            </a:r>
-          </a:p>
-          <a:p>
-            <a:pPr lvl="3"/>
-            <a:r>
-              <a:rPr lang="en-US"/>
-              <a:t>Fourth level</a:t>
-            </a:r>
-          </a:p>
-          <a:p>
-            <a:pPr lvl="4"/>
-            <a:r>
-              <a:rPr lang="en-US"/>
-              <a:t>Fifth level</a:t>
-            </a:r>
-          </a:p>
-        </p:txBody>
-      </p:sp>
-      <p:sp>
-        <p:nvSpPr>
-          <p:cNvPr id="3" name="Text Placeholder 2">
-            <a:extLst>
-              <a:ext uri="{FF2B5EF4-FFF2-40B4-BE49-F238E27FC236}">
-                <a16:creationId xmlns:a16="http://schemas.microsoft.com/office/drawing/2014/main" id="{B6810FF5-0B9C-4441-B73D-B10146FB8996}"/>
-              </a:ext>
-            </a:extLst>
-          </p:cNvPr>
-          <p:cNvSpPr>
-            <a:spLocks noGrp="1"/>
-          </p:cNvSpPr>
-          <p:nvPr>
-            <p:ph type="body" sz="quarter" idx="13"/>
-          </p:nvPr>
-        </p:nvSpPr>
-        <p:spPr>
-          <a:xfrm>
-            <a:off x="250521" y="5781584"/>
-            <a:ext cx="5769279" cy="445634"/>
-          </a:xfrm>
-        </p:spPr>
-        <p:txBody>
-          <a:bodyPr/>
-          <a:lstStyle>
-            <a:lvl1pPr marL="0" indent="0">
-              <a:buFont typeface="Arial" panose="020B0604020202020204" pitchFamily="34" charset="0"/>
-              <a:buNone/>
-              <a:defRPr sz="1200"/>
-            </a:lvl1pPr>
-            <a:lvl2pPr marL="457200" indent="0">
-              <a:buFont typeface="Arial" panose="020B0604020202020204" pitchFamily="34" charset="0"/>
-              <a:buNone/>
-              <a:defRPr sz="1100"/>
-            </a:lvl2pPr>
-            <a:lvl3pPr marL="914400" indent="0">
-              <a:buFont typeface="Arial" panose="020B0604020202020204" pitchFamily="34" charset="0"/>
-              <a:buNone/>
-              <a:defRPr sz="1050"/>
-            </a:lvl3pPr>
-            <a:lvl4pPr marL="1371600" indent="0">
-              <a:buFont typeface="Arial" panose="020B0604020202020204" pitchFamily="34" charset="0"/>
-              <a:buNone/>
-              <a:defRPr sz="1000"/>
-            </a:lvl4pPr>
-            <a:lvl5pPr marL="1828800" indent="0">
-              <a:buFont typeface="Arial" panose="020B0604020202020204" pitchFamily="34" charset="0"/>
-              <a:buNone/>
-              <a:defRPr sz="1000"/>
-            </a:lvl5pPr>
-          </a:lstStyle>
-          <a:p>
-            <a:pPr lvl="0"/>
-            <a:r>
-              <a:rPr lang="en-US" dirty="0"/>
-              <a:t>Click to edit Master text styles</a:t>
-            </a:r>
-          </a:p>
-          <a:p>
-            <a:pPr lvl="1"/>
-            <a:r>
-              <a:rPr lang="en-US" dirty="0"/>
-              <a:t>Second level</a:t>
-            </a:r>
-          </a:p>
-          <a:p>
-            <a:pPr lvl="2"/>
-            <a:r>
-              <a:rPr lang="en-US" dirty="0"/>
-              <a:t>Third level</a:t>
-            </a:r>
-          </a:p>
-          <a:p>
-            <a:pPr lvl="3"/>
-            <a:r>
-              <a:rPr lang="en-US" dirty="0"/>
-              <a:t>Fourth level</a:t>
-            </a:r>
-          </a:p>
-          <a:p>
-            <a:pPr lvl="4"/>
-            <a:r>
-              <a:rPr lang="en-US" dirty="0"/>
-              <a:t>Fifth level</a:t>
-            </a:r>
-            <a:endParaRPr lang="en-CH" dirty="0"/>
-          </a:p>
-        </p:txBody>
-      </p:sp>
-    </p:spTree>
-    <p:extLst>
-      <p:ext uri="{BB962C8B-B14F-4D97-AF65-F5344CB8AC3E}">
-        <p14:creationId xmlns:p14="http://schemas.microsoft.com/office/powerpoint/2010/main" val="3059227006"/>
       </p:ext>
     </p:extLst>
   </p:cSld>
@@ -5135,7 +5443,7 @@
           <a:p>
             <a:fld id="{7B272C57-2FA0-4A9D-99A4-6F756B65018B}" type="datetimeFigureOut">
               <a:rPr lang="en-US" smtClean="0"/>
-              <a:t>1/7/2022</a:t>
+              <a:t>5/17/2022</a:t>
             </a:fld>
             <a:endParaRPr lang="en-US"/>
           </a:p>
@@ -5246,7 +5554,7 @@
           <p:nvPr userDrawn="1"/>
         </p:nvPicPr>
         <p:blipFill>
-          <a:blip r:embed="rId19"/>
+          <a:blip r:embed="rId20"/>
           <a:stretch>
             <a:fillRect/>
           </a:stretch>
@@ -5277,16 +5585,17 @@
     <p:sldLayoutId id="2147483665" r:id="rId5"/>
     <p:sldLayoutId id="2147483651" r:id="rId6"/>
     <p:sldLayoutId id="2147483652" r:id="rId7"/>
-    <p:sldLayoutId id="2147483661" r:id="rId8"/>
-    <p:sldLayoutId id="2147483662" r:id="rId9"/>
-    <p:sldLayoutId id="2147483663" r:id="rId10"/>
-    <p:sldLayoutId id="2147483653" r:id="rId11"/>
-    <p:sldLayoutId id="2147483654" r:id="rId12"/>
-    <p:sldLayoutId id="2147483655" r:id="rId13"/>
-    <p:sldLayoutId id="2147483656" r:id="rId14"/>
-    <p:sldLayoutId id="2147483657" r:id="rId15"/>
-    <p:sldLayoutId id="2147483658" r:id="rId16"/>
-    <p:sldLayoutId id="2147483659" r:id="rId17"/>
+    <p:sldLayoutId id="2147483666" r:id="rId8"/>
+    <p:sldLayoutId id="2147483661" r:id="rId9"/>
+    <p:sldLayoutId id="2147483662" r:id="rId10"/>
+    <p:sldLayoutId id="2147483663" r:id="rId11"/>
+    <p:sldLayoutId id="2147483653" r:id="rId12"/>
+    <p:sldLayoutId id="2147483654" r:id="rId13"/>
+    <p:sldLayoutId id="2147483655" r:id="rId14"/>
+    <p:sldLayoutId id="2147483656" r:id="rId15"/>
+    <p:sldLayoutId id="2147483657" r:id="rId16"/>
+    <p:sldLayoutId id="2147483658" r:id="rId17"/>
+    <p:sldLayoutId id="2147483659" r:id="rId18"/>
   </p:sldLayoutIdLst>
   <p:txStyles>
     <p:titleStyle>
@@ -5659,7 +5968,7 @@
               <a:rPr/>
               <a:t>IQR Objects
 Daniel Kaschek, IntiQuan
-2022-03-30</a:t>
+2022-05-17</a:t>
             </a:r>
           </a:p>
         </p:txBody>
@@ -5797,7 +6106,7 @@
           <a:p>
             <a:r>
               <a:rPr/>
-              <a:t>script_IQSlidedeck.R | Date: 2022-03-30 13:33:14</a:t>
+              <a:t>script_IQSlidedeck.R | Date: 2022-05-17 13:24:28</a:t>
             </a:r>
           </a:p>
         </p:txBody>
@@ -6165,7 +6474,7 @@
           <a:p>
             <a:r>
               <a:rPr/>
-              <a:t>script_IQSlidedeck.R | Date: 2022-03-30 13:33:15</a:t>
+              <a:t>script_IQSlidedeck.R | Date: 2022-05-17 13:24:29</a:t>
             </a:r>
           </a:p>
         </p:txBody>
@@ -6533,7 +6842,7 @@
           <a:p>
             <a:r>
               <a:rPr/>
-              <a:t>script_IQSlidedeck.R | Date: 2022-03-30 13:33:16</a:t>
+              <a:t>script_IQSlidedeck.R | Date: 2022-05-17 13:24:30</a:t>
             </a:r>
           </a:p>
         </p:txBody>
@@ -6585,7 +6894,7 @@
           <a:p>
             <a:r>
               <a:rPr/>
-              <a:t>Test IQR Objects</a:t>
+              <a:t>Layouts</a:t>
             </a:r>
           </a:p>
         </p:txBody>
@@ -6637,7 +6946,7 @@
           <a:p>
             <a:r>
               <a:rPr/>
-              <a:t>Plotting white noise (1)</a:t>
+              <a:t>Two Content Right Bigger</a:t>
             </a:r>
           </a:p>
         </p:txBody>
@@ -6655,243 +6964,22 @@
         <p:spPr>
           <a:xfrm>
             <a:off x="250521" y="1205547"/>
-            <a:ext cx="5769279" cy="4971416"/>
-          </a:xfrm>
-        </p:spPr>
-        <p:txBody>
-          <a:bodyPr/>
-          <a:lstStyle/>
-          <a:p>
-            <a:pPr/>
-            <a:r>
-              <a:rPr cap="none" i="0" b="0" u="none">
-                <a:solidFill>
-                  <a:srgbClr val="000000">
-                    <a:alpha val="100000"/>
-                  </a:srgbClr>
-                </a:solidFill>
-                <a:latin typeface="Calibri"/>
-                <a:cs typeface="Calibri"/>
-                <a:ea typeface="Calibri"/>
-                <a:sym typeface="Calibri"/>
-              </a:rPr>
-              <a:t>A list of ggplot objects was created</a:t>
-            </a:r>
-          </a:p>
-          <a:p>
-            <a:pPr/>
-            <a:r>
-              <a:rPr cap="none" i="0" b="0" u="none">
-                <a:solidFill>
-                  <a:srgbClr val="000000">
-                    <a:alpha val="100000"/>
-                  </a:srgbClr>
-                </a:solidFill>
-                <a:latin typeface="Calibri"/>
-                <a:cs typeface="Calibri"/>
-                <a:ea typeface="Calibri"/>
-                <a:sym typeface="Calibri"/>
-              </a:rPr>
-              <a:t>Called </a:t>
-            </a:r>
-            <a:r>
-              <a:rPr cap="none" i="0" b="1" u="none">
-                <a:solidFill>
-                  <a:srgbClr val="000000">
-                    <a:alpha val="100000"/>
-                  </a:srgbClr>
-                </a:solidFill>
-                <a:latin typeface="Consolas"/>
-                <a:cs typeface="Consolas"/>
-                <a:ea typeface="Consolas"/>
-                <a:sym typeface="Consolas"/>
-              </a:rPr>
-              <a:t>IQRoutputFigure</a:t>
-            </a:r>
-            <a:r>
-              <a:rPr cap="none" i="0" b="0" u="none">
-                <a:solidFill>
-                  <a:srgbClr val="000000">
-                    <a:alpha val="100000"/>
-                  </a:srgbClr>
-                </a:solidFill>
-                <a:latin typeface="Calibri"/>
-                <a:cs typeface="Calibri"/>
-                <a:ea typeface="Calibri"/>
-                <a:sym typeface="Calibri"/>
-              </a:rPr>
-              <a:t> with arguments </a:t>
-            </a:r>
-            <a:r>
-              <a:rPr cap="none" i="0" b="0" u="none">
-                <a:solidFill>
-                  <a:srgbClr val="000000">
-                    <a:alpha val="100000"/>
-                  </a:srgbClr>
-                </a:solidFill>
-                <a:latin typeface="Consolas"/>
-                <a:cs typeface="Consolas"/>
-                <a:ea typeface="Consolas"/>
-                <a:sym typeface="Consolas"/>
-              </a:rPr>
-              <a:t>nrow</a:t>
-            </a:r>
-            <a:r>
-              <a:rPr cap="none" i="0" b="0" u="none">
-                <a:solidFill>
-                  <a:srgbClr val="000000">
-                    <a:alpha val="100000"/>
-                  </a:srgbClr>
-                </a:solidFill>
-                <a:latin typeface="Calibri"/>
-                <a:cs typeface="Calibri"/>
-                <a:ea typeface="Calibri"/>
-                <a:sym typeface="Calibri"/>
-              </a:rPr>
-              <a:t>, </a:t>
-            </a:r>
-            <a:r>
-              <a:rPr cap="none" i="0" b="0" u="none">
-                <a:solidFill>
-                  <a:srgbClr val="000000">
-                    <a:alpha val="100000"/>
-                  </a:srgbClr>
-                </a:solidFill>
-                <a:latin typeface="Consolas"/>
-                <a:cs typeface="Consolas"/>
-                <a:ea typeface="Consolas"/>
-                <a:sym typeface="Consolas"/>
-              </a:rPr>
-              <a:t>ncol</a:t>
-            </a:r>
-            <a:r>
-              <a:rPr cap="none" i="0" b="0" u="none">
-                <a:solidFill>
-                  <a:srgbClr val="000000">
-                    <a:alpha val="100000"/>
-                  </a:srgbClr>
-                </a:solidFill>
-                <a:latin typeface="Calibri"/>
-                <a:cs typeface="Calibri"/>
-                <a:ea typeface="Calibri"/>
-                <a:sym typeface="Calibri"/>
-              </a:rPr>
-              <a:t>, </a:t>
-            </a:r>
-            <a:r>
-              <a:rPr cap="none" i="0" b="0" u="none">
-                <a:solidFill>
-                  <a:srgbClr val="000000">
-                    <a:alpha val="100000"/>
-                  </a:srgbClr>
-                </a:solidFill>
-                <a:latin typeface="Consolas"/>
-                <a:cs typeface="Consolas"/>
-                <a:ea typeface="Consolas"/>
-                <a:sym typeface="Consolas"/>
-              </a:rPr>
-              <a:t>footer</a:t>
-            </a:r>
-            <a:r>
-              <a:rPr cap="none" i="0" b="0" u="none">
-                <a:solidFill>
-                  <a:srgbClr val="000000">
-                    <a:alpha val="100000"/>
-                  </a:srgbClr>
-                </a:solidFill>
-                <a:latin typeface="Calibri"/>
-                <a:cs typeface="Calibri"/>
-                <a:ea typeface="Calibri"/>
-                <a:sym typeface="Calibri"/>
-              </a:rPr>
-              <a:t> and </a:t>
-            </a:r>
-            <a:r>
-              <a:rPr cap="none" i="0" b="0" u="none">
-                <a:solidFill>
-                  <a:srgbClr val="000000">
-                    <a:alpha val="100000"/>
-                  </a:srgbClr>
-                </a:solidFill>
-                <a:latin typeface="Consolas"/>
-                <a:cs typeface="Consolas"/>
-                <a:ea typeface="Consolas"/>
-                <a:sym typeface="Consolas"/>
-              </a:rPr>
-              <a:t>filename</a:t>
-            </a:r>
-          </a:p>
-          <a:p>
-            <a:pPr/>
-            <a:r>
-              <a:rPr cap="none" i="0" b="0" u="none">
-                <a:solidFill>
-                  <a:srgbClr val="000000">
-                    <a:alpha val="100000"/>
-                  </a:srgbClr>
-                </a:solidFill>
-                <a:latin typeface="Calibri"/>
-                <a:cs typeface="Calibri"/>
-                <a:ea typeface="Calibri"/>
-                <a:sym typeface="Calibri"/>
-              </a:rPr>
-              <a:t>Called </a:t>
-            </a:r>
-            <a:r>
-              <a:rPr cap="none" i="0" b="0" u="none">
-                <a:solidFill>
-                  <a:srgbClr val="000000">
-                    <a:alpha val="100000"/>
-                  </a:srgbClr>
-                </a:solidFill>
-                <a:latin typeface="Consolas"/>
-                <a:cs typeface="Consolas"/>
-                <a:ea typeface="Consolas"/>
-                <a:sym typeface="Consolas"/>
-              </a:rPr>
-              <a:t>IQRoutputPPTX</a:t>
-            </a:r>
-            <a:r>
-              <a:rPr cap="none" i="0" b="0" u="none">
-                <a:solidFill>
-                  <a:srgbClr val="000000">
-                    <a:alpha val="100000"/>
-                  </a:srgbClr>
-                </a:solidFill>
-                <a:latin typeface="Calibri"/>
-                <a:cs typeface="Calibri"/>
-                <a:ea typeface="Calibri"/>
-                <a:sym typeface="Calibri"/>
-              </a:rPr>
-              <a:t> with bullet point list and </a:t>
-            </a:r>
-            <a:r>
-              <a:rPr cap="none" i="0" b="0" u="none">
-                <a:solidFill>
-                  <a:srgbClr val="000000">
-                    <a:alpha val="100000"/>
-                  </a:srgbClr>
-                </a:solidFill>
-                <a:latin typeface="Consolas"/>
-                <a:cs typeface="Consolas"/>
-                <a:ea typeface="Consolas"/>
-                <a:sym typeface="Consolas"/>
-              </a:rPr>
-              <a:t>IQRoutputFigure</a:t>
-            </a:r>
-            <a:r>
-              <a:rPr cap="none" i="0" b="0" u="none">
-                <a:solidFill>
-                  <a:srgbClr val="000000">
-                    <a:alpha val="100000"/>
-                  </a:srgbClr>
-                </a:solidFill>
-                <a:latin typeface="Calibri"/>
-                <a:cs typeface="Calibri"/>
-                <a:ea typeface="Calibri"/>
-                <a:sym typeface="Calibri"/>
-              </a:rPr>
-              <a:t> object.</a:t>
+            <a:ext cx="2893512" cy="4971416"/>
+          </a:xfrm>
+        </p:spPr>
+        <p:txBody>
+          <a:bodyPr/>
+          <a:lstStyle/>
+          <a:p>
+            <a:r>
+              <a:rPr/>
+              <a:t>Cars data set from R datasets</a:t>
+            </a:r>
+          </a:p>
+          <a:p>
+            <a:r>
+              <a:rPr/>
+              <a:t>The data vie the speed of cars and distances taken to stop</a:t>
             </a:r>
           </a:p>
         </p:txBody>
@@ -6914,8 +7002,8 @@
         </p:blipFill>
         <p:spPr>
           <a:xfrm>
-            <a:off x="6172199" y="1205548"/>
-            <a:ext cx="5727527" cy="4446906"/>
+            <a:off x="3144033" y="1205547"/>
+            <a:ext cx="8755694" cy="4971416"/>
           </a:xfrm>
           <a:prstGeom prst="rect">
             <a:avLst/>
@@ -6924,34 +7012,7 @@
       </p:pic>
       <p:sp xmlns:a="http://schemas.openxmlformats.org/drawingml/2006/main" xmlns:r="http://schemas.openxmlformats.org/officeDocument/2006/relationships" xmlns:p="http://schemas.openxmlformats.org/presentationml/2006/main">
         <p:nvSpPr>
-          <p:cNvPr id="5" name="Text Placeholder 2"/>
-          <p:cNvSpPr>
-            <a:spLocks noGrp="1"/>
-          </p:cNvSpPr>
-          <p:nvPr>
-            <p:ph type="body" sz="quarter" idx="13"/>
-          </p:nvPr>
-        </p:nvSpPr>
-        <p:spPr>
-          <a:xfrm>
-            <a:off x="6172201" y="5731330"/>
-            <a:ext cx="5727526" cy="445634"/>
-          </a:xfrm>
-        </p:spPr>
-        <p:txBody>
-          <a:bodyPr/>
-          <a:lstStyle/>
-          <a:p>
-            <a:r>
-              <a:rPr/>
-              <a:t>File: ../Output/01_test/normal_distributions.pdf</a:t>
-            </a:r>
-          </a:p>
-        </p:txBody>
-      </p:sp>
-      <p:sp xmlns:a="http://schemas.openxmlformats.org/drawingml/2006/main" xmlns:r="http://schemas.openxmlformats.org/officeDocument/2006/relationships" xmlns:p="http://schemas.openxmlformats.org/presentationml/2006/main">
-        <p:nvSpPr>
-          <p:cNvPr id="6" name="Footer Placeholder 5"/>
+          <p:cNvPr id="5" name="Footer Placeholder 5"/>
           <p:cNvSpPr>
             <a:spLocks noGrp="1"/>
           </p:cNvSpPr>
@@ -6971,7 +7032,7 @@
           <a:p>
             <a:r>
               <a:rPr/>
-              <a:t>IQSlidedeck_IQRobjects.R | Date: 2022-03-30 13:33:43</a:t>
+              <a:t>script_IQSlidedeck.R | Date: 2022-05-17 13:24:38</a:t>
             </a:r>
           </a:p>
         </p:txBody>
@@ -7023,273 +7084,19 @@
           <a:p>
             <a:r>
               <a:rPr/>
-              <a:t>Plotting white noise (2)</a:t>
-            </a:r>
-          </a:p>
-        </p:txBody>
-      </p:sp>
-      <p:sp xmlns:a="http://schemas.openxmlformats.org/drawingml/2006/main" xmlns:r="http://schemas.openxmlformats.org/officeDocument/2006/relationships" xmlns:p="http://schemas.openxmlformats.org/presentationml/2006/main">
-        <p:nvSpPr>
-          <p:cNvPr id="3" name="Content Placeholder 2"/>
-          <p:cNvSpPr>
-            <a:spLocks noGrp="1"/>
-          </p:cNvSpPr>
-          <p:nvPr>
-            <p:ph sz="half" idx="1"/>
-          </p:nvPr>
-        </p:nvSpPr>
-        <p:spPr>
-          <a:xfrm>
-            <a:off x="250521" y="1205547"/>
-            <a:ext cx="5769279" cy="4971416"/>
-          </a:xfrm>
-        </p:spPr>
-        <p:txBody>
-          <a:bodyPr/>
-          <a:lstStyle/>
-          <a:p>
-            <a:pPr/>
-            <a:r>
-              <a:rPr cap="none" i="0" b="0" u="none">
-                <a:solidFill>
-                  <a:srgbClr val="000000">
-                    <a:alpha val="100000"/>
-                  </a:srgbClr>
-                </a:solidFill>
-                <a:latin typeface="Calibri"/>
-                <a:cs typeface="Calibri"/>
-                <a:ea typeface="Calibri"/>
-                <a:sym typeface="Calibri"/>
-              </a:rPr>
-              <a:t>A list of ggplot objects was created</a:t>
-            </a:r>
-          </a:p>
-          <a:p>
-            <a:pPr/>
-            <a:r>
-              <a:rPr cap="none" i="0" b="0" u="none">
-                <a:solidFill>
-                  <a:srgbClr val="000000">
-                    <a:alpha val="100000"/>
-                  </a:srgbClr>
-                </a:solidFill>
-                <a:latin typeface="Calibri"/>
-                <a:cs typeface="Calibri"/>
-                <a:ea typeface="Calibri"/>
-                <a:sym typeface="Calibri"/>
-              </a:rPr>
-              <a:t>Called </a:t>
-            </a:r>
-            <a:r>
-              <a:rPr cap="none" i="0" b="1" u="none">
-                <a:solidFill>
-                  <a:srgbClr val="000000">
-                    <a:alpha val="100000"/>
-                  </a:srgbClr>
-                </a:solidFill>
-                <a:latin typeface="Consolas"/>
-                <a:cs typeface="Consolas"/>
-                <a:ea typeface="Consolas"/>
-                <a:sym typeface="Consolas"/>
-              </a:rPr>
-              <a:t>IQRoutputFigure</a:t>
-            </a:r>
-            <a:r>
-              <a:rPr cap="none" i="0" b="0" u="none">
-                <a:solidFill>
-                  <a:srgbClr val="000000">
-                    <a:alpha val="100000"/>
-                  </a:srgbClr>
-                </a:solidFill>
-                <a:latin typeface="Calibri"/>
-                <a:cs typeface="Calibri"/>
-                <a:ea typeface="Calibri"/>
-                <a:sym typeface="Calibri"/>
-              </a:rPr>
-              <a:t> with arguments </a:t>
-            </a:r>
-            <a:r>
-              <a:rPr cap="none" i="0" b="0" u="none">
-                <a:solidFill>
-                  <a:srgbClr val="000000">
-                    <a:alpha val="100000"/>
-                  </a:srgbClr>
-                </a:solidFill>
-                <a:latin typeface="Consolas"/>
-                <a:cs typeface="Consolas"/>
-                <a:ea typeface="Consolas"/>
-                <a:sym typeface="Consolas"/>
-              </a:rPr>
-              <a:t>nrow</a:t>
-            </a:r>
-            <a:r>
-              <a:rPr cap="none" i="0" b="0" u="none">
-                <a:solidFill>
-                  <a:srgbClr val="000000">
-                    <a:alpha val="100000"/>
-                  </a:srgbClr>
-                </a:solidFill>
-                <a:latin typeface="Calibri"/>
-                <a:cs typeface="Calibri"/>
-                <a:ea typeface="Calibri"/>
-                <a:sym typeface="Calibri"/>
-              </a:rPr>
-              <a:t>, </a:t>
-            </a:r>
-            <a:r>
-              <a:rPr cap="none" i="0" b="0" u="none">
-                <a:solidFill>
-                  <a:srgbClr val="000000">
-                    <a:alpha val="100000"/>
-                  </a:srgbClr>
-                </a:solidFill>
-                <a:latin typeface="Consolas"/>
-                <a:cs typeface="Consolas"/>
-                <a:ea typeface="Consolas"/>
-                <a:sym typeface="Consolas"/>
-              </a:rPr>
-              <a:t>ncol</a:t>
-            </a:r>
-            <a:r>
-              <a:rPr cap="none" i="0" b="0" u="none">
-                <a:solidFill>
-                  <a:srgbClr val="000000">
-                    <a:alpha val="100000"/>
-                  </a:srgbClr>
-                </a:solidFill>
-                <a:latin typeface="Calibri"/>
-                <a:cs typeface="Calibri"/>
-                <a:ea typeface="Calibri"/>
-                <a:sym typeface="Calibri"/>
-              </a:rPr>
-              <a:t>, </a:t>
-            </a:r>
-            <a:r>
-              <a:rPr cap="none" i="0" b="0" u="none">
-                <a:solidFill>
-                  <a:srgbClr val="000000">
-                    <a:alpha val="100000"/>
-                  </a:srgbClr>
-                </a:solidFill>
-                <a:latin typeface="Consolas"/>
-                <a:cs typeface="Consolas"/>
-                <a:ea typeface="Consolas"/>
-                <a:sym typeface="Consolas"/>
-              </a:rPr>
-              <a:t>footer</a:t>
-            </a:r>
-            <a:r>
-              <a:rPr cap="none" i="0" b="0" u="none">
-                <a:solidFill>
-                  <a:srgbClr val="000000">
-                    <a:alpha val="100000"/>
-                  </a:srgbClr>
-                </a:solidFill>
-                <a:latin typeface="Calibri"/>
-                <a:cs typeface="Calibri"/>
-                <a:ea typeface="Calibri"/>
-                <a:sym typeface="Calibri"/>
-              </a:rPr>
-              <a:t> and </a:t>
-            </a:r>
-            <a:r>
-              <a:rPr cap="none" i="0" b="0" u="none">
-                <a:solidFill>
-                  <a:srgbClr val="000000">
-                    <a:alpha val="100000"/>
-                  </a:srgbClr>
-                </a:solidFill>
-                <a:latin typeface="Consolas"/>
-                <a:cs typeface="Consolas"/>
-                <a:ea typeface="Consolas"/>
-                <a:sym typeface="Consolas"/>
-              </a:rPr>
-              <a:t>filename</a:t>
-            </a:r>
-          </a:p>
-          <a:p>
-            <a:pPr/>
-            <a:r>
-              <a:rPr cap="none" i="0" b="0" u="none">
-                <a:solidFill>
-                  <a:srgbClr val="000000">
-                    <a:alpha val="100000"/>
-                  </a:srgbClr>
-                </a:solidFill>
-                <a:latin typeface="Calibri"/>
-                <a:cs typeface="Calibri"/>
-                <a:ea typeface="Calibri"/>
-                <a:sym typeface="Calibri"/>
-              </a:rPr>
-              <a:t>Called </a:t>
-            </a:r>
-            <a:r>
-              <a:rPr cap="none" i="0" b="0" u="none">
-                <a:solidFill>
-                  <a:srgbClr val="000000">
-                    <a:alpha val="100000"/>
-                  </a:srgbClr>
-                </a:solidFill>
-                <a:latin typeface="Consolas"/>
-                <a:cs typeface="Consolas"/>
-                <a:ea typeface="Consolas"/>
-                <a:sym typeface="Consolas"/>
-              </a:rPr>
-              <a:t>IQRoutputPPTX</a:t>
-            </a:r>
-            <a:r>
-              <a:rPr cap="none" i="0" b="0" u="none">
-                <a:solidFill>
-                  <a:srgbClr val="000000">
-                    <a:alpha val="100000"/>
-                  </a:srgbClr>
-                </a:solidFill>
-                <a:latin typeface="Calibri"/>
-                <a:cs typeface="Calibri"/>
-                <a:ea typeface="Calibri"/>
-                <a:sym typeface="Calibri"/>
-              </a:rPr>
-              <a:t> with bullet point list and </a:t>
-            </a:r>
-            <a:r>
-              <a:rPr cap="none" i="0" b="0" u="none">
-                <a:solidFill>
-                  <a:srgbClr val="000000">
-                    <a:alpha val="100000"/>
-                  </a:srgbClr>
-                </a:solidFill>
-                <a:latin typeface="Consolas"/>
-                <a:cs typeface="Consolas"/>
-                <a:ea typeface="Consolas"/>
-                <a:sym typeface="Consolas"/>
-              </a:rPr>
-              <a:t>IQRoutputFigure</a:t>
-            </a:r>
-            <a:r>
-              <a:rPr cap="none" i="0" b="0" u="none">
-                <a:solidFill>
-                  <a:srgbClr val="000000">
-                    <a:alpha val="100000"/>
-                  </a:srgbClr>
-                </a:solidFill>
-                <a:latin typeface="Calibri"/>
-                <a:cs typeface="Calibri"/>
-                <a:ea typeface="Calibri"/>
-                <a:sym typeface="Calibri"/>
-              </a:rPr>
-              <a:t> object.</a:t>
+              <a:t>Two Content Right Bigger</a:t>
             </a:r>
           </a:p>
         </p:txBody>
       </p:sp>
       <p:pic xmlns:a="http://schemas.openxmlformats.org/drawingml/2006/main" xmlns:r="http://schemas.openxmlformats.org/officeDocument/2006/relationships" xmlns:p="http://schemas.openxmlformats.org/presentationml/2006/main">
         <p:nvPicPr>
-          <p:cNvPr id="4" name="Content Placeholder 3" descr=""/>
+          <p:cNvPr id="3" name="Content Placeholder 2" descr=""/>
           <p:cNvPicPr>
             <a:picLocks noGrp="1"/>
           </p:cNvPicPr>
           <p:nvPr>
-            <p:ph sz="half" idx="2"/>
+            <p:ph sz="half" idx="1"/>
           </p:nvPr>
         </p:nvPicPr>
         <p:blipFill>
@@ -7300,44 +7107,43 @@
         </p:blipFill>
         <p:spPr>
           <a:xfrm>
-            <a:off x="6172199" y="1205548"/>
-            <a:ext cx="5727527" cy="4446906"/>
+            <a:off x="250521" y="1205547"/>
+            <a:ext cx="2893512" cy="4971416"/>
           </a:xfrm>
           <a:prstGeom prst="rect">
             <a:avLst/>
           </a:prstGeom>
         </p:spPr>
       </p:pic>
+      <p:pic xmlns:a="http://schemas.openxmlformats.org/drawingml/2006/main" xmlns:r="http://schemas.openxmlformats.org/officeDocument/2006/relationships" xmlns:p="http://schemas.openxmlformats.org/presentationml/2006/main">
+        <p:nvPicPr>
+          <p:cNvPr id="4" name="Content Placeholder 3" descr=""/>
+          <p:cNvPicPr>
+            <a:picLocks noGrp="1"/>
+          </p:cNvPicPr>
+          <p:nvPr>
+            <p:ph sz="half" idx="2"/>
+          </p:nvPr>
+        </p:nvPicPr>
+        <p:blipFill>
+          <a:blip cstate="print" r:embed="rId3"/>
+          <a:stretch>
+            <a:fillRect/>
+          </a:stretch>
+        </p:blipFill>
+        <p:spPr>
+          <a:xfrm>
+            <a:off x="3144033" y="1205547"/>
+            <a:ext cx="8755694" cy="4971416"/>
+          </a:xfrm>
+          <a:prstGeom prst="rect">
+            <a:avLst/>
+          </a:prstGeom>
+        </p:spPr>
+      </p:pic>
       <p:sp xmlns:a="http://schemas.openxmlformats.org/drawingml/2006/main" xmlns:r="http://schemas.openxmlformats.org/officeDocument/2006/relationships" xmlns:p="http://schemas.openxmlformats.org/presentationml/2006/main">
         <p:nvSpPr>
-          <p:cNvPr id="5" name="Text Placeholder 2"/>
-          <p:cNvSpPr>
-            <a:spLocks noGrp="1"/>
-          </p:cNvSpPr>
-          <p:nvPr>
-            <p:ph type="body" sz="quarter" idx="13"/>
-          </p:nvPr>
-        </p:nvSpPr>
-        <p:spPr>
-          <a:xfrm>
-            <a:off x="6172201" y="5731330"/>
-            <a:ext cx="5727526" cy="445634"/>
-          </a:xfrm>
-        </p:spPr>
-        <p:txBody>
-          <a:bodyPr/>
-          <a:lstStyle/>
-          <a:p>
-            <a:r>
-              <a:rPr/>
-              <a:t>File: ../Output/01_test/normal_distributions.pdf</a:t>
-            </a:r>
-          </a:p>
-        </p:txBody>
-      </p:sp>
-      <p:sp xmlns:a="http://schemas.openxmlformats.org/drawingml/2006/main" xmlns:r="http://schemas.openxmlformats.org/officeDocument/2006/relationships" xmlns:p="http://schemas.openxmlformats.org/presentationml/2006/main">
-        <p:nvSpPr>
-          <p:cNvPr id="6" name="Footer Placeholder 5"/>
+          <p:cNvPr id="5" name="Footer Placeholder 5"/>
           <p:cNvSpPr>
             <a:spLocks noGrp="1"/>
           </p:cNvSpPr>
@@ -7357,7 +7163,7 @@
           <a:p>
             <a:r>
               <a:rPr/>
-              <a:t>IQSlidedeck_IQRobjects.R | Date: 2022-03-30 13:33:43</a:t>
+              <a:t>script_IQSlidedeck.R | Date: 2022-05-17 13:24:38</a:t>
             </a:r>
           </a:p>
         </p:txBody>
@@ -7409,273 +7215,19 @@
           <a:p>
             <a:r>
               <a:rPr/>
-              <a:t>Plotting white noise (3)</a:t>
-            </a:r>
-          </a:p>
-        </p:txBody>
-      </p:sp>
-      <p:sp xmlns:a="http://schemas.openxmlformats.org/drawingml/2006/main" xmlns:r="http://schemas.openxmlformats.org/officeDocument/2006/relationships" xmlns:p="http://schemas.openxmlformats.org/presentationml/2006/main">
-        <p:nvSpPr>
-          <p:cNvPr id="3" name="Content Placeholder 2"/>
-          <p:cNvSpPr>
-            <a:spLocks noGrp="1"/>
-          </p:cNvSpPr>
-          <p:nvPr>
-            <p:ph sz="half" idx="1"/>
-          </p:nvPr>
-        </p:nvSpPr>
-        <p:spPr>
-          <a:xfrm>
-            <a:off x="250521" y="1205547"/>
-            <a:ext cx="5769279" cy="4971416"/>
-          </a:xfrm>
-        </p:spPr>
-        <p:txBody>
-          <a:bodyPr/>
-          <a:lstStyle/>
-          <a:p>
-            <a:pPr/>
-            <a:r>
-              <a:rPr cap="none" i="0" b="0" u="none">
-                <a:solidFill>
-                  <a:srgbClr val="000000">
-                    <a:alpha val="100000"/>
-                  </a:srgbClr>
-                </a:solidFill>
-                <a:latin typeface="Calibri"/>
-                <a:cs typeface="Calibri"/>
-                <a:ea typeface="Calibri"/>
-                <a:sym typeface="Calibri"/>
-              </a:rPr>
-              <a:t>A list of ggplot objects was created</a:t>
-            </a:r>
-          </a:p>
-          <a:p>
-            <a:pPr/>
-            <a:r>
-              <a:rPr cap="none" i="0" b="0" u="none">
-                <a:solidFill>
-                  <a:srgbClr val="000000">
-                    <a:alpha val="100000"/>
-                  </a:srgbClr>
-                </a:solidFill>
-                <a:latin typeface="Calibri"/>
-                <a:cs typeface="Calibri"/>
-                <a:ea typeface="Calibri"/>
-                <a:sym typeface="Calibri"/>
-              </a:rPr>
-              <a:t>Called </a:t>
-            </a:r>
-            <a:r>
-              <a:rPr cap="none" i="0" b="1" u="none">
-                <a:solidFill>
-                  <a:srgbClr val="000000">
-                    <a:alpha val="100000"/>
-                  </a:srgbClr>
-                </a:solidFill>
-                <a:latin typeface="Consolas"/>
-                <a:cs typeface="Consolas"/>
-                <a:ea typeface="Consolas"/>
-                <a:sym typeface="Consolas"/>
-              </a:rPr>
-              <a:t>IQRoutputFigure</a:t>
-            </a:r>
-            <a:r>
-              <a:rPr cap="none" i="0" b="0" u="none">
-                <a:solidFill>
-                  <a:srgbClr val="000000">
-                    <a:alpha val="100000"/>
-                  </a:srgbClr>
-                </a:solidFill>
-                <a:latin typeface="Calibri"/>
-                <a:cs typeface="Calibri"/>
-                <a:ea typeface="Calibri"/>
-                <a:sym typeface="Calibri"/>
-              </a:rPr>
-              <a:t> with arguments </a:t>
-            </a:r>
-            <a:r>
-              <a:rPr cap="none" i="0" b="0" u="none">
-                <a:solidFill>
-                  <a:srgbClr val="000000">
-                    <a:alpha val="100000"/>
-                  </a:srgbClr>
-                </a:solidFill>
-                <a:latin typeface="Consolas"/>
-                <a:cs typeface="Consolas"/>
-                <a:ea typeface="Consolas"/>
-                <a:sym typeface="Consolas"/>
-              </a:rPr>
-              <a:t>nrow</a:t>
-            </a:r>
-            <a:r>
-              <a:rPr cap="none" i="0" b="0" u="none">
-                <a:solidFill>
-                  <a:srgbClr val="000000">
-                    <a:alpha val="100000"/>
-                  </a:srgbClr>
-                </a:solidFill>
-                <a:latin typeface="Calibri"/>
-                <a:cs typeface="Calibri"/>
-                <a:ea typeface="Calibri"/>
-                <a:sym typeface="Calibri"/>
-              </a:rPr>
-              <a:t>, </a:t>
-            </a:r>
-            <a:r>
-              <a:rPr cap="none" i="0" b="0" u="none">
-                <a:solidFill>
-                  <a:srgbClr val="000000">
-                    <a:alpha val="100000"/>
-                  </a:srgbClr>
-                </a:solidFill>
-                <a:latin typeface="Consolas"/>
-                <a:cs typeface="Consolas"/>
-                <a:ea typeface="Consolas"/>
-                <a:sym typeface="Consolas"/>
-              </a:rPr>
-              <a:t>ncol</a:t>
-            </a:r>
-            <a:r>
-              <a:rPr cap="none" i="0" b="0" u="none">
-                <a:solidFill>
-                  <a:srgbClr val="000000">
-                    <a:alpha val="100000"/>
-                  </a:srgbClr>
-                </a:solidFill>
-                <a:latin typeface="Calibri"/>
-                <a:cs typeface="Calibri"/>
-                <a:ea typeface="Calibri"/>
-                <a:sym typeface="Calibri"/>
-              </a:rPr>
-              <a:t>, </a:t>
-            </a:r>
-            <a:r>
-              <a:rPr cap="none" i="0" b="0" u="none">
-                <a:solidFill>
-                  <a:srgbClr val="000000">
-                    <a:alpha val="100000"/>
-                  </a:srgbClr>
-                </a:solidFill>
-                <a:latin typeface="Consolas"/>
-                <a:cs typeface="Consolas"/>
-                <a:ea typeface="Consolas"/>
-                <a:sym typeface="Consolas"/>
-              </a:rPr>
-              <a:t>footer</a:t>
-            </a:r>
-            <a:r>
-              <a:rPr cap="none" i="0" b="0" u="none">
-                <a:solidFill>
-                  <a:srgbClr val="000000">
-                    <a:alpha val="100000"/>
-                  </a:srgbClr>
-                </a:solidFill>
-                <a:latin typeface="Calibri"/>
-                <a:cs typeface="Calibri"/>
-                <a:ea typeface="Calibri"/>
-                <a:sym typeface="Calibri"/>
-              </a:rPr>
-              <a:t> and </a:t>
-            </a:r>
-            <a:r>
-              <a:rPr cap="none" i="0" b="0" u="none">
-                <a:solidFill>
-                  <a:srgbClr val="000000">
-                    <a:alpha val="100000"/>
-                  </a:srgbClr>
-                </a:solidFill>
-                <a:latin typeface="Consolas"/>
-                <a:cs typeface="Consolas"/>
-                <a:ea typeface="Consolas"/>
-                <a:sym typeface="Consolas"/>
-              </a:rPr>
-              <a:t>filename</a:t>
-            </a:r>
-          </a:p>
-          <a:p>
-            <a:pPr/>
-            <a:r>
-              <a:rPr cap="none" i="0" b="0" u="none">
-                <a:solidFill>
-                  <a:srgbClr val="000000">
-                    <a:alpha val="100000"/>
-                  </a:srgbClr>
-                </a:solidFill>
-                <a:latin typeface="Calibri"/>
-                <a:cs typeface="Calibri"/>
-                <a:ea typeface="Calibri"/>
-                <a:sym typeface="Calibri"/>
-              </a:rPr>
-              <a:t>Called </a:t>
-            </a:r>
-            <a:r>
-              <a:rPr cap="none" i="0" b="0" u="none">
-                <a:solidFill>
-                  <a:srgbClr val="000000">
-                    <a:alpha val="100000"/>
-                  </a:srgbClr>
-                </a:solidFill>
-                <a:latin typeface="Consolas"/>
-                <a:cs typeface="Consolas"/>
-                <a:ea typeface="Consolas"/>
-                <a:sym typeface="Consolas"/>
-              </a:rPr>
-              <a:t>IQRoutputPPTX</a:t>
-            </a:r>
-            <a:r>
-              <a:rPr cap="none" i="0" b="0" u="none">
-                <a:solidFill>
-                  <a:srgbClr val="000000">
-                    <a:alpha val="100000"/>
-                  </a:srgbClr>
-                </a:solidFill>
-                <a:latin typeface="Calibri"/>
-                <a:cs typeface="Calibri"/>
-                <a:ea typeface="Calibri"/>
-                <a:sym typeface="Calibri"/>
-              </a:rPr>
-              <a:t> with bullet point list and </a:t>
-            </a:r>
-            <a:r>
-              <a:rPr cap="none" i="0" b="0" u="none">
-                <a:solidFill>
-                  <a:srgbClr val="000000">
-                    <a:alpha val="100000"/>
-                  </a:srgbClr>
-                </a:solidFill>
-                <a:latin typeface="Consolas"/>
-                <a:cs typeface="Consolas"/>
-                <a:ea typeface="Consolas"/>
-                <a:sym typeface="Consolas"/>
-              </a:rPr>
-              <a:t>IQRoutputFigure</a:t>
-            </a:r>
-            <a:r>
-              <a:rPr cap="none" i="0" b="0" u="none">
-                <a:solidFill>
-                  <a:srgbClr val="000000">
-                    <a:alpha val="100000"/>
-                  </a:srgbClr>
-                </a:solidFill>
-                <a:latin typeface="Calibri"/>
-                <a:cs typeface="Calibri"/>
-                <a:ea typeface="Calibri"/>
-                <a:sym typeface="Calibri"/>
-              </a:rPr>
-              <a:t> object.</a:t>
+              <a:t>Two Content Right Bigger</a:t>
             </a:r>
           </a:p>
         </p:txBody>
       </p:sp>
       <p:pic xmlns:a="http://schemas.openxmlformats.org/drawingml/2006/main" xmlns:r="http://schemas.openxmlformats.org/officeDocument/2006/relationships" xmlns:p="http://schemas.openxmlformats.org/presentationml/2006/main">
         <p:nvPicPr>
-          <p:cNvPr id="4" name="Content Placeholder 3" descr=""/>
+          <p:cNvPr id="3" name="Content Placeholder 2" descr=""/>
           <p:cNvPicPr>
             <a:picLocks noGrp="1"/>
           </p:cNvPicPr>
           <p:nvPr>
-            <p:ph sz="half" idx="2"/>
+            <p:ph sz="half" idx="1"/>
           </p:nvPr>
         </p:nvPicPr>
         <p:blipFill>
@@ -7686,8 +7238,8 @@
         </p:blipFill>
         <p:spPr>
           <a:xfrm>
-            <a:off x="6172199" y="1205548"/>
-            <a:ext cx="5727527" cy="4446906"/>
+            <a:off x="250521" y="1205547"/>
+            <a:ext cx="2893512" cy="4971416"/>
           </a:xfrm>
           <a:prstGeom prst="rect">
             <a:avLst/>
@@ -7696,34 +7248,62 @@
       </p:pic>
       <p:sp xmlns:a="http://schemas.openxmlformats.org/drawingml/2006/main" xmlns:r="http://schemas.openxmlformats.org/officeDocument/2006/relationships" xmlns:p="http://schemas.openxmlformats.org/presentationml/2006/main">
         <p:nvSpPr>
-          <p:cNvPr id="5" name="Text Placeholder 2"/>
-          <p:cNvSpPr>
-            <a:spLocks noGrp="1"/>
-          </p:cNvSpPr>
-          <p:nvPr>
-            <p:ph type="body" sz="quarter" idx="13"/>
-          </p:nvPr>
-        </p:nvSpPr>
-        <p:spPr>
-          <a:xfrm>
-            <a:off x="6172201" y="5731330"/>
-            <a:ext cx="5727526" cy="445634"/>
-          </a:xfrm>
-        </p:spPr>
-        <p:txBody>
-          <a:bodyPr/>
-          <a:lstStyle/>
-          <a:p>
-            <a:r>
-              <a:rPr/>
-              <a:t>File: ../Output/01_test/normal_distributions.pdf</a:t>
+          <p:cNvPr id="4" name="Content Placeholder 3"/>
+          <p:cNvSpPr>
+            <a:spLocks noGrp="1"/>
+          </p:cNvSpPr>
+          <p:nvPr>
+            <p:ph sz="half" idx="2"/>
+          </p:nvPr>
+        </p:nvSpPr>
+        <p:spPr>
+          <a:xfrm>
+            <a:off x="3144033" y="1205547"/>
+            <a:ext cx="8755694" cy="4971416"/>
+          </a:xfrm>
+        </p:spPr>
+        <p:txBody>
+          <a:bodyPr/>
+          <a:lstStyle/>
+          <a:p>
+            <a:pPr/>
+            <a:r>
+              <a:rPr cap="none" i="0" b="0" u="none">
+                <a:solidFill>
+                  <a:srgbClr val="000000">
+                    <a:alpha val="100000"/>
+                  </a:srgbClr>
+                </a:solidFill>
+                <a:latin typeface="Calibri"/>
+                <a:cs typeface="Calibri"/>
+                <a:ea typeface="Calibri"/>
+                <a:sym typeface="Calibri"/>
+              </a:rPr>
+              <a:t>Cars data set from R datasets</a:t>
+            </a:r>
+          </a:p>
+          <a:p>
+            <a:pPr/>
+            <a:r>
+              <a:rPr cap="none" i="0" b="0" u="none">
+                <a:solidFill>
+                  <a:srgbClr val="000000">
+                    <a:alpha val="100000"/>
+                  </a:srgbClr>
+                </a:solidFill>
+                <a:latin typeface="Calibri"/>
+                <a:cs typeface="Calibri"/>
+                <a:ea typeface="Calibri"/>
+                <a:sym typeface="Calibri"/>
+              </a:rPr>
+              <a:t>The data vie the speed of cars and distances taken to stop</a:t>
             </a:r>
           </a:p>
         </p:txBody>
       </p:sp>
       <p:sp xmlns:a="http://schemas.openxmlformats.org/drawingml/2006/main" xmlns:r="http://schemas.openxmlformats.org/officeDocument/2006/relationships" xmlns:p="http://schemas.openxmlformats.org/presentationml/2006/main">
         <p:nvSpPr>
-          <p:cNvPr id="6" name="Footer Placeholder 5"/>
+          <p:cNvPr id="5" name="Footer Placeholder 5"/>
           <p:cNvSpPr>
             <a:spLocks noGrp="1"/>
           </p:cNvSpPr>
@@ -7743,7 +7323,7 @@
           <a:p>
             <a:r>
               <a:rPr/>
-              <a:t>IQSlidedeck_IQRobjects.R | Date: 2022-03-30 13:33:43</a:t>
+              <a:t>script_IQSlidedeck.R | Date: 2022-05-17 13:24:38</a:t>
             </a:r>
           </a:p>
         </p:txBody>
@@ -7795,7 +7375,7 @@
           <a:p>
             <a:r>
               <a:rPr/>
-              <a:t>Well-known table</a:t>
+              <a:t>Two Content Right Bigger</a:t>
             </a:r>
           </a:p>
         </p:txBody>
@@ -7813,201 +7393,22 @@
         <p:spPr>
           <a:xfrm>
             <a:off x="250521" y="1205547"/>
-            <a:ext cx="5769279" cy="4971416"/>
-          </a:xfrm>
-        </p:spPr>
-        <p:txBody>
-          <a:bodyPr/>
-          <a:lstStyle/>
-          <a:p>
-            <a:pPr/>
-            <a:r>
-              <a:rPr cap="none" i="0" b="0" u="none">
-                <a:solidFill>
-                  <a:srgbClr val="000000">
-                    <a:alpha val="100000"/>
-                  </a:srgbClr>
-                </a:solidFill>
-                <a:latin typeface="Calibri"/>
-                <a:cs typeface="Calibri"/>
-                <a:ea typeface="Calibri"/>
-                <a:sym typeface="Calibri"/>
-              </a:rPr>
-              <a:t>Used well known standard data set </a:t>
-            </a:r>
-            <a:r>
-              <a:rPr cap="none" i="0" b="0" u="none">
-                <a:solidFill>
-                  <a:srgbClr val="000000">
-                    <a:alpha val="100000"/>
-                  </a:srgbClr>
-                </a:solidFill>
-                <a:latin typeface="Consolas"/>
-                <a:cs typeface="Consolas"/>
-                <a:ea typeface="Consolas"/>
-                <a:sym typeface="Consolas"/>
-              </a:rPr>
-              <a:t>mtcars</a:t>
-            </a:r>
-          </a:p>
-          <a:p>
-            <a:pPr/>
-            <a:r>
-              <a:rPr cap="none" i="0" b="0" u="none">
-                <a:solidFill>
-                  <a:srgbClr val="000000">
-                    <a:alpha val="100000"/>
-                  </a:srgbClr>
-                </a:solidFill>
-                <a:latin typeface="Calibri"/>
-                <a:cs typeface="Calibri"/>
-                <a:ea typeface="Calibri"/>
-                <a:sym typeface="Calibri"/>
-              </a:rPr>
-              <a:t>Applied </a:t>
-            </a:r>
-            <a:r>
-              <a:rPr cap="none" i="0" b="1" u="none">
-                <a:solidFill>
-                  <a:srgbClr val="000000">
-                    <a:alpha val="100000"/>
-                  </a:srgbClr>
-                </a:solidFill>
-                <a:latin typeface="Consolas"/>
-                <a:cs typeface="Consolas"/>
-                <a:ea typeface="Consolas"/>
-                <a:sym typeface="Consolas"/>
-              </a:rPr>
-              <a:t>IQRoutputTable</a:t>
-            </a:r>
-            <a:r>
-              <a:rPr cap="none" i="0" b="0" u="none">
-                <a:solidFill>
-                  <a:srgbClr val="000000">
-                    <a:alpha val="100000"/>
-                  </a:srgbClr>
-                </a:solidFill>
-                <a:latin typeface="Calibri"/>
-                <a:cs typeface="Calibri"/>
-                <a:ea typeface="Calibri"/>
-                <a:sym typeface="Calibri"/>
-              </a:rPr>
-              <a:t> with arguments </a:t>
-            </a:r>
-            <a:r>
-              <a:rPr cap="none" i="0" b="0" u="none">
-                <a:solidFill>
-                  <a:srgbClr val="000000">
-                    <a:alpha val="100000"/>
-                  </a:srgbClr>
-                </a:solidFill>
-                <a:latin typeface="Consolas"/>
-                <a:cs typeface="Consolas"/>
-                <a:ea typeface="Consolas"/>
-                <a:sym typeface="Consolas"/>
-              </a:rPr>
-              <a:t>xfooter</a:t>
-            </a:r>
-            <a:r>
-              <a:rPr cap="none" i="0" b="0" u="none">
-                <a:solidFill>
-                  <a:srgbClr val="000000">
-                    <a:alpha val="100000"/>
-                  </a:srgbClr>
-                </a:solidFill>
-                <a:latin typeface="Calibri"/>
-                <a:cs typeface="Calibri"/>
-                <a:ea typeface="Calibri"/>
-                <a:sym typeface="Calibri"/>
-              </a:rPr>
-              <a:t> and </a:t>
-            </a:r>
-            <a:r>
-              <a:rPr cap="none" i="0" b="0" u="none">
-                <a:solidFill>
-                  <a:srgbClr val="000000">
-                    <a:alpha val="100000"/>
-                  </a:srgbClr>
-                </a:solidFill>
-                <a:latin typeface="Consolas"/>
-                <a:cs typeface="Consolas"/>
-                <a:ea typeface="Consolas"/>
-                <a:sym typeface="Consolas"/>
-              </a:rPr>
-              <a:t>filename</a:t>
-            </a:r>
-          </a:p>
-          <a:p>
-            <a:pPr/>
-            <a:r>
-              <a:rPr cap="none" i="0" b="0" u="none">
-                <a:solidFill>
-                  <a:srgbClr val="000000">
-                    <a:alpha val="100000"/>
-                  </a:srgbClr>
-                </a:solidFill>
-                <a:latin typeface="Calibri"/>
-                <a:cs typeface="Calibri"/>
-                <a:ea typeface="Calibri"/>
-                <a:sym typeface="Calibri"/>
-              </a:rPr>
-              <a:t>Called </a:t>
-            </a:r>
-            <a:r>
-              <a:rPr cap="none" i="0" b="0" u="none">
-                <a:solidFill>
-                  <a:srgbClr val="000000">
-                    <a:alpha val="100000"/>
-                  </a:srgbClr>
-                </a:solidFill>
-                <a:latin typeface="Consolas"/>
-                <a:cs typeface="Consolas"/>
-                <a:ea typeface="Consolas"/>
-                <a:sym typeface="Consolas"/>
-              </a:rPr>
-              <a:t>IQRoutputPPTX</a:t>
-            </a:r>
-            <a:r>
-              <a:rPr cap="none" i="0" b="0" u="none">
-                <a:solidFill>
-                  <a:srgbClr val="000000">
-                    <a:alpha val="100000"/>
-                  </a:srgbClr>
-                </a:solidFill>
-                <a:latin typeface="Calibri"/>
-                <a:cs typeface="Calibri"/>
-                <a:ea typeface="Calibri"/>
-                <a:sym typeface="Calibri"/>
-              </a:rPr>
-              <a:t> with bullet point list and </a:t>
-            </a:r>
-            <a:r>
-              <a:rPr cap="none" i="0" b="0" u="none">
-                <a:solidFill>
-                  <a:srgbClr val="000000">
-                    <a:alpha val="100000"/>
-                  </a:srgbClr>
-                </a:solidFill>
-                <a:latin typeface="Consolas"/>
-                <a:cs typeface="Consolas"/>
-                <a:ea typeface="Consolas"/>
-                <a:sym typeface="Consolas"/>
-              </a:rPr>
-              <a:t>IQRoutputTable</a:t>
-            </a:r>
-            <a:r>
-              <a:rPr cap="none" i="0" b="0" u="none">
-                <a:solidFill>
-                  <a:srgbClr val="000000">
-                    <a:alpha val="100000"/>
-                  </a:srgbClr>
-                </a:solidFill>
-                <a:latin typeface="Calibri"/>
-                <a:cs typeface="Calibri"/>
-                <a:ea typeface="Calibri"/>
-                <a:sym typeface="Calibri"/>
-              </a:rPr>
-              <a:t> object</a:t>
+            <a:ext cx="2893512" cy="4971416"/>
+          </a:xfrm>
+        </p:spPr>
+        <p:txBody>
+          <a:bodyPr/>
+          <a:lstStyle/>
+          <a:p>
+            <a:r>
+              <a:rPr/>
+              <a:t>Cars data set from R datasets</a:t>
+            </a:r>
+          </a:p>
+          <a:p>
+            <a:r>
+              <a:rPr/>
+              <a:t>The data vie the speed of cars and distances taken to stop</a:t>
             </a:r>
           </a:p>
         </p:txBody>
@@ -8030,8 +7431,8 @@
         </p:blipFill>
         <p:spPr>
           <a:xfrm>
-            <a:off x="6172199" y="1205548"/>
-            <a:ext cx="5727527" cy="4446906"/>
+            <a:off x="3144033" y="1205547"/>
+            <a:ext cx="8755694" cy="4971416"/>
           </a:xfrm>
           <a:prstGeom prst="rect">
             <a:avLst/>
@@ -8040,35 +7441,7 @@
       </p:pic>
       <p:sp xmlns:a="http://schemas.openxmlformats.org/drawingml/2006/main" xmlns:r="http://schemas.openxmlformats.org/officeDocument/2006/relationships" xmlns:p="http://schemas.openxmlformats.org/presentationml/2006/main">
         <p:nvSpPr>
-          <p:cNvPr id="5" name="Text Placeholder 2"/>
-          <p:cNvSpPr>
-            <a:spLocks noGrp="1"/>
-          </p:cNvSpPr>
-          <p:nvPr>
-            <p:ph type="body" sz="quarter" idx="13"/>
-          </p:nvPr>
-        </p:nvSpPr>
-        <p:spPr>
-          <a:xfrm>
-            <a:off x="6172201" y="5731330"/>
-            <a:ext cx="5727526" cy="445634"/>
-          </a:xfrm>
-        </p:spPr>
-        <p:txBody>
-          <a:bodyPr/>
-          <a:lstStyle/>
-          <a:p>
-            <a:r>
-              <a:rPr/>
-              <a:t>See R datasets::mtcars
-File: ../Output/01_test/cars_table.txt</a:t>
-            </a:r>
-          </a:p>
-        </p:txBody>
-      </p:sp>
-      <p:sp xmlns:a="http://schemas.openxmlformats.org/drawingml/2006/main" xmlns:r="http://schemas.openxmlformats.org/officeDocument/2006/relationships" xmlns:p="http://schemas.openxmlformats.org/presentationml/2006/main">
-        <p:nvSpPr>
-          <p:cNvPr id="6" name="Footer Placeholder 5"/>
+          <p:cNvPr id="5" name="Footer Placeholder 5"/>
           <p:cNvSpPr>
             <a:spLocks noGrp="1"/>
           </p:cNvSpPr>
@@ -8088,7 +7461,7 @@
           <a:p>
             <a:r>
               <a:rPr/>
-              <a:t>IQSlidedeck_IQRobjects.R | Date: 2022-03-30 13:33:44</a:t>
+              <a:t>script_IQSlidedeck.R | Date: 2022-05-17 13:24:38</a:t>
             </a:r>
           </a:p>
         </p:txBody>
@@ -8130,8 +7503,8 @@
         </p:nvSpPr>
         <p:spPr>
           <a:xfrm>
-            <a:off x="0" y="0"/>
-            <a:ext cx="3600000" cy="6858000"/>
+            <a:off x="0" y="2212521"/>
+            <a:ext cx="8580329" cy="1506735"/>
           </a:xfrm>
         </p:spPr>
         <p:txBody>
@@ -8140,87 +7513,7 @@
           <a:p>
             <a:r>
               <a:rPr/>
-              <a:t>Plotting white noise and testing the wide title layout</a:t>
-            </a:r>
-          </a:p>
-        </p:txBody>
-      </p:sp>
-      <p:pic xmlns:a="http://schemas.openxmlformats.org/drawingml/2006/main" xmlns:r="http://schemas.openxmlformats.org/officeDocument/2006/relationships" xmlns:p="http://schemas.openxmlformats.org/presentationml/2006/main">
-        <p:nvPicPr>
-          <p:cNvPr id="3" name="Content Placeholder 2" descr=""/>
-          <p:cNvPicPr>
-            <a:picLocks noGrp="1"/>
-          </p:cNvPicPr>
-          <p:nvPr>
-            <p:ph idx="1"/>
-          </p:nvPr>
-        </p:nvPicPr>
-        <p:blipFill>
-          <a:blip cstate="print" r:embed="rId2"/>
-          <a:stretch>
-            <a:fillRect/>
-          </a:stretch>
-        </p:blipFill>
-        <p:spPr>
-          <a:xfrm>
-            <a:off x="3773103" y="136525"/>
-            <a:ext cx="8126624" cy="5570311"/>
-          </a:xfrm>
-          <a:prstGeom prst="rect">
-            <a:avLst/>
-          </a:prstGeom>
-        </p:spPr>
-      </p:pic>
-      <p:sp xmlns:a="http://schemas.openxmlformats.org/drawingml/2006/main" xmlns:r="http://schemas.openxmlformats.org/officeDocument/2006/relationships" xmlns:p="http://schemas.openxmlformats.org/presentationml/2006/main">
-        <p:nvSpPr>
-          <p:cNvPr id="4" name="Text Placeholder 8"/>
-          <p:cNvSpPr>
-            <a:spLocks noGrp="1"/>
-          </p:cNvSpPr>
-          <p:nvPr>
-            <p:ph type="body" sz="quarter" idx="13"/>
-          </p:nvPr>
-        </p:nvSpPr>
-        <p:spPr>
-          <a:xfrm>
-            <a:off x="3773101" y="5816374"/>
-            <a:ext cx="8126625" cy="365125"/>
-          </a:xfrm>
-        </p:spPr>
-        <p:txBody>
-          <a:bodyPr/>
-          <a:lstStyle/>
-          <a:p>
-            <a:r>
-              <a:rPr/>
-              <a:t>File: ../Output/01_test/subset_normal_distributions.pdf</a:t>
-            </a:r>
-          </a:p>
-        </p:txBody>
-      </p:sp>
-      <p:sp xmlns:a="http://schemas.openxmlformats.org/drawingml/2006/main" xmlns:r="http://schemas.openxmlformats.org/officeDocument/2006/relationships" xmlns:p="http://schemas.openxmlformats.org/presentationml/2006/main">
-        <p:nvSpPr>
-          <p:cNvPr id="5" name="Footer Placeholder 4"/>
-          <p:cNvSpPr>
-            <a:spLocks noGrp="1"/>
-          </p:cNvSpPr>
-          <p:nvPr>
-            <p:ph type="ftr" sz="quarter" idx="11"/>
-          </p:nvPr>
-        </p:nvSpPr>
-        <p:spPr>
-          <a:xfrm>
-            <a:off x="3773101" y="6356350"/>
-            <a:ext cx="6747312" cy="365125"/>
-          </a:xfrm>
-        </p:spPr>
-        <p:txBody>
-          <a:bodyPr/>
-          <a:lstStyle/>
-          <a:p>
-            <a:r>
-              <a:rPr/>
-              <a:t>IQSlidedeck_IQRobjects.R | Date: 2022-03-30 13:33:46</a:t>
+              <a:t>Test IQR Objects</a:t>
             </a:r>
           </a:p>
         </p:txBody>
@@ -8272,19 +7565,273 @@
           <a:p>
             <a:r>
               <a:rPr/>
-              <a:t>Cars data set</a:t>
+              <a:t>Plotting white noise (1)</a:t>
+            </a:r>
+          </a:p>
+        </p:txBody>
+      </p:sp>
+      <p:sp xmlns:a="http://schemas.openxmlformats.org/drawingml/2006/main" xmlns:r="http://schemas.openxmlformats.org/officeDocument/2006/relationships" xmlns:p="http://schemas.openxmlformats.org/presentationml/2006/main">
+        <p:nvSpPr>
+          <p:cNvPr id="3" name="Content Placeholder 2"/>
+          <p:cNvSpPr>
+            <a:spLocks noGrp="1"/>
+          </p:cNvSpPr>
+          <p:nvPr>
+            <p:ph sz="half" idx="1"/>
+          </p:nvPr>
+        </p:nvSpPr>
+        <p:spPr>
+          <a:xfrm>
+            <a:off x="250521" y="1205547"/>
+            <a:ext cx="5769279" cy="4971416"/>
+          </a:xfrm>
+        </p:spPr>
+        <p:txBody>
+          <a:bodyPr/>
+          <a:lstStyle/>
+          <a:p>
+            <a:pPr/>
+            <a:r>
+              <a:rPr cap="none" i="0" b="0" u="none">
+                <a:solidFill>
+                  <a:srgbClr val="000000">
+                    <a:alpha val="100000"/>
+                  </a:srgbClr>
+                </a:solidFill>
+                <a:latin typeface="Calibri"/>
+                <a:cs typeface="Calibri"/>
+                <a:ea typeface="Calibri"/>
+                <a:sym typeface="Calibri"/>
+              </a:rPr>
+              <a:t>A list of ggplot objects was created</a:t>
+            </a:r>
+          </a:p>
+          <a:p>
+            <a:pPr/>
+            <a:r>
+              <a:rPr cap="none" i="0" b="0" u="none">
+                <a:solidFill>
+                  <a:srgbClr val="000000">
+                    <a:alpha val="100000"/>
+                  </a:srgbClr>
+                </a:solidFill>
+                <a:latin typeface="Calibri"/>
+                <a:cs typeface="Calibri"/>
+                <a:ea typeface="Calibri"/>
+                <a:sym typeface="Calibri"/>
+              </a:rPr>
+              <a:t>Called </a:t>
+            </a:r>
+            <a:r>
+              <a:rPr cap="none" i="0" b="1" u="none">
+                <a:solidFill>
+                  <a:srgbClr val="000000">
+                    <a:alpha val="100000"/>
+                  </a:srgbClr>
+                </a:solidFill>
+                <a:latin typeface="Consolas"/>
+                <a:cs typeface="Consolas"/>
+                <a:ea typeface="Consolas"/>
+                <a:sym typeface="Consolas"/>
+              </a:rPr>
+              <a:t>IQRoutputFigure</a:t>
+            </a:r>
+            <a:r>
+              <a:rPr cap="none" i="0" b="0" u="none">
+                <a:solidFill>
+                  <a:srgbClr val="000000">
+                    <a:alpha val="100000"/>
+                  </a:srgbClr>
+                </a:solidFill>
+                <a:latin typeface="Calibri"/>
+                <a:cs typeface="Calibri"/>
+                <a:ea typeface="Calibri"/>
+                <a:sym typeface="Calibri"/>
+              </a:rPr>
+              <a:t> with arguments </a:t>
+            </a:r>
+            <a:r>
+              <a:rPr cap="none" i="0" b="0" u="none">
+                <a:solidFill>
+                  <a:srgbClr val="000000">
+                    <a:alpha val="100000"/>
+                  </a:srgbClr>
+                </a:solidFill>
+                <a:latin typeface="Consolas"/>
+                <a:cs typeface="Consolas"/>
+                <a:ea typeface="Consolas"/>
+                <a:sym typeface="Consolas"/>
+              </a:rPr>
+              <a:t>nrow</a:t>
+            </a:r>
+            <a:r>
+              <a:rPr cap="none" i="0" b="0" u="none">
+                <a:solidFill>
+                  <a:srgbClr val="000000">
+                    <a:alpha val="100000"/>
+                  </a:srgbClr>
+                </a:solidFill>
+                <a:latin typeface="Calibri"/>
+                <a:cs typeface="Calibri"/>
+                <a:ea typeface="Calibri"/>
+                <a:sym typeface="Calibri"/>
+              </a:rPr>
+              <a:t>, </a:t>
+            </a:r>
+            <a:r>
+              <a:rPr cap="none" i="0" b="0" u="none">
+                <a:solidFill>
+                  <a:srgbClr val="000000">
+                    <a:alpha val="100000"/>
+                  </a:srgbClr>
+                </a:solidFill>
+                <a:latin typeface="Consolas"/>
+                <a:cs typeface="Consolas"/>
+                <a:ea typeface="Consolas"/>
+                <a:sym typeface="Consolas"/>
+              </a:rPr>
+              <a:t>ncol</a:t>
+            </a:r>
+            <a:r>
+              <a:rPr cap="none" i="0" b="0" u="none">
+                <a:solidFill>
+                  <a:srgbClr val="000000">
+                    <a:alpha val="100000"/>
+                  </a:srgbClr>
+                </a:solidFill>
+                <a:latin typeface="Calibri"/>
+                <a:cs typeface="Calibri"/>
+                <a:ea typeface="Calibri"/>
+                <a:sym typeface="Calibri"/>
+              </a:rPr>
+              <a:t>, </a:t>
+            </a:r>
+            <a:r>
+              <a:rPr cap="none" i="0" b="0" u="none">
+                <a:solidFill>
+                  <a:srgbClr val="000000">
+                    <a:alpha val="100000"/>
+                  </a:srgbClr>
+                </a:solidFill>
+                <a:latin typeface="Consolas"/>
+                <a:cs typeface="Consolas"/>
+                <a:ea typeface="Consolas"/>
+                <a:sym typeface="Consolas"/>
+              </a:rPr>
+              <a:t>footer</a:t>
+            </a:r>
+            <a:r>
+              <a:rPr cap="none" i="0" b="0" u="none">
+                <a:solidFill>
+                  <a:srgbClr val="000000">
+                    <a:alpha val="100000"/>
+                  </a:srgbClr>
+                </a:solidFill>
+                <a:latin typeface="Calibri"/>
+                <a:cs typeface="Calibri"/>
+                <a:ea typeface="Calibri"/>
+                <a:sym typeface="Calibri"/>
+              </a:rPr>
+              <a:t> and </a:t>
+            </a:r>
+            <a:r>
+              <a:rPr cap="none" i="0" b="0" u="none">
+                <a:solidFill>
+                  <a:srgbClr val="000000">
+                    <a:alpha val="100000"/>
+                  </a:srgbClr>
+                </a:solidFill>
+                <a:latin typeface="Consolas"/>
+                <a:cs typeface="Consolas"/>
+                <a:ea typeface="Consolas"/>
+                <a:sym typeface="Consolas"/>
+              </a:rPr>
+              <a:t>filename</a:t>
+            </a:r>
+          </a:p>
+          <a:p>
+            <a:pPr/>
+            <a:r>
+              <a:rPr cap="none" i="0" b="0" u="none">
+                <a:solidFill>
+                  <a:srgbClr val="000000">
+                    <a:alpha val="100000"/>
+                  </a:srgbClr>
+                </a:solidFill>
+                <a:latin typeface="Calibri"/>
+                <a:cs typeface="Calibri"/>
+                <a:ea typeface="Calibri"/>
+                <a:sym typeface="Calibri"/>
+              </a:rPr>
+              <a:t>Called </a:t>
+            </a:r>
+            <a:r>
+              <a:rPr cap="none" i="0" b="0" u="none">
+                <a:solidFill>
+                  <a:srgbClr val="000000">
+                    <a:alpha val="100000"/>
+                  </a:srgbClr>
+                </a:solidFill>
+                <a:latin typeface="Consolas"/>
+                <a:cs typeface="Consolas"/>
+                <a:ea typeface="Consolas"/>
+                <a:sym typeface="Consolas"/>
+              </a:rPr>
+              <a:t>IQRoutputPPTX</a:t>
+            </a:r>
+            <a:r>
+              <a:rPr cap="none" i="0" b="0" u="none">
+                <a:solidFill>
+                  <a:srgbClr val="000000">
+                    <a:alpha val="100000"/>
+                  </a:srgbClr>
+                </a:solidFill>
+                <a:latin typeface="Calibri"/>
+                <a:cs typeface="Calibri"/>
+                <a:ea typeface="Calibri"/>
+                <a:sym typeface="Calibri"/>
+              </a:rPr>
+              <a:t> with bullet point list and </a:t>
+            </a:r>
+            <a:r>
+              <a:rPr cap="none" i="0" b="0" u="none">
+                <a:solidFill>
+                  <a:srgbClr val="000000">
+                    <a:alpha val="100000"/>
+                  </a:srgbClr>
+                </a:solidFill>
+                <a:latin typeface="Consolas"/>
+                <a:cs typeface="Consolas"/>
+                <a:ea typeface="Consolas"/>
+                <a:sym typeface="Consolas"/>
+              </a:rPr>
+              <a:t>IQRoutputFigure</a:t>
+            </a:r>
+            <a:r>
+              <a:rPr cap="none" i="0" b="0" u="none">
+                <a:solidFill>
+                  <a:srgbClr val="000000">
+                    <a:alpha val="100000"/>
+                  </a:srgbClr>
+                </a:solidFill>
+                <a:latin typeface="Calibri"/>
+                <a:cs typeface="Calibri"/>
+                <a:ea typeface="Calibri"/>
+                <a:sym typeface="Calibri"/>
+              </a:rPr>
+              <a:t> object.</a:t>
             </a:r>
           </a:p>
         </p:txBody>
       </p:sp>
       <p:pic xmlns:a="http://schemas.openxmlformats.org/drawingml/2006/main" xmlns:r="http://schemas.openxmlformats.org/officeDocument/2006/relationships" xmlns:p="http://schemas.openxmlformats.org/presentationml/2006/main">
         <p:nvPicPr>
-          <p:cNvPr id="3" name="Content Placeholder 2" descr=""/>
+          <p:cNvPr id="4" name="Content Placeholder 3" descr=""/>
           <p:cNvPicPr>
             <a:picLocks noGrp="1"/>
           </p:cNvPicPr>
           <p:nvPr>
-            <p:ph idx="1"/>
+            <p:ph sz="half" idx="2"/>
           </p:nvPr>
         </p:nvPicPr>
         <p:blipFill>
@@ -8295,8 +7842,8 @@
         </p:blipFill>
         <p:spPr>
           <a:xfrm>
-            <a:off x="250521" y="1227551"/>
-            <a:ext cx="11649206" cy="4479285"/>
+            <a:off x="6172199" y="1205548"/>
+            <a:ext cx="5727527" cy="4446906"/>
           </a:xfrm>
           <a:prstGeom prst="rect">
             <a:avLst/>
@@ -8305,7 +7852,7 @@
       </p:pic>
       <p:sp xmlns:a="http://schemas.openxmlformats.org/drawingml/2006/main" xmlns:r="http://schemas.openxmlformats.org/officeDocument/2006/relationships" xmlns:p="http://schemas.openxmlformats.org/presentationml/2006/main">
         <p:nvSpPr>
-          <p:cNvPr id="4" name="Text Placeholder 8"/>
+          <p:cNvPr id="5" name="Text Placeholder 2"/>
           <p:cNvSpPr>
             <a:spLocks noGrp="1"/>
           </p:cNvSpPr>
@@ -8315,8 +7862,8 @@
         </p:nvSpPr>
         <p:spPr>
           <a:xfrm>
-            <a:off x="250521" y="5816374"/>
-            <a:ext cx="11649206" cy="365125"/>
+            <a:off x="6172201" y="5731330"/>
+            <a:ext cx="5727526" cy="445634"/>
           </a:xfrm>
         </p:spPr>
         <p:txBody>
@@ -8325,15 +7872,14 @@
           <a:p>
             <a:r>
               <a:rPr/>
-              <a:t>See R datasets::mtcars
-File: ../Output/01_test/cars_table.txt</a:t>
+              <a:t>File: ../Output/01_test/normal_distributions.pdf</a:t>
             </a:r>
           </a:p>
         </p:txBody>
       </p:sp>
       <p:sp xmlns:a="http://schemas.openxmlformats.org/drawingml/2006/main" xmlns:r="http://schemas.openxmlformats.org/officeDocument/2006/relationships" xmlns:p="http://schemas.openxmlformats.org/presentationml/2006/main">
         <p:nvSpPr>
-          <p:cNvPr id="5" name="Footer Placeholder 4"/>
+          <p:cNvPr id="6" name="Footer Placeholder 5"/>
           <p:cNvSpPr>
             <a:spLocks noGrp="1"/>
           </p:cNvSpPr>
@@ -8353,7 +7899,7 @@
           <a:p>
             <a:r>
               <a:rPr/>
-              <a:t>IQSlidedeck_IQRobjects.R | Date: 2022-03-30 13:33:48</a:t>
+              <a:t>IQSlidedeck_IQRobjects.R | Date: 2022-05-17 13:25:20</a:t>
             </a:r>
           </a:p>
         </p:txBody>
@@ -8457,19 +8003,273 @@
           <a:p>
             <a:r>
               <a:rPr/>
-              <a:t/>
+              <a:t>Plotting white noise (2)</a:t>
+            </a:r>
+          </a:p>
+        </p:txBody>
+      </p:sp>
+      <p:sp xmlns:a="http://schemas.openxmlformats.org/drawingml/2006/main" xmlns:r="http://schemas.openxmlformats.org/officeDocument/2006/relationships" xmlns:p="http://schemas.openxmlformats.org/presentationml/2006/main">
+        <p:nvSpPr>
+          <p:cNvPr id="3" name="Content Placeholder 2"/>
+          <p:cNvSpPr>
+            <a:spLocks noGrp="1"/>
+          </p:cNvSpPr>
+          <p:nvPr>
+            <p:ph sz="half" idx="1"/>
+          </p:nvPr>
+        </p:nvSpPr>
+        <p:spPr>
+          <a:xfrm>
+            <a:off x="250521" y="1205547"/>
+            <a:ext cx="5769279" cy="4971416"/>
+          </a:xfrm>
+        </p:spPr>
+        <p:txBody>
+          <a:bodyPr/>
+          <a:lstStyle/>
+          <a:p>
+            <a:pPr/>
+            <a:r>
+              <a:rPr cap="none" i="0" b="0" u="none">
+                <a:solidFill>
+                  <a:srgbClr val="000000">
+                    <a:alpha val="100000"/>
+                  </a:srgbClr>
+                </a:solidFill>
+                <a:latin typeface="Calibri"/>
+                <a:cs typeface="Calibri"/>
+                <a:ea typeface="Calibri"/>
+                <a:sym typeface="Calibri"/>
+              </a:rPr>
+              <a:t>A list of ggplot objects was created</a:t>
+            </a:r>
+          </a:p>
+          <a:p>
+            <a:pPr/>
+            <a:r>
+              <a:rPr cap="none" i="0" b="0" u="none">
+                <a:solidFill>
+                  <a:srgbClr val="000000">
+                    <a:alpha val="100000"/>
+                  </a:srgbClr>
+                </a:solidFill>
+                <a:latin typeface="Calibri"/>
+                <a:cs typeface="Calibri"/>
+                <a:ea typeface="Calibri"/>
+                <a:sym typeface="Calibri"/>
+              </a:rPr>
+              <a:t>Called </a:t>
+            </a:r>
+            <a:r>
+              <a:rPr cap="none" i="0" b="1" u="none">
+                <a:solidFill>
+                  <a:srgbClr val="000000">
+                    <a:alpha val="100000"/>
+                  </a:srgbClr>
+                </a:solidFill>
+                <a:latin typeface="Consolas"/>
+                <a:cs typeface="Consolas"/>
+                <a:ea typeface="Consolas"/>
+                <a:sym typeface="Consolas"/>
+              </a:rPr>
+              <a:t>IQRoutputFigure</a:t>
+            </a:r>
+            <a:r>
+              <a:rPr cap="none" i="0" b="0" u="none">
+                <a:solidFill>
+                  <a:srgbClr val="000000">
+                    <a:alpha val="100000"/>
+                  </a:srgbClr>
+                </a:solidFill>
+                <a:latin typeface="Calibri"/>
+                <a:cs typeface="Calibri"/>
+                <a:ea typeface="Calibri"/>
+                <a:sym typeface="Calibri"/>
+              </a:rPr>
+              <a:t> with arguments </a:t>
+            </a:r>
+            <a:r>
+              <a:rPr cap="none" i="0" b="0" u="none">
+                <a:solidFill>
+                  <a:srgbClr val="000000">
+                    <a:alpha val="100000"/>
+                  </a:srgbClr>
+                </a:solidFill>
+                <a:latin typeface="Consolas"/>
+                <a:cs typeface="Consolas"/>
+                <a:ea typeface="Consolas"/>
+                <a:sym typeface="Consolas"/>
+              </a:rPr>
+              <a:t>nrow</a:t>
+            </a:r>
+            <a:r>
+              <a:rPr cap="none" i="0" b="0" u="none">
+                <a:solidFill>
+                  <a:srgbClr val="000000">
+                    <a:alpha val="100000"/>
+                  </a:srgbClr>
+                </a:solidFill>
+                <a:latin typeface="Calibri"/>
+                <a:cs typeface="Calibri"/>
+                <a:ea typeface="Calibri"/>
+                <a:sym typeface="Calibri"/>
+              </a:rPr>
+              <a:t>, </a:t>
+            </a:r>
+            <a:r>
+              <a:rPr cap="none" i="0" b="0" u="none">
+                <a:solidFill>
+                  <a:srgbClr val="000000">
+                    <a:alpha val="100000"/>
+                  </a:srgbClr>
+                </a:solidFill>
+                <a:latin typeface="Consolas"/>
+                <a:cs typeface="Consolas"/>
+                <a:ea typeface="Consolas"/>
+                <a:sym typeface="Consolas"/>
+              </a:rPr>
+              <a:t>ncol</a:t>
+            </a:r>
+            <a:r>
+              <a:rPr cap="none" i="0" b="0" u="none">
+                <a:solidFill>
+                  <a:srgbClr val="000000">
+                    <a:alpha val="100000"/>
+                  </a:srgbClr>
+                </a:solidFill>
+                <a:latin typeface="Calibri"/>
+                <a:cs typeface="Calibri"/>
+                <a:ea typeface="Calibri"/>
+                <a:sym typeface="Calibri"/>
+              </a:rPr>
+              <a:t>, </a:t>
+            </a:r>
+            <a:r>
+              <a:rPr cap="none" i="0" b="0" u="none">
+                <a:solidFill>
+                  <a:srgbClr val="000000">
+                    <a:alpha val="100000"/>
+                  </a:srgbClr>
+                </a:solidFill>
+                <a:latin typeface="Consolas"/>
+                <a:cs typeface="Consolas"/>
+                <a:ea typeface="Consolas"/>
+                <a:sym typeface="Consolas"/>
+              </a:rPr>
+              <a:t>footer</a:t>
+            </a:r>
+            <a:r>
+              <a:rPr cap="none" i="0" b="0" u="none">
+                <a:solidFill>
+                  <a:srgbClr val="000000">
+                    <a:alpha val="100000"/>
+                  </a:srgbClr>
+                </a:solidFill>
+                <a:latin typeface="Calibri"/>
+                <a:cs typeface="Calibri"/>
+                <a:ea typeface="Calibri"/>
+                <a:sym typeface="Calibri"/>
+              </a:rPr>
+              <a:t> and </a:t>
+            </a:r>
+            <a:r>
+              <a:rPr cap="none" i="0" b="0" u="none">
+                <a:solidFill>
+                  <a:srgbClr val="000000">
+                    <a:alpha val="100000"/>
+                  </a:srgbClr>
+                </a:solidFill>
+                <a:latin typeface="Consolas"/>
+                <a:cs typeface="Consolas"/>
+                <a:ea typeface="Consolas"/>
+                <a:sym typeface="Consolas"/>
+              </a:rPr>
+              <a:t>filename</a:t>
+            </a:r>
+          </a:p>
+          <a:p>
+            <a:pPr/>
+            <a:r>
+              <a:rPr cap="none" i="0" b="0" u="none">
+                <a:solidFill>
+                  <a:srgbClr val="000000">
+                    <a:alpha val="100000"/>
+                  </a:srgbClr>
+                </a:solidFill>
+                <a:latin typeface="Calibri"/>
+                <a:cs typeface="Calibri"/>
+                <a:ea typeface="Calibri"/>
+                <a:sym typeface="Calibri"/>
+              </a:rPr>
+              <a:t>Called </a:t>
+            </a:r>
+            <a:r>
+              <a:rPr cap="none" i="0" b="0" u="none">
+                <a:solidFill>
+                  <a:srgbClr val="000000">
+                    <a:alpha val="100000"/>
+                  </a:srgbClr>
+                </a:solidFill>
+                <a:latin typeface="Consolas"/>
+                <a:cs typeface="Consolas"/>
+                <a:ea typeface="Consolas"/>
+                <a:sym typeface="Consolas"/>
+              </a:rPr>
+              <a:t>IQRoutputPPTX</a:t>
+            </a:r>
+            <a:r>
+              <a:rPr cap="none" i="0" b="0" u="none">
+                <a:solidFill>
+                  <a:srgbClr val="000000">
+                    <a:alpha val="100000"/>
+                  </a:srgbClr>
+                </a:solidFill>
+                <a:latin typeface="Calibri"/>
+                <a:cs typeface="Calibri"/>
+                <a:ea typeface="Calibri"/>
+                <a:sym typeface="Calibri"/>
+              </a:rPr>
+              <a:t> with bullet point list and </a:t>
+            </a:r>
+            <a:r>
+              <a:rPr cap="none" i="0" b="0" u="none">
+                <a:solidFill>
+                  <a:srgbClr val="000000">
+                    <a:alpha val="100000"/>
+                  </a:srgbClr>
+                </a:solidFill>
+                <a:latin typeface="Consolas"/>
+                <a:cs typeface="Consolas"/>
+                <a:ea typeface="Consolas"/>
+                <a:sym typeface="Consolas"/>
+              </a:rPr>
+              <a:t>IQRoutputFigure</a:t>
+            </a:r>
+            <a:r>
+              <a:rPr cap="none" i="0" b="0" u="none">
+                <a:solidFill>
+                  <a:srgbClr val="000000">
+                    <a:alpha val="100000"/>
+                  </a:srgbClr>
+                </a:solidFill>
+                <a:latin typeface="Calibri"/>
+                <a:cs typeface="Calibri"/>
+                <a:ea typeface="Calibri"/>
+                <a:sym typeface="Calibri"/>
+              </a:rPr>
+              <a:t> object.</a:t>
             </a:r>
           </a:p>
         </p:txBody>
       </p:sp>
       <p:pic xmlns:a="http://schemas.openxmlformats.org/drawingml/2006/main" xmlns:r="http://schemas.openxmlformats.org/officeDocument/2006/relationships" xmlns:p="http://schemas.openxmlformats.org/presentationml/2006/main">
         <p:nvPicPr>
-          <p:cNvPr id="3" name="Content Placeholder 2" descr=""/>
+          <p:cNvPr id="4" name="Content Placeholder 3" descr=""/>
           <p:cNvPicPr>
             <a:picLocks noGrp="1"/>
           </p:cNvPicPr>
           <p:nvPr>
-            <p:ph sz="half" idx="1"/>
+            <p:ph sz="half" idx="2"/>
           </p:nvPr>
         </p:nvPicPr>
         <p:blipFill>
@@ -8480,6 +8280,1134 @@
         </p:blipFill>
         <p:spPr>
           <a:xfrm>
+            <a:off x="6172199" y="1205548"/>
+            <a:ext cx="5727527" cy="4446906"/>
+          </a:xfrm>
+          <a:prstGeom prst="rect">
+            <a:avLst/>
+          </a:prstGeom>
+        </p:spPr>
+      </p:pic>
+      <p:sp xmlns:a="http://schemas.openxmlformats.org/drawingml/2006/main" xmlns:r="http://schemas.openxmlformats.org/officeDocument/2006/relationships" xmlns:p="http://schemas.openxmlformats.org/presentationml/2006/main">
+        <p:nvSpPr>
+          <p:cNvPr id="5" name="Text Placeholder 2"/>
+          <p:cNvSpPr>
+            <a:spLocks noGrp="1"/>
+          </p:cNvSpPr>
+          <p:nvPr>
+            <p:ph type="body" sz="quarter" idx="13"/>
+          </p:nvPr>
+        </p:nvSpPr>
+        <p:spPr>
+          <a:xfrm>
+            <a:off x="6172201" y="5731330"/>
+            <a:ext cx="5727526" cy="445634"/>
+          </a:xfrm>
+        </p:spPr>
+        <p:txBody>
+          <a:bodyPr/>
+          <a:lstStyle/>
+          <a:p>
+            <a:r>
+              <a:rPr/>
+              <a:t>File: ../Output/01_test/normal_distributions.pdf</a:t>
+            </a:r>
+          </a:p>
+        </p:txBody>
+      </p:sp>
+      <p:sp xmlns:a="http://schemas.openxmlformats.org/drawingml/2006/main" xmlns:r="http://schemas.openxmlformats.org/officeDocument/2006/relationships" xmlns:p="http://schemas.openxmlformats.org/presentationml/2006/main">
+        <p:nvSpPr>
+          <p:cNvPr id="6" name="Footer Placeholder 5"/>
+          <p:cNvSpPr>
+            <a:spLocks noGrp="1"/>
+          </p:cNvSpPr>
+          <p:nvPr>
+            <p:ph type="ftr" sz="quarter" idx="11"/>
+          </p:nvPr>
+        </p:nvSpPr>
+        <p:spPr>
+          <a:xfrm>
+            <a:off x="3144033" y="6356350"/>
+            <a:ext cx="5842763" cy="365125"/>
+          </a:xfrm>
+        </p:spPr>
+        <p:txBody>
+          <a:bodyPr/>
+          <a:lstStyle/>
+          <a:p>
+            <a:r>
+              <a:rPr/>
+              <a:t>IQSlidedeck_IQRobjects.R | Date: 2022-05-17 13:25:20</a:t>
+            </a:r>
+          </a:p>
+        </p:txBody>
+      </p:sp>
+    </p:spTree>
+  </p:cSld>
+  <p:clrMapOvr>
+    <a:masterClrMapping/>
+  </p:clrMapOvr>
+</p:sld>
+</file>
+
+<file path=ppt/slides/slide21.xml><?xml version="1.0" encoding="utf-8"?>
+<p:sld xmlns:a="http://schemas.openxmlformats.org/drawingml/2006/main" xmlns:r="http://schemas.openxmlformats.org/officeDocument/2006/relationships" xmlns:p="http://schemas.openxmlformats.org/presentationml/2006/main">
+  <p:cSld>
+    <p:spTree>
+      <p:nvGrpSpPr>
+        <p:cNvPr id="1" name=""/>
+        <p:cNvGrpSpPr/>
+        <p:nvPr/>
+      </p:nvGrpSpPr>
+      <p:grpSpPr>
+        <a:xfrm>
+          <a:off x="0" y="0"/>
+          <a:ext cx="0" cy="0"/>
+          <a:chOff x="0" y="0"/>
+          <a:chExt cx="0" cy="0"/>
+        </a:xfrm>
+      </p:grpSpPr>
+      <p:sp xmlns:a="http://schemas.openxmlformats.org/drawingml/2006/main" xmlns:r="http://schemas.openxmlformats.org/officeDocument/2006/relationships" xmlns:p="http://schemas.openxmlformats.org/presentationml/2006/main">
+        <p:nvSpPr>
+          <p:cNvPr id="2" name="Title 1"/>
+          <p:cNvSpPr>
+            <a:spLocks noGrp="1"/>
+          </p:cNvSpPr>
+          <p:nvPr>
+            <p:ph type="title"/>
+          </p:nvPr>
+        </p:nvSpPr>
+        <p:spPr>
+          <a:xfrm>
+            <a:off x="0" y="0"/>
+            <a:ext cx="12192000" cy="1013635"/>
+          </a:xfrm>
+        </p:spPr>
+        <p:txBody>
+          <a:bodyPr/>
+          <a:lstStyle/>
+          <a:p>
+            <a:r>
+              <a:rPr/>
+              <a:t>Plotting white noise (3)</a:t>
+            </a:r>
+          </a:p>
+        </p:txBody>
+      </p:sp>
+      <p:sp xmlns:a="http://schemas.openxmlformats.org/drawingml/2006/main" xmlns:r="http://schemas.openxmlformats.org/officeDocument/2006/relationships" xmlns:p="http://schemas.openxmlformats.org/presentationml/2006/main">
+        <p:nvSpPr>
+          <p:cNvPr id="3" name="Content Placeholder 2"/>
+          <p:cNvSpPr>
+            <a:spLocks noGrp="1"/>
+          </p:cNvSpPr>
+          <p:nvPr>
+            <p:ph sz="half" idx="1"/>
+          </p:nvPr>
+        </p:nvSpPr>
+        <p:spPr>
+          <a:xfrm>
+            <a:off x="250521" y="1205547"/>
+            <a:ext cx="5769279" cy="4971416"/>
+          </a:xfrm>
+        </p:spPr>
+        <p:txBody>
+          <a:bodyPr/>
+          <a:lstStyle/>
+          <a:p>
+            <a:pPr/>
+            <a:r>
+              <a:rPr cap="none" i="0" b="0" u="none">
+                <a:solidFill>
+                  <a:srgbClr val="000000">
+                    <a:alpha val="100000"/>
+                  </a:srgbClr>
+                </a:solidFill>
+                <a:latin typeface="Calibri"/>
+                <a:cs typeface="Calibri"/>
+                <a:ea typeface="Calibri"/>
+                <a:sym typeface="Calibri"/>
+              </a:rPr>
+              <a:t>A list of ggplot objects was created</a:t>
+            </a:r>
+          </a:p>
+          <a:p>
+            <a:pPr/>
+            <a:r>
+              <a:rPr cap="none" i="0" b="0" u="none">
+                <a:solidFill>
+                  <a:srgbClr val="000000">
+                    <a:alpha val="100000"/>
+                  </a:srgbClr>
+                </a:solidFill>
+                <a:latin typeface="Calibri"/>
+                <a:cs typeface="Calibri"/>
+                <a:ea typeface="Calibri"/>
+                <a:sym typeface="Calibri"/>
+              </a:rPr>
+              <a:t>Called </a:t>
+            </a:r>
+            <a:r>
+              <a:rPr cap="none" i="0" b="1" u="none">
+                <a:solidFill>
+                  <a:srgbClr val="000000">
+                    <a:alpha val="100000"/>
+                  </a:srgbClr>
+                </a:solidFill>
+                <a:latin typeface="Consolas"/>
+                <a:cs typeface="Consolas"/>
+                <a:ea typeface="Consolas"/>
+                <a:sym typeface="Consolas"/>
+              </a:rPr>
+              <a:t>IQRoutputFigure</a:t>
+            </a:r>
+            <a:r>
+              <a:rPr cap="none" i="0" b="0" u="none">
+                <a:solidFill>
+                  <a:srgbClr val="000000">
+                    <a:alpha val="100000"/>
+                  </a:srgbClr>
+                </a:solidFill>
+                <a:latin typeface="Calibri"/>
+                <a:cs typeface="Calibri"/>
+                <a:ea typeface="Calibri"/>
+                <a:sym typeface="Calibri"/>
+              </a:rPr>
+              <a:t> with arguments </a:t>
+            </a:r>
+            <a:r>
+              <a:rPr cap="none" i="0" b="0" u="none">
+                <a:solidFill>
+                  <a:srgbClr val="000000">
+                    <a:alpha val="100000"/>
+                  </a:srgbClr>
+                </a:solidFill>
+                <a:latin typeface="Consolas"/>
+                <a:cs typeface="Consolas"/>
+                <a:ea typeface="Consolas"/>
+                <a:sym typeface="Consolas"/>
+              </a:rPr>
+              <a:t>nrow</a:t>
+            </a:r>
+            <a:r>
+              <a:rPr cap="none" i="0" b="0" u="none">
+                <a:solidFill>
+                  <a:srgbClr val="000000">
+                    <a:alpha val="100000"/>
+                  </a:srgbClr>
+                </a:solidFill>
+                <a:latin typeface="Calibri"/>
+                <a:cs typeface="Calibri"/>
+                <a:ea typeface="Calibri"/>
+                <a:sym typeface="Calibri"/>
+              </a:rPr>
+              <a:t>, </a:t>
+            </a:r>
+            <a:r>
+              <a:rPr cap="none" i="0" b="0" u="none">
+                <a:solidFill>
+                  <a:srgbClr val="000000">
+                    <a:alpha val="100000"/>
+                  </a:srgbClr>
+                </a:solidFill>
+                <a:latin typeface="Consolas"/>
+                <a:cs typeface="Consolas"/>
+                <a:ea typeface="Consolas"/>
+                <a:sym typeface="Consolas"/>
+              </a:rPr>
+              <a:t>ncol</a:t>
+            </a:r>
+            <a:r>
+              <a:rPr cap="none" i="0" b="0" u="none">
+                <a:solidFill>
+                  <a:srgbClr val="000000">
+                    <a:alpha val="100000"/>
+                  </a:srgbClr>
+                </a:solidFill>
+                <a:latin typeface="Calibri"/>
+                <a:cs typeface="Calibri"/>
+                <a:ea typeface="Calibri"/>
+                <a:sym typeface="Calibri"/>
+              </a:rPr>
+              <a:t>, </a:t>
+            </a:r>
+            <a:r>
+              <a:rPr cap="none" i="0" b="0" u="none">
+                <a:solidFill>
+                  <a:srgbClr val="000000">
+                    <a:alpha val="100000"/>
+                  </a:srgbClr>
+                </a:solidFill>
+                <a:latin typeface="Consolas"/>
+                <a:cs typeface="Consolas"/>
+                <a:ea typeface="Consolas"/>
+                <a:sym typeface="Consolas"/>
+              </a:rPr>
+              <a:t>footer</a:t>
+            </a:r>
+            <a:r>
+              <a:rPr cap="none" i="0" b="0" u="none">
+                <a:solidFill>
+                  <a:srgbClr val="000000">
+                    <a:alpha val="100000"/>
+                  </a:srgbClr>
+                </a:solidFill>
+                <a:latin typeface="Calibri"/>
+                <a:cs typeface="Calibri"/>
+                <a:ea typeface="Calibri"/>
+                <a:sym typeface="Calibri"/>
+              </a:rPr>
+              <a:t> and </a:t>
+            </a:r>
+            <a:r>
+              <a:rPr cap="none" i="0" b="0" u="none">
+                <a:solidFill>
+                  <a:srgbClr val="000000">
+                    <a:alpha val="100000"/>
+                  </a:srgbClr>
+                </a:solidFill>
+                <a:latin typeface="Consolas"/>
+                <a:cs typeface="Consolas"/>
+                <a:ea typeface="Consolas"/>
+                <a:sym typeface="Consolas"/>
+              </a:rPr>
+              <a:t>filename</a:t>
+            </a:r>
+          </a:p>
+          <a:p>
+            <a:pPr/>
+            <a:r>
+              <a:rPr cap="none" i="0" b="0" u="none">
+                <a:solidFill>
+                  <a:srgbClr val="000000">
+                    <a:alpha val="100000"/>
+                  </a:srgbClr>
+                </a:solidFill>
+                <a:latin typeface="Calibri"/>
+                <a:cs typeface="Calibri"/>
+                <a:ea typeface="Calibri"/>
+                <a:sym typeface="Calibri"/>
+              </a:rPr>
+              <a:t>Called </a:t>
+            </a:r>
+            <a:r>
+              <a:rPr cap="none" i="0" b="0" u="none">
+                <a:solidFill>
+                  <a:srgbClr val="000000">
+                    <a:alpha val="100000"/>
+                  </a:srgbClr>
+                </a:solidFill>
+                <a:latin typeface="Consolas"/>
+                <a:cs typeface="Consolas"/>
+                <a:ea typeface="Consolas"/>
+                <a:sym typeface="Consolas"/>
+              </a:rPr>
+              <a:t>IQRoutputPPTX</a:t>
+            </a:r>
+            <a:r>
+              <a:rPr cap="none" i="0" b="0" u="none">
+                <a:solidFill>
+                  <a:srgbClr val="000000">
+                    <a:alpha val="100000"/>
+                  </a:srgbClr>
+                </a:solidFill>
+                <a:latin typeface="Calibri"/>
+                <a:cs typeface="Calibri"/>
+                <a:ea typeface="Calibri"/>
+                <a:sym typeface="Calibri"/>
+              </a:rPr>
+              <a:t> with bullet point list and </a:t>
+            </a:r>
+            <a:r>
+              <a:rPr cap="none" i="0" b="0" u="none">
+                <a:solidFill>
+                  <a:srgbClr val="000000">
+                    <a:alpha val="100000"/>
+                  </a:srgbClr>
+                </a:solidFill>
+                <a:latin typeface="Consolas"/>
+                <a:cs typeface="Consolas"/>
+                <a:ea typeface="Consolas"/>
+                <a:sym typeface="Consolas"/>
+              </a:rPr>
+              <a:t>IQRoutputFigure</a:t>
+            </a:r>
+            <a:r>
+              <a:rPr cap="none" i="0" b="0" u="none">
+                <a:solidFill>
+                  <a:srgbClr val="000000">
+                    <a:alpha val="100000"/>
+                  </a:srgbClr>
+                </a:solidFill>
+                <a:latin typeface="Calibri"/>
+                <a:cs typeface="Calibri"/>
+                <a:ea typeface="Calibri"/>
+                <a:sym typeface="Calibri"/>
+              </a:rPr>
+              <a:t> object.</a:t>
+            </a:r>
+          </a:p>
+        </p:txBody>
+      </p:sp>
+      <p:pic xmlns:a="http://schemas.openxmlformats.org/drawingml/2006/main" xmlns:r="http://schemas.openxmlformats.org/officeDocument/2006/relationships" xmlns:p="http://schemas.openxmlformats.org/presentationml/2006/main">
+        <p:nvPicPr>
+          <p:cNvPr id="4" name="Content Placeholder 3" descr=""/>
+          <p:cNvPicPr>
+            <a:picLocks noGrp="1"/>
+          </p:cNvPicPr>
+          <p:nvPr>
+            <p:ph sz="half" idx="2"/>
+          </p:nvPr>
+        </p:nvPicPr>
+        <p:blipFill>
+          <a:blip cstate="print" r:embed="rId2"/>
+          <a:stretch>
+            <a:fillRect/>
+          </a:stretch>
+        </p:blipFill>
+        <p:spPr>
+          <a:xfrm>
+            <a:off x="6172199" y="1205548"/>
+            <a:ext cx="5727527" cy="4446906"/>
+          </a:xfrm>
+          <a:prstGeom prst="rect">
+            <a:avLst/>
+          </a:prstGeom>
+        </p:spPr>
+      </p:pic>
+      <p:sp xmlns:a="http://schemas.openxmlformats.org/drawingml/2006/main" xmlns:r="http://schemas.openxmlformats.org/officeDocument/2006/relationships" xmlns:p="http://schemas.openxmlformats.org/presentationml/2006/main">
+        <p:nvSpPr>
+          <p:cNvPr id="5" name="Text Placeholder 2"/>
+          <p:cNvSpPr>
+            <a:spLocks noGrp="1"/>
+          </p:cNvSpPr>
+          <p:nvPr>
+            <p:ph type="body" sz="quarter" idx="13"/>
+          </p:nvPr>
+        </p:nvSpPr>
+        <p:spPr>
+          <a:xfrm>
+            <a:off x="6172201" y="5731330"/>
+            <a:ext cx="5727526" cy="445634"/>
+          </a:xfrm>
+        </p:spPr>
+        <p:txBody>
+          <a:bodyPr/>
+          <a:lstStyle/>
+          <a:p>
+            <a:r>
+              <a:rPr/>
+              <a:t>File: ../Output/01_test/normal_distributions.pdf</a:t>
+            </a:r>
+          </a:p>
+        </p:txBody>
+      </p:sp>
+      <p:sp xmlns:a="http://schemas.openxmlformats.org/drawingml/2006/main" xmlns:r="http://schemas.openxmlformats.org/officeDocument/2006/relationships" xmlns:p="http://schemas.openxmlformats.org/presentationml/2006/main">
+        <p:nvSpPr>
+          <p:cNvPr id="6" name="Footer Placeholder 5"/>
+          <p:cNvSpPr>
+            <a:spLocks noGrp="1"/>
+          </p:cNvSpPr>
+          <p:nvPr>
+            <p:ph type="ftr" sz="quarter" idx="11"/>
+          </p:nvPr>
+        </p:nvSpPr>
+        <p:spPr>
+          <a:xfrm>
+            <a:off x="3144033" y="6356350"/>
+            <a:ext cx="5842763" cy="365125"/>
+          </a:xfrm>
+        </p:spPr>
+        <p:txBody>
+          <a:bodyPr/>
+          <a:lstStyle/>
+          <a:p>
+            <a:r>
+              <a:rPr/>
+              <a:t>IQSlidedeck_IQRobjects.R | Date: 2022-05-17 13:25:20</a:t>
+            </a:r>
+          </a:p>
+        </p:txBody>
+      </p:sp>
+    </p:spTree>
+  </p:cSld>
+  <p:clrMapOvr>
+    <a:masterClrMapping/>
+  </p:clrMapOvr>
+</p:sld>
+</file>
+
+<file path=ppt/slides/slide22.xml><?xml version="1.0" encoding="utf-8"?>
+<p:sld xmlns:a="http://schemas.openxmlformats.org/drawingml/2006/main" xmlns:r="http://schemas.openxmlformats.org/officeDocument/2006/relationships" xmlns:p="http://schemas.openxmlformats.org/presentationml/2006/main">
+  <p:cSld>
+    <p:spTree>
+      <p:nvGrpSpPr>
+        <p:cNvPr id="1" name=""/>
+        <p:cNvGrpSpPr/>
+        <p:nvPr/>
+      </p:nvGrpSpPr>
+      <p:grpSpPr>
+        <a:xfrm>
+          <a:off x="0" y="0"/>
+          <a:ext cx="0" cy="0"/>
+          <a:chOff x="0" y="0"/>
+          <a:chExt cx="0" cy="0"/>
+        </a:xfrm>
+      </p:grpSpPr>
+      <p:sp xmlns:a="http://schemas.openxmlformats.org/drawingml/2006/main" xmlns:r="http://schemas.openxmlformats.org/officeDocument/2006/relationships" xmlns:p="http://schemas.openxmlformats.org/presentationml/2006/main">
+        <p:nvSpPr>
+          <p:cNvPr id="2" name="Title 1"/>
+          <p:cNvSpPr>
+            <a:spLocks noGrp="1"/>
+          </p:cNvSpPr>
+          <p:nvPr>
+            <p:ph type="title"/>
+          </p:nvPr>
+        </p:nvSpPr>
+        <p:spPr>
+          <a:xfrm>
+            <a:off x="0" y="0"/>
+            <a:ext cx="12192000" cy="1013635"/>
+          </a:xfrm>
+        </p:spPr>
+        <p:txBody>
+          <a:bodyPr/>
+          <a:lstStyle/>
+          <a:p>
+            <a:r>
+              <a:rPr/>
+              <a:t>Well-known table</a:t>
+            </a:r>
+          </a:p>
+        </p:txBody>
+      </p:sp>
+      <p:sp xmlns:a="http://schemas.openxmlformats.org/drawingml/2006/main" xmlns:r="http://schemas.openxmlformats.org/officeDocument/2006/relationships" xmlns:p="http://schemas.openxmlformats.org/presentationml/2006/main">
+        <p:nvSpPr>
+          <p:cNvPr id="3" name="Content Placeholder 2"/>
+          <p:cNvSpPr>
+            <a:spLocks noGrp="1"/>
+          </p:cNvSpPr>
+          <p:nvPr>
+            <p:ph sz="half" idx="1"/>
+          </p:nvPr>
+        </p:nvSpPr>
+        <p:spPr>
+          <a:xfrm>
+            <a:off x="250521" y="1205547"/>
+            <a:ext cx="5769279" cy="4971416"/>
+          </a:xfrm>
+        </p:spPr>
+        <p:txBody>
+          <a:bodyPr/>
+          <a:lstStyle/>
+          <a:p>
+            <a:pPr/>
+            <a:r>
+              <a:rPr cap="none" i="0" b="0" u="none">
+                <a:solidFill>
+                  <a:srgbClr val="000000">
+                    <a:alpha val="100000"/>
+                  </a:srgbClr>
+                </a:solidFill>
+                <a:latin typeface="Calibri"/>
+                <a:cs typeface="Calibri"/>
+                <a:ea typeface="Calibri"/>
+                <a:sym typeface="Calibri"/>
+              </a:rPr>
+              <a:t>Used well known standard data set </a:t>
+            </a:r>
+            <a:r>
+              <a:rPr cap="none" i="0" b="0" u="none">
+                <a:solidFill>
+                  <a:srgbClr val="000000">
+                    <a:alpha val="100000"/>
+                  </a:srgbClr>
+                </a:solidFill>
+                <a:latin typeface="Consolas"/>
+                <a:cs typeface="Consolas"/>
+                <a:ea typeface="Consolas"/>
+                <a:sym typeface="Consolas"/>
+              </a:rPr>
+              <a:t>mtcars</a:t>
+            </a:r>
+          </a:p>
+          <a:p>
+            <a:pPr/>
+            <a:r>
+              <a:rPr cap="none" i="0" b="0" u="none">
+                <a:solidFill>
+                  <a:srgbClr val="000000">
+                    <a:alpha val="100000"/>
+                  </a:srgbClr>
+                </a:solidFill>
+                <a:latin typeface="Calibri"/>
+                <a:cs typeface="Calibri"/>
+                <a:ea typeface="Calibri"/>
+                <a:sym typeface="Calibri"/>
+              </a:rPr>
+              <a:t>Applied </a:t>
+            </a:r>
+            <a:r>
+              <a:rPr cap="none" i="0" b="1" u="none">
+                <a:solidFill>
+                  <a:srgbClr val="000000">
+                    <a:alpha val="100000"/>
+                  </a:srgbClr>
+                </a:solidFill>
+                <a:latin typeface="Consolas"/>
+                <a:cs typeface="Consolas"/>
+                <a:ea typeface="Consolas"/>
+                <a:sym typeface="Consolas"/>
+              </a:rPr>
+              <a:t>IQRoutputTable</a:t>
+            </a:r>
+            <a:r>
+              <a:rPr cap="none" i="0" b="0" u="none">
+                <a:solidFill>
+                  <a:srgbClr val="000000">
+                    <a:alpha val="100000"/>
+                  </a:srgbClr>
+                </a:solidFill>
+                <a:latin typeface="Calibri"/>
+                <a:cs typeface="Calibri"/>
+                <a:ea typeface="Calibri"/>
+                <a:sym typeface="Calibri"/>
+              </a:rPr>
+              <a:t> with arguments </a:t>
+            </a:r>
+            <a:r>
+              <a:rPr cap="none" i="0" b="0" u="none">
+                <a:solidFill>
+                  <a:srgbClr val="000000">
+                    <a:alpha val="100000"/>
+                  </a:srgbClr>
+                </a:solidFill>
+                <a:latin typeface="Consolas"/>
+                <a:cs typeface="Consolas"/>
+                <a:ea typeface="Consolas"/>
+                <a:sym typeface="Consolas"/>
+              </a:rPr>
+              <a:t>xfooter</a:t>
+            </a:r>
+            <a:r>
+              <a:rPr cap="none" i="0" b="0" u="none">
+                <a:solidFill>
+                  <a:srgbClr val="000000">
+                    <a:alpha val="100000"/>
+                  </a:srgbClr>
+                </a:solidFill>
+                <a:latin typeface="Calibri"/>
+                <a:cs typeface="Calibri"/>
+                <a:ea typeface="Calibri"/>
+                <a:sym typeface="Calibri"/>
+              </a:rPr>
+              <a:t> and </a:t>
+            </a:r>
+            <a:r>
+              <a:rPr cap="none" i="0" b="0" u="none">
+                <a:solidFill>
+                  <a:srgbClr val="000000">
+                    <a:alpha val="100000"/>
+                  </a:srgbClr>
+                </a:solidFill>
+                <a:latin typeface="Consolas"/>
+                <a:cs typeface="Consolas"/>
+                <a:ea typeface="Consolas"/>
+                <a:sym typeface="Consolas"/>
+              </a:rPr>
+              <a:t>filename</a:t>
+            </a:r>
+          </a:p>
+          <a:p>
+            <a:pPr/>
+            <a:r>
+              <a:rPr cap="none" i="0" b="0" u="none">
+                <a:solidFill>
+                  <a:srgbClr val="000000">
+                    <a:alpha val="100000"/>
+                  </a:srgbClr>
+                </a:solidFill>
+                <a:latin typeface="Calibri"/>
+                <a:cs typeface="Calibri"/>
+                <a:ea typeface="Calibri"/>
+                <a:sym typeface="Calibri"/>
+              </a:rPr>
+              <a:t>Called </a:t>
+            </a:r>
+            <a:r>
+              <a:rPr cap="none" i="0" b="0" u="none">
+                <a:solidFill>
+                  <a:srgbClr val="000000">
+                    <a:alpha val="100000"/>
+                  </a:srgbClr>
+                </a:solidFill>
+                <a:latin typeface="Consolas"/>
+                <a:cs typeface="Consolas"/>
+                <a:ea typeface="Consolas"/>
+                <a:sym typeface="Consolas"/>
+              </a:rPr>
+              <a:t>IQRoutputPPTX</a:t>
+            </a:r>
+            <a:r>
+              <a:rPr cap="none" i="0" b="0" u="none">
+                <a:solidFill>
+                  <a:srgbClr val="000000">
+                    <a:alpha val="100000"/>
+                  </a:srgbClr>
+                </a:solidFill>
+                <a:latin typeface="Calibri"/>
+                <a:cs typeface="Calibri"/>
+                <a:ea typeface="Calibri"/>
+                <a:sym typeface="Calibri"/>
+              </a:rPr>
+              <a:t> with bullet point list and </a:t>
+            </a:r>
+            <a:r>
+              <a:rPr cap="none" i="0" b="0" u="none">
+                <a:solidFill>
+                  <a:srgbClr val="000000">
+                    <a:alpha val="100000"/>
+                  </a:srgbClr>
+                </a:solidFill>
+                <a:latin typeface="Consolas"/>
+                <a:cs typeface="Consolas"/>
+                <a:ea typeface="Consolas"/>
+                <a:sym typeface="Consolas"/>
+              </a:rPr>
+              <a:t>IQRoutputTable</a:t>
+            </a:r>
+            <a:r>
+              <a:rPr cap="none" i="0" b="0" u="none">
+                <a:solidFill>
+                  <a:srgbClr val="000000">
+                    <a:alpha val="100000"/>
+                  </a:srgbClr>
+                </a:solidFill>
+                <a:latin typeface="Calibri"/>
+                <a:cs typeface="Calibri"/>
+                <a:ea typeface="Calibri"/>
+                <a:sym typeface="Calibri"/>
+              </a:rPr>
+              <a:t> object</a:t>
+            </a:r>
+          </a:p>
+        </p:txBody>
+      </p:sp>
+      <p:pic xmlns:a="http://schemas.openxmlformats.org/drawingml/2006/main" xmlns:r="http://schemas.openxmlformats.org/officeDocument/2006/relationships" xmlns:p="http://schemas.openxmlformats.org/presentationml/2006/main">
+        <p:nvPicPr>
+          <p:cNvPr id="4" name="Content Placeholder 3" descr=""/>
+          <p:cNvPicPr>
+            <a:picLocks noGrp="1"/>
+          </p:cNvPicPr>
+          <p:nvPr>
+            <p:ph sz="half" idx="2"/>
+          </p:nvPr>
+        </p:nvPicPr>
+        <p:blipFill>
+          <a:blip cstate="print" r:embed="rId2"/>
+          <a:stretch>
+            <a:fillRect/>
+          </a:stretch>
+        </p:blipFill>
+        <p:spPr>
+          <a:xfrm>
+            <a:off x="6172199" y="1205548"/>
+            <a:ext cx="5727527" cy="4446906"/>
+          </a:xfrm>
+          <a:prstGeom prst="rect">
+            <a:avLst/>
+          </a:prstGeom>
+        </p:spPr>
+      </p:pic>
+      <p:sp xmlns:a="http://schemas.openxmlformats.org/drawingml/2006/main" xmlns:r="http://schemas.openxmlformats.org/officeDocument/2006/relationships" xmlns:p="http://schemas.openxmlformats.org/presentationml/2006/main">
+        <p:nvSpPr>
+          <p:cNvPr id="5" name="Text Placeholder 2"/>
+          <p:cNvSpPr>
+            <a:spLocks noGrp="1"/>
+          </p:cNvSpPr>
+          <p:nvPr>
+            <p:ph type="body" sz="quarter" idx="13"/>
+          </p:nvPr>
+        </p:nvSpPr>
+        <p:spPr>
+          <a:xfrm>
+            <a:off x="6172201" y="5731330"/>
+            <a:ext cx="5727526" cy="445634"/>
+          </a:xfrm>
+        </p:spPr>
+        <p:txBody>
+          <a:bodyPr/>
+          <a:lstStyle/>
+          <a:p>
+            <a:r>
+              <a:rPr/>
+              <a:t>See R datasets::mtcars
+File: ../Output/01_test/cars_table.txt</a:t>
+            </a:r>
+          </a:p>
+        </p:txBody>
+      </p:sp>
+      <p:sp xmlns:a="http://schemas.openxmlformats.org/drawingml/2006/main" xmlns:r="http://schemas.openxmlformats.org/officeDocument/2006/relationships" xmlns:p="http://schemas.openxmlformats.org/presentationml/2006/main">
+        <p:nvSpPr>
+          <p:cNvPr id="6" name="Footer Placeholder 5"/>
+          <p:cNvSpPr>
+            <a:spLocks noGrp="1"/>
+          </p:cNvSpPr>
+          <p:nvPr>
+            <p:ph type="ftr" sz="quarter" idx="11"/>
+          </p:nvPr>
+        </p:nvSpPr>
+        <p:spPr>
+          <a:xfrm>
+            <a:off x="3144033" y="6356350"/>
+            <a:ext cx="5842763" cy="365125"/>
+          </a:xfrm>
+        </p:spPr>
+        <p:txBody>
+          <a:bodyPr/>
+          <a:lstStyle/>
+          <a:p>
+            <a:r>
+              <a:rPr/>
+              <a:t>IQSlidedeck_IQRobjects.R | Date: 2022-05-17 13:25:22</a:t>
+            </a:r>
+          </a:p>
+        </p:txBody>
+      </p:sp>
+    </p:spTree>
+  </p:cSld>
+  <p:clrMapOvr>
+    <a:masterClrMapping/>
+  </p:clrMapOvr>
+</p:sld>
+</file>
+
+<file path=ppt/slides/slide23.xml><?xml version="1.0" encoding="utf-8"?>
+<p:sld xmlns:a="http://schemas.openxmlformats.org/drawingml/2006/main" xmlns:r="http://schemas.openxmlformats.org/officeDocument/2006/relationships" xmlns:p="http://schemas.openxmlformats.org/presentationml/2006/main">
+  <p:cSld>
+    <p:spTree>
+      <p:nvGrpSpPr>
+        <p:cNvPr id="1" name=""/>
+        <p:cNvGrpSpPr/>
+        <p:nvPr/>
+      </p:nvGrpSpPr>
+      <p:grpSpPr>
+        <a:xfrm>
+          <a:off x="0" y="0"/>
+          <a:ext cx="0" cy="0"/>
+          <a:chOff x="0" y="0"/>
+          <a:chExt cx="0" cy="0"/>
+        </a:xfrm>
+      </p:grpSpPr>
+      <p:sp xmlns:a="http://schemas.openxmlformats.org/drawingml/2006/main" xmlns:r="http://schemas.openxmlformats.org/officeDocument/2006/relationships" xmlns:p="http://schemas.openxmlformats.org/presentationml/2006/main">
+        <p:nvSpPr>
+          <p:cNvPr id="2" name="Title 1"/>
+          <p:cNvSpPr>
+            <a:spLocks noGrp="1"/>
+          </p:cNvSpPr>
+          <p:nvPr>
+            <p:ph type="title"/>
+          </p:nvPr>
+        </p:nvSpPr>
+        <p:spPr>
+          <a:xfrm>
+            <a:off x="0" y="0"/>
+            <a:ext cx="3600000" cy="6858000"/>
+          </a:xfrm>
+        </p:spPr>
+        <p:txBody>
+          <a:bodyPr/>
+          <a:lstStyle/>
+          <a:p>
+            <a:r>
+              <a:rPr/>
+              <a:t>Plotting white noise and testing the wide title layout</a:t>
+            </a:r>
+          </a:p>
+        </p:txBody>
+      </p:sp>
+      <p:pic xmlns:a="http://schemas.openxmlformats.org/drawingml/2006/main" xmlns:r="http://schemas.openxmlformats.org/officeDocument/2006/relationships" xmlns:p="http://schemas.openxmlformats.org/presentationml/2006/main">
+        <p:nvPicPr>
+          <p:cNvPr id="3" name="Content Placeholder 2" descr=""/>
+          <p:cNvPicPr>
+            <a:picLocks noGrp="1"/>
+          </p:cNvPicPr>
+          <p:nvPr>
+            <p:ph idx="1"/>
+          </p:nvPr>
+        </p:nvPicPr>
+        <p:blipFill>
+          <a:blip cstate="print" r:embed="rId2"/>
+          <a:stretch>
+            <a:fillRect/>
+          </a:stretch>
+        </p:blipFill>
+        <p:spPr>
+          <a:xfrm>
+            <a:off x="3773103" y="136525"/>
+            <a:ext cx="8126624" cy="5570311"/>
+          </a:xfrm>
+          <a:prstGeom prst="rect">
+            <a:avLst/>
+          </a:prstGeom>
+        </p:spPr>
+      </p:pic>
+      <p:sp xmlns:a="http://schemas.openxmlformats.org/drawingml/2006/main" xmlns:r="http://schemas.openxmlformats.org/officeDocument/2006/relationships" xmlns:p="http://schemas.openxmlformats.org/presentationml/2006/main">
+        <p:nvSpPr>
+          <p:cNvPr id="4" name="Text Placeholder 8"/>
+          <p:cNvSpPr>
+            <a:spLocks noGrp="1"/>
+          </p:cNvSpPr>
+          <p:nvPr>
+            <p:ph type="body" sz="quarter" idx="13"/>
+          </p:nvPr>
+        </p:nvSpPr>
+        <p:spPr>
+          <a:xfrm>
+            <a:off x="3773101" y="5816374"/>
+            <a:ext cx="8126625" cy="365125"/>
+          </a:xfrm>
+        </p:spPr>
+        <p:txBody>
+          <a:bodyPr/>
+          <a:lstStyle/>
+          <a:p>
+            <a:r>
+              <a:rPr/>
+              <a:t>File: ../Output/01_test/subset_normal_distributions.pdf</a:t>
+            </a:r>
+          </a:p>
+        </p:txBody>
+      </p:sp>
+      <p:sp xmlns:a="http://schemas.openxmlformats.org/drawingml/2006/main" xmlns:r="http://schemas.openxmlformats.org/officeDocument/2006/relationships" xmlns:p="http://schemas.openxmlformats.org/presentationml/2006/main">
+        <p:nvSpPr>
+          <p:cNvPr id="5" name="Footer Placeholder 4"/>
+          <p:cNvSpPr>
+            <a:spLocks noGrp="1"/>
+          </p:cNvSpPr>
+          <p:nvPr>
+            <p:ph type="ftr" sz="quarter" idx="11"/>
+          </p:nvPr>
+        </p:nvSpPr>
+        <p:spPr>
+          <a:xfrm>
+            <a:off x="3773101" y="6356350"/>
+            <a:ext cx="6747312" cy="365125"/>
+          </a:xfrm>
+        </p:spPr>
+        <p:txBody>
+          <a:bodyPr/>
+          <a:lstStyle/>
+          <a:p>
+            <a:r>
+              <a:rPr/>
+              <a:t>IQSlidedeck_IQRobjects.R | Date: 2022-05-17 13:25:23</a:t>
+            </a:r>
+          </a:p>
+        </p:txBody>
+      </p:sp>
+    </p:spTree>
+  </p:cSld>
+  <p:clrMapOvr>
+    <a:masterClrMapping/>
+  </p:clrMapOvr>
+</p:sld>
+</file>
+
+<file path=ppt/slides/slide24.xml><?xml version="1.0" encoding="utf-8"?>
+<p:sld xmlns:a="http://schemas.openxmlformats.org/drawingml/2006/main" xmlns:r="http://schemas.openxmlformats.org/officeDocument/2006/relationships" xmlns:p="http://schemas.openxmlformats.org/presentationml/2006/main">
+  <p:cSld>
+    <p:spTree>
+      <p:nvGrpSpPr>
+        <p:cNvPr id="1" name=""/>
+        <p:cNvGrpSpPr/>
+        <p:nvPr/>
+      </p:nvGrpSpPr>
+      <p:grpSpPr>
+        <a:xfrm>
+          <a:off x="0" y="0"/>
+          <a:ext cx="0" cy="0"/>
+          <a:chOff x="0" y="0"/>
+          <a:chExt cx="0" cy="0"/>
+        </a:xfrm>
+      </p:grpSpPr>
+      <p:sp xmlns:a="http://schemas.openxmlformats.org/drawingml/2006/main" xmlns:r="http://schemas.openxmlformats.org/officeDocument/2006/relationships" xmlns:p="http://schemas.openxmlformats.org/presentationml/2006/main">
+        <p:nvSpPr>
+          <p:cNvPr id="2" name="Title 1"/>
+          <p:cNvSpPr>
+            <a:spLocks noGrp="1"/>
+          </p:cNvSpPr>
+          <p:nvPr>
+            <p:ph type="title"/>
+          </p:nvPr>
+        </p:nvSpPr>
+        <p:spPr>
+          <a:xfrm>
+            <a:off x="0" y="0"/>
+            <a:ext cx="12192000" cy="1013635"/>
+          </a:xfrm>
+        </p:spPr>
+        <p:txBody>
+          <a:bodyPr/>
+          <a:lstStyle/>
+          <a:p>
+            <a:r>
+              <a:rPr/>
+              <a:t>Cars data set</a:t>
+            </a:r>
+          </a:p>
+        </p:txBody>
+      </p:sp>
+      <p:pic xmlns:a="http://schemas.openxmlformats.org/drawingml/2006/main" xmlns:r="http://schemas.openxmlformats.org/officeDocument/2006/relationships" xmlns:p="http://schemas.openxmlformats.org/presentationml/2006/main">
+        <p:nvPicPr>
+          <p:cNvPr id="3" name="Content Placeholder 2" descr=""/>
+          <p:cNvPicPr>
+            <a:picLocks noGrp="1"/>
+          </p:cNvPicPr>
+          <p:nvPr>
+            <p:ph idx="1"/>
+          </p:nvPr>
+        </p:nvPicPr>
+        <p:blipFill>
+          <a:blip cstate="print" r:embed="rId2"/>
+          <a:stretch>
+            <a:fillRect/>
+          </a:stretch>
+        </p:blipFill>
+        <p:spPr>
+          <a:xfrm>
+            <a:off x="250521" y="1227551"/>
+            <a:ext cx="11649206" cy="4479285"/>
+          </a:xfrm>
+          <a:prstGeom prst="rect">
+            <a:avLst/>
+          </a:prstGeom>
+        </p:spPr>
+      </p:pic>
+      <p:sp xmlns:a="http://schemas.openxmlformats.org/drawingml/2006/main" xmlns:r="http://schemas.openxmlformats.org/officeDocument/2006/relationships" xmlns:p="http://schemas.openxmlformats.org/presentationml/2006/main">
+        <p:nvSpPr>
+          <p:cNvPr id="4" name="Text Placeholder 8"/>
+          <p:cNvSpPr>
+            <a:spLocks noGrp="1"/>
+          </p:cNvSpPr>
+          <p:nvPr>
+            <p:ph type="body" sz="quarter" idx="13"/>
+          </p:nvPr>
+        </p:nvSpPr>
+        <p:spPr>
+          <a:xfrm>
+            <a:off x="250521" y="5816374"/>
+            <a:ext cx="11649206" cy="365125"/>
+          </a:xfrm>
+        </p:spPr>
+        <p:txBody>
+          <a:bodyPr/>
+          <a:lstStyle/>
+          <a:p>
+            <a:r>
+              <a:rPr/>
+              <a:t>See R datasets::mtcars
+File: ../Output/01_test/cars_table.txt</a:t>
+            </a:r>
+          </a:p>
+        </p:txBody>
+      </p:sp>
+      <p:sp xmlns:a="http://schemas.openxmlformats.org/drawingml/2006/main" xmlns:r="http://schemas.openxmlformats.org/officeDocument/2006/relationships" xmlns:p="http://schemas.openxmlformats.org/presentationml/2006/main">
+        <p:nvSpPr>
+          <p:cNvPr id="5" name="Footer Placeholder 4"/>
+          <p:cNvSpPr>
+            <a:spLocks noGrp="1"/>
+          </p:cNvSpPr>
+          <p:nvPr>
+            <p:ph type="ftr" sz="quarter" idx="11"/>
+          </p:nvPr>
+        </p:nvSpPr>
+        <p:spPr>
+          <a:xfrm>
+            <a:off x="3144033" y="6356350"/>
+            <a:ext cx="5842763" cy="365125"/>
+          </a:xfrm>
+        </p:spPr>
+        <p:txBody>
+          <a:bodyPr/>
+          <a:lstStyle/>
+          <a:p>
+            <a:r>
+              <a:rPr/>
+              <a:t>IQSlidedeck_IQRobjects.R | Date: 2022-05-17 13:25:24</a:t>
+            </a:r>
+          </a:p>
+        </p:txBody>
+      </p:sp>
+    </p:spTree>
+  </p:cSld>
+  <p:clrMapOvr>
+    <a:masterClrMapping/>
+  </p:clrMapOvr>
+</p:sld>
+</file>
+
+<file path=ppt/slides/slide25.xml><?xml version="1.0" encoding="utf-8"?>
+<p:sld xmlns:a="http://schemas.openxmlformats.org/drawingml/2006/main" xmlns:r="http://schemas.openxmlformats.org/officeDocument/2006/relationships" xmlns:p="http://schemas.openxmlformats.org/presentationml/2006/main">
+  <p:cSld>
+    <p:spTree>
+      <p:nvGrpSpPr>
+        <p:cNvPr id="1" name=""/>
+        <p:cNvGrpSpPr/>
+        <p:nvPr/>
+      </p:nvGrpSpPr>
+      <p:grpSpPr>
+        <a:xfrm>
+          <a:off x="0" y="0"/>
+          <a:ext cx="0" cy="0"/>
+          <a:chOff x="0" y="0"/>
+          <a:chExt cx="0" cy="0"/>
+        </a:xfrm>
+      </p:grpSpPr>
+      <p:sp xmlns:a="http://schemas.openxmlformats.org/drawingml/2006/main" xmlns:r="http://schemas.openxmlformats.org/officeDocument/2006/relationships" xmlns:p="http://schemas.openxmlformats.org/presentationml/2006/main">
+        <p:nvSpPr>
+          <p:cNvPr id="2" name="Title 1"/>
+          <p:cNvSpPr>
+            <a:spLocks noGrp="1"/>
+          </p:cNvSpPr>
+          <p:nvPr>
+            <p:ph type="title"/>
+          </p:nvPr>
+        </p:nvSpPr>
+        <p:spPr>
+          <a:xfrm>
+            <a:off x="0" y="0"/>
+            <a:ext cx="12192000" cy="1013635"/>
+          </a:xfrm>
+        </p:spPr>
+        <p:txBody>
+          <a:bodyPr/>
+          <a:lstStyle/>
+          <a:p>
+            <a:r>
+              <a:rPr/>
+              <a:t/>
+            </a:r>
+          </a:p>
+        </p:txBody>
+      </p:sp>
+      <p:pic xmlns:a="http://schemas.openxmlformats.org/drawingml/2006/main" xmlns:r="http://schemas.openxmlformats.org/officeDocument/2006/relationships" xmlns:p="http://schemas.openxmlformats.org/presentationml/2006/main">
+        <p:nvPicPr>
+          <p:cNvPr id="3" name="Content Placeholder 2" descr=""/>
+          <p:cNvPicPr>
+            <a:picLocks noGrp="1"/>
+          </p:cNvPicPr>
+          <p:nvPr>
+            <p:ph sz="half" idx="1"/>
+          </p:nvPr>
+        </p:nvPicPr>
+        <p:blipFill>
+          <a:blip cstate="print" r:embed="rId2"/>
+          <a:stretch>
+            <a:fillRect/>
+          </a:stretch>
+        </p:blipFill>
+        <p:spPr>
+          <a:xfrm>
             <a:off x="250521" y="1205547"/>
             <a:ext cx="5769279" cy="4446906"/>
           </a:xfrm>
@@ -8590,7 +9518,7 @@
           <a:p>
             <a:r>
               <a:rPr/>
-              <a:t>IQSlidedeck_IQRobjects.R | Date: 2022-03-30 13:33:49</a:t>
+              <a:t>IQSlidedeck_IQRobjects.R | Date: 2022-05-17 13:25:25</a:t>
             </a:r>
           </a:p>
         </p:txBody>
@@ -8702,7 +9630,7 @@
           <a:p>
             <a:r>
               <a:rPr/>
-              <a:t>script_IQSlidedeck.R | Date: 2022-03-30 13:33:13</a:t>
+              <a:t>script_IQSlidedeck.R | Date: 2022-05-17 13:24:27</a:t>
             </a:r>
           </a:p>
         </p:txBody>
@@ -8919,7 +9847,7 @@
           <a:p>
             <a:r>
               <a:rPr/>
-              <a:t>script_IQSlidedeck.R | Date: 2022-03-30 13:33:13</a:t>
+              <a:t>script_IQSlidedeck.R | Date: 2022-05-17 13:24:27</a:t>
             </a:r>
           </a:p>
         </p:txBody>
@@ -9024,7 +9952,7 @@
           <a:p>
             <a:r>
               <a:rPr/>
-              <a:t>script_IQSlidedeck.R | Date: 2022-03-30 13:33:17</a:t>
+              <a:t>script_IQSlidedeck.R | Date: 2022-05-17 13:24:31</a:t>
             </a:r>
           </a:p>
         </p:txBody>
@@ -9129,7 +10057,7 @@
           <a:p>
             <a:r>
               <a:rPr/>
-              <a:t>script_IQSlidedeck.R | Date: 2022-03-30 13:33:18</a:t>
+              <a:t>script_IQSlidedeck.R | Date: 2022-05-17 13:24:32</a:t>
             </a:r>
           </a:p>
         </p:txBody>
@@ -9234,7 +10162,7 @@
           <a:p>
             <a:r>
               <a:rPr/>
-              <a:t>script_IQSlidedeck.R | Date: 2022-03-30 13:33:23</a:t>
+              <a:t>script_IQSlidedeck.R | Date: 2022-05-17 13:24:37</a:t>
             </a:r>
           </a:p>
         </p:txBody>

--- a/tests/testresults/script_IQSlidedeck_IQobjects_Default_16_9.pptx
+++ b/tests/testresults/script_IQSlidedeck_IQobjects_Default_16_9.pptx
@@ -6106,7 +6106,7 @@
           <a:p>
             <a:r>
               <a:rPr/>
-              <a:t>script_IQSlidedeck.R | Date: 2022-05-17 13:24:28</a:t>
+              <a:t>script_IQSlidedeck.R | Date: 2022-05-17 15:28:26</a:t>
             </a:r>
           </a:p>
         </p:txBody>
@@ -6474,7 +6474,7 @@
           <a:p>
             <a:r>
               <a:rPr/>
-              <a:t>script_IQSlidedeck.R | Date: 2022-05-17 13:24:29</a:t>
+              <a:t>script_IQSlidedeck.R | Date: 2022-05-17 15:28:27</a:t>
             </a:r>
           </a:p>
         </p:txBody>
@@ -6842,7 +6842,7 @@
           <a:p>
             <a:r>
               <a:rPr/>
-              <a:t>script_IQSlidedeck.R | Date: 2022-05-17 13:24:30</a:t>
+              <a:t>script_IQSlidedeck.R | Date: 2022-05-17 15:28:28</a:t>
             </a:r>
           </a:p>
         </p:txBody>
@@ -7032,7 +7032,7 @@
           <a:p>
             <a:r>
               <a:rPr/>
-              <a:t>script_IQSlidedeck.R | Date: 2022-05-17 13:24:38</a:t>
+              <a:t>script_IQSlidedeck.R | Date: 2022-05-17 15:28:35</a:t>
             </a:r>
           </a:p>
         </p:txBody>
@@ -7163,7 +7163,7 @@
           <a:p>
             <a:r>
               <a:rPr/>
-              <a:t>script_IQSlidedeck.R | Date: 2022-05-17 13:24:38</a:t>
+              <a:t>script_IQSlidedeck.R | Date: 2022-05-17 15:28:35</a:t>
             </a:r>
           </a:p>
         </p:txBody>
@@ -7323,7 +7323,7 @@
           <a:p>
             <a:r>
               <a:rPr/>
-              <a:t>script_IQSlidedeck.R | Date: 2022-05-17 13:24:38</a:t>
+              <a:t>script_IQSlidedeck.R | Date: 2022-05-17 15:28:35</a:t>
             </a:r>
           </a:p>
         </p:txBody>
@@ -7461,7 +7461,7 @@
           <a:p>
             <a:r>
               <a:rPr/>
-              <a:t>script_IQSlidedeck.R | Date: 2022-05-17 13:24:38</a:t>
+              <a:t>script_IQSlidedeck.R | Date: 2022-05-17 15:28:35</a:t>
             </a:r>
           </a:p>
         </p:txBody>
@@ -7899,7 +7899,7 @@
           <a:p>
             <a:r>
               <a:rPr/>
-              <a:t>IQSlidedeck_IQRobjects.R | Date: 2022-05-17 13:25:20</a:t>
+              <a:t>IQSlidedeck_IQRobjects.R | Date: 2022-05-17 15:28:55</a:t>
             </a:r>
           </a:p>
         </p:txBody>
@@ -8337,7 +8337,7 @@
           <a:p>
             <a:r>
               <a:rPr/>
-              <a:t>IQSlidedeck_IQRobjects.R | Date: 2022-05-17 13:25:20</a:t>
+              <a:t>IQSlidedeck_IQRobjects.R | Date: 2022-05-17 15:28:55</a:t>
             </a:r>
           </a:p>
         </p:txBody>
@@ -8723,7 +8723,7 @@
           <a:p>
             <a:r>
               <a:rPr/>
-              <a:t>IQSlidedeck_IQRobjects.R | Date: 2022-05-17 13:25:20</a:t>
+              <a:t>IQSlidedeck_IQRobjects.R | Date: 2022-05-17 15:28:55</a:t>
             </a:r>
           </a:p>
         </p:txBody>
@@ -9068,7 +9068,7 @@
           <a:p>
             <a:r>
               <a:rPr/>
-              <a:t>IQSlidedeck_IQRobjects.R | Date: 2022-05-17 13:25:22</a:t>
+              <a:t>IQSlidedeck_IQRobjects.R | Date: 2022-05-17 15:28:56</a:t>
             </a:r>
           </a:p>
         </p:txBody>
@@ -9200,7 +9200,7 @@
           <a:p>
             <a:r>
               <a:rPr/>
-              <a:t>IQSlidedeck_IQRobjects.R | Date: 2022-05-17 13:25:23</a:t>
+              <a:t>IQSlidedeck_IQRobjects.R | Date: 2022-05-17 15:28:58</a:t>
             </a:r>
           </a:p>
         </p:txBody>
@@ -9333,7 +9333,7 @@
           <a:p>
             <a:r>
               <a:rPr/>
-              <a:t>IQSlidedeck_IQRobjects.R | Date: 2022-05-17 13:25:24</a:t>
+              <a:t>IQSlidedeck_IQRobjects.R | Date: 2022-05-17 15:28:59</a:t>
             </a:r>
           </a:p>
         </p:txBody>
@@ -9518,7 +9518,7 @@
           <a:p>
             <a:r>
               <a:rPr/>
-              <a:t>IQSlidedeck_IQRobjects.R | Date: 2022-05-17 13:25:25</a:t>
+              <a:t>IQSlidedeck_IQRobjects.R | Date: 2022-05-17 15:29:00</a:t>
             </a:r>
           </a:p>
         </p:txBody>
@@ -9630,7 +9630,7 @@
           <a:p>
             <a:r>
               <a:rPr/>
-              <a:t>script_IQSlidedeck.R | Date: 2022-05-17 13:24:27</a:t>
+              <a:t>script_IQSlidedeck.R | Date: 2022-05-17 15:28:25</a:t>
             </a:r>
           </a:p>
         </p:txBody>
@@ -9847,7 +9847,7 @@
           <a:p>
             <a:r>
               <a:rPr/>
-              <a:t>script_IQSlidedeck.R | Date: 2022-05-17 13:24:27</a:t>
+              <a:t>script_IQSlidedeck.R | Date: 2022-05-17 15:28:25</a:t>
             </a:r>
           </a:p>
         </p:txBody>
@@ -9952,7 +9952,7 @@
           <a:p>
             <a:r>
               <a:rPr/>
-              <a:t>script_IQSlidedeck.R | Date: 2022-05-17 13:24:31</a:t>
+              <a:t>script_IQSlidedeck.R | Date: 2022-05-17 15:28:29</a:t>
             </a:r>
           </a:p>
         </p:txBody>
@@ -10057,7 +10057,7 @@
           <a:p>
             <a:r>
               <a:rPr/>
-              <a:t>script_IQSlidedeck.R | Date: 2022-05-17 13:24:32</a:t>
+              <a:t>script_IQSlidedeck.R | Date: 2022-05-17 15:28:30</a:t>
             </a:r>
           </a:p>
         </p:txBody>
@@ -10162,7 +10162,7 @@
           <a:p>
             <a:r>
               <a:rPr/>
-              <a:t>script_IQSlidedeck.R | Date: 2022-05-17 13:24:37</a:t>
+              <a:t>script_IQSlidedeck.R | Date: 2022-05-17 15:28:34</a:t>
             </a:r>
           </a:p>
         </p:txBody>

--- a/tests/testresults/script_IQSlidedeck_IQobjects_Default_16_9.pptx
+++ b/tests/testresults/script_IQSlidedeck_IQobjects_Default_16_9.pptx
@@ -5966,9 +5966,9 @@
           <a:p>
             <a:r>
               <a:rPr/>
-              <a:t>IQR Objects
+              <a:t>IQR Objects (non-QCed)
 Daniel Kaschek, IntiQuan
-2022-05-17</a:t>
+2023-12-22</a:t>
             </a:r>
           </a:p>
         </p:txBody>
@@ -6106,7 +6106,7 @@
           <a:p>
             <a:r>
               <a:rPr/>
-              <a:t>script_IQSlidedeck.R | Date: 2022-05-17 15:28:26</a:t>
+              <a:t>script_IQSlidedeck.R | Date: 2023-12-22 14:50:27</a:t>
             </a:r>
           </a:p>
         </p:txBody>
@@ -6474,7 +6474,7 @@
           <a:p>
             <a:r>
               <a:rPr/>
-              <a:t>script_IQSlidedeck.R | Date: 2022-05-17 15:28:27</a:t>
+              <a:t>script_IQSlidedeck.R | Date: 2023-12-22 14:50:28</a:t>
             </a:r>
           </a:p>
         </p:txBody>
@@ -6842,7 +6842,7 @@
           <a:p>
             <a:r>
               <a:rPr/>
-              <a:t>script_IQSlidedeck.R | Date: 2022-05-17 15:28:28</a:t>
+              <a:t>script_IQSlidedeck.R | Date: 2023-12-22 14:50:30</a:t>
             </a:r>
           </a:p>
         </p:txBody>
@@ -7032,7 +7032,7 @@
           <a:p>
             <a:r>
               <a:rPr/>
-              <a:t>script_IQSlidedeck.R | Date: 2022-05-17 15:28:35</a:t>
+              <a:t>script_IQSlidedeck.R | Date: 2023-12-22 14:50:39</a:t>
             </a:r>
           </a:p>
         </p:txBody>
@@ -7163,7 +7163,7 @@
           <a:p>
             <a:r>
               <a:rPr/>
-              <a:t>script_IQSlidedeck.R | Date: 2022-05-17 15:28:35</a:t>
+              <a:t>script_IQSlidedeck.R | Date: 2023-12-22 14:50:39</a:t>
             </a:r>
           </a:p>
         </p:txBody>
@@ -7323,7 +7323,7 @@
           <a:p>
             <a:r>
               <a:rPr/>
-              <a:t>script_IQSlidedeck.R | Date: 2022-05-17 15:28:35</a:t>
+              <a:t>script_IQSlidedeck.R | Date: 2023-12-22 14:50:39</a:t>
             </a:r>
           </a:p>
         </p:txBody>
@@ -7461,7 +7461,7 @@
           <a:p>
             <a:r>
               <a:rPr/>
-              <a:t>script_IQSlidedeck.R | Date: 2022-05-17 15:28:35</a:t>
+              <a:t>script_IQSlidedeck.R | Date: 2023-12-22 14:50:39</a:t>
             </a:r>
           </a:p>
         </p:txBody>
@@ -7899,7 +7899,7 @@
           <a:p>
             <a:r>
               <a:rPr/>
-              <a:t>IQSlidedeck_IQRobjects.R | Date: 2022-05-17 15:28:55</a:t>
+              <a:t>IQSlidedeck_IQRobjects.R | Date: 2023-12-22 14:51:09</a:t>
             </a:r>
           </a:p>
         </p:txBody>
@@ -8337,7 +8337,7 @@
           <a:p>
             <a:r>
               <a:rPr/>
-              <a:t>IQSlidedeck_IQRobjects.R | Date: 2022-05-17 15:28:55</a:t>
+              <a:t>IQSlidedeck_IQRobjects.R | Date: 2023-12-22 14:51:09</a:t>
             </a:r>
           </a:p>
         </p:txBody>
@@ -8723,7 +8723,7 @@
           <a:p>
             <a:r>
               <a:rPr/>
-              <a:t>IQSlidedeck_IQRobjects.R | Date: 2022-05-17 15:28:55</a:t>
+              <a:t>IQSlidedeck_IQRobjects.R | Date: 2023-12-22 14:51:09</a:t>
             </a:r>
           </a:p>
         </p:txBody>
@@ -9068,7 +9068,7 @@
           <a:p>
             <a:r>
               <a:rPr/>
-              <a:t>IQSlidedeck_IQRobjects.R | Date: 2022-05-17 15:28:56</a:t>
+              <a:t>IQSlidedeck_IQRobjects.R | Date: 2023-12-22 14:51:10</a:t>
             </a:r>
           </a:p>
         </p:txBody>
@@ -9200,7 +9200,7 @@
           <a:p>
             <a:r>
               <a:rPr/>
-              <a:t>IQSlidedeck_IQRobjects.R | Date: 2022-05-17 15:28:58</a:t>
+              <a:t>IQSlidedeck_IQRobjects.R | Date: 2023-12-22 14:51:12</a:t>
             </a:r>
           </a:p>
         </p:txBody>
@@ -9333,7 +9333,7 @@
           <a:p>
             <a:r>
               <a:rPr/>
-              <a:t>IQSlidedeck_IQRobjects.R | Date: 2022-05-17 15:28:59</a:t>
+              <a:t>IQSlidedeck_IQRobjects.R | Date: 2023-12-22 14:51:13</a:t>
             </a:r>
           </a:p>
         </p:txBody>
@@ -9518,7 +9518,7 @@
           <a:p>
             <a:r>
               <a:rPr/>
-              <a:t>IQSlidedeck_IQRobjects.R | Date: 2022-05-17 15:29:00</a:t>
+              <a:t>IQSlidedeck_IQRobjects.R | Date: 2023-12-22 14:51:15</a:t>
             </a:r>
           </a:p>
         </p:txBody>
@@ -9630,7 +9630,7 @@
           <a:p>
             <a:r>
               <a:rPr/>
-              <a:t>script_IQSlidedeck.R | Date: 2022-05-17 15:28:25</a:t>
+              <a:t>script_IQSlidedeck.R | Date: 2023-12-22 14:50:26</a:t>
             </a:r>
           </a:p>
         </p:txBody>
@@ -9847,7 +9847,7 @@
           <a:p>
             <a:r>
               <a:rPr/>
-              <a:t>script_IQSlidedeck.R | Date: 2022-05-17 15:28:25</a:t>
+              <a:t>script_IQSlidedeck.R | Date: 2023-12-22 14:50:26</a:t>
             </a:r>
           </a:p>
         </p:txBody>
@@ -9952,7 +9952,7 @@
           <a:p>
             <a:r>
               <a:rPr/>
-              <a:t>script_IQSlidedeck.R | Date: 2022-05-17 15:28:29</a:t>
+              <a:t>script_IQSlidedeck.R | Date: 2023-12-22 14:50:30</a:t>
             </a:r>
           </a:p>
         </p:txBody>
@@ -10057,7 +10057,7 @@
           <a:p>
             <a:r>
               <a:rPr/>
-              <a:t>script_IQSlidedeck.R | Date: 2022-05-17 15:28:30</a:t>
+              <a:t>script_IQSlidedeck.R | Date: 2023-12-22 14:50:31</a:t>
             </a:r>
           </a:p>
         </p:txBody>
@@ -10162,7 +10162,7 @@
           <a:p>
             <a:r>
               <a:rPr/>
-              <a:t>script_IQSlidedeck.R | Date: 2022-05-17 15:28:34</a:t>
+              <a:t>script_IQSlidedeck.R | Date: 2023-12-22 14:50:38</a:t>
             </a:r>
           </a:p>
         </p:txBody>

--- a/tests/testresults/script_IQSlidedeck_IQobjects_Default_16_9.pptx
+++ b/tests/testresults/script_IQSlidedeck_IQobjects_Default_16_9.pptx
@@ -5968,7 +5968,7 @@
               <a:rPr/>
               <a:t>IQR Objects (non-QCed)
 Daniel Kaschek, IntiQuan
-2023-12-22</a:t>
+2024-01-12</a:t>
             </a:r>
           </a:p>
         </p:txBody>
@@ -6106,7 +6106,7 @@
           <a:p>
             <a:r>
               <a:rPr/>
-              <a:t>script_IQSlidedeck.R | Date: 2023-12-22 14:50:27</a:t>
+              <a:t>script_IQSlidedeck.R | Date: 2024-01-12 17:01:57</a:t>
             </a:r>
           </a:p>
         </p:txBody>
@@ -6474,7 +6474,7 @@
           <a:p>
             <a:r>
               <a:rPr/>
-              <a:t>script_IQSlidedeck.R | Date: 2023-12-22 14:50:28</a:t>
+              <a:t>script_IQSlidedeck.R | Date: 2024-01-12 17:01:58</a:t>
             </a:r>
           </a:p>
         </p:txBody>
@@ -6842,7 +6842,7 @@
           <a:p>
             <a:r>
               <a:rPr/>
-              <a:t>script_IQSlidedeck.R | Date: 2023-12-22 14:50:30</a:t>
+              <a:t>script_IQSlidedeck.R | Date: 2024-01-12 17:01:59</a:t>
             </a:r>
           </a:p>
         </p:txBody>
@@ -7032,7 +7032,7 @@
           <a:p>
             <a:r>
               <a:rPr/>
-              <a:t>script_IQSlidedeck.R | Date: 2023-12-22 14:50:39</a:t>
+              <a:t>script_IQSlidedeck.R | Date: 2024-01-12 17:02:08</a:t>
             </a:r>
           </a:p>
         </p:txBody>
@@ -7163,7 +7163,7 @@
           <a:p>
             <a:r>
               <a:rPr/>
-              <a:t>script_IQSlidedeck.R | Date: 2023-12-22 14:50:39</a:t>
+              <a:t>script_IQSlidedeck.R | Date: 2024-01-12 17:02:08</a:t>
             </a:r>
           </a:p>
         </p:txBody>
@@ -7323,7 +7323,7 @@
           <a:p>
             <a:r>
               <a:rPr/>
-              <a:t>script_IQSlidedeck.R | Date: 2023-12-22 14:50:39</a:t>
+              <a:t>script_IQSlidedeck.R | Date: 2024-01-12 17:02:08</a:t>
             </a:r>
           </a:p>
         </p:txBody>
@@ -7461,7 +7461,7 @@
           <a:p>
             <a:r>
               <a:rPr/>
-              <a:t>script_IQSlidedeck.R | Date: 2023-12-22 14:50:39</a:t>
+              <a:t>script_IQSlidedeck.R | Date: 2024-01-12 17:02:08</a:t>
             </a:r>
           </a:p>
         </p:txBody>
@@ -7899,7 +7899,7 @@
           <a:p>
             <a:r>
               <a:rPr/>
-              <a:t>IQSlidedeck_IQRobjects.R | Date: 2023-12-22 14:51:09</a:t>
+              <a:t>IQSlidedeck_IQRobjects.R | Date: 2024-01-12 17:02:37</a:t>
             </a:r>
           </a:p>
         </p:txBody>
@@ -8337,7 +8337,7 @@
           <a:p>
             <a:r>
               <a:rPr/>
-              <a:t>IQSlidedeck_IQRobjects.R | Date: 2023-12-22 14:51:09</a:t>
+              <a:t>IQSlidedeck_IQRobjects.R | Date: 2024-01-12 17:02:37</a:t>
             </a:r>
           </a:p>
         </p:txBody>
@@ -8723,7 +8723,7 @@
           <a:p>
             <a:r>
               <a:rPr/>
-              <a:t>IQSlidedeck_IQRobjects.R | Date: 2023-12-22 14:51:09</a:t>
+              <a:t>IQSlidedeck_IQRobjects.R | Date: 2024-01-12 17:02:37</a:t>
             </a:r>
           </a:p>
         </p:txBody>
@@ -9068,7 +9068,7 @@
           <a:p>
             <a:r>
               <a:rPr/>
-              <a:t>IQSlidedeck_IQRobjects.R | Date: 2023-12-22 14:51:10</a:t>
+              <a:t>IQSlidedeck_IQRobjects.R | Date: 2024-01-12 17:02:38</a:t>
             </a:r>
           </a:p>
         </p:txBody>
@@ -9200,7 +9200,7 @@
           <a:p>
             <a:r>
               <a:rPr/>
-              <a:t>IQSlidedeck_IQRobjects.R | Date: 2023-12-22 14:51:12</a:t>
+              <a:t>IQSlidedeck_IQRobjects.R | Date: 2024-01-12 17:02:40</a:t>
             </a:r>
           </a:p>
         </p:txBody>
@@ -9333,7 +9333,7 @@
           <a:p>
             <a:r>
               <a:rPr/>
-              <a:t>IQSlidedeck_IQRobjects.R | Date: 2023-12-22 14:51:13</a:t>
+              <a:t>IQSlidedeck_IQRobjects.R | Date: 2024-01-12 17:02:41</a:t>
             </a:r>
           </a:p>
         </p:txBody>
@@ -9518,7 +9518,7 @@
           <a:p>
             <a:r>
               <a:rPr/>
-              <a:t>IQSlidedeck_IQRobjects.R | Date: 2023-12-22 14:51:15</a:t>
+              <a:t>IQSlidedeck_IQRobjects.R | Date: 2024-01-12 17:02:42</a:t>
             </a:r>
           </a:p>
         </p:txBody>
@@ -9630,7 +9630,7 @@
           <a:p>
             <a:r>
               <a:rPr/>
-              <a:t>script_IQSlidedeck.R | Date: 2023-12-22 14:50:26</a:t>
+              <a:t>script_IQSlidedeck.R | Date: 2024-01-12 17:01:55</a:t>
             </a:r>
           </a:p>
         </p:txBody>
@@ -9847,7 +9847,7 @@
           <a:p>
             <a:r>
               <a:rPr/>
-              <a:t>script_IQSlidedeck.R | Date: 2023-12-22 14:50:26</a:t>
+              <a:t>script_IQSlidedeck.R | Date: 2024-01-12 17:01:55</a:t>
             </a:r>
           </a:p>
         </p:txBody>
@@ -9952,7 +9952,7 @@
           <a:p>
             <a:r>
               <a:rPr/>
-              <a:t>script_IQSlidedeck.R | Date: 2023-12-22 14:50:30</a:t>
+              <a:t>script_IQSlidedeck.R | Date: 2024-01-12 17:02:00</a:t>
             </a:r>
           </a:p>
         </p:txBody>
@@ -10057,7 +10057,7 @@
           <a:p>
             <a:r>
               <a:rPr/>
-              <a:t>script_IQSlidedeck.R | Date: 2023-12-22 14:50:31</a:t>
+              <a:t>script_IQSlidedeck.R | Date: 2024-01-12 17:02:01</a:t>
             </a:r>
           </a:p>
         </p:txBody>
@@ -10162,7 +10162,7 @@
           <a:p>
             <a:r>
               <a:rPr/>
-              <a:t>script_IQSlidedeck.R | Date: 2023-12-22 14:50:38</a:t>
+              <a:t>script_IQSlidedeck.R | Date: 2024-01-12 17:02:07</a:t>
             </a:r>
           </a:p>
         </p:txBody>

--- a/tests/testresults/script_IQSlidedeck_IQobjects_Default_16_9.pptx
+++ b/tests/testresults/script_IQSlidedeck_IQobjects_Default_16_9.pptx
@@ -6106,7 +6106,7 @@
           <a:p>
             <a:r>
               <a:rPr/>
-              <a:t>script_IQSlidedeck.R | Date: 2024-01-12 17:01:57</a:t>
+              <a:t>script_IQSlidedeck.R | Date: 2024-01-12 18:15:22</a:t>
             </a:r>
           </a:p>
         </p:txBody>
@@ -6474,7 +6474,7 @@
           <a:p>
             <a:r>
               <a:rPr/>
-              <a:t>script_IQSlidedeck.R | Date: 2024-01-12 17:01:58</a:t>
+              <a:t>script_IQSlidedeck.R | Date: 2024-01-12 18:15:24</a:t>
             </a:r>
           </a:p>
         </p:txBody>
@@ -6842,7 +6842,7 @@
           <a:p>
             <a:r>
               <a:rPr/>
-              <a:t>script_IQSlidedeck.R | Date: 2024-01-12 17:01:59</a:t>
+              <a:t>script_IQSlidedeck.R | Date: 2024-01-12 18:15:25</a:t>
             </a:r>
           </a:p>
         </p:txBody>
@@ -7032,7 +7032,7 @@
           <a:p>
             <a:r>
               <a:rPr/>
-              <a:t>script_IQSlidedeck.R | Date: 2024-01-12 17:02:08</a:t>
+              <a:t>script_IQSlidedeck.R | Date: 2024-01-12 18:15:34</a:t>
             </a:r>
           </a:p>
         </p:txBody>
@@ -7163,7 +7163,7 @@
           <a:p>
             <a:r>
               <a:rPr/>
-              <a:t>script_IQSlidedeck.R | Date: 2024-01-12 17:02:08</a:t>
+              <a:t>script_IQSlidedeck.R | Date: 2024-01-12 18:15:34</a:t>
             </a:r>
           </a:p>
         </p:txBody>
@@ -7323,7 +7323,7 @@
           <a:p>
             <a:r>
               <a:rPr/>
-              <a:t>script_IQSlidedeck.R | Date: 2024-01-12 17:02:08</a:t>
+              <a:t>script_IQSlidedeck.R | Date: 2024-01-12 18:15:34</a:t>
             </a:r>
           </a:p>
         </p:txBody>
@@ -7461,7 +7461,7 @@
           <a:p>
             <a:r>
               <a:rPr/>
-              <a:t>script_IQSlidedeck.R | Date: 2024-01-12 17:02:08</a:t>
+              <a:t>script_IQSlidedeck.R | Date: 2024-01-12 18:15:34</a:t>
             </a:r>
           </a:p>
         </p:txBody>
@@ -7872,7 +7872,8 @@
           <a:p>
             <a:r>
               <a:rPr/>
-              <a:t>File: ../Output/01_test/normal_distributions.pdf</a:t>
+              <a:t>Normally distributed random numbers were used.
+File: ../Output/01_test/normal_distributions.pdf</a:t>
             </a:r>
           </a:p>
         </p:txBody>
@@ -7899,7 +7900,7 @@
           <a:p>
             <a:r>
               <a:rPr/>
-              <a:t>IQSlidedeck_IQRobjects.R | Date: 2024-01-12 17:02:37</a:t>
+              <a:t>IQSlidedeck_IQRobjects.R | Date: 2024-01-12 18:16:04</a:t>
             </a:r>
           </a:p>
         </p:txBody>
@@ -8310,7 +8311,8 @@
           <a:p>
             <a:r>
               <a:rPr/>
-              <a:t>File: ../Output/01_test/normal_distributions.pdf</a:t>
+              <a:t>Normally distributed random numbers were used.
+File: ../Output/01_test/normal_distributions.pdf</a:t>
             </a:r>
           </a:p>
         </p:txBody>
@@ -8337,7 +8339,7 @@
           <a:p>
             <a:r>
               <a:rPr/>
-              <a:t>IQSlidedeck_IQRobjects.R | Date: 2024-01-12 17:02:37</a:t>
+              <a:t>IQSlidedeck_IQRobjects.R | Date: 2024-01-12 18:16:04</a:t>
             </a:r>
           </a:p>
         </p:txBody>
@@ -8696,7 +8698,8 @@
           <a:p>
             <a:r>
               <a:rPr/>
-              <a:t>File: ../Output/01_test/normal_distributions.pdf</a:t>
+              <a:t>Normally distributed random numbers were used.
+File: ../Output/01_test/normal_distributions.pdf</a:t>
             </a:r>
           </a:p>
         </p:txBody>
@@ -8723,7 +8726,7 @@
           <a:p>
             <a:r>
               <a:rPr/>
-              <a:t>IQSlidedeck_IQRobjects.R | Date: 2024-01-12 17:02:37</a:t>
+              <a:t>IQSlidedeck_IQRobjects.R | Date: 2024-01-12 18:16:04</a:t>
             </a:r>
           </a:p>
         </p:txBody>
@@ -9068,7 +9071,7 @@
           <a:p>
             <a:r>
               <a:rPr/>
-              <a:t>IQSlidedeck_IQRobjects.R | Date: 2024-01-12 17:02:38</a:t>
+              <a:t>IQSlidedeck_IQRobjects.R | Date: 2024-01-12 18:16:05</a:t>
             </a:r>
           </a:p>
         </p:txBody>
@@ -9173,7 +9176,8 @@
           <a:p>
             <a:r>
               <a:rPr/>
-              <a:t>File: ../Output/01_test/subset_normal_distributions.pdf</a:t>
+              <a:t>
+File: ../Output/01_test/subset_normal_distributions.pdf</a:t>
             </a:r>
           </a:p>
         </p:txBody>
@@ -9200,7 +9204,7 @@
           <a:p>
             <a:r>
               <a:rPr/>
-              <a:t>IQSlidedeck_IQRobjects.R | Date: 2024-01-12 17:02:40</a:t>
+              <a:t>IQSlidedeck_IQRobjects.R | Date: 2024-01-12 18:16:07</a:t>
             </a:r>
           </a:p>
         </p:txBody>
@@ -9333,7 +9337,7 @@
           <a:p>
             <a:r>
               <a:rPr/>
-              <a:t>IQSlidedeck_IQRobjects.R | Date: 2024-01-12 17:02:41</a:t>
+              <a:t>IQSlidedeck_IQRobjects.R | Date: 2024-01-12 18:16:09</a:t>
             </a:r>
           </a:p>
         </p:txBody>
@@ -9438,7 +9442,8 @@
           <a:p>
             <a:r>
               <a:rPr/>
-              <a:t>File: ../Output/01_test/normal_distributions_longlist.pdf</a:t>
+              <a:t>Normally distributed random numbers were used.
+File: ../Output/01_test/normal_distributions_longlist.pdf</a:t>
             </a:r>
           </a:p>
         </p:txBody>
@@ -9491,7 +9496,8 @@
           <a:p>
             <a:r>
               <a:rPr/>
-              <a:t>File: ../Output/01_test/normal_distributions_longlist.pdf</a:t>
+              <a:t>Normally distributed random numbers were used.
+File: ../Output/01_test/normal_distributions_longlist.pdf</a:t>
             </a:r>
           </a:p>
         </p:txBody>
@@ -9518,7 +9524,7 @@
           <a:p>
             <a:r>
               <a:rPr/>
-              <a:t>IQSlidedeck_IQRobjects.R | Date: 2024-01-12 17:02:42</a:t>
+              <a:t>IQSlidedeck_IQRobjects.R | Date: 2024-01-12 18:16:10</a:t>
             </a:r>
           </a:p>
         </p:txBody>
@@ -9630,7 +9636,7 @@
           <a:p>
             <a:r>
               <a:rPr/>
-              <a:t>script_IQSlidedeck.R | Date: 2024-01-12 17:01:55</a:t>
+              <a:t>script_IQSlidedeck.R | Date: 2024-01-12 18:15:21</a:t>
             </a:r>
           </a:p>
         </p:txBody>
@@ -9847,7 +9853,7 @@
           <a:p>
             <a:r>
               <a:rPr/>
-              <a:t>script_IQSlidedeck.R | Date: 2024-01-12 17:01:55</a:t>
+              <a:t>script_IQSlidedeck.R | Date: 2024-01-12 18:15:21</a:t>
             </a:r>
           </a:p>
         </p:txBody>
@@ -9952,7 +9958,7 @@
           <a:p>
             <a:r>
               <a:rPr/>
-              <a:t>script_IQSlidedeck.R | Date: 2024-01-12 17:02:00</a:t>
+              <a:t>script_IQSlidedeck.R | Date: 2024-01-12 18:15:26</a:t>
             </a:r>
           </a:p>
         </p:txBody>
@@ -10057,7 +10063,7 @@
           <a:p>
             <a:r>
               <a:rPr/>
-              <a:t>script_IQSlidedeck.R | Date: 2024-01-12 17:02:01</a:t>
+              <a:t>script_IQSlidedeck.R | Date: 2024-01-12 18:15:27</a:t>
             </a:r>
           </a:p>
         </p:txBody>
@@ -10162,7 +10168,7 @@
           <a:p>
             <a:r>
               <a:rPr/>
-              <a:t>script_IQSlidedeck.R | Date: 2024-01-12 17:02:07</a:t>
+              <a:t>script_IQSlidedeck.R | Date: 2024-01-12 18:15:33</a:t>
             </a:r>
           </a:p>
         </p:txBody>

--- a/tests/testresults/script_IQSlidedeck_IQobjects_Default_16_9.pptx
+++ b/tests/testresults/script_IQSlidedeck_IQobjects_Default_16_9.pptx
@@ -4,7 +4,7 @@
   <p:sldMasterIdLst>
     <p:sldMasterId id="2147483648" r:id="rId1"/>
   </p:sldMasterIdLst>
-  <p:sldIdLst xmlns:a="http://schemas.openxmlformats.org/drawingml/2006/main" xmlns:r="http://schemas.openxmlformats.org/officeDocument/2006/relationships" xmlns:p="http://schemas.openxmlformats.org/presentationml/2006/main">
+  <p:sldIdLst>
     <p:sldId id="256" r:id="rId6"/>
     <p:sldId id="257" r:id="rId7"/>
     <p:sldId id="258" r:id="rId8"/>
@@ -5917,7 +5917,7 @@
           <a:chExt cx="0" cy="0"/>
         </a:xfrm>
       </p:grpSpPr>
-      <p:sp xmlns:a="http://schemas.openxmlformats.org/drawingml/2006/main" xmlns:r="http://schemas.openxmlformats.org/officeDocument/2006/relationships" xmlns:p="http://schemas.openxmlformats.org/presentationml/2006/main">
+      <p:sp>
         <p:nvSpPr>
           <p:cNvPr id="2" name="Title 1"/>
           <p:cNvSpPr>
@@ -5944,7 +5944,7 @@
           </a:p>
         </p:txBody>
       </p:sp>
-      <p:sp xmlns:a="http://schemas.openxmlformats.org/drawingml/2006/main" xmlns:r="http://schemas.openxmlformats.org/officeDocument/2006/relationships" xmlns:p="http://schemas.openxmlformats.org/presentationml/2006/main">
+      <p:sp>
         <p:nvSpPr>
           <p:cNvPr id="3" name="Subtitle 2"/>
           <p:cNvSpPr>
@@ -5968,7 +5968,7 @@
               <a:rPr/>
               <a:t>IQR Objects (non-QCed)
 Daniel Kaschek, IntiQuan
-2024-01-12</a:t>
+2024-10-03</a:t>
             </a:r>
           </a:p>
         </p:txBody>
@@ -5998,7 +5998,7 @@
           <a:chExt cx="0" cy="0"/>
         </a:xfrm>
       </p:grpSpPr>
-      <p:sp xmlns:a="http://schemas.openxmlformats.org/drawingml/2006/main" xmlns:r="http://schemas.openxmlformats.org/officeDocument/2006/relationships" xmlns:p="http://schemas.openxmlformats.org/presentationml/2006/main">
+      <p:sp>
         <p:nvSpPr>
           <p:cNvPr id="2" name="Title 1"/>
           <p:cNvSpPr>
@@ -6025,7 +6025,7 @@
           </a:p>
         </p:txBody>
       </p:sp>
-      <p:sp xmlns:a="http://schemas.openxmlformats.org/drawingml/2006/main" xmlns:r="http://schemas.openxmlformats.org/officeDocument/2006/relationships" xmlns:p="http://schemas.openxmlformats.org/presentationml/2006/main">
+      <p:sp>
         <p:nvSpPr>
           <p:cNvPr id="3" name="Content Placeholder 2"/>
           <p:cNvSpPr>
@@ -6058,7 +6058,7 @@
           </a:p>
         </p:txBody>
       </p:sp>
-      <p:pic xmlns:a="http://schemas.openxmlformats.org/drawingml/2006/main" xmlns:r="http://schemas.openxmlformats.org/officeDocument/2006/relationships" xmlns:p="http://schemas.openxmlformats.org/presentationml/2006/main">
+      <p:pic>
         <p:nvPicPr>
           <p:cNvPr id="4" name="Content Placeholder 3" descr=""/>
           <p:cNvPicPr>
@@ -6084,7 +6084,7 @@
           </a:prstGeom>
         </p:spPr>
       </p:pic>
-      <p:sp xmlns:a="http://schemas.openxmlformats.org/drawingml/2006/main" xmlns:r="http://schemas.openxmlformats.org/officeDocument/2006/relationships" xmlns:p="http://schemas.openxmlformats.org/presentationml/2006/main">
+      <p:sp>
         <p:nvSpPr>
           <p:cNvPr id="5" name="Footer Placeholder 5"/>
           <p:cNvSpPr>
@@ -6106,7 +6106,7 @@
           <a:p>
             <a:r>
               <a:rPr/>
-              <a:t>script_IQSlidedeck.R | Date: 2024-01-12 18:15:22</a:t>
+              <a:t>script_IQSlidedeck.R | Date: 2024-10-03 11:57:36.691939</a:t>
             </a:r>
           </a:p>
         </p:txBody>
@@ -6136,7 +6136,7 @@
           <a:chExt cx="0" cy="0"/>
         </a:xfrm>
       </p:grpSpPr>
-      <p:sp xmlns:a="http://schemas.openxmlformats.org/drawingml/2006/main" xmlns:r="http://schemas.openxmlformats.org/officeDocument/2006/relationships" xmlns:p="http://schemas.openxmlformats.org/presentationml/2006/main">
+      <p:sp>
         <p:nvSpPr>
           <p:cNvPr id="2" name="Title 1"/>
           <p:cNvSpPr>
@@ -6163,7 +6163,7 @@
           </a:p>
         </p:txBody>
       </p:sp>
-      <p:sp xmlns:a="http://schemas.openxmlformats.org/drawingml/2006/main" xmlns:r="http://schemas.openxmlformats.org/officeDocument/2006/relationships" xmlns:p="http://schemas.openxmlformats.org/presentationml/2006/main">
+      <p:sp>
         <p:nvSpPr>
           <p:cNvPr id="3" name="Content Placeholder 2"/>
           <p:cNvSpPr>
@@ -6426,7 +6426,7 @@
           </a:p>
         </p:txBody>
       </p:sp>
-      <p:pic xmlns:a="http://schemas.openxmlformats.org/drawingml/2006/main" xmlns:r="http://schemas.openxmlformats.org/officeDocument/2006/relationships" xmlns:p="http://schemas.openxmlformats.org/presentationml/2006/main">
+      <p:pic>
         <p:nvPicPr>
           <p:cNvPr id="4" name="Content Placeholder 3" descr=""/>
           <p:cNvPicPr>
@@ -6452,7 +6452,7 @@
           </a:prstGeom>
         </p:spPr>
       </p:pic>
-      <p:sp xmlns:a="http://schemas.openxmlformats.org/drawingml/2006/main" xmlns:r="http://schemas.openxmlformats.org/officeDocument/2006/relationships" xmlns:p="http://schemas.openxmlformats.org/presentationml/2006/main">
+      <p:sp>
         <p:nvSpPr>
           <p:cNvPr id="5" name="Footer Placeholder 5"/>
           <p:cNvSpPr>
@@ -6474,7 +6474,7 @@
           <a:p>
             <a:r>
               <a:rPr/>
-              <a:t>script_IQSlidedeck.R | Date: 2024-01-12 18:15:24</a:t>
+              <a:t>script_IQSlidedeck.R | Date: 2024-10-03 11:57:37.544605</a:t>
             </a:r>
           </a:p>
         </p:txBody>
@@ -6504,7 +6504,7 @@
           <a:chExt cx="0" cy="0"/>
         </a:xfrm>
       </p:grpSpPr>
-      <p:sp xmlns:a="http://schemas.openxmlformats.org/drawingml/2006/main" xmlns:r="http://schemas.openxmlformats.org/officeDocument/2006/relationships" xmlns:p="http://schemas.openxmlformats.org/presentationml/2006/main">
+      <p:sp>
         <p:nvSpPr>
           <p:cNvPr id="2" name="Title 1"/>
           <p:cNvSpPr>
@@ -6531,7 +6531,7 @@
           </a:p>
         </p:txBody>
       </p:sp>
-      <p:pic xmlns:a="http://schemas.openxmlformats.org/drawingml/2006/main" xmlns:r="http://schemas.openxmlformats.org/officeDocument/2006/relationships" xmlns:p="http://schemas.openxmlformats.org/presentationml/2006/main">
+      <p:pic>
         <p:nvPicPr>
           <p:cNvPr id="3" name="Content Placeholder 2" descr=""/>
           <p:cNvPicPr>
@@ -6557,7 +6557,7 @@
           </a:prstGeom>
         </p:spPr>
       </p:pic>
-      <p:sp xmlns:a="http://schemas.openxmlformats.org/drawingml/2006/main" xmlns:r="http://schemas.openxmlformats.org/officeDocument/2006/relationships" xmlns:p="http://schemas.openxmlformats.org/presentationml/2006/main">
+      <p:sp>
         <p:nvSpPr>
           <p:cNvPr id="4" name="Content Placeholder 3"/>
           <p:cNvSpPr>
@@ -6820,7 +6820,7 @@
           </a:p>
         </p:txBody>
       </p:sp>
-      <p:sp xmlns:a="http://schemas.openxmlformats.org/drawingml/2006/main" xmlns:r="http://schemas.openxmlformats.org/officeDocument/2006/relationships" xmlns:p="http://schemas.openxmlformats.org/presentationml/2006/main">
+      <p:sp>
         <p:nvSpPr>
           <p:cNvPr id="5" name="Footer Placeholder 5"/>
           <p:cNvSpPr>
@@ -6842,7 +6842,7 @@
           <a:p>
             <a:r>
               <a:rPr/>
-              <a:t>script_IQSlidedeck.R | Date: 2024-01-12 18:15:25</a:t>
+              <a:t>script_IQSlidedeck.R | Date: 2024-10-03 11:57:38.573462</a:t>
             </a:r>
           </a:p>
         </p:txBody>
@@ -6872,7 +6872,7 @@
           <a:chExt cx="0" cy="0"/>
         </a:xfrm>
       </p:grpSpPr>
-      <p:sp xmlns:a="http://schemas.openxmlformats.org/drawingml/2006/main" xmlns:r="http://schemas.openxmlformats.org/officeDocument/2006/relationships" xmlns:p="http://schemas.openxmlformats.org/presentationml/2006/main">
+      <p:sp>
         <p:nvSpPr>
           <p:cNvPr id="2" name="Title 1"/>
           <p:cNvSpPr>
@@ -6924,7 +6924,7 @@
           <a:chExt cx="0" cy="0"/>
         </a:xfrm>
       </p:grpSpPr>
-      <p:sp xmlns:a="http://schemas.openxmlformats.org/drawingml/2006/main" xmlns:r="http://schemas.openxmlformats.org/officeDocument/2006/relationships" xmlns:p="http://schemas.openxmlformats.org/presentationml/2006/main">
+      <p:sp>
         <p:nvSpPr>
           <p:cNvPr id="2" name="Title 1"/>
           <p:cNvSpPr>
@@ -6951,7 +6951,7 @@
           </a:p>
         </p:txBody>
       </p:sp>
-      <p:sp xmlns:a="http://schemas.openxmlformats.org/drawingml/2006/main" xmlns:r="http://schemas.openxmlformats.org/officeDocument/2006/relationships" xmlns:p="http://schemas.openxmlformats.org/presentationml/2006/main">
+      <p:sp>
         <p:nvSpPr>
           <p:cNvPr id="3" name="Content Placeholder 2"/>
           <p:cNvSpPr>
@@ -6984,7 +6984,7 @@
           </a:p>
         </p:txBody>
       </p:sp>
-      <p:pic xmlns:a="http://schemas.openxmlformats.org/drawingml/2006/main" xmlns:r="http://schemas.openxmlformats.org/officeDocument/2006/relationships" xmlns:p="http://schemas.openxmlformats.org/presentationml/2006/main">
+      <p:pic>
         <p:nvPicPr>
           <p:cNvPr id="4" name="Content Placeholder 3" descr=""/>
           <p:cNvPicPr>
@@ -7010,7 +7010,7 @@
           </a:prstGeom>
         </p:spPr>
       </p:pic>
-      <p:sp xmlns:a="http://schemas.openxmlformats.org/drawingml/2006/main" xmlns:r="http://schemas.openxmlformats.org/officeDocument/2006/relationships" xmlns:p="http://schemas.openxmlformats.org/presentationml/2006/main">
+      <p:sp>
         <p:nvSpPr>
           <p:cNvPr id="5" name="Footer Placeholder 5"/>
           <p:cNvSpPr>
@@ -7032,7 +7032,7 @@
           <a:p>
             <a:r>
               <a:rPr/>
-              <a:t>script_IQSlidedeck.R | Date: 2024-01-12 18:15:34</a:t>
+              <a:t>script_IQSlidedeck.R | Date: 2024-10-03 11:57:47.755544</a:t>
             </a:r>
           </a:p>
         </p:txBody>
@@ -7062,7 +7062,7 @@
           <a:chExt cx="0" cy="0"/>
         </a:xfrm>
       </p:grpSpPr>
-      <p:sp xmlns:a="http://schemas.openxmlformats.org/drawingml/2006/main" xmlns:r="http://schemas.openxmlformats.org/officeDocument/2006/relationships" xmlns:p="http://schemas.openxmlformats.org/presentationml/2006/main">
+      <p:sp>
         <p:nvSpPr>
           <p:cNvPr id="2" name="Title 1"/>
           <p:cNvSpPr>
@@ -7089,7 +7089,7 @@
           </a:p>
         </p:txBody>
       </p:sp>
-      <p:pic xmlns:a="http://schemas.openxmlformats.org/drawingml/2006/main" xmlns:r="http://schemas.openxmlformats.org/officeDocument/2006/relationships" xmlns:p="http://schemas.openxmlformats.org/presentationml/2006/main">
+      <p:pic>
         <p:nvPicPr>
           <p:cNvPr id="3" name="Content Placeholder 2" descr=""/>
           <p:cNvPicPr>
@@ -7115,7 +7115,7 @@
           </a:prstGeom>
         </p:spPr>
       </p:pic>
-      <p:pic xmlns:a="http://schemas.openxmlformats.org/drawingml/2006/main" xmlns:r="http://schemas.openxmlformats.org/officeDocument/2006/relationships" xmlns:p="http://schemas.openxmlformats.org/presentationml/2006/main">
+      <p:pic>
         <p:nvPicPr>
           <p:cNvPr id="4" name="Content Placeholder 3" descr=""/>
           <p:cNvPicPr>
@@ -7141,7 +7141,7 @@
           </a:prstGeom>
         </p:spPr>
       </p:pic>
-      <p:sp xmlns:a="http://schemas.openxmlformats.org/drawingml/2006/main" xmlns:r="http://schemas.openxmlformats.org/officeDocument/2006/relationships" xmlns:p="http://schemas.openxmlformats.org/presentationml/2006/main">
+      <p:sp>
         <p:nvSpPr>
           <p:cNvPr id="5" name="Footer Placeholder 5"/>
           <p:cNvSpPr>
@@ -7163,7 +7163,7 @@
           <a:p>
             <a:r>
               <a:rPr/>
-              <a:t>script_IQSlidedeck.R | Date: 2024-01-12 18:15:34</a:t>
+              <a:t>script_IQSlidedeck.R | Date: 2024-10-03 11:57:47.794485</a:t>
             </a:r>
           </a:p>
         </p:txBody>
@@ -7193,7 +7193,7 @@
           <a:chExt cx="0" cy="0"/>
         </a:xfrm>
       </p:grpSpPr>
-      <p:sp xmlns:a="http://schemas.openxmlformats.org/drawingml/2006/main" xmlns:r="http://schemas.openxmlformats.org/officeDocument/2006/relationships" xmlns:p="http://schemas.openxmlformats.org/presentationml/2006/main">
+      <p:sp>
         <p:nvSpPr>
           <p:cNvPr id="2" name="Title 1"/>
           <p:cNvSpPr>
@@ -7220,7 +7220,7 @@
           </a:p>
         </p:txBody>
       </p:sp>
-      <p:pic xmlns:a="http://schemas.openxmlformats.org/drawingml/2006/main" xmlns:r="http://schemas.openxmlformats.org/officeDocument/2006/relationships" xmlns:p="http://schemas.openxmlformats.org/presentationml/2006/main">
+      <p:pic>
         <p:nvPicPr>
           <p:cNvPr id="3" name="Content Placeholder 2" descr=""/>
           <p:cNvPicPr>
@@ -7246,7 +7246,7 @@
           </a:prstGeom>
         </p:spPr>
       </p:pic>
-      <p:sp xmlns:a="http://schemas.openxmlformats.org/drawingml/2006/main" xmlns:r="http://schemas.openxmlformats.org/officeDocument/2006/relationships" xmlns:p="http://schemas.openxmlformats.org/presentationml/2006/main">
+      <p:sp>
         <p:nvSpPr>
           <p:cNvPr id="4" name="Content Placeholder 3"/>
           <p:cNvSpPr>
@@ -7301,7 +7301,7 @@
           </a:p>
         </p:txBody>
       </p:sp>
-      <p:sp xmlns:a="http://schemas.openxmlformats.org/drawingml/2006/main" xmlns:r="http://schemas.openxmlformats.org/officeDocument/2006/relationships" xmlns:p="http://schemas.openxmlformats.org/presentationml/2006/main">
+      <p:sp>
         <p:nvSpPr>
           <p:cNvPr id="5" name="Footer Placeholder 5"/>
           <p:cNvSpPr>
@@ -7323,7 +7323,7 @@
           <a:p>
             <a:r>
               <a:rPr/>
-              <a:t>script_IQSlidedeck.R | Date: 2024-01-12 18:15:34</a:t>
+              <a:t>script_IQSlidedeck.R | Date: 2024-10-03 11:57:47.830845</a:t>
             </a:r>
           </a:p>
         </p:txBody>
@@ -7353,7 +7353,7 @@
           <a:chExt cx="0" cy="0"/>
         </a:xfrm>
       </p:grpSpPr>
-      <p:sp xmlns:a="http://schemas.openxmlformats.org/drawingml/2006/main" xmlns:r="http://schemas.openxmlformats.org/officeDocument/2006/relationships" xmlns:p="http://schemas.openxmlformats.org/presentationml/2006/main">
+      <p:sp>
         <p:nvSpPr>
           <p:cNvPr id="2" name="Title 1"/>
           <p:cNvSpPr>
@@ -7380,7 +7380,7 @@
           </a:p>
         </p:txBody>
       </p:sp>
-      <p:sp xmlns:a="http://schemas.openxmlformats.org/drawingml/2006/main" xmlns:r="http://schemas.openxmlformats.org/officeDocument/2006/relationships" xmlns:p="http://schemas.openxmlformats.org/presentationml/2006/main">
+      <p:sp>
         <p:nvSpPr>
           <p:cNvPr id="3" name="Content Placeholder 2"/>
           <p:cNvSpPr>
@@ -7413,7 +7413,7 @@
           </a:p>
         </p:txBody>
       </p:sp>
-      <p:pic xmlns:a="http://schemas.openxmlformats.org/drawingml/2006/main" xmlns:r="http://schemas.openxmlformats.org/officeDocument/2006/relationships" xmlns:p="http://schemas.openxmlformats.org/presentationml/2006/main">
+      <p:pic>
         <p:nvPicPr>
           <p:cNvPr id="4" name="Content Placeholder 3" descr=""/>
           <p:cNvPicPr>
@@ -7439,7 +7439,7 @@
           </a:prstGeom>
         </p:spPr>
       </p:pic>
-      <p:sp xmlns:a="http://schemas.openxmlformats.org/drawingml/2006/main" xmlns:r="http://schemas.openxmlformats.org/officeDocument/2006/relationships" xmlns:p="http://schemas.openxmlformats.org/presentationml/2006/main">
+      <p:sp>
         <p:nvSpPr>
           <p:cNvPr id="5" name="Footer Placeholder 5"/>
           <p:cNvSpPr>
@@ -7461,7 +7461,7 @@
           <a:p>
             <a:r>
               <a:rPr/>
-              <a:t>script_IQSlidedeck.R | Date: 2024-01-12 18:15:34</a:t>
+              <a:t>script_IQSlidedeck.R | Date: 2024-10-03 11:57:47.865052</a:t>
             </a:r>
           </a:p>
         </p:txBody>
@@ -7491,7 +7491,7 @@
           <a:chExt cx="0" cy="0"/>
         </a:xfrm>
       </p:grpSpPr>
-      <p:sp xmlns:a="http://schemas.openxmlformats.org/drawingml/2006/main" xmlns:r="http://schemas.openxmlformats.org/officeDocument/2006/relationships" xmlns:p="http://schemas.openxmlformats.org/presentationml/2006/main">
+      <p:sp>
         <p:nvSpPr>
           <p:cNvPr id="2" name="Title 1"/>
           <p:cNvSpPr>
@@ -7543,7 +7543,7 @@
           <a:chExt cx="0" cy="0"/>
         </a:xfrm>
       </p:grpSpPr>
-      <p:sp xmlns:a="http://schemas.openxmlformats.org/drawingml/2006/main" xmlns:r="http://schemas.openxmlformats.org/officeDocument/2006/relationships" xmlns:p="http://schemas.openxmlformats.org/presentationml/2006/main">
+      <p:sp>
         <p:nvSpPr>
           <p:cNvPr id="2" name="Title 1"/>
           <p:cNvSpPr>
@@ -7570,7 +7570,7 @@
           </a:p>
         </p:txBody>
       </p:sp>
-      <p:sp xmlns:a="http://schemas.openxmlformats.org/drawingml/2006/main" xmlns:r="http://schemas.openxmlformats.org/officeDocument/2006/relationships" xmlns:p="http://schemas.openxmlformats.org/presentationml/2006/main">
+      <p:sp>
         <p:nvSpPr>
           <p:cNvPr id="3" name="Content Placeholder 2"/>
           <p:cNvSpPr>
@@ -7824,7 +7824,7 @@
           </a:p>
         </p:txBody>
       </p:sp>
-      <p:pic xmlns:a="http://schemas.openxmlformats.org/drawingml/2006/main" xmlns:r="http://schemas.openxmlformats.org/officeDocument/2006/relationships" xmlns:p="http://schemas.openxmlformats.org/presentationml/2006/main">
+      <p:pic>
         <p:nvPicPr>
           <p:cNvPr id="4" name="Content Placeholder 3" descr=""/>
           <p:cNvPicPr>
@@ -7850,7 +7850,7 @@
           </a:prstGeom>
         </p:spPr>
       </p:pic>
-      <p:sp xmlns:a="http://schemas.openxmlformats.org/drawingml/2006/main" xmlns:r="http://schemas.openxmlformats.org/officeDocument/2006/relationships" xmlns:p="http://schemas.openxmlformats.org/presentationml/2006/main">
+      <p:sp>
         <p:nvSpPr>
           <p:cNvPr id="5" name="Text Placeholder 2"/>
           <p:cNvSpPr>
@@ -7878,7 +7878,7 @@
           </a:p>
         </p:txBody>
       </p:sp>
-      <p:sp xmlns:a="http://schemas.openxmlformats.org/drawingml/2006/main" xmlns:r="http://schemas.openxmlformats.org/officeDocument/2006/relationships" xmlns:p="http://schemas.openxmlformats.org/presentationml/2006/main">
+      <p:sp>
         <p:nvSpPr>
           <p:cNvPr id="6" name="Footer Placeholder 5"/>
           <p:cNvSpPr>
@@ -7900,7 +7900,7 @@
           <a:p>
             <a:r>
               <a:rPr/>
-              <a:t>IQSlidedeck_IQRobjects.R | Date: 2024-01-12 18:16:04</a:t>
+              <a:t>IQSlidedeck_IQRobjects.R | Date: 2024-10-03 11:58:19.273812</a:t>
             </a:r>
           </a:p>
         </p:txBody>
@@ -7930,7 +7930,7 @@
           <a:chExt cx="0" cy="0"/>
         </a:xfrm>
       </p:grpSpPr>
-      <p:sp xmlns:a="http://schemas.openxmlformats.org/drawingml/2006/main" xmlns:r="http://schemas.openxmlformats.org/officeDocument/2006/relationships" xmlns:p="http://schemas.openxmlformats.org/presentationml/2006/main">
+      <p:sp>
         <p:nvSpPr>
           <p:cNvPr id="2" name="Title 1"/>
           <p:cNvSpPr>
@@ -7982,7 +7982,7 @@
           <a:chExt cx="0" cy="0"/>
         </a:xfrm>
       </p:grpSpPr>
-      <p:sp xmlns:a="http://schemas.openxmlformats.org/drawingml/2006/main" xmlns:r="http://schemas.openxmlformats.org/officeDocument/2006/relationships" xmlns:p="http://schemas.openxmlformats.org/presentationml/2006/main">
+      <p:sp>
         <p:nvSpPr>
           <p:cNvPr id="2" name="Title 1"/>
           <p:cNvSpPr>
@@ -8009,7 +8009,7 @@
           </a:p>
         </p:txBody>
       </p:sp>
-      <p:sp xmlns:a="http://schemas.openxmlformats.org/drawingml/2006/main" xmlns:r="http://schemas.openxmlformats.org/officeDocument/2006/relationships" xmlns:p="http://schemas.openxmlformats.org/presentationml/2006/main">
+      <p:sp>
         <p:nvSpPr>
           <p:cNvPr id="3" name="Content Placeholder 2"/>
           <p:cNvSpPr>
@@ -8263,7 +8263,7 @@
           </a:p>
         </p:txBody>
       </p:sp>
-      <p:pic xmlns:a="http://schemas.openxmlformats.org/drawingml/2006/main" xmlns:r="http://schemas.openxmlformats.org/officeDocument/2006/relationships" xmlns:p="http://schemas.openxmlformats.org/presentationml/2006/main">
+      <p:pic>
         <p:nvPicPr>
           <p:cNvPr id="4" name="Content Placeholder 3" descr=""/>
           <p:cNvPicPr>
@@ -8289,7 +8289,7 @@
           </a:prstGeom>
         </p:spPr>
       </p:pic>
-      <p:sp xmlns:a="http://schemas.openxmlformats.org/drawingml/2006/main" xmlns:r="http://schemas.openxmlformats.org/officeDocument/2006/relationships" xmlns:p="http://schemas.openxmlformats.org/presentationml/2006/main">
+      <p:sp>
         <p:nvSpPr>
           <p:cNvPr id="5" name="Text Placeholder 2"/>
           <p:cNvSpPr>
@@ -8317,7 +8317,7 @@
           </a:p>
         </p:txBody>
       </p:sp>
-      <p:sp xmlns:a="http://schemas.openxmlformats.org/drawingml/2006/main" xmlns:r="http://schemas.openxmlformats.org/officeDocument/2006/relationships" xmlns:p="http://schemas.openxmlformats.org/presentationml/2006/main">
+      <p:sp>
         <p:nvSpPr>
           <p:cNvPr id="6" name="Footer Placeholder 5"/>
           <p:cNvSpPr>
@@ -8339,7 +8339,7 @@
           <a:p>
             <a:r>
               <a:rPr/>
-              <a:t>IQSlidedeck_IQRobjects.R | Date: 2024-01-12 18:16:04</a:t>
+              <a:t>IQSlidedeck_IQRobjects.R | Date: 2024-10-03 11:58:19.546171</a:t>
             </a:r>
           </a:p>
         </p:txBody>
@@ -8369,7 +8369,7 @@
           <a:chExt cx="0" cy="0"/>
         </a:xfrm>
       </p:grpSpPr>
-      <p:sp xmlns:a="http://schemas.openxmlformats.org/drawingml/2006/main" xmlns:r="http://schemas.openxmlformats.org/officeDocument/2006/relationships" xmlns:p="http://schemas.openxmlformats.org/presentationml/2006/main">
+      <p:sp>
         <p:nvSpPr>
           <p:cNvPr id="2" name="Title 1"/>
           <p:cNvSpPr>
@@ -8396,7 +8396,7 @@
           </a:p>
         </p:txBody>
       </p:sp>
-      <p:sp xmlns:a="http://schemas.openxmlformats.org/drawingml/2006/main" xmlns:r="http://schemas.openxmlformats.org/officeDocument/2006/relationships" xmlns:p="http://schemas.openxmlformats.org/presentationml/2006/main">
+      <p:sp>
         <p:nvSpPr>
           <p:cNvPr id="3" name="Content Placeholder 2"/>
           <p:cNvSpPr>
@@ -8650,7 +8650,7 @@
           </a:p>
         </p:txBody>
       </p:sp>
-      <p:pic xmlns:a="http://schemas.openxmlformats.org/drawingml/2006/main" xmlns:r="http://schemas.openxmlformats.org/officeDocument/2006/relationships" xmlns:p="http://schemas.openxmlformats.org/presentationml/2006/main">
+      <p:pic>
         <p:nvPicPr>
           <p:cNvPr id="4" name="Content Placeholder 3" descr=""/>
           <p:cNvPicPr>
@@ -8676,7 +8676,7 @@
           </a:prstGeom>
         </p:spPr>
       </p:pic>
-      <p:sp xmlns:a="http://schemas.openxmlformats.org/drawingml/2006/main" xmlns:r="http://schemas.openxmlformats.org/officeDocument/2006/relationships" xmlns:p="http://schemas.openxmlformats.org/presentationml/2006/main">
+      <p:sp>
         <p:nvSpPr>
           <p:cNvPr id="5" name="Text Placeholder 2"/>
           <p:cNvSpPr>
@@ -8704,7 +8704,7 @@
           </a:p>
         </p:txBody>
       </p:sp>
-      <p:sp xmlns:a="http://schemas.openxmlformats.org/drawingml/2006/main" xmlns:r="http://schemas.openxmlformats.org/officeDocument/2006/relationships" xmlns:p="http://schemas.openxmlformats.org/presentationml/2006/main">
+      <p:sp>
         <p:nvSpPr>
           <p:cNvPr id="6" name="Footer Placeholder 5"/>
           <p:cNvSpPr>
@@ -8726,7 +8726,7 @@
           <a:p>
             <a:r>
               <a:rPr/>
-              <a:t>IQSlidedeck_IQRobjects.R | Date: 2024-01-12 18:16:04</a:t>
+              <a:t>IQSlidedeck_IQRobjects.R | Date: 2024-10-03 11:58:19.796632</a:t>
             </a:r>
           </a:p>
         </p:txBody>
@@ -8756,7 +8756,7 @@
           <a:chExt cx="0" cy="0"/>
         </a:xfrm>
       </p:grpSpPr>
-      <p:sp xmlns:a="http://schemas.openxmlformats.org/drawingml/2006/main" xmlns:r="http://schemas.openxmlformats.org/officeDocument/2006/relationships" xmlns:p="http://schemas.openxmlformats.org/presentationml/2006/main">
+      <p:sp>
         <p:nvSpPr>
           <p:cNvPr id="2" name="Title 1"/>
           <p:cNvSpPr>
@@ -8783,7 +8783,7 @@
           </a:p>
         </p:txBody>
       </p:sp>
-      <p:sp xmlns:a="http://schemas.openxmlformats.org/drawingml/2006/main" xmlns:r="http://schemas.openxmlformats.org/officeDocument/2006/relationships" xmlns:p="http://schemas.openxmlformats.org/presentationml/2006/main">
+      <p:sp>
         <p:nvSpPr>
           <p:cNvPr id="3" name="Content Placeholder 2"/>
           <p:cNvSpPr>
@@ -8995,7 +8995,7 @@
           </a:p>
         </p:txBody>
       </p:sp>
-      <p:pic xmlns:a="http://schemas.openxmlformats.org/drawingml/2006/main" xmlns:r="http://schemas.openxmlformats.org/officeDocument/2006/relationships" xmlns:p="http://schemas.openxmlformats.org/presentationml/2006/main">
+      <p:pic>
         <p:nvPicPr>
           <p:cNvPr id="4" name="Content Placeholder 3" descr=""/>
           <p:cNvPicPr>
@@ -9021,7 +9021,7 @@
           </a:prstGeom>
         </p:spPr>
       </p:pic>
-      <p:sp xmlns:a="http://schemas.openxmlformats.org/drawingml/2006/main" xmlns:r="http://schemas.openxmlformats.org/officeDocument/2006/relationships" xmlns:p="http://schemas.openxmlformats.org/presentationml/2006/main">
+      <p:sp>
         <p:nvSpPr>
           <p:cNvPr id="5" name="Text Placeholder 2"/>
           <p:cNvSpPr>
@@ -9049,7 +9049,7 @@
           </a:p>
         </p:txBody>
       </p:sp>
-      <p:sp xmlns:a="http://schemas.openxmlformats.org/drawingml/2006/main" xmlns:r="http://schemas.openxmlformats.org/officeDocument/2006/relationships" xmlns:p="http://schemas.openxmlformats.org/presentationml/2006/main">
+      <p:sp>
         <p:nvSpPr>
           <p:cNvPr id="6" name="Footer Placeholder 5"/>
           <p:cNvSpPr>
@@ -9071,7 +9071,7 @@
           <a:p>
             <a:r>
               <a:rPr/>
-              <a:t>IQSlidedeck_IQRobjects.R | Date: 2024-01-12 18:16:05</a:t>
+              <a:t>IQSlidedeck_IQRobjects.R | Date: 2024-10-03 11:58:20.942075</a:t>
             </a:r>
           </a:p>
         </p:txBody>
@@ -9101,7 +9101,7 @@
           <a:chExt cx="0" cy="0"/>
         </a:xfrm>
       </p:grpSpPr>
-      <p:sp xmlns:a="http://schemas.openxmlformats.org/drawingml/2006/main" xmlns:r="http://schemas.openxmlformats.org/officeDocument/2006/relationships" xmlns:p="http://schemas.openxmlformats.org/presentationml/2006/main">
+      <p:sp>
         <p:nvSpPr>
           <p:cNvPr id="2" name="Title 1"/>
           <p:cNvSpPr>
@@ -9128,7 +9128,7 @@
           </a:p>
         </p:txBody>
       </p:sp>
-      <p:pic xmlns:a="http://schemas.openxmlformats.org/drawingml/2006/main" xmlns:r="http://schemas.openxmlformats.org/officeDocument/2006/relationships" xmlns:p="http://schemas.openxmlformats.org/presentationml/2006/main">
+      <p:pic>
         <p:nvPicPr>
           <p:cNvPr id="3" name="Content Placeholder 2" descr=""/>
           <p:cNvPicPr>
@@ -9154,7 +9154,7 @@
           </a:prstGeom>
         </p:spPr>
       </p:pic>
-      <p:sp xmlns:a="http://schemas.openxmlformats.org/drawingml/2006/main" xmlns:r="http://schemas.openxmlformats.org/officeDocument/2006/relationships" xmlns:p="http://schemas.openxmlformats.org/presentationml/2006/main">
+      <p:sp>
         <p:nvSpPr>
           <p:cNvPr id="4" name="Text Placeholder 8"/>
           <p:cNvSpPr>
@@ -9182,7 +9182,7 @@
           </a:p>
         </p:txBody>
       </p:sp>
-      <p:sp xmlns:a="http://schemas.openxmlformats.org/drawingml/2006/main" xmlns:r="http://schemas.openxmlformats.org/officeDocument/2006/relationships" xmlns:p="http://schemas.openxmlformats.org/presentationml/2006/main">
+      <p:sp>
         <p:nvSpPr>
           <p:cNvPr id="5" name="Footer Placeholder 4"/>
           <p:cNvSpPr>
@@ -9204,7 +9204,7 @@
           <a:p>
             <a:r>
               <a:rPr/>
-              <a:t>IQSlidedeck_IQRobjects.R | Date: 2024-01-12 18:16:07</a:t>
+              <a:t>IQSlidedeck_IQRobjects.R | Date: 2024-10-03 11:58:22.526746</a:t>
             </a:r>
           </a:p>
         </p:txBody>
@@ -9234,7 +9234,7 @@
           <a:chExt cx="0" cy="0"/>
         </a:xfrm>
       </p:grpSpPr>
-      <p:sp xmlns:a="http://schemas.openxmlformats.org/drawingml/2006/main" xmlns:r="http://schemas.openxmlformats.org/officeDocument/2006/relationships" xmlns:p="http://schemas.openxmlformats.org/presentationml/2006/main">
+      <p:sp>
         <p:nvSpPr>
           <p:cNvPr id="2" name="Title 1"/>
           <p:cNvSpPr>
@@ -9261,7 +9261,7 @@
           </a:p>
         </p:txBody>
       </p:sp>
-      <p:pic xmlns:a="http://schemas.openxmlformats.org/drawingml/2006/main" xmlns:r="http://schemas.openxmlformats.org/officeDocument/2006/relationships" xmlns:p="http://schemas.openxmlformats.org/presentationml/2006/main">
+      <p:pic>
         <p:nvPicPr>
           <p:cNvPr id="3" name="Content Placeholder 2" descr=""/>
           <p:cNvPicPr>
@@ -9287,7 +9287,7 @@
           </a:prstGeom>
         </p:spPr>
       </p:pic>
-      <p:sp xmlns:a="http://schemas.openxmlformats.org/drawingml/2006/main" xmlns:r="http://schemas.openxmlformats.org/officeDocument/2006/relationships" xmlns:p="http://schemas.openxmlformats.org/presentationml/2006/main">
+      <p:sp>
         <p:nvSpPr>
           <p:cNvPr id="4" name="Text Placeholder 8"/>
           <p:cNvSpPr>
@@ -9315,7 +9315,7 @@
           </a:p>
         </p:txBody>
       </p:sp>
-      <p:sp xmlns:a="http://schemas.openxmlformats.org/drawingml/2006/main" xmlns:r="http://schemas.openxmlformats.org/officeDocument/2006/relationships" xmlns:p="http://schemas.openxmlformats.org/presentationml/2006/main">
+      <p:sp>
         <p:nvSpPr>
           <p:cNvPr id="5" name="Footer Placeholder 4"/>
           <p:cNvSpPr>
@@ -9337,7 +9337,7 @@
           <a:p>
             <a:r>
               <a:rPr/>
-              <a:t>IQSlidedeck_IQRobjects.R | Date: 2024-01-12 18:16:09</a:t>
+              <a:t>IQSlidedeck_IQRobjects.R | Date: 2024-10-03 11:58:23.673422</a:t>
             </a:r>
           </a:p>
         </p:txBody>
@@ -9367,7 +9367,7 @@
           <a:chExt cx="0" cy="0"/>
         </a:xfrm>
       </p:grpSpPr>
-      <p:sp xmlns:a="http://schemas.openxmlformats.org/drawingml/2006/main" xmlns:r="http://schemas.openxmlformats.org/officeDocument/2006/relationships" xmlns:p="http://schemas.openxmlformats.org/presentationml/2006/main">
+      <p:sp>
         <p:nvSpPr>
           <p:cNvPr id="2" name="Title 1"/>
           <p:cNvSpPr>
@@ -9394,7 +9394,7 @@
           </a:p>
         </p:txBody>
       </p:sp>
-      <p:pic xmlns:a="http://schemas.openxmlformats.org/drawingml/2006/main" xmlns:r="http://schemas.openxmlformats.org/officeDocument/2006/relationships" xmlns:p="http://schemas.openxmlformats.org/presentationml/2006/main">
+      <p:pic>
         <p:nvPicPr>
           <p:cNvPr id="3" name="Content Placeholder 2" descr=""/>
           <p:cNvPicPr>
@@ -9420,7 +9420,7 @@
           </a:prstGeom>
         </p:spPr>
       </p:pic>
-      <p:sp xmlns:a="http://schemas.openxmlformats.org/drawingml/2006/main" xmlns:r="http://schemas.openxmlformats.org/officeDocument/2006/relationships" xmlns:p="http://schemas.openxmlformats.org/presentationml/2006/main">
+      <p:sp>
         <p:nvSpPr>
           <p:cNvPr id="4" name="Text Placeholder 2"/>
           <p:cNvSpPr>
@@ -9448,7 +9448,7 @@
           </a:p>
         </p:txBody>
       </p:sp>
-      <p:pic xmlns:a="http://schemas.openxmlformats.org/drawingml/2006/main" xmlns:r="http://schemas.openxmlformats.org/officeDocument/2006/relationships" xmlns:p="http://schemas.openxmlformats.org/presentationml/2006/main">
+      <p:pic>
         <p:nvPicPr>
           <p:cNvPr id="5" name="Content Placeholder 3" descr=""/>
           <p:cNvPicPr>
@@ -9474,7 +9474,7 @@
           </a:prstGeom>
         </p:spPr>
       </p:pic>
-      <p:sp xmlns:a="http://schemas.openxmlformats.org/drawingml/2006/main" xmlns:r="http://schemas.openxmlformats.org/officeDocument/2006/relationships" xmlns:p="http://schemas.openxmlformats.org/presentationml/2006/main">
+      <p:sp>
         <p:nvSpPr>
           <p:cNvPr id="6" name="Text Placeholder 3"/>
           <p:cNvSpPr>
@@ -9502,7 +9502,7 @@
           </a:p>
         </p:txBody>
       </p:sp>
-      <p:sp xmlns:a="http://schemas.openxmlformats.org/drawingml/2006/main" xmlns:r="http://schemas.openxmlformats.org/officeDocument/2006/relationships" xmlns:p="http://schemas.openxmlformats.org/presentationml/2006/main">
+      <p:sp>
         <p:nvSpPr>
           <p:cNvPr id="7" name="Footer Placeholder 5"/>
           <p:cNvSpPr>
@@ -9524,7 +9524,7 @@
           <a:p>
             <a:r>
               <a:rPr/>
-              <a:t>IQSlidedeck_IQRobjects.R | Date: 2024-01-12 18:16:10</a:t>
+              <a:t>IQSlidedeck_IQRobjects.R | Date: 2024-10-03 11:58:24.739042</a:t>
             </a:r>
           </a:p>
         </p:txBody>
@@ -9554,7 +9554,7 @@
           <a:chExt cx="0" cy="0"/>
         </a:xfrm>
       </p:grpSpPr>
-      <p:sp xmlns:a="http://schemas.openxmlformats.org/drawingml/2006/main" xmlns:r="http://schemas.openxmlformats.org/officeDocument/2006/relationships" xmlns:p="http://schemas.openxmlformats.org/presentationml/2006/main">
+      <p:sp>
         <p:nvSpPr>
           <p:cNvPr id="2" name="Title 1"/>
           <p:cNvSpPr>
@@ -9581,7 +9581,7 @@
           </a:p>
         </p:txBody>
       </p:sp>
-      <p:sp xmlns:a="http://schemas.openxmlformats.org/drawingml/2006/main" xmlns:r="http://schemas.openxmlformats.org/officeDocument/2006/relationships" xmlns:p="http://schemas.openxmlformats.org/presentationml/2006/main">
+      <p:sp>
         <p:nvSpPr>
           <p:cNvPr id="3" name="Content Placeholder 2"/>
           <p:cNvSpPr>
@@ -9614,7 +9614,7 @@
           </a:p>
         </p:txBody>
       </p:sp>
-      <p:sp xmlns:a="http://schemas.openxmlformats.org/drawingml/2006/main" xmlns:r="http://schemas.openxmlformats.org/officeDocument/2006/relationships" xmlns:p="http://schemas.openxmlformats.org/presentationml/2006/main">
+      <p:sp>
         <p:nvSpPr>
           <p:cNvPr id="4" name="Footer Placeholder 4"/>
           <p:cNvSpPr>
@@ -9636,7 +9636,7 @@
           <a:p>
             <a:r>
               <a:rPr/>
-              <a:t>script_IQSlidedeck.R | Date: 2024-01-12 18:15:21</a:t>
+              <a:t>script_IQSlidedeck.R | Date: 2024-10-03 11:57:35.957633</a:t>
             </a:r>
           </a:p>
         </p:txBody>
@@ -9666,7 +9666,7 @@
           <a:chExt cx="0" cy="0"/>
         </a:xfrm>
       </p:grpSpPr>
-      <p:sp xmlns:a="http://schemas.openxmlformats.org/drawingml/2006/main" xmlns:r="http://schemas.openxmlformats.org/officeDocument/2006/relationships" xmlns:p="http://schemas.openxmlformats.org/presentationml/2006/main">
+      <p:sp>
         <p:nvSpPr>
           <p:cNvPr id="2" name="Title 1"/>
           <p:cNvSpPr>
@@ -9718,7 +9718,7 @@
           <a:chExt cx="0" cy="0"/>
         </a:xfrm>
       </p:grpSpPr>
-      <p:sp xmlns:a="http://schemas.openxmlformats.org/drawingml/2006/main" xmlns:r="http://schemas.openxmlformats.org/officeDocument/2006/relationships" xmlns:p="http://schemas.openxmlformats.org/presentationml/2006/main">
+      <p:sp>
         <p:nvSpPr>
           <p:cNvPr id="2" name="Title 1"/>
           <p:cNvSpPr>
@@ -9745,7 +9745,7 @@
           </a:p>
         </p:txBody>
       </p:sp>
-      <p:sp xmlns:a="http://schemas.openxmlformats.org/drawingml/2006/main" xmlns:r="http://schemas.openxmlformats.org/officeDocument/2006/relationships" xmlns:p="http://schemas.openxmlformats.org/presentationml/2006/main">
+      <p:sp>
         <p:nvSpPr>
           <p:cNvPr id="3" name="Content Placeholder 2"/>
           <p:cNvSpPr>
@@ -9778,7 +9778,7 @@
           </a:p>
         </p:txBody>
       </p:sp>
-      <p:pic xmlns:a="http://schemas.openxmlformats.org/drawingml/2006/main" xmlns:r="http://schemas.openxmlformats.org/officeDocument/2006/relationships" xmlns:p="http://schemas.openxmlformats.org/presentationml/2006/main">
+      <p:pic>
         <p:nvPicPr>
           <p:cNvPr id="4" name="Content Placeholder 3" descr=""/>
           <p:cNvPicPr>
@@ -9804,7 +9804,7 @@
           </a:prstGeom>
         </p:spPr>
       </p:pic>
-      <p:sp xmlns:a="http://schemas.openxmlformats.org/drawingml/2006/main" xmlns:r="http://schemas.openxmlformats.org/officeDocument/2006/relationships" xmlns:p="http://schemas.openxmlformats.org/presentationml/2006/main">
+      <p:sp>
         <p:nvSpPr>
           <p:cNvPr id="5" name="Text Placeholder 2"/>
           <p:cNvSpPr>
@@ -9831,7 +9831,7 @@
           </a:p>
         </p:txBody>
       </p:sp>
-      <p:sp xmlns:a="http://schemas.openxmlformats.org/drawingml/2006/main" xmlns:r="http://schemas.openxmlformats.org/officeDocument/2006/relationships" xmlns:p="http://schemas.openxmlformats.org/presentationml/2006/main">
+      <p:sp>
         <p:nvSpPr>
           <p:cNvPr id="6" name="Footer Placeholder 5"/>
           <p:cNvSpPr>
@@ -9853,7 +9853,7 @@
           <a:p>
             <a:r>
               <a:rPr/>
-              <a:t>script_IQSlidedeck.R | Date: 2024-01-12 18:15:21</a:t>
+              <a:t>script_IQSlidedeck.R | Date: 2024-10-03 11:57:36.096123</a:t>
             </a:r>
           </a:p>
         </p:txBody>
@@ -9883,7 +9883,7 @@
           <a:chExt cx="0" cy="0"/>
         </a:xfrm>
       </p:grpSpPr>
-      <p:sp xmlns:a="http://schemas.openxmlformats.org/drawingml/2006/main" xmlns:r="http://schemas.openxmlformats.org/officeDocument/2006/relationships" xmlns:p="http://schemas.openxmlformats.org/presentationml/2006/main">
+      <p:sp>
         <p:nvSpPr>
           <p:cNvPr id="2" name="Title 1"/>
           <p:cNvSpPr>
@@ -9910,7 +9910,7 @@
           </a:p>
         </p:txBody>
       </p:sp>
-      <p:pic xmlns:a="http://schemas.openxmlformats.org/drawingml/2006/main" xmlns:r="http://schemas.openxmlformats.org/officeDocument/2006/relationships" xmlns:p="http://schemas.openxmlformats.org/presentationml/2006/main">
+      <p:pic>
         <p:nvPicPr>
           <p:cNvPr id="3" name="Content Placeholder 2" descr=""/>
           <p:cNvPicPr>
@@ -9936,7 +9936,7 @@
           </a:prstGeom>
         </p:spPr>
       </p:pic>
-      <p:sp xmlns:a="http://schemas.openxmlformats.org/drawingml/2006/main" xmlns:r="http://schemas.openxmlformats.org/officeDocument/2006/relationships" xmlns:p="http://schemas.openxmlformats.org/presentationml/2006/main">
+      <p:sp>
         <p:nvSpPr>
           <p:cNvPr id="4" name="Footer Placeholder 4"/>
           <p:cNvSpPr>
@@ -9958,7 +9958,7 @@
           <a:p>
             <a:r>
               <a:rPr/>
-              <a:t>script_IQSlidedeck.R | Date: 2024-01-12 18:15:26</a:t>
+              <a:t>script_IQSlidedeck.R | Date: 2024-10-03 11:57:39.334171</a:t>
             </a:r>
           </a:p>
         </p:txBody>
@@ -9988,7 +9988,7 @@
           <a:chExt cx="0" cy="0"/>
         </a:xfrm>
       </p:grpSpPr>
-      <p:sp xmlns:a="http://schemas.openxmlformats.org/drawingml/2006/main" xmlns:r="http://schemas.openxmlformats.org/officeDocument/2006/relationships" xmlns:p="http://schemas.openxmlformats.org/presentationml/2006/main">
+      <p:sp>
         <p:nvSpPr>
           <p:cNvPr id="2" name="Title 1"/>
           <p:cNvSpPr>
@@ -10015,7 +10015,7 @@
           </a:p>
         </p:txBody>
       </p:sp>
-      <p:pic xmlns:a="http://schemas.openxmlformats.org/drawingml/2006/main" xmlns:r="http://schemas.openxmlformats.org/officeDocument/2006/relationships" xmlns:p="http://schemas.openxmlformats.org/presentationml/2006/main">
+      <p:pic>
         <p:nvPicPr>
           <p:cNvPr id="3" name="Content Placeholder 2" descr=""/>
           <p:cNvPicPr>
@@ -10041,7 +10041,7 @@
           </a:prstGeom>
         </p:spPr>
       </p:pic>
-      <p:sp xmlns:a="http://schemas.openxmlformats.org/drawingml/2006/main" xmlns:r="http://schemas.openxmlformats.org/officeDocument/2006/relationships" xmlns:p="http://schemas.openxmlformats.org/presentationml/2006/main">
+      <p:sp>
         <p:nvSpPr>
           <p:cNvPr id="4" name="Footer Placeholder 4"/>
           <p:cNvSpPr>
@@ -10063,7 +10063,7 @@
           <a:p>
             <a:r>
               <a:rPr/>
-              <a:t>script_IQSlidedeck.R | Date: 2024-01-12 18:15:27</a:t>
+              <a:t>script_IQSlidedeck.R | Date: 2024-10-03 11:57:40.800531</a:t>
             </a:r>
           </a:p>
         </p:txBody>
@@ -10093,7 +10093,7 @@
           <a:chExt cx="0" cy="0"/>
         </a:xfrm>
       </p:grpSpPr>
-      <p:sp xmlns:a="http://schemas.openxmlformats.org/drawingml/2006/main" xmlns:r="http://schemas.openxmlformats.org/officeDocument/2006/relationships" xmlns:p="http://schemas.openxmlformats.org/presentationml/2006/main">
+      <p:sp>
         <p:nvSpPr>
           <p:cNvPr id="2" name="Title 1"/>
           <p:cNvSpPr>
@@ -10120,7 +10120,7 @@
           </a:p>
         </p:txBody>
       </p:sp>
-      <p:pic xmlns:a="http://schemas.openxmlformats.org/drawingml/2006/main" xmlns:r="http://schemas.openxmlformats.org/officeDocument/2006/relationships" xmlns:p="http://schemas.openxmlformats.org/presentationml/2006/main">
+      <p:pic>
         <p:nvPicPr>
           <p:cNvPr id="3" name="Content Placeholder 2" descr=""/>
           <p:cNvPicPr>
@@ -10146,7 +10146,7 @@
           </a:prstGeom>
         </p:spPr>
       </p:pic>
-      <p:sp xmlns:a="http://schemas.openxmlformats.org/drawingml/2006/main" xmlns:r="http://schemas.openxmlformats.org/officeDocument/2006/relationships" xmlns:p="http://schemas.openxmlformats.org/presentationml/2006/main">
+      <p:sp>
         <p:nvSpPr>
           <p:cNvPr id="4" name="Footer Placeholder 4"/>
           <p:cNvSpPr>
@@ -10168,7 +10168,7 @@
           <a:p>
             <a:r>
               <a:rPr/>
-              <a:t>script_IQSlidedeck.R | Date: 2024-01-12 18:15:33</a:t>
+              <a:t>script_IQSlidedeck.R | Date: 2024-10-03 11:57:47.295396</a:t>
             </a:r>
           </a:p>
         </p:txBody>
@@ -10198,7 +10198,7 @@
           <a:chExt cx="0" cy="0"/>
         </a:xfrm>
       </p:grpSpPr>
-      <p:sp xmlns:a="http://schemas.openxmlformats.org/drawingml/2006/main" xmlns:r="http://schemas.openxmlformats.org/officeDocument/2006/relationships" xmlns:p="http://schemas.openxmlformats.org/presentationml/2006/main">
+      <p:sp>
         <p:nvSpPr>
           <p:cNvPr id="2" name="Title 1"/>
           <p:cNvSpPr>

--- a/tests/testresults/script_IQSlidedeck_IQobjects_Default_16_9.pptx
+++ b/tests/testresults/script_IQSlidedeck_IQobjects_Default_16_9.pptx
@@ -4,7 +4,7 @@
   <p:sldMasterIdLst>
     <p:sldMasterId id="2147483648" r:id="rId1"/>
   </p:sldMasterIdLst>
-  <p:sldIdLst>
+  <p:sldIdLst xmlns:a="http://schemas.openxmlformats.org/drawingml/2006/main" xmlns:r="http://schemas.openxmlformats.org/officeDocument/2006/relationships" xmlns:p="http://schemas.openxmlformats.org/presentationml/2006/main">
     <p:sldId id="256" r:id="rId6"/>
     <p:sldId id="257" r:id="rId7"/>
     <p:sldId id="258" r:id="rId8"/>
@@ -5917,7 +5917,7 @@
           <a:chExt cx="0" cy="0"/>
         </a:xfrm>
       </p:grpSpPr>
-      <p:sp>
+      <p:sp xmlns:a="http://schemas.openxmlformats.org/drawingml/2006/main" xmlns:r="http://schemas.openxmlformats.org/officeDocument/2006/relationships" xmlns:p="http://schemas.openxmlformats.org/presentationml/2006/main">
         <p:nvSpPr>
           <p:cNvPr id="2" name="Title 1"/>
           <p:cNvSpPr>
@@ -5944,7 +5944,7 @@
           </a:p>
         </p:txBody>
       </p:sp>
-      <p:sp>
+      <p:sp xmlns:a="http://schemas.openxmlformats.org/drawingml/2006/main" xmlns:r="http://schemas.openxmlformats.org/officeDocument/2006/relationships" xmlns:p="http://schemas.openxmlformats.org/presentationml/2006/main">
         <p:nvSpPr>
           <p:cNvPr id="3" name="Subtitle 2"/>
           <p:cNvSpPr>
@@ -5968,7 +5968,7 @@
               <a:rPr/>
               <a:t>IQR Objects (non-QCed)
 Daniel Kaschek, IntiQuan
-2024-10-03</a:t>
+2024-10-25</a:t>
             </a:r>
           </a:p>
         </p:txBody>
@@ -5998,7 +5998,7 @@
           <a:chExt cx="0" cy="0"/>
         </a:xfrm>
       </p:grpSpPr>
-      <p:sp>
+      <p:sp xmlns:a="http://schemas.openxmlformats.org/drawingml/2006/main" xmlns:r="http://schemas.openxmlformats.org/officeDocument/2006/relationships" xmlns:p="http://schemas.openxmlformats.org/presentationml/2006/main">
         <p:nvSpPr>
           <p:cNvPr id="2" name="Title 1"/>
           <p:cNvSpPr>
@@ -6025,7 +6025,7 @@
           </a:p>
         </p:txBody>
       </p:sp>
-      <p:sp>
+      <p:sp xmlns:a="http://schemas.openxmlformats.org/drawingml/2006/main" xmlns:r="http://schemas.openxmlformats.org/officeDocument/2006/relationships" xmlns:p="http://schemas.openxmlformats.org/presentationml/2006/main">
         <p:nvSpPr>
           <p:cNvPr id="3" name="Content Placeholder 2"/>
           <p:cNvSpPr>
@@ -6058,7 +6058,7 @@
           </a:p>
         </p:txBody>
       </p:sp>
-      <p:pic>
+      <p:pic xmlns:a="http://schemas.openxmlformats.org/drawingml/2006/main" xmlns:r="http://schemas.openxmlformats.org/officeDocument/2006/relationships" xmlns:p="http://schemas.openxmlformats.org/presentationml/2006/main">
         <p:nvPicPr>
           <p:cNvPr id="4" name="Content Placeholder 3" descr=""/>
           <p:cNvPicPr>
@@ -6084,7 +6084,7 @@
           </a:prstGeom>
         </p:spPr>
       </p:pic>
-      <p:sp>
+      <p:sp xmlns:a="http://schemas.openxmlformats.org/drawingml/2006/main" xmlns:r="http://schemas.openxmlformats.org/officeDocument/2006/relationships" xmlns:p="http://schemas.openxmlformats.org/presentationml/2006/main">
         <p:nvSpPr>
           <p:cNvPr id="5" name="Footer Placeholder 5"/>
           <p:cNvSpPr>
@@ -6106,7 +6106,7 @@
           <a:p>
             <a:r>
               <a:rPr/>
-              <a:t>script_IQSlidedeck.R | Date: 2024-10-03 11:57:36.691939</a:t>
+              <a:t>script_IQSlidedeck.R | Date: 2024-10-25 09:13:49</a:t>
             </a:r>
           </a:p>
         </p:txBody>
@@ -6136,7 +6136,7 @@
           <a:chExt cx="0" cy="0"/>
         </a:xfrm>
       </p:grpSpPr>
-      <p:sp>
+      <p:sp xmlns:a="http://schemas.openxmlformats.org/drawingml/2006/main" xmlns:r="http://schemas.openxmlformats.org/officeDocument/2006/relationships" xmlns:p="http://schemas.openxmlformats.org/presentationml/2006/main">
         <p:nvSpPr>
           <p:cNvPr id="2" name="Title 1"/>
           <p:cNvSpPr>
@@ -6163,7 +6163,7 @@
           </a:p>
         </p:txBody>
       </p:sp>
-      <p:sp>
+      <p:sp xmlns:a="http://schemas.openxmlformats.org/drawingml/2006/main" xmlns:r="http://schemas.openxmlformats.org/officeDocument/2006/relationships" xmlns:p="http://schemas.openxmlformats.org/presentationml/2006/main">
         <p:nvSpPr>
           <p:cNvPr id="3" name="Content Placeholder 2"/>
           <p:cNvSpPr>
@@ -6426,7 +6426,7 @@
           </a:p>
         </p:txBody>
       </p:sp>
-      <p:pic>
+      <p:pic xmlns:a="http://schemas.openxmlformats.org/drawingml/2006/main" xmlns:r="http://schemas.openxmlformats.org/officeDocument/2006/relationships" xmlns:p="http://schemas.openxmlformats.org/presentationml/2006/main">
         <p:nvPicPr>
           <p:cNvPr id="4" name="Content Placeholder 3" descr=""/>
           <p:cNvPicPr>
@@ -6452,7 +6452,7 @@
           </a:prstGeom>
         </p:spPr>
       </p:pic>
-      <p:sp>
+      <p:sp xmlns:a="http://schemas.openxmlformats.org/drawingml/2006/main" xmlns:r="http://schemas.openxmlformats.org/officeDocument/2006/relationships" xmlns:p="http://schemas.openxmlformats.org/presentationml/2006/main">
         <p:nvSpPr>
           <p:cNvPr id="5" name="Footer Placeholder 5"/>
           <p:cNvSpPr>
@@ -6474,7 +6474,7 @@
           <a:p>
             <a:r>
               <a:rPr/>
-              <a:t>script_IQSlidedeck.R | Date: 2024-10-03 11:57:37.544605</a:t>
+              <a:t>script_IQSlidedeck.R | Date: 2024-10-25 09:13:51</a:t>
             </a:r>
           </a:p>
         </p:txBody>
@@ -6504,7 +6504,7 @@
           <a:chExt cx="0" cy="0"/>
         </a:xfrm>
       </p:grpSpPr>
-      <p:sp>
+      <p:sp xmlns:a="http://schemas.openxmlformats.org/drawingml/2006/main" xmlns:r="http://schemas.openxmlformats.org/officeDocument/2006/relationships" xmlns:p="http://schemas.openxmlformats.org/presentationml/2006/main">
         <p:nvSpPr>
           <p:cNvPr id="2" name="Title 1"/>
           <p:cNvSpPr>
@@ -6531,7 +6531,7 @@
           </a:p>
         </p:txBody>
       </p:sp>
-      <p:pic>
+      <p:pic xmlns:a="http://schemas.openxmlformats.org/drawingml/2006/main" xmlns:r="http://schemas.openxmlformats.org/officeDocument/2006/relationships" xmlns:p="http://schemas.openxmlformats.org/presentationml/2006/main">
         <p:nvPicPr>
           <p:cNvPr id="3" name="Content Placeholder 2" descr=""/>
           <p:cNvPicPr>
@@ -6557,7 +6557,7 @@
           </a:prstGeom>
         </p:spPr>
       </p:pic>
-      <p:sp>
+      <p:sp xmlns:a="http://schemas.openxmlformats.org/drawingml/2006/main" xmlns:r="http://schemas.openxmlformats.org/officeDocument/2006/relationships" xmlns:p="http://schemas.openxmlformats.org/presentationml/2006/main">
         <p:nvSpPr>
           <p:cNvPr id="4" name="Content Placeholder 3"/>
           <p:cNvSpPr>
@@ -6820,7 +6820,7 @@
           </a:p>
         </p:txBody>
       </p:sp>
-      <p:sp>
+      <p:sp xmlns:a="http://schemas.openxmlformats.org/drawingml/2006/main" xmlns:r="http://schemas.openxmlformats.org/officeDocument/2006/relationships" xmlns:p="http://schemas.openxmlformats.org/presentationml/2006/main">
         <p:nvSpPr>
           <p:cNvPr id="5" name="Footer Placeholder 5"/>
           <p:cNvSpPr>
@@ -6842,7 +6842,7 @@
           <a:p>
             <a:r>
               <a:rPr/>
-              <a:t>script_IQSlidedeck.R | Date: 2024-10-03 11:57:38.573462</a:t>
+              <a:t>script_IQSlidedeck.R | Date: 2024-10-25 09:13:52</a:t>
             </a:r>
           </a:p>
         </p:txBody>
@@ -6872,7 +6872,7 @@
           <a:chExt cx="0" cy="0"/>
         </a:xfrm>
       </p:grpSpPr>
-      <p:sp>
+      <p:sp xmlns:a="http://schemas.openxmlformats.org/drawingml/2006/main" xmlns:r="http://schemas.openxmlformats.org/officeDocument/2006/relationships" xmlns:p="http://schemas.openxmlformats.org/presentationml/2006/main">
         <p:nvSpPr>
           <p:cNvPr id="2" name="Title 1"/>
           <p:cNvSpPr>
@@ -6924,7 +6924,7 @@
           <a:chExt cx="0" cy="0"/>
         </a:xfrm>
       </p:grpSpPr>
-      <p:sp>
+      <p:sp xmlns:a="http://schemas.openxmlformats.org/drawingml/2006/main" xmlns:r="http://schemas.openxmlformats.org/officeDocument/2006/relationships" xmlns:p="http://schemas.openxmlformats.org/presentationml/2006/main">
         <p:nvSpPr>
           <p:cNvPr id="2" name="Title 1"/>
           <p:cNvSpPr>
@@ -6951,7 +6951,7 @@
           </a:p>
         </p:txBody>
       </p:sp>
-      <p:sp>
+      <p:sp xmlns:a="http://schemas.openxmlformats.org/drawingml/2006/main" xmlns:r="http://schemas.openxmlformats.org/officeDocument/2006/relationships" xmlns:p="http://schemas.openxmlformats.org/presentationml/2006/main">
         <p:nvSpPr>
           <p:cNvPr id="3" name="Content Placeholder 2"/>
           <p:cNvSpPr>
@@ -6984,7 +6984,7 @@
           </a:p>
         </p:txBody>
       </p:sp>
-      <p:pic>
+      <p:pic xmlns:a="http://schemas.openxmlformats.org/drawingml/2006/main" xmlns:r="http://schemas.openxmlformats.org/officeDocument/2006/relationships" xmlns:p="http://schemas.openxmlformats.org/presentationml/2006/main">
         <p:nvPicPr>
           <p:cNvPr id="4" name="Content Placeholder 3" descr=""/>
           <p:cNvPicPr>
@@ -7010,7 +7010,7 @@
           </a:prstGeom>
         </p:spPr>
       </p:pic>
-      <p:sp>
+      <p:sp xmlns:a="http://schemas.openxmlformats.org/drawingml/2006/main" xmlns:r="http://schemas.openxmlformats.org/officeDocument/2006/relationships" xmlns:p="http://schemas.openxmlformats.org/presentationml/2006/main">
         <p:nvSpPr>
           <p:cNvPr id="5" name="Footer Placeholder 5"/>
           <p:cNvSpPr>
@@ -7032,7 +7032,7 @@
           <a:p>
             <a:r>
               <a:rPr/>
-              <a:t>script_IQSlidedeck.R | Date: 2024-10-03 11:57:47.755544</a:t>
+              <a:t>script_IQSlidedeck.R | Date: 2024-10-25 09:14:00</a:t>
             </a:r>
           </a:p>
         </p:txBody>
@@ -7062,7 +7062,7 @@
           <a:chExt cx="0" cy="0"/>
         </a:xfrm>
       </p:grpSpPr>
-      <p:sp>
+      <p:sp xmlns:a="http://schemas.openxmlformats.org/drawingml/2006/main" xmlns:r="http://schemas.openxmlformats.org/officeDocument/2006/relationships" xmlns:p="http://schemas.openxmlformats.org/presentationml/2006/main">
         <p:nvSpPr>
           <p:cNvPr id="2" name="Title 1"/>
           <p:cNvSpPr>
@@ -7089,7 +7089,7 @@
           </a:p>
         </p:txBody>
       </p:sp>
-      <p:pic>
+      <p:pic xmlns:a="http://schemas.openxmlformats.org/drawingml/2006/main" xmlns:r="http://schemas.openxmlformats.org/officeDocument/2006/relationships" xmlns:p="http://schemas.openxmlformats.org/presentationml/2006/main">
         <p:nvPicPr>
           <p:cNvPr id="3" name="Content Placeholder 2" descr=""/>
           <p:cNvPicPr>
@@ -7115,7 +7115,7 @@
           </a:prstGeom>
         </p:spPr>
       </p:pic>
-      <p:pic>
+      <p:pic xmlns:a="http://schemas.openxmlformats.org/drawingml/2006/main" xmlns:r="http://schemas.openxmlformats.org/officeDocument/2006/relationships" xmlns:p="http://schemas.openxmlformats.org/presentationml/2006/main">
         <p:nvPicPr>
           <p:cNvPr id="4" name="Content Placeholder 3" descr=""/>
           <p:cNvPicPr>
@@ -7141,7 +7141,7 @@
           </a:prstGeom>
         </p:spPr>
       </p:pic>
-      <p:sp>
+      <p:sp xmlns:a="http://schemas.openxmlformats.org/drawingml/2006/main" xmlns:r="http://schemas.openxmlformats.org/officeDocument/2006/relationships" xmlns:p="http://schemas.openxmlformats.org/presentationml/2006/main">
         <p:nvSpPr>
           <p:cNvPr id="5" name="Footer Placeholder 5"/>
           <p:cNvSpPr>
@@ -7163,7 +7163,7 @@
           <a:p>
             <a:r>
               <a:rPr/>
-              <a:t>script_IQSlidedeck.R | Date: 2024-10-03 11:57:47.794485</a:t>
+              <a:t>script_IQSlidedeck.R | Date: 2024-10-25 09:14:00</a:t>
             </a:r>
           </a:p>
         </p:txBody>
@@ -7193,7 +7193,7 @@
           <a:chExt cx="0" cy="0"/>
         </a:xfrm>
       </p:grpSpPr>
-      <p:sp>
+      <p:sp xmlns:a="http://schemas.openxmlformats.org/drawingml/2006/main" xmlns:r="http://schemas.openxmlformats.org/officeDocument/2006/relationships" xmlns:p="http://schemas.openxmlformats.org/presentationml/2006/main">
         <p:nvSpPr>
           <p:cNvPr id="2" name="Title 1"/>
           <p:cNvSpPr>
@@ -7220,7 +7220,7 @@
           </a:p>
         </p:txBody>
       </p:sp>
-      <p:pic>
+      <p:pic xmlns:a="http://schemas.openxmlformats.org/drawingml/2006/main" xmlns:r="http://schemas.openxmlformats.org/officeDocument/2006/relationships" xmlns:p="http://schemas.openxmlformats.org/presentationml/2006/main">
         <p:nvPicPr>
           <p:cNvPr id="3" name="Content Placeholder 2" descr=""/>
           <p:cNvPicPr>
@@ -7246,7 +7246,7 @@
           </a:prstGeom>
         </p:spPr>
       </p:pic>
-      <p:sp>
+      <p:sp xmlns:a="http://schemas.openxmlformats.org/drawingml/2006/main" xmlns:r="http://schemas.openxmlformats.org/officeDocument/2006/relationships" xmlns:p="http://schemas.openxmlformats.org/presentationml/2006/main">
         <p:nvSpPr>
           <p:cNvPr id="4" name="Content Placeholder 3"/>
           <p:cNvSpPr>
@@ -7301,7 +7301,7 @@
           </a:p>
         </p:txBody>
       </p:sp>
-      <p:sp>
+      <p:sp xmlns:a="http://schemas.openxmlformats.org/drawingml/2006/main" xmlns:r="http://schemas.openxmlformats.org/officeDocument/2006/relationships" xmlns:p="http://schemas.openxmlformats.org/presentationml/2006/main">
         <p:nvSpPr>
           <p:cNvPr id="5" name="Footer Placeholder 5"/>
           <p:cNvSpPr>
@@ -7323,7 +7323,7 @@
           <a:p>
             <a:r>
               <a:rPr/>
-              <a:t>script_IQSlidedeck.R | Date: 2024-10-03 11:57:47.830845</a:t>
+              <a:t>script_IQSlidedeck.R | Date: 2024-10-25 09:14:00</a:t>
             </a:r>
           </a:p>
         </p:txBody>
@@ -7353,7 +7353,7 @@
           <a:chExt cx="0" cy="0"/>
         </a:xfrm>
       </p:grpSpPr>
-      <p:sp>
+      <p:sp xmlns:a="http://schemas.openxmlformats.org/drawingml/2006/main" xmlns:r="http://schemas.openxmlformats.org/officeDocument/2006/relationships" xmlns:p="http://schemas.openxmlformats.org/presentationml/2006/main">
         <p:nvSpPr>
           <p:cNvPr id="2" name="Title 1"/>
           <p:cNvSpPr>
@@ -7380,7 +7380,7 @@
           </a:p>
         </p:txBody>
       </p:sp>
-      <p:sp>
+      <p:sp xmlns:a="http://schemas.openxmlformats.org/drawingml/2006/main" xmlns:r="http://schemas.openxmlformats.org/officeDocument/2006/relationships" xmlns:p="http://schemas.openxmlformats.org/presentationml/2006/main">
         <p:nvSpPr>
           <p:cNvPr id="3" name="Content Placeholder 2"/>
           <p:cNvSpPr>
@@ -7413,7 +7413,7 @@
           </a:p>
         </p:txBody>
       </p:sp>
-      <p:pic>
+      <p:pic xmlns:a="http://schemas.openxmlformats.org/drawingml/2006/main" xmlns:r="http://schemas.openxmlformats.org/officeDocument/2006/relationships" xmlns:p="http://schemas.openxmlformats.org/presentationml/2006/main">
         <p:nvPicPr>
           <p:cNvPr id="4" name="Content Placeholder 3" descr=""/>
           <p:cNvPicPr>
@@ -7439,7 +7439,7 @@
           </a:prstGeom>
         </p:spPr>
       </p:pic>
-      <p:sp>
+      <p:sp xmlns:a="http://schemas.openxmlformats.org/drawingml/2006/main" xmlns:r="http://schemas.openxmlformats.org/officeDocument/2006/relationships" xmlns:p="http://schemas.openxmlformats.org/presentationml/2006/main">
         <p:nvSpPr>
           <p:cNvPr id="5" name="Footer Placeholder 5"/>
           <p:cNvSpPr>
@@ -7461,7 +7461,7 @@
           <a:p>
             <a:r>
               <a:rPr/>
-              <a:t>script_IQSlidedeck.R | Date: 2024-10-03 11:57:47.865052</a:t>
+              <a:t>script_IQSlidedeck.R | Date: 2024-10-25 09:14:00</a:t>
             </a:r>
           </a:p>
         </p:txBody>
@@ -7491,7 +7491,7 @@
           <a:chExt cx="0" cy="0"/>
         </a:xfrm>
       </p:grpSpPr>
-      <p:sp>
+      <p:sp xmlns:a="http://schemas.openxmlformats.org/drawingml/2006/main" xmlns:r="http://schemas.openxmlformats.org/officeDocument/2006/relationships" xmlns:p="http://schemas.openxmlformats.org/presentationml/2006/main">
         <p:nvSpPr>
           <p:cNvPr id="2" name="Title 1"/>
           <p:cNvSpPr>
@@ -7543,7 +7543,7 @@
           <a:chExt cx="0" cy="0"/>
         </a:xfrm>
       </p:grpSpPr>
-      <p:sp>
+      <p:sp xmlns:a="http://schemas.openxmlformats.org/drawingml/2006/main" xmlns:r="http://schemas.openxmlformats.org/officeDocument/2006/relationships" xmlns:p="http://schemas.openxmlformats.org/presentationml/2006/main">
         <p:nvSpPr>
           <p:cNvPr id="2" name="Title 1"/>
           <p:cNvSpPr>
@@ -7570,7 +7570,7 @@
           </a:p>
         </p:txBody>
       </p:sp>
-      <p:sp>
+      <p:sp xmlns:a="http://schemas.openxmlformats.org/drawingml/2006/main" xmlns:r="http://schemas.openxmlformats.org/officeDocument/2006/relationships" xmlns:p="http://schemas.openxmlformats.org/presentationml/2006/main">
         <p:nvSpPr>
           <p:cNvPr id="3" name="Content Placeholder 2"/>
           <p:cNvSpPr>
@@ -7824,7 +7824,7 @@
           </a:p>
         </p:txBody>
       </p:sp>
-      <p:pic>
+      <p:pic xmlns:a="http://schemas.openxmlformats.org/drawingml/2006/main" xmlns:r="http://schemas.openxmlformats.org/officeDocument/2006/relationships" xmlns:p="http://schemas.openxmlformats.org/presentationml/2006/main">
         <p:nvPicPr>
           <p:cNvPr id="4" name="Content Placeholder 3" descr=""/>
           <p:cNvPicPr>
@@ -7850,7 +7850,7 @@
           </a:prstGeom>
         </p:spPr>
       </p:pic>
-      <p:sp>
+      <p:sp xmlns:a="http://schemas.openxmlformats.org/drawingml/2006/main" xmlns:r="http://schemas.openxmlformats.org/officeDocument/2006/relationships" xmlns:p="http://schemas.openxmlformats.org/presentationml/2006/main">
         <p:nvSpPr>
           <p:cNvPr id="5" name="Text Placeholder 2"/>
           <p:cNvSpPr>
@@ -7878,7 +7878,7 @@
           </a:p>
         </p:txBody>
       </p:sp>
-      <p:sp>
+      <p:sp xmlns:a="http://schemas.openxmlformats.org/drawingml/2006/main" xmlns:r="http://schemas.openxmlformats.org/officeDocument/2006/relationships" xmlns:p="http://schemas.openxmlformats.org/presentationml/2006/main">
         <p:nvSpPr>
           <p:cNvPr id="6" name="Footer Placeholder 5"/>
           <p:cNvSpPr>
@@ -7900,7 +7900,7 @@
           <a:p>
             <a:r>
               <a:rPr/>
-              <a:t>IQSlidedeck_IQRobjects.R | Date: 2024-10-03 11:58:19.273812</a:t>
+              <a:t>IQSlidedeck_IQRobjects.R | Date: 2024-10-25 09:14:28</a:t>
             </a:r>
           </a:p>
         </p:txBody>
@@ -7930,7 +7930,7 @@
           <a:chExt cx="0" cy="0"/>
         </a:xfrm>
       </p:grpSpPr>
-      <p:sp>
+      <p:sp xmlns:a="http://schemas.openxmlformats.org/drawingml/2006/main" xmlns:r="http://schemas.openxmlformats.org/officeDocument/2006/relationships" xmlns:p="http://schemas.openxmlformats.org/presentationml/2006/main">
         <p:nvSpPr>
           <p:cNvPr id="2" name="Title 1"/>
           <p:cNvSpPr>
@@ -7982,7 +7982,7 @@
           <a:chExt cx="0" cy="0"/>
         </a:xfrm>
       </p:grpSpPr>
-      <p:sp>
+      <p:sp xmlns:a="http://schemas.openxmlformats.org/drawingml/2006/main" xmlns:r="http://schemas.openxmlformats.org/officeDocument/2006/relationships" xmlns:p="http://schemas.openxmlformats.org/presentationml/2006/main">
         <p:nvSpPr>
           <p:cNvPr id="2" name="Title 1"/>
           <p:cNvSpPr>
@@ -8009,7 +8009,7 @@
           </a:p>
         </p:txBody>
       </p:sp>
-      <p:sp>
+      <p:sp xmlns:a="http://schemas.openxmlformats.org/drawingml/2006/main" xmlns:r="http://schemas.openxmlformats.org/officeDocument/2006/relationships" xmlns:p="http://schemas.openxmlformats.org/presentationml/2006/main">
         <p:nvSpPr>
           <p:cNvPr id="3" name="Content Placeholder 2"/>
           <p:cNvSpPr>
@@ -8263,7 +8263,7 @@
           </a:p>
         </p:txBody>
       </p:sp>
-      <p:pic>
+      <p:pic xmlns:a="http://schemas.openxmlformats.org/drawingml/2006/main" xmlns:r="http://schemas.openxmlformats.org/officeDocument/2006/relationships" xmlns:p="http://schemas.openxmlformats.org/presentationml/2006/main">
         <p:nvPicPr>
           <p:cNvPr id="4" name="Content Placeholder 3" descr=""/>
           <p:cNvPicPr>
@@ -8289,7 +8289,7 @@
           </a:prstGeom>
         </p:spPr>
       </p:pic>
-      <p:sp>
+      <p:sp xmlns:a="http://schemas.openxmlformats.org/drawingml/2006/main" xmlns:r="http://schemas.openxmlformats.org/officeDocument/2006/relationships" xmlns:p="http://schemas.openxmlformats.org/presentationml/2006/main">
         <p:nvSpPr>
           <p:cNvPr id="5" name="Text Placeholder 2"/>
           <p:cNvSpPr>
@@ -8317,7 +8317,7 @@
           </a:p>
         </p:txBody>
       </p:sp>
-      <p:sp>
+      <p:sp xmlns:a="http://schemas.openxmlformats.org/drawingml/2006/main" xmlns:r="http://schemas.openxmlformats.org/officeDocument/2006/relationships" xmlns:p="http://schemas.openxmlformats.org/presentationml/2006/main">
         <p:nvSpPr>
           <p:cNvPr id="6" name="Footer Placeholder 5"/>
           <p:cNvSpPr>
@@ -8339,7 +8339,7 @@
           <a:p>
             <a:r>
               <a:rPr/>
-              <a:t>IQSlidedeck_IQRobjects.R | Date: 2024-10-03 11:58:19.546171</a:t>
+              <a:t>IQSlidedeck_IQRobjects.R | Date: 2024-10-25 09:14:28</a:t>
             </a:r>
           </a:p>
         </p:txBody>
@@ -8369,7 +8369,7 @@
           <a:chExt cx="0" cy="0"/>
         </a:xfrm>
       </p:grpSpPr>
-      <p:sp>
+      <p:sp xmlns:a="http://schemas.openxmlformats.org/drawingml/2006/main" xmlns:r="http://schemas.openxmlformats.org/officeDocument/2006/relationships" xmlns:p="http://schemas.openxmlformats.org/presentationml/2006/main">
         <p:nvSpPr>
           <p:cNvPr id="2" name="Title 1"/>
           <p:cNvSpPr>
@@ -8396,7 +8396,7 @@
           </a:p>
         </p:txBody>
       </p:sp>
-      <p:sp>
+      <p:sp xmlns:a="http://schemas.openxmlformats.org/drawingml/2006/main" xmlns:r="http://schemas.openxmlformats.org/officeDocument/2006/relationships" xmlns:p="http://schemas.openxmlformats.org/presentationml/2006/main">
         <p:nvSpPr>
           <p:cNvPr id="3" name="Content Placeholder 2"/>
           <p:cNvSpPr>
@@ -8650,7 +8650,7 @@
           </a:p>
         </p:txBody>
       </p:sp>
-      <p:pic>
+      <p:pic xmlns:a="http://schemas.openxmlformats.org/drawingml/2006/main" xmlns:r="http://schemas.openxmlformats.org/officeDocument/2006/relationships" xmlns:p="http://schemas.openxmlformats.org/presentationml/2006/main">
         <p:nvPicPr>
           <p:cNvPr id="4" name="Content Placeholder 3" descr=""/>
           <p:cNvPicPr>
@@ -8676,7 +8676,7 @@
           </a:prstGeom>
         </p:spPr>
       </p:pic>
-      <p:sp>
+      <p:sp xmlns:a="http://schemas.openxmlformats.org/drawingml/2006/main" xmlns:r="http://schemas.openxmlformats.org/officeDocument/2006/relationships" xmlns:p="http://schemas.openxmlformats.org/presentationml/2006/main">
         <p:nvSpPr>
           <p:cNvPr id="5" name="Text Placeholder 2"/>
           <p:cNvSpPr>
@@ -8704,7 +8704,7 @@
           </a:p>
         </p:txBody>
       </p:sp>
-      <p:sp>
+      <p:sp xmlns:a="http://schemas.openxmlformats.org/drawingml/2006/main" xmlns:r="http://schemas.openxmlformats.org/officeDocument/2006/relationships" xmlns:p="http://schemas.openxmlformats.org/presentationml/2006/main">
         <p:nvSpPr>
           <p:cNvPr id="6" name="Footer Placeholder 5"/>
           <p:cNvSpPr>
@@ -8726,7 +8726,7 @@
           <a:p>
             <a:r>
               <a:rPr/>
-              <a:t>IQSlidedeck_IQRobjects.R | Date: 2024-10-03 11:58:19.796632</a:t>
+              <a:t>IQSlidedeck_IQRobjects.R | Date: 2024-10-25 09:14:28</a:t>
             </a:r>
           </a:p>
         </p:txBody>
@@ -8756,7 +8756,7 @@
           <a:chExt cx="0" cy="0"/>
         </a:xfrm>
       </p:grpSpPr>
-      <p:sp>
+      <p:sp xmlns:a="http://schemas.openxmlformats.org/drawingml/2006/main" xmlns:r="http://schemas.openxmlformats.org/officeDocument/2006/relationships" xmlns:p="http://schemas.openxmlformats.org/presentationml/2006/main">
         <p:nvSpPr>
           <p:cNvPr id="2" name="Title 1"/>
           <p:cNvSpPr>
@@ -8783,7 +8783,7 @@
           </a:p>
         </p:txBody>
       </p:sp>
-      <p:sp>
+      <p:sp xmlns:a="http://schemas.openxmlformats.org/drawingml/2006/main" xmlns:r="http://schemas.openxmlformats.org/officeDocument/2006/relationships" xmlns:p="http://schemas.openxmlformats.org/presentationml/2006/main">
         <p:nvSpPr>
           <p:cNvPr id="3" name="Content Placeholder 2"/>
           <p:cNvSpPr>
@@ -8995,7 +8995,7 @@
           </a:p>
         </p:txBody>
       </p:sp>
-      <p:pic>
+      <p:pic xmlns:a="http://schemas.openxmlformats.org/drawingml/2006/main" xmlns:r="http://schemas.openxmlformats.org/officeDocument/2006/relationships" xmlns:p="http://schemas.openxmlformats.org/presentationml/2006/main">
         <p:nvPicPr>
           <p:cNvPr id="4" name="Content Placeholder 3" descr=""/>
           <p:cNvPicPr>
@@ -9021,7 +9021,7 @@
           </a:prstGeom>
         </p:spPr>
       </p:pic>
-      <p:sp>
+      <p:sp xmlns:a="http://schemas.openxmlformats.org/drawingml/2006/main" xmlns:r="http://schemas.openxmlformats.org/officeDocument/2006/relationships" xmlns:p="http://schemas.openxmlformats.org/presentationml/2006/main">
         <p:nvSpPr>
           <p:cNvPr id="5" name="Text Placeholder 2"/>
           <p:cNvSpPr>
@@ -9049,7 +9049,7 @@
           </a:p>
         </p:txBody>
       </p:sp>
-      <p:sp>
+      <p:sp xmlns:a="http://schemas.openxmlformats.org/drawingml/2006/main" xmlns:r="http://schemas.openxmlformats.org/officeDocument/2006/relationships" xmlns:p="http://schemas.openxmlformats.org/presentationml/2006/main">
         <p:nvSpPr>
           <p:cNvPr id="6" name="Footer Placeholder 5"/>
           <p:cNvSpPr>
@@ -9071,7 +9071,7 @@
           <a:p>
             <a:r>
               <a:rPr/>
-              <a:t>IQSlidedeck_IQRobjects.R | Date: 2024-10-03 11:58:20.942075</a:t>
+              <a:t>IQSlidedeck_IQRobjects.R | Date: 2024-10-25 09:14:29</a:t>
             </a:r>
           </a:p>
         </p:txBody>
@@ -9101,7 +9101,7 @@
           <a:chExt cx="0" cy="0"/>
         </a:xfrm>
       </p:grpSpPr>
-      <p:sp>
+      <p:sp xmlns:a="http://schemas.openxmlformats.org/drawingml/2006/main" xmlns:r="http://schemas.openxmlformats.org/officeDocument/2006/relationships" xmlns:p="http://schemas.openxmlformats.org/presentationml/2006/main">
         <p:nvSpPr>
           <p:cNvPr id="2" name="Title 1"/>
           <p:cNvSpPr>
@@ -9128,7 +9128,7 @@
           </a:p>
         </p:txBody>
       </p:sp>
-      <p:pic>
+      <p:pic xmlns:a="http://schemas.openxmlformats.org/drawingml/2006/main" xmlns:r="http://schemas.openxmlformats.org/officeDocument/2006/relationships" xmlns:p="http://schemas.openxmlformats.org/presentationml/2006/main">
         <p:nvPicPr>
           <p:cNvPr id="3" name="Content Placeholder 2" descr=""/>
           <p:cNvPicPr>
@@ -9154,7 +9154,7 @@
           </a:prstGeom>
         </p:spPr>
       </p:pic>
-      <p:sp>
+      <p:sp xmlns:a="http://schemas.openxmlformats.org/drawingml/2006/main" xmlns:r="http://schemas.openxmlformats.org/officeDocument/2006/relationships" xmlns:p="http://schemas.openxmlformats.org/presentationml/2006/main">
         <p:nvSpPr>
           <p:cNvPr id="4" name="Text Placeholder 8"/>
           <p:cNvSpPr>
@@ -9182,7 +9182,7 @@
           </a:p>
         </p:txBody>
       </p:sp>
-      <p:sp>
+      <p:sp xmlns:a="http://schemas.openxmlformats.org/drawingml/2006/main" xmlns:r="http://schemas.openxmlformats.org/officeDocument/2006/relationships" xmlns:p="http://schemas.openxmlformats.org/presentationml/2006/main">
         <p:nvSpPr>
           <p:cNvPr id="5" name="Footer Placeholder 4"/>
           <p:cNvSpPr>
@@ -9204,7 +9204,7 @@
           <a:p>
             <a:r>
               <a:rPr/>
-              <a:t>IQSlidedeck_IQRobjects.R | Date: 2024-10-03 11:58:22.526746</a:t>
+              <a:t>IQSlidedeck_IQRobjects.R | Date: 2024-10-25 09:14:31</a:t>
             </a:r>
           </a:p>
         </p:txBody>
@@ -9234,7 +9234,7 @@
           <a:chExt cx="0" cy="0"/>
         </a:xfrm>
       </p:grpSpPr>
-      <p:sp>
+      <p:sp xmlns:a="http://schemas.openxmlformats.org/drawingml/2006/main" xmlns:r="http://schemas.openxmlformats.org/officeDocument/2006/relationships" xmlns:p="http://schemas.openxmlformats.org/presentationml/2006/main">
         <p:nvSpPr>
           <p:cNvPr id="2" name="Title 1"/>
           <p:cNvSpPr>
@@ -9261,7 +9261,7 @@
           </a:p>
         </p:txBody>
       </p:sp>
-      <p:pic>
+      <p:pic xmlns:a="http://schemas.openxmlformats.org/drawingml/2006/main" xmlns:r="http://schemas.openxmlformats.org/officeDocument/2006/relationships" xmlns:p="http://schemas.openxmlformats.org/presentationml/2006/main">
         <p:nvPicPr>
           <p:cNvPr id="3" name="Content Placeholder 2" descr=""/>
           <p:cNvPicPr>
@@ -9287,7 +9287,7 @@
           </a:prstGeom>
         </p:spPr>
       </p:pic>
-      <p:sp>
+      <p:sp xmlns:a="http://schemas.openxmlformats.org/drawingml/2006/main" xmlns:r="http://schemas.openxmlformats.org/officeDocument/2006/relationships" xmlns:p="http://schemas.openxmlformats.org/presentationml/2006/main">
         <p:nvSpPr>
           <p:cNvPr id="4" name="Text Placeholder 8"/>
           <p:cNvSpPr>
@@ -9315,7 +9315,7 @@
           </a:p>
         </p:txBody>
       </p:sp>
-      <p:sp>
+      <p:sp xmlns:a="http://schemas.openxmlformats.org/drawingml/2006/main" xmlns:r="http://schemas.openxmlformats.org/officeDocument/2006/relationships" xmlns:p="http://schemas.openxmlformats.org/presentationml/2006/main">
         <p:nvSpPr>
           <p:cNvPr id="5" name="Footer Placeholder 4"/>
           <p:cNvSpPr>
@@ -9337,7 +9337,7 @@
           <a:p>
             <a:r>
               <a:rPr/>
-              <a:t>IQSlidedeck_IQRobjects.R | Date: 2024-10-03 11:58:23.673422</a:t>
+              <a:t>IQSlidedeck_IQRobjects.R | Date: 2024-10-25 09:14:32</a:t>
             </a:r>
           </a:p>
         </p:txBody>
@@ -9367,7 +9367,7 @@
           <a:chExt cx="0" cy="0"/>
         </a:xfrm>
       </p:grpSpPr>
-      <p:sp>
+      <p:sp xmlns:a="http://schemas.openxmlformats.org/drawingml/2006/main" xmlns:r="http://schemas.openxmlformats.org/officeDocument/2006/relationships" xmlns:p="http://schemas.openxmlformats.org/presentationml/2006/main">
         <p:nvSpPr>
           <p:cNvPr id="2" name="Title 1"/>
           <p:cNvSpPr>
@@ -9394,7 +9394,7 @@
           </a:p>
         </p:txBody>
       </p:sp>
-      <p:pic>
+      <p:pic xmlns:a="http://schemas.openxmlformats.org/drawingml/2006/main" xmlns:r="http://schemas.openxmlformats.org/officeDocument/2006/relationships" xmlns:p="http://schemas.openxmlformats.org/presentationml/2006/main">
         <p:nvPicPr>
           <p:cNvPr id="3" name="Content Placeholder 2" descr=""/>
           <p:cNvPicPr>
@@ -9420,7 +9420,7 @@
           </a:prstGeom>
         </p:spPr>
       </p:pic>
-      <p:sp>
+      <p:sp xmlns:a="http://schemas.openxmlformats.org/drawingml/2006/main" xmlns:r="http://schemas.openxmlformats.org/officeDocument/2006/relationships" xmlns:p="http://schemas.openxmlformats.org/presentationml/2006/main">
         <p:nvSpPr>
           <p:cNvPr id="4" name="Text Placeholder 2"/>
           <p:cNvSpPr>
@@ -9448,7 +9448,7 @@
           </a:p>
         </p:txBody>
       </p:sp>
-      <p:pic>
+      <p:pic xmlns:a="http://schemas.openxmlformats.org/drawingml/2006/main" xmlns:r="http://schemas.openxmlformats.org/officeDocument/2006/relationships" xmlns:p="http://schemas.openxmlformats.org/presentationml/2006/main">
         <p:nvPicPr>
           <p:cNvPr id="5" name="Content Placeholder 3" descr=""/>
           <p:cNvPicPr>
@@ -9474,7 +9474,7 @@
           </a:prstGeom>
         </p:spPr>
       </p:pic>
-      <p:sp>
+      <p:sp xmlns:a="http://schemas.openxmlformats.org/drawingml/2006/main" xmlns:r="http://schemas.openxmlformats.org/officeDocument/2006/relationships" xmlns:p="http://schemas.openxmlformats.org/presentationml/2006/main">
         <p:nvSpPr>
           <p:cNvPr id="6" name="Text Placeholder 3"/>
           <p:cNvSpPr>
@@ -9502,7 +9502,7 @@
           </a:p>
         </p:txBody>
       </p:sp>
-      <p:sp>
+      <p:sp xmlns:a="http://schemas.openxmlformats.org/drawingml/2006/main" xmlns:r="http://schemas.openxmlformats.org/officeDocument/2006/relationships" xmlns:p="http://schemas.openxmlformats.org/presentationml/2006/main">
         <p:nvSpPr>
           <p:cNvPr id="7" name="Footer Placeholder 5"/>
           <p:cNvSpPr>
@@ -9524,7 +9524,7 @@
           <a:p>
             <a:r>
               <a:rPr/>
-              <a:t>IQSlidedeck_IQRobjects.R | Date: 2024-10-03 11:58:24.739042</a:t>
+              <a:t>IQSlidedeck_IQRobjects.R | Date: 2024-10-25 09:14:34</a:t>
             </a:r>
           </a:p>
         </p:txBody>
@@ -9554,7 +9554,7 @@
           <a:chExt cx="0" cy="0"/>
         </a:xfrm>
       </p:grpSpPr>
-      <p:sp>
+      <p:sp xmlns:a="http://schemas.openxmlformats.org/drawingml/2006/main" xmlns:r="http://schemas.openxmlformats.org/officeDocument/2006/relationships" xmlns:p="http://schemas.openxmlformats.org/presentationml/2006/main">
         <p:nvSpPr>
           <p:cNvPr id="2" name="Title 1"/>
           <p:cNvSpPr>
@@ -9581,7 +9581,7 @@
           </a:p>
         </p:txBody>
       </p:sp>
-      <p:sp>
+      <p:sp xmlns:a="http://schemas.openxmlformats.org/drawingml/2006/main" xmlns:r="http://schemas.openxmlformats.org/officeDocument/2006/relationships" xmlns:p="http://schemas.openxmlformats.org/presentationml/2006/main">
         <p:nvSpPr>
           <p:cNvPr id="3" name="Content Placeholder 2"/>
           <p:cNvSpPr>
@@ -9614,7 +9614,7 @@
           </a:p>
         </p:txBody>
       </p:sp>
-      <p:sp>
+      <p:sp xmlns:a="http://schemas.openxmlformats.org/drawingml/2006/main" xmlns:r="http://schemas.openxmlformats.org/officeDocument/2006/relationships" xmlns:p="http://schemas.openxmlformats.org/presentationml/2006/main">
         <p:nvSpPr>
           <p:cNvPr id="4" name="Footer Placeholder 4"/>
           <p:cNvSpPr>
@@ -9636,7 +9636,7 @@
           <a:p>
             <a:r>
               <a:rPr/>
-              <a:t>script_IQSlidedeck.R | Date: 2024-10-03 11:57:35.957633</a:t>
+              <a:t>script_IQSlidedeck.R | Date: 2024-10-25 09:13:48</a:t>
             </a:r>
           </a:p>
         </p:txBody>
@@ -9666,7 +9666,7 @@
           <a:chExt cx="0" cy="0"/>
         </a:xfrm>
       </p:grpSpPr>
-      <p:sp>
+      <p:sp xmlns:a="http://schemas.openxmlformats.org/drawingml/2006/main" xmlns:r="http://schemas.openxmlformats.org/officeDocument/2006/relationships" xmlns:p="http://schemas.openxmlformats.org/presentationml/2006/main">
         <p:nvSpPr>
           <p:cNvPr id="2" name="Title 1"/>
           <p:cNvSpPr>
@@ -9718,7 +9718,7 @@
           <a:chExt cx="0" cy="0"/>
         </a:xfrm>
       </p:grpSpPr>
-      <p:sp>
+      <p:sp xmlns:a="http://schemas.openxmlformats.org/drawingml/2006/main" xmlns:r="http://schemas.openxmlformats.org/officeDocument/2006/relationships" xmlns:p="http://schemas.openxmlformats.org/presentationml/2006/main">
         <p:nvSpPr>
           <p:cNvPr id="2" name="Title 1"/>
           <p:cNvSpPr>
@@ -9745,7 +9745,7 @@
           </a:p>
         </p:txBody>
       </p:sp>
-      <p:sp>
+      <p:sp xmlns:a="http://schemas.openxmlformats.org/drawingml/2006/main" xmlns:r="http://schemas.openxmlformats.org/officeDocument/2006/relationships" xmlns:p="http://schemas.openxmlformats.org/presentationml/2006/main">
         <p:nvSpPr>
           <p:cNvPr id="3" name="Content Placeholder 2"/>
           <p:cNvSpPr>
@@ -9778,7 +9778,7 @@
           </a:p>
         </p:txBody>
       </p:sp>
-      <p:pic>
+      <p:pic xmlns:a="http://schemas.openxmlformats.org/drawingml/2006/main" xmlns:r="http://schemas.openxmlformats.org/officeDocument/2006/relationships" xmlns:p="http://schemas.openxmlformats.org/presentationml/2006/main">
         <p:nvPicPr>
           <p:cNvPr id="4" name="Content Placeholder 3" descr=""/>
           <p:cNvPicPr>
@@ -9804,7 +9804,7 @@
           </a:prstGeom>
         </p:spPr>
       </p:pic>
-      <p:sp>
+      <p:sp xmlns:a="http://schemas.openxmlformats.org/drawingml/2006/main" xmlns:r="http://schemas.openxmlformats.org/officeDocument/2006/relationships" xmlns:p="http://schemas.openxmlformats.org/presentationml/2006/main">
         <p:nvSpPr>
           <p:cNvPr id="5" name="Text Placeholder 2"/>
           <p:cNvSpPr>
@@ -9831,7 +9831,7 @@
           </a:p>
         </p:txBody>
       </p:sp>
-      <p:sp>
+      <p:sp xmlns:a="http://schemas.openxmlformats.org/drawingml/2006/main" xmlns:r="http://schemas.openxmlformats.org/officeDocument/2006/relationships" xmlns:p="http://schemas.openxmlformats.org/presentationml/2006/main">
         <p:nvSpPr>
           <p:cNvPr id="6" name="Footer Placeholder 5"/>
           <p:cNvSpPr>
@@ -9853,7 +9853,7 @@
           <a:p>
             <a:r>
               <a:rPr/>
-              <a:t>script_IQSlidedeck.R | Date: 2024-10-03 11:57:36.096123</a:t>
+              <a:t>script_IQSlidedeck.R | Date: 2024-10-25 09:13:48</a:t>
             </a:r>
           </a:p>
         </p:txBody>
@@ -9883,7 +9883,7 @@
           <a:chExt cx="0" cy="0"/>
         </a:xfrm>
       </p:grpSpPr>
-      <p:sp>
+      <p:sp xmlns:a="http://schemas.openxmlformats.org/drawingml/2006/main" xmlns:r="http://schemas.openxmlformats.org/officeDocument/2006/relationships" xmlns:p="http://schemas.openxmlformats.org/presentationml/2006/main">
         <p:nvSpPr>
           <p:cNvPr id="2" name="Title 1"/>
           <p:cNvSpPr>
@@ -9910,7 +9910,7 @@
           </a:p>
         </p:txBody>
       </p:sp>
-      <p:pic>
+      <p:pic xmlns:a="http://schemas.openxmlformats.org/drawingml/2006/main" xmlns:r="http://schemas.openxmlformats.org/officeDocument/2006/relationships" xmlns:p="http://schemas.openxmlformats.org/presentationml/2006/main">
         <p:nvPicPr>
           <p:cNvPr id="3" name="Content Placeholder 2" descr=""/>
           <p:cNvPicPr>
@@ -9936,7 +9936,7 @@
           </a:prstGeom>
         </p:spPr>
       </p:pic>
-      <p:sp>
+      <p:sp xmlns:a="http://schemas.openxmlformats.org/drawingml/2006/main" xmlns:r="http://schemas.openxmlformats.org/officeDocument/2006/relationships" xmlns:p="http://schemas.openxmlformats.org/presentationml/2006/main">
         <p:nvSpPr>
           <p:cNvPr id="4" name="Footer Placeholder 4"/>
           <p:cNvSpPr>
@@ -9958,7 +9958,7 @@
           <a:p>
             <a:r>
               <a:rPr/>
-              <a:t>script_IQSlidedeck.R | Date: 2024-10-03 11:57:39.334171</a:t>
+              <a:t>script_IQSlidedeck.R | Date: 2024-10-25 09:13:53</a:t>
             </a:r>
           </a:p>
         </p:txBody>
@@ -9988,7 +9988,7 @@
           <a:chExt cx="0" cy="0"/>
         </a:xfrm>
       </p:grpSpPr>
-      <p:sp>
+      <p:sp xmlns:a="http://schemas.openxmlformats.org/drawingml/2006/main" xmlns:r="http://schemas.openxmlformats.org/officeDocument/2006/relationships" xmlns:p="http://schemas.openxmlformats.org/presentationml/2006/main">
         <p:nvSpPr>
           <p:cNvPr id="2" name="Title 1"/>
           <p:cNvSpPr>
@@ -10015,7 +10015,7 @@
           </a:p>
         </p:txBody>
       </p:sp>
-      <p:pic>
+      <p:pic xmlns:a="http://schemas.openxmlformats.org/drawingml/2006/main" xmlns:r="http://schemas.openxmlformats.org/officeDocument/2006/relationships" xmlns:p="http://schemas.openxmlformats.org/presentationml/2006/main">
         <p:nvPicPr>
           <p:cNvPr id="3" name="Content Placeholder 2" descr=""/>
           <p:cNvPicPr>
@@ -10041,7 +10041,7 @@
           </a:prstGeom>
         </p:spPr>
       </p:pic>
-      <p:sp>
+      <p:sp xmlns:a="http://schemas.openxmlformats.org/drawingml/2006/main" xmlns:r="http://schemas.openxmlformats.org/officeDocument/2006/relationships" xmlns:p="http://schemas.openxmlformats.org/presentationml/2006/main">
         <p:nvSpPr>
           <p:cNvPr id="4" name="Footer Placeholder 4"/>
           <p:cNvSpPr>
@@ -10063,7 +10063,7 @@
           <a:p>
             <a:r>
               <a:rPr/>
-              <a:t>script_IQSlidedeck.R | Date: 2024-10-03 11:57:40.800531</a:t>
+              <a:t>script_IQSlidedeck.R | Date: 2024-10-25 09:13:53</a:t>
             </a:r>
           </a:p>
         </p:txBody>
@@ -10093,7 +10093,7 @@
           <a:chExt cx="0" cy="0"/>
         </a:xfrm>
       </p:grpSpPr>
-      <p:sp>
+      <p:sp xmlns:a="http://schemas.openxmlformats.org/drawingml/2006/main" xmlns:r="http://schemas.openxmlformats.org/officeDocument/2006/relationships" xmlns:p="http://schemas.openxmlformats.org/presentationml/2006/main">
         <p:nvSpPr>
           <p:cNvPr id="2" name="Title 1"/>
           <p:cNvSpPr>
@@ -10120,7 +10120,7 @@
           </a:p>
         </p:txBody>
       </p:sp>
-      <p:pic>
+      <p:pic xmlns:a="http://schemas.openxmlformats.org/drawingml/2006/main" xmlns:r="http://schemas.openxmlformats.org/officeDocument/2006/relationships" xmlns:p="http://schemas.openxmlformats.org/presentationml/2006/main">
         <p:nvPicPr>
           <p:cNvPr id="3" name="Content Placeholder 2" descr=""/>
           <p:cNvPicPr>
@@ -10146,7 +10146,7 @@
           </a:prstGeom>
         </p:spPr>
       </p:pic>
-      <p:sp>
+      <p:sp xmlns:a="http://schemas.openxmlformats.org/drawingml/2006/main" xmlns:r="http://schemas.openxmlformats.org/officeDocument/2006/relationships" xmlns:p="http://schemas.openxmlformats.org/presentationml/2006/main">
         <p:nvSpPr>
           <p:cNvPr id="4" name="Footer Placeholder 4"/>
           <p:cNvSpPr>
@@ -10168,7 +10168,7 @@
           <a:p>
             <a:r>
               <a:rPr/>
-              <a:t>script_IQSlidedeck.R | Date: 2024-10-03 11:57:47.295396</a:t>
+              <a:t>script_IQSlidedeck.R | Date: 2024-10-25 09:13:59</a:t>
             </a:r>
           </a:p>
         </p:txBody>
@@ -10198,7 +10198,7 @@
           <a:chExt cx="0" cy="0"/>
         </a:xfrm>
       </p:grpSpPr>
-      <p:sp>
+      <p:sp xmlns:a="http://schemas.openxmlformats.org/drawingml/2006/main" xmlns:r="http://schemas.openxmlformats.org/officeDocument/2006/relationships" xmlns:p="http://schemas.openxmlformats.org/presentationml/2006/main">
         <p:nvSpPr>
           <p:cNvPr id="2" name="Title 1"/>
           <p:cNvSpPr>

--- a/tests/testresults/script_IQSlidedeck_IQobjects_Default_16_9.pptx
+++ b/tests/testresults/script_IQSlidedeck_IQobjects_Default_16_9.pptx
@@ -4,7 +4,7 @@
   <p:sldMasterIdLst>
     <p:sldMasterId id="2147483648" r:id="rId1"/>
   </p:sldMasterIdLst>
-  <p:sldIdLst xmlns:a="http://schemas.openxmlformats.org/drawingml/2006/main" xmlns:r="http://schemas.openxmlformats.org/officeDocument/2006/relationships" xmlns:p="http://schemas.openxmlformats.org/presentationml/2006/main">
+  <p:sldIdLst>
     <p:sldId id="256" r:id="rId6"/>
     <p:sldId id="257" r:id="rId7"/>
     <p:sldId id="258" r:id="rId8"/>
@@ -5917,7 +5917,7 @@
           <a:chExt cx="0" cy="0"/>
         </a:xfrm>
       </p:grpSpPr>
-      <p:sp xmlns:a="http://schemas.openxmlformats.org/drawingml/2006/main" xmlns:r="http://schemas.openxmlformats.org/officeDocument/2006/relationships" xmlns:p="http://schemas.openxmlformats.org/presentationml/2006/main">
+      <p:sp>
         <p:nvSpPr>
           <p:cNvPr id="2" name="Title 1"/>
           <p:cNvSpPr>
@@ -5944,7 +5944,7 @@
           </a:p>
         </p:txBody>
       </p:sp>
-      <p:sp xmlns:a="http://schemas.openxmlformats.org/drawingml/2006/main" xmlns:r="http://schemas.openxmlformats.org/officeDocument/2006/relationships" xmlns:p="http://schemas.openxmlformats.org/presentationml/2006/main">
+      <p:sp>
         <p:nvSpPr>
           <p:cNvPr id="3" name="Subtitle 2"/>
           <p:cNvSpPr>
@@ -5968,7 +5968,7 @@
               <a:rPr/>
               <a:t>IQR Objects (non-QCed)
 Daniel Kaschek, IntiQuan
-2024-10-25</a:t>
+2025-04-23</a:t>
             </a:r>
           </a:p>
         </p:txBody>
@@ -5998,7 +5998,7 @@
           <a:chExt cx="0" cy="0"/>
         </a:xfrm>
       </p:grpSpPr>
-      <p:sp xmlns:a="http://schemas.openxmlformats.org/drawingml/2006/main" xmlns:r="http://schemas.openxmlformats.org/officeDocument/2006/relationships" xmlns:p="http://schemas.openxmlformats.org/presentationml/2006/main">
+      <p:sp>
         <p:nvSpPr>
           <p:cNvPr id="2" name="Title 1"/>
           <p:cNvSpPr>
@@ -6025,7 +6025,7 @@
           </a:p>
         </p:txBody>
       </p:sp>
-      <p:sp xmlns:a="http://schemas.openxmlformats.org/drawingml/2006/main" xmlns:r="http://schemas.openxmlformats.org/officeDocument/2006/relationships" xmlns:p="http://schemas.openxmlformats.org/presentationml/2006/main">
+      <p:sp>
         <p:nvSpPr>
           <p:cNvPr id="3" name="Content Placeholder 2"/>
           <p:cNvSpPr>
@@ -6058,7 +6058,7 @@
           </a:p>
         </p:txBody>
       </p:sp>
-      <p:pic xmlns:a="http://schemas.openxmlformats.org/drawingml/2006/main" xmlns:r="http://schemas.openxmlformats.org/officeDocument/2006/relationships" xmlns:p="http://schemas.openxmlformats.org/presentationml/2006/main">
+      <p:pic>
         <p:nvPicPr>
           <p:cNvPr id="4" name="Content Placeholder 3" descr=""/>
           <p:cNvPicPr>
@@ -6084,7 +6084,7 @@
           </a:prstGeom>
         </p:spPr>
       </p:pic>
-      <p:sp xmlns:a="http://schemas.openxmlformats.org/drawingml/2006/main" xmlns:r="http://schemas.openxmlformats.org/officeDocument/2006/relationships" xmlns:p="http://schemas.openxmlformats.org/presentationml/2006/main">
+      <p:sp>
         <p:nvSpPr>
           <p:cNvPr id="5" name="Footer Placeholder 5"/>
           <p:cNvSpPr>
@@ -6106,7 +6106,7 @@
           <a:p>
             <a:r>
               <a:rPr/>
-              <a:t>script_IQSlidedeck.R | Date: 2024-10-25 09:13:49</a:t>
+              <a:t>script_IQSlidedeck.R | Date: 2025-04-23 16:52:02.697434</a:t>
             </a:r>
           </a:p>
         </p:txBody>
@@ -6136,7 +6136,7 @@
           <a:chExt cx="0" cy="0"/>
         </a:xfrm>
       </p:grpSpPr>
-      <p:sp xmlns:a="http://schemas.openxmlformats.org/drawingml/2006/main" xmlns:r="http://schemas.openxmlformats.org/officeDocument/2006/relationships" xmlns:p="http://schemas.openxmlformats.org/presentationml/2006/main">
+      <p:sp>
         <p:nvSpPr>
           <p:cNvPr id="2" name="Title 1"/>
           <p:cNvSpPr>
@@ -6163,7 +6163,7 @@
           </a:p>
         </p:txBody>
       </p:sp>
-      <p:sp xmlns:a="http://schemas.openxmlformats.org/drawingml/2006/main" xmlns:r="http://schemas.openxmlformats.org/officeDocument/2006/relationships" xmlns:p="http://schemas.openxmlformats.org/presentationml/2006/main">
+      <p:sp>
         <p:nvSpPr>
           <p:cNvPr id="3" name="Content Placeholder 2"/>
           <p:cNvSpPr>
@@ -6426,7 +6426,7 @@
           </a:p>
         </p:txBody>
       </p:sp>
-      <p:pic xmlns:a="http://schemas.openxmlformats.org/drawingml/2006/main" xmlns:r="http://schemas.openxmlformats.org/officeDocument/2006/relationships" xmlns:p="http://schemas.openxmlformats.org/presentationml/2006/main">
+      <p:pic>
         <p:nvPicPr>
           <p:cNvPr id="4" name="Content Placeholder 3" descr=""/>
           <p:cNvPicPr>
@@ -6452,7 +6452,7 @@
           </a:prstGeom>
         </p:spPr>
       </p:pic>
-      <p:sp xmlns:a="http://schemas.openxmlformats.org/drawingml/2006/main" xmlns:r="http://schemas.openxmlformats.org/officeDocument/2006/relationships" xmlns:p="http://schemas.openxmlformats.org/presentationml/2006/main">
+      <p:sp>
         <p:nvSpPr>
           <p:cNvPr id="5" name="Footer Placeholder 5"/>
           <p:cNvSpPr>
@@ -6474,7 +6474,7 @@
           <a:p>
             <a:r>
               <a:rPr/>
-              <a:t>script_IQSlidedeck.R | Date: 2024-10-25 09:13:51</a:t>
+              <a:t>script_IQSlidedeck.R | Date: 2025-04-23 16:52:03.538924</a:t>
             </a:r>
           </a:p>
         </p:txBody>
@@ -6504,7 +6504,7 @@
           <a:chExt cx="0" cy="0"/>
         </a:xfrm>
       </p:grpSpPr>
-      <p:sp xmlns:a="http://schemas.openxmlformats.org/drawingml/2006/main" xmlns:r="http://schemas.openxmlformats.org/officeDocument/2006/relationships" xmlns:p="http://schemas.openxmlformats.org/presentationml/2006/main">
+      <p:sp>
         <p:nvSpPr>
           <p:cNvPr id="2" name="Title 1"/>
           <p:cNvSpPr>
@@ -6531,7 +6531,7 @@
           </a:p>
         </p:txBody>
       </p:sp>
-      <p:pic xmlns:a="http://schemas.openxmlformats.org/drawingml/2006/main" xmlns:r="http://schemas.openxmlformats.org/officeDocument/2006/relationships" xmlns:p="http://schemas.openxmlformats.org/presentationml/2006/main">
+      <p:pic>
         <p:nvPicPr>
           <p:cNvPr id="3" name="Content Placeholder 2" descr=""/>
           <p:cNvPicPr>
@@ -6557,7 +6557,7 @@
           </a:prstGeom>
         </p:spPr>
       </p:pic>
-      <p:sp xmlns:a="http://schemas.openxmlformats.org/drawingml/2006/main" xmlns:r="http://schemas.openxmlformats.org/officeDocument/2006/relationships" xmlns:p="http://schemas.openxmlformats.org/presentationml/2006/main">
+      <p:sp>
         <p:nvSpPr>
           <p:cNvPr id="4" name="Content Placeholder 3"/>
           <p:cNvSpPr>
@@ -6820,7 +6820,7 @@
           </a:p>
         </p:txBody>
       </p:sp>
-      <p:sp xmlns:a="http://schemas.openxmlformats.org/drawingml/2006/main" xmlns:r="http://schemas.openxmlformats.org/officeDocument/2006/relationships" xmlns:p="http://schemas.openxmlformats.org/presentationml/2006/main">
+      <p:sp>
         <p:nvSpPr>
           <p:cNvPr id="5" name="Footer Placeholder 5"/>
           <p:cNvSpPr>
@@ -6842,7 +6842,7 @@
           <a:p>
             <a:r>
               <a:rPr/>
-              <a:t>script_IQSlidedeck.R | Date: 2024-10-25 09:13:52</a:t>
+              <a:t>script_IQSlidedeck.R | Date: 2025-04-23 16:52:04.421185</a:t>
             </a:r>
           </a:p>
         </p:txBody>
@@ -6872,7 +6872,7 @@
           <a:chExt cx="0" cy="0"/>
         </a:xfrm>
       </p:grpSpPr>
-      <p:sp xmlns:a="http://schemas.openxmlformats.org/drawingml/2006/main" xmlns:r="http://schemas.openxmlformats.org/officeDocument/2006/relationships" xmlns:p="http://schemas.openxmlformats.org/presentationml/2006/main">
+      <p:sp>
         <p:nvSpPr>
           <p:cNvPr id="2" name="Title 1"/>
           <p:cNvSpPr>
@@ -6924,7 +6924,7 @@
           <a:chExt cx="0" cy="0"/>
         </a:xfrm>
       </p:grpSpPr>
-      <p:sp xmlns:a="http://schemas.openxmlformats.org/drawingml/2006/main" xmlns:r="http://schemas.openxmlformats.org/officeDocument/2006/relationships" xmlns:p="http://schemas.openxmlformats.org/presentationml/2006/main">
+      <p:sp>
         <p:nvSpPr>
           <p:cNvPr id="2" name="Title 1"/>
           <p:cNvSpPr>
@@ -6951,7 +6951,7 @@
           </a:p>
         </p:txBody>
       </p:sp>
-      <p:sp xmlns:a="http://schemas.openxmlformats.org/drawingml/2006/main" xmlns:r="http://schemas.openxmlformats.org/officeDocument/2006/relationships" xmlns:p="http://schemas.openxmlformats.org/presentationml/2006/main">
+      <p:sp>
         <p:nvSpPr>
           <p:cNvPr id="3" name="Content Placeholder 2"/>
           <p:cNvSpPr>
@@ -6984,7 +6984,7 @@
           </a:p>
         </p:txBody>
       </p:sp>
-      <p:pic xmlns:a="http://schemas.openxmlformats.org/drawingml/2006/main" xmlns:r="http://schemas.openxmlformats.org/officeDocument/2006/relationships" xmlns:p="http://schemas.openxmlformats.org/presentationml/2006/main">
+      <p:pic>
         <p:nvPicPr>
           <p:cNvPr id="4" name="Content Placeholder 3" descr=""/>
           <p:cNvPicPr>
@@ -7010,7 +7010,7 @@
           </a:prstGeom>
         </p:spPr>
       </p:pic>
-      <p:sp xmlns:a="http://schemas.openxmlformats.org/drawingml/2006/main" xmlns:r="http://schemas.openxmlformats.org/officeDocument/2006/relationships" xmlns:p="http://schemas.openxmlformats.org/presentationml/2006/main">
+      <p:sp>
         <p:nvSpPr>
           <p:cNvPr id="5" name="Footer Placeholder 5"/>
           <p:cNvSpPr>
@@ -7032,7 +7032,7 @@
           <a:p>
             <a:r>
               <a:rPr/>
-              <a:t>script_IQSlidedeck.R | Date: 2024-10-25 09:14:00</a:t>
+              <a:t>script_IQSlidedeck.R | Date: 2025-04-23 16:52:11.97824</a:t>
             </a:r>
           </a:p>
         </p:txBody>
@@ -7062,7 +7062,7 @@
           <a:chExt cx="0" cy="0"/>
         </a:xfrm>
       </p:grpSpPr>
-      <p:sp xmlns:a="http://schemas.openxmlformats.org/drawingml/2006/main" xmlns:r="http://schemas.openxmlformats.org/officeDocument/2006/relationships" xmlns:p="http://schemas.openxmlformats.org/presentationml/2006/main">
+      <p:sp>
         <p:nvSpPr>
           <p:cNvPr id="2" name="Title 1"/>
           <p:cNvSpPr>
@@ -7089,7 +7089,7 @@
           </a:p>
         </p:txBody>
       </p:sp>
-      <p:pic xmlns:a="http://schemas.openxmlformats.org/drawingml/2006/main" xmlns:r="http://schemas.openxmlformats.org/officeDocument/2006/relationships" xmlns:p="http://schemas.openxmlformats.org/presentationml/2006/main">
+      <p:pic>
         <p:nvPicPr>
           <p:cNvPr id="3" name="Content Placeholder 2" descr=""/>
           <p:cNvPicPr>
@@ -7115,7 +7115,7 @@
           </a:prstGeom>
         </p:spPr>
       </p:pic>
-      <p:pic xmlns:a="http://schemas.openxmlformats.org/drawingml/2006/main" xmlns:r="http://schemas.openxmlformats.org/officeDocument/2006/relationships" xmlns:p="http://schemas.openxmlformats.org/presentationml/2006/main">
+      <p:pic>
         <p:nvPicPr>
           <p:cNvPr id="4" name="Content Placeholder 3" descr=""/>
           <p:cNvPicPr>
@@ -7141,7 +7141,7 @@
           </a:prstGeom>
         </p:spPr>
       </p:pic>
-      <p:sp xmlns:a="http://schemas.openxmlformats.org/drawingml/2006/main" xmlns:r="http://schemas.openxmlformats.org/officeDocument/2006/relationships" xmlns:p="http://schemas.openxmlformats.org/presentationml/2006/main">
+      <p:sp>
         <p:nvSpPr>
           <p:cNvPr id="5" name="Footer Placeholder 5"/>
           <p:cNvSpPr>
@@ -7163,7 +7163,7 @@
           <a:p>
             <a:r>
               <a:rPr/>
-              <a:t>script_IQSlidedeck.R | Date: 2024-10-25 09:14:00</a:t>
+              <a:t>script_IQSlidedeck.R | Date: 2025-04-23 16:52:12.011498</a:t>
             </a:r>
           </a:p>
         </p:txBody>
@@ -7193,7 +7193,7 @@
           <a:chExt cx="0" cy="0"/>
         </a:xfrm>
       </p:grpSpPr>
-      <p:sp xmlns:a="http://schemas.openxmlformats.org/drawingml/2006/main" xmlns:r="http://schemas.openxmlformats.org/officeDocument/2006/relationships" xmlns:p="http://schemas.openxmlformats.org/presentationml/2006/main">
+      <p:sp>
         <p:nvSpPr>
           <p:cNvPr id="2" name="Title 1"/>
           <p:cNvSpPr>
@@ -7220,7 +7220,7 @@
           </a:p>
         </p:txBody>
       </p:sp>
-      <p:pic xmlns:a="http://schemas.openxmlformats.org/drawingml/2006/main" xmlns:r="http://schemas.openxmlformats.org/officeDocument/2006/relationships" xmlns:p="http://schemas.openxmlformats.org/presentationml/2006/main">
+      <p:pic>
         <p:nvPicPr>
           <p:cNvPr id="3" name="Content Placeholder 2" descr=""/>
           <p:cNvPicPr>
@@ -7246,7 +7246,7 @@
           </a:prstGeom>
         </p:spPr>
       </p:pic>
-      <p:sp xmlns:a="http://schemas.openxmlformats.org/drawingml/2006/main" xmlns:r="http://schemas.openxmlformats.org/officeDocument/2006/relationships" xmlns:p="http://schemas.openxmlformats.org/presentationml/2006/main">
+      <p:sp>
         <p:nvSpPr>
           <p:cNvPr id="4" name="Content Placeholder 3"/>
           <p:cNvSpPr>
@@ -7301,7 +7301,7 @@
           </a:p>
         </p:txBody>
       </p:sp>
-      <p:sp xmlns:a="http://schemas.openxmlformats.org/drawingml/2006/main" xmlns:r="http://schemas.openxmlformats.org/officeDocument/2006/relationships" xmlns:p="http://schemas.openxmlformats.org/presentationml/2006/main">
+      <p:sp>
         <p:nvSpPr>
           <p:cNvPr id="5" name="Footer Placeholder 5"/>
           <p:cNvSpPr>
@@ -7323,7 +7323,7 @@
           <a:p>
             <a:r>
               <a:rPr/>
-              <a:t>script_IQSlidedeck.R | Date: 2024-10-25 09:14:00</a:t>
+              <a:t>script_IQSlidedeck.R | Date: 2025-04-23 16:52:12.04445</a:t>
             </a:r>
           </a:p>
         </p:txBody>
@@ -7353,7 +7353,7 @@
           <a:chExt cx="0" cy="0"/>
         </a:xfrm>
       </p:grpSpPr>
-      <p:sp xmlns:a="http://schemas.openxmlformats.org/drawingml/2006/main" xmlns:r="http://schemas.openxmlformats.org/officeDocument/2006/relationships" xmlns:p="http://schemas.openxmlformats.org/presentationml/2006/main">
+      <p:sp>
         <p:nvSpPr>
           <p:cNvPr id="2" name="Title 1"/>
           <p:cNvSpPr>
@@ -7380,7 +7380,7 @@
           </a:p>
         </p:txBody>
       </p:sp>
-      <p:sp xmlns:a="http://schemas.openxmlformats.org/drawingml/2006/main" xmlns:r="http://schemas.openxmlformats.org/officeDocument/2006/relationships" xmlns:p="http://schemas.openxmlformats.org/presentationml/2006/main">
+      <p:sp>
         <p:nvSpPr>
           <p:cNvPr id="3" name="Content Placeholder 2"/>
           <p:cNvSpPr>
@@ -7413,7 +7413,7 @@
           </a:p>
         </p:txBody>
       </p:sp>
-      <p:pic xmlns:a="http://schemas.openxmlformats.org/drawingml/2006/main" xmlns:r="http://schemas.openxmlformats.org/officeDocument/2006/relationships" xmlns:p="http://schemas.openxmlformats.org/presentationml/2006/main">
+      <p:pic>
         <p:nvPicPr>
           <p:cNvPr id="4" name="Content Placeholder 3" descr=""/>
           <p:cNvPicPr>
@@ -7439,7 +7439,7 @@
           </a:prstGeom>
         </p:spPr>
       </p:pic>
-      <p:sp xmlns:a="http://schemas.openxmlformats.org/drawingml/2006/main" xmlns:r="http://schemas.openxmlformats.org/officeDocument/2006/relationships" xmlns:p="http://schemas.openxmlformats.org/presentationml/2006/main">
+      <p:sp>
         <p:nvSpPr>
           <p:cNvPr id="5" name="Footer Placeholder 5"/>
           <p:cNvSpPr>
@@ -7461,7 +7461,7 @@
           <a:p>
             <a:r>
               <a:rPr/>
-              <a:t>script_IQSlidedeck.R | Date: 2024-10-25 09:14:00</a:t>
+              <a:t>script_IQSlidedeck.R | Date: 2025-04-23 16:52:12.077639</a:t>
             </a:r>
           </a:p>
         </p:txBody>
@@ -7491,7 +7491,7 @@
           <a:chExt cx="0" cy="0"/>
         </a:xfrm>
       </p:grpSpPr>
-      <p:sp xmlns:a="http://schemas.openxmlformats.org/drawingml/2006/main" xmlns:r="http://schemas.openxmlformats.org/officeDocument/2006/relationships" xmlns:p="http://schemas.openxmlformats.org/presentationml/2006/main">
+      <p:sp>
         <p:nvSpPr>
           <p:cNvPr id="2" name="Title 1"/>
           <p:cNvSpPr>
@@ -7543,7 +7543,7 @@
           <a:chExt cx="0" cy="0"/>
         </a:xfrm>
       </p:grpSpPr>
-      <p:sp xmlns:a="http://schemas.openxmlformats.org/drawingml/2006/main" xmlns:r="http://schemas.openxmlformats.org/officeDocument/2006/relationships" xmlns:p="http://schemas.openxmlformats.org/presentationml/2006/main">
+      <p:sp>
         <p:nvSpPr>
           <p:cNvPr id="2" name="Title 1"/>
           <p:cNvSpPr>
@@ -7570,7 +7570,7 @@
           </a:p>
         </p:txBody>
       </p:sp>
-      <p:sp xmlns:a="http://schemas.openxmlformats.org/drawingml/2006/main" xmlns:r="http://schemas.openxmlformats.org/officeDocument/2006/relationships" xmlns:p="http://schemas.openxmlformats.org/presentationml/2006/main">
+      <p:sp>
         <p:nvSpPr>
           <p:cNvPr id="3" name="Content Placeholder 2"/>
           <p:cNvSpPr>
@@ -7824,7 +7824,7 @@
           </a:p>
         </p:txBody>
       </p:sp>
-      <p:pic xmlns:a="http://schemas.openxmlformats.org/drawingml/2006/main" xmlns:r="http://schemas.openxmlformats.org/officeDocument/2006/relationships" xmlns:p="http://schemas.openxmlformats.org/presentationml/2006/main">
+      <p:pic>
         <p:nvPicPr>
           <p:cNvPr id="4" name="Content Placeholder 3" descr=""/>
           <p:cNvPicPr>
@@ -7850,7 +7850,7 @@
           </a:prstGeom>
         </p:spPr>
       </p:pic>
-      <p:sp xmlns:a="http://schemas.openxmlformats.org/drawingml/2006/main" xmlns:r="http://schemas.openxmlformats.org/officeDocument/2006/relationships" xmlns:p="http://schemas.openxmlformats.org/presentationml/2006/main">
+      <p:sp>
         <p:nvSpPr>
           <p:cNvPr id="5" name="Text Placeholder 2"/>
           <p:cNvSpPr>
@@ -7878,7 +7878,7 @@
           </a:p>
         </p:txBody>
       </p:sp>
-      <p:sp xmlns:a="http://schemas.openxmlformats.org/drawingml/2006/main" xmlns:r="http://schemas.openxmlformats.org/officeDocument/2006/relationships" xmlns:p="http://schemas.openxmlformats.org/presentationml/2006/main">
+      <p:sp>
         <p:nvSpPr>
           <p:cNvPr id="6" name="Footer Placeholder 5"/>
           <p:cNvSpPr>
@@ -7900,7 +7900,7 @@
           <a:p>
             <a:r>
               <a:rPr/>
-              <a:t>IQSlidedeck_IQRobjects.R | Date: 2024-10-25 09:14:28</a:t>
+              <a:t>IQSlidedeck_IQRobjects.R | Date: 2025-04-23 16:52:44.676244</a:t>
             </a:r>
           </a:p>
         </p:txBody>
@@ -7930,7 +7930,7 @@
           <a:chExt cx="0" cy="0"/>
         </a:xfrm>
       </p:grpSpPr>
-      <p:sp xmlns:a="http://schemas.openxmlformats.org/drawingml/2006/main" xmlns:r="http://schemas.openxmlformats.org/officeDocument/2006/relationships" xmlns:p="http://schemas.openxmlformats.org/presentationml/2006/main">
+      <p:sp>
         <p:nvSpPr>
           <p:cNvPr id="2" name="Title 1"/>
           <p:cNvSpPr>
@@ -7982,7 +7982,7 @@
           <a:chExt cx="0" cy="0"/>
         </a:xfrm>
       </p:grpSpPr>
-      <p:sp xmlns:a="http://schemas.openxmlformats.org/drawingml/2006/main" xmlns:r="http://schemas.openxmlformats.org/officeDocument/2006/relationships" xmlns:p="http://schemas.openxmlformats.org/presentationml/2006/main">
+      <p:sp>
         <p:nvSpPr>
           <p:cNvPr id="2" name="Title 1"/>
           <p:cNvSpPr>
@@ -8009,7 +8009,7 @@
           </a:p>
         </p:txBody>
       </p:sp>
-      <p:sp xmlns:a="http://schemas.openxmlformats.org/drawingml/2006/main" xmlns:r="http://schemas.openxmlformats.org/officeDocument/2006/relationships" xmlns:p="http://schemas.openxmlformats.org/presentationml/2006/main">
+      <p:sp>
         <p:nvSpPr>
           <p:cNvPr id="3" name="Content Placeholder 2"/>
           <p:cNvSpPr>
@@ -8263,7 +8263,7 @@
           </a:p>
         </p:txBody>
       </p:sp>
-      <p:pic xmlns:a="http://schemas.openxmlformats.org/drawingml/2006/main" xmlns:r="http://schemas.openxmlformats.org/officeDocument/2006/relationships" xmlns:p="http://schemas.openxmlformats.org/presentationml/2006/main">
+      <p:pic>
         <p:nvPicPr>
           <p:cNvPr id="4" name="Content Placeholder 3" descr=""/>
           <p:cNvPicPr>
@@ -8289,7 +8289,7 @@
           </a:prstGeom>
         </p:spPr>
       </p:pic>
-      <p:sp xmlns:a="http://schemas.openxmlformats.org/drawingml/2006/main" xmlns:r="http://schemas.openxmlformats.org/officeDocument/2006/relationships" xmlns:p="http://schemas.openxmlformats.org/presentationml/2006/main">
+      <p:sp>
         <p:nvSpPr>
           <p:cNvPr id="5" name="Text Placeholder 2"/>
           <p:cNvSpPr>
@@ -8317,7 +8317,7 @@
           </a:p>
         </p:txBody>
       </p:sp>
-      <p:sp xmlns:a="http://schemas.openxmlformats.org/drawingml/2006/main" xmlns:r="http://schemas.openxmlformats.org/officeDocument/2006/relationships" xmlns:p="http://schemas.openxmlformats.org/presentationml/2006/main">
+      <p:sp>
         <p:nvSpPr>
           <p:cNvPr id="6" name="Footer Placeholder 5"/>
           <p:cNvSpPr>
@@ -8339,7 +8339,7 @@
           <a:p>
             <a:r>
               <a:rPr/>
-              <a:t>IQSlidedeck_IQRobjects.R | Date: 2024-10-25 09:14:28</a:t>
+              <a:t>IQSlidedeck_IQRobjects.R | Date: 2025-04-23 16:52:44.998912</a:t>
             </a:r>
           </a:p>
         </p:txBody>
@@ -8369,7 +8369,7 @@
           <a:chExt cx="0" cy="0"/>
         </a:xfrm>
       </p:grpSpPr>
-      <p:sp xmlns:a="http://schemas.openxmlformats.org/drawingml/2006/main" xmlns:r="http://schemas.openxmlformats.org/officeDocument/2006/relationships" xmlns:p="http://schemas.openxmlformats.org/presentationml/2006/main">
+      <p:sp>
         <p:nvSpPr>
           <p:cNvPr id="2" name="Title 1"/>
           <p:cNvSpPr>
@@ -8396,7 +8396,7 @@
           </a:p>
         </p:txBody>
       </p:sp>
-      <p:sp xmlns:a="http://schemas.openxmlformats.org/drawingml/2006/main" xmlns:r="http://schemas.openxmlformats.org/officeDocument/2006/relationships" xmlns:p="http://schemas.openxmlformats.org/presentationml/2006/main">
+      <p:sp>
         <p:nvSpPr>
           <p:cNvPr id="3" name="Content Placeholder 2"/>
           <p:cNvSpPr>
@@ -8650,7 +8650,7 @@
           </a:p>
         </p:txBody>
       </p:sp>
-      <p:pic xmlns:a="http://schemas.openxmlformats.org/drawingml/2006/main" xmlns:r="http://schemas.openxmlformats.org/officeDocument/2006/relationships" xmlns:p="http://schemas.openxmlformats.org/presentationml/2006/main">
+      <p:pic>
         <p:nvPicPr>
           <p:cNvPr id="4" name="Content Placeholder 3" descr=""/>
           <p:cNvPicPr>
@@ -8676,7 +8676,7 @@
           </a:prstGeom>
         </p:spPr>
       </p:pic>
-      <p:sp xmlns:a="http://schemas.openxmlformats.org/drawingml/2006/main" xmlns:r="http://schemas.openxmlformats.org/officeDocument/2006/relationships" xmlns:p="http://schemas.openxmlformats.org/presentationml/2006/main">
+      <p:sp>
         <p:nvSpPr>
           <p:cNvPr id="5" name="Text Placeholder 2"/>
           <p:cNvSpPr>
@@ -8704,7 +8704,7 @@
           </a:p>
         </p:txBody>
       </p:sp>
-      <p:sp xmlns:a="http://schemas.openxmlformats.org/drawingml/2006/main" xmlns:r="http://schemas.openxmlformats.org/officeDocument/2006/relationships" xmlns:p="http://schemas.openxmlformats.org/presentationml/2006/main">
+      <p:sp>
         <p:nvSpPr>
           <p:cNvPr id="6" name="Footer Placeholder 5"/>
           <p:cNvSpPr>
@@ -8726,7 +8726,7 @@
           <a:p>
             <a:r>
               <a:rPr/>
-              <a:t>IQSlidedeck_IQRobjects.R | Date: 2024-10-25 09:14:28</a:t>
+              <a:t>IQSlidedeck_IQRobjects.R | Date: 2025-04-23 16:52:45.326926</a:t>
             </a:r>
           </a:p>
         </p:txBody>
@@ -8756,7 +8756,7 @@
           <a:chExt cx="0" cy="0"/>
         </a:xfrm>
       </p:grpSpPr>
-      <p:sp xmlns:a="http://schemas.openxmlformats.org/drawingml/2006/main" xmlns:r="http://schemas.openxmlformats.org/officeDocument/2006/relationships" xmlns:p="http://schemas.openxmlformats.org/presentationml/2006/main">
+      <p:sp>
         <p:nvSpPr>
           <p:cNvPr id="2" name="Title 1"/>
           <p:cNvSpPr>
@@ -8783,7 +8783,7 @@
           </a:p>
         </p:txBody>
       </p:sp>
-      <p:sp xmlns:a="http://schemas.openxmlformats.org/drawingml/2006/main" xmlns:r="http://schemas.openxmlformats.org/officeDocument/2006/relationships" xmlns:p="http://schemas.openxmlformats.org/presentationml/2006/main">
+      <p:sp>
         <p:nvSpPr>
           <p:cNvPr id="3" name="Content Placeholder 2"/>
           <p:cNvSpPr>
@@ -8995,7 +8995,7 @@
           </a:p>
         </p:txBody>
       </p:sp>
-      <p:pic xmlns:a="http://schemas.openxmlformats.org/drawingml/2006/main" xmlns:r="http://schemas.openxmlformats.org/officeDocument/2006/relationships" xmlns:p="http://schemas.openxmlformats.org/presentationml/2006/main">
+      <p:pic>
         <p:nvPicPr>
           <p:cNvPr id="4" name="Content Placeholder 3" descr=""/>
           <p:cNvPicPr>
@@ -9021,7 +9021,7 @@
           </a:prstGeom>
         </p:spPr>
       </p:pic>
-      <p:sp xmlns:a="http://schemas.openxmlformats.org/drawingml/2006/main" xmlns:r="http://schemas.openxmlformats.org/officeDocument/2006/relationships" xmlns:p="http://schemas.openxmlformats.org/presentationml/2006/main">
+      <p:sp>
         <p:nvSpPr>
           <p:cNvPr id="5" name="Text Placeholder 2"/>
           <p:cNvSpPr>
@@ -9049,7 +9049,7 @@
           </a:p>
         </p:txBody>
       </p:sp>
-      <p:sp xmlns:a="http://schemas.openxmlformats.org/drawingml/2006/main" xmlns:r="http://schemas.openxmlformats.org/officeDocument/2006/relationships" xmlns:p="http://schemas.openxmlformats.org/presentationml/2006/main">
+      <p:sp>
         <p:nvSpPr>
           <p:cNvPr id="6" name="Footer Placeholder 5"/>
           <p:cNvSpPr>
@@ -9071,7 +9071,7 @@
           <a:p>
             <a:r>
               <a:rPr/>
-              <a:t>IQSlidedeck_IQRobjects.R | Date: 2024-10-25 09:14:29</a:t>
+              <a:t>IQSlidedeck_IQRobjects.R | Date: 2025-04-23 16:52:46.852127</a:t>
             </a:r>
           </a:p>
         </p:txBody>
@@ -9101,7 +9101,7 @@
           <a:chExt cx="0" cy="0"/>
         </a:xfrm>
       </p:grpSpPr>
-      <p:sp xmlns:a="http://schemas.openxmlformats.org/drawingml/2006/main" xmlns:r="http://schemas.openxmlformats.org/officeDocument/2006/relationships" xmlns:p="http://schemas.openxmlformats.org/presentationml/2006/main">
+      <p:sp>
         <p:nvSpPr>
           <p:cNvPr id="2" name="Title 1"/>
           <p:cNvSpPr>
@@ -9128,7 +9128,7 @@
           </a:p>
         </p:txBody>
       </p:sp>
-      <p:pic xmlns:a="http://schemas.openxmlformats.org/drawingml/2006/main" xmlns:r="http://schemas.openxmlformats.org/officeDocument/2006/relationships" xmlns:p="http://schemas.openxmlformats.org/presentationml/2006/main">
+      <p:pic>
         <p:nvPicPr>
           <p:cNvPr id="3" name="Content Placeholder 2" descr=""/>
           <p:cNvPicPr>
@@ -9154,7 +9154,7 @@
           </a:prstGeom>
         </p:spPr>
       </p:pic>
-      <p:sp xmlns:a="http://schemas.openxmlformats.org/drawingml/2006/main" xmlns:r="http://schemas.openxmlformats.org/officeDocument/2006/relationships" xmlns:p="http://schemas.openxmlformats.org/presentationml/2006/main">
+      <p:sp>
         <p:nvSpPr>
           <p:cNvPr id="4" name="Text Placeholder 8"/>
           <p:cNvSpPr>
@@ -9182,7 +9182,7 @@
           </a:p>
         </p:txBody>
       </p:sp>
-      <p:sp xmlns:a="http://schemas.openxmlformats.org/drawingml/2006/main" xmlns:r="http://schemas.openxmlformats.org/officeDocument/2006/relationships" xmlns:p="http://schemas.openxmlformats.org/presentationml/2006/main">
+      <p:sp>
         <p:nvSpPr>
           <p:cNvPr id="5" name="Footer Placeholder 4"/>
           <p:cNvSpPr>
@@ -9204,7 +9204,7 @@
           <a:p>
             <a:r>
               <a:rPr/>
-              <a:t>IQSlidedeck_IQRobjects.R | Date: 2024-10-25 09:14:31</a:t>
+              <a:t>IQSlidedeck_IQRobjects.R | Date: 2025-04-23 16:52:49.054522</a:t>
             </a:r>
           </a:p>
         </p:txBody>
@@ -9234,7 +9234,7 @@
           <a:chExt cx="0" cy="0"/>
         </a:xfrm>
       </p:grpSpPr>
-      <p:sp xmlns:a="http://schemas.openxmlformats.org/drawingml/2006/main" xmlns:r="http://schemas.openxmlformats.org/officeDocument/2006/relationships" xmlns:p="http://schemas.openxmlformats.org/presentationml/2006/main">
+      <p:sp>
         <p:nvSpPr>
           <p:cNvPr id="2" name="Title 1"/>
           <p:cNvSpPr>
@@ -9261,7 +9261,7 @@
           </a:p>
         </p:txBody>
       </p:sp>
-      <p:pic xmlns:a="http://schemas.openxmlformats.org/drawingml/2006/main" xmlns:r="http://schemas.openxmlformats.org/officeDocument/2006/relationships" xmlns:p="http://schemas.openxmlformats.org/presentationml/2006/main">
+      <p:pic>
         <p:nvPicPr>
           <p:cNvPr id="3" name="Content Placeholder 2" descr=""/>
           <p:cNvPicPr>
@@ -9287,7 +9287,7 @@
           </a:prstGeom>
         </p:spPr>
       </p:pic>
-      <p:sp xmlns:a="http://schemas.openxmlformats.org/drawingml/2006/main" xmlns:r="http://schemas.openxmlformats.org/officeDocument/2006/relationships" xmlns:p="http://schemas.openxmlformats.org/presentationml/2006/main">
+      <p:sp>
         <p:nvSpPr>
           <p:cNvPr id="4" name="Text Placeholder 8"/>
           <p:cNvSpPr>
@@ -9315,7 +9315,7 @@
           </a:p>
         </p:txBody>
       </p:sp>
-      <p:sp xmlns:a="http://schemas.openxmlformats.org/drawingml/2006/main" xmlns:r="http://schemas.openxmlformats.org/officeDocument/2006/relationships" xmlns:p="http://schemas.openxmlformats.org/presentationml/2006/main">
+      <p:sp>
         <p:nvSpPr>
           <p:cNvPr id="5" name="Footer Placeholder 4"/>
           <p:cNvSpPr>
@@ -9337,7 +9337,7 @@
           <a:p>
             <a:r>
               <a:rPr/>
-              <a:t>IQSlidedeck_IQRobjects.R | Date: 2024-10-25 09:14:32</a:t>
+              <a:t>IQSlidedeck_IQRobjects.R | Date: 2025-04-23 16:52:50.633523</a:t>
             </a:r>
           </a:p>
         </p:txBody>
@@ -9367,7 +9367,7 @@
           <a:chExt cx="0" cy="0"/>
         </a:xfrm>
       </p:grpSpPr>
-      <p:sp xmlns:a="http://schemas.openxmlformats.org/drawingml/2006/main" xmlns:r="http://schemas.openxmlformats.org/officeDocument/2006/relationships" xmlns:p="http://schemas.openxmlformats.org/presentationml/2006/main">
+      <p:sp>
         <p:nvSpPr>
           <p:cNvPr id="2" name="Title 1"/>
           <p:cNvSpPr>
@@ -9394,7 +9394,7 @@
           </a:p>
         </p:txBody>
       </p:sp>
-      <p:pic xmlns:a="http://schemas.openxmlformats.org/drawingml/2006/main" xmlns:r="http://schemas.openxmlformats.org/officeDocument/2006/relationships" xmlns:p="http://schemas.openxmlformats.org/presentationml/2006/main">
+      <p:pic>
         <p:nvPicPr>
           <p:cNvPr id="3" name="Content Placeholder 2" descr=""/>
           <p:cNvPicPr>
@@ -9420,7 +9420,7 @@
           </a:prstGeom>
         </p:spPr>
       </p:pic>
-      <p:sp xmlns:a="http://schemas.openxmlformats.org/drawingml/2006/main" xmlns:r="http://schemas.openxmlformats.org/officeDocument/2006/relationships" xmlns:p="http://schemas.openxmlformats.org/presentationml/2006/main">
+      <p:sp>
         <p:nvSpPr>
           <p:cNvPr id="4" name="Text Placeholder 2"/>
           <p:cNvSpPr>
@@ -9448,7 +9448,7 @@
           </a:p>
         </p:txBody>
       </p:sp>
-      <p:pic xmlns:a="http://schemas.openxmlformats.org/drawingml/2006/main" xmlns:r="http://schemas.openxmlformats.org/officeDocument/2006/relationships" xmlns:p="http://schemas.openxmlformats.org/presentationml/2006/main">
+      <p:pic>
         <p:nvPicPr>
           <p:cNvPr id="5" name="Content Placeholder 3" descr=""/>
           <p:cNvPicPr>
@@ -9474,7 +9474,7 @@
           </a:prstGeom>
         </p:spPr>
       </p:pic>
-      <p:sp xmlns:a="http://schemas.openxmlformats.org/drawingml/2006/main" xmlns:r="http://schemas.openxmlformats.org/officeDocument/2006/relationships" xmlns:p="http://schemas.openxmlformats.org/presentationml/2006/main">
+      <p:sp>
         <p:nvSpPr>
           <p:cNvPr id="6" name="Text Placeholder 3"/>
           <p:cNvSpPr>
@@ -9502,7 +9502,7 @@
           </a:p>
         </p:txBody>
       </p:sp>
-      <p:sp xmlns:a="http://schemas.openxmlformats.org/drawingml/2006/main" xmlns:r="http://schemas.openxmlformats.org/officeDocument/2006/relationships" xmlns:p="http://schemas.openxmlformats.org/presentationml/2006/main">
+      <p:sp>
         <p:nvSpPr>
           <p:cNvPr id="7" name="Footer Placeholder 5"/>
           <p:cNvSpPr>
@@ -9524,7 +9524,7 @@
           <a:p>
             <a:r>
               <a:rPr/>
-              <a:t>IQSlidedeck_IQRobjects.R | Date: 2024-10-25 09:14:34</a:t>
+              <a:t>IQSlidedeck_IQRobjects.R | Date: 2025-04-23 16:52:51.995491</a:t>
             </a:r>
           </a:p>
         </p:txBody>
@@ -9554,7 +9554,7 @@
           <a:chExt cx="0" cy="0"/>
         </a:xfrm>
       </p:grpSpPr>
-      <p:sp xmlns:a="http://schemas.openxmlformats.org/drawingml/2006/main" xmlns:r="http://schemas.openxmlformats.org/officeDocument/2006/relationships" xmlns:p="http://schemas.openxmlformats.org/presentationml/2006/main">
+      <p:sp>
         <p:nvSpPr>
           <p:cNvPr id="2" name="Title 1"/>
           <p:cNvSpPr>
@@ -9581,7 +9581,7 @@
           </a:p>
         </p:txBody>
       </p:sp>
-      <p:sp xmlns:a="http://schemas.openxmlformats.org/drawingml/2006/main" xmlns:r="http://schemas.openxmlformats.org/officeDocument/2006/relationships" xmlns:p="http://schemas.openxmlformats.org/presentationml/2006/main">
+      <p:sp>
         <p:nvSpPr>
           <p:cNvPr id="3" name="Content Placeholder 2"/>
           <p:cNvSpPr>
@@ -9614,7 +9614,7 @@
           </a:p>
         </p:txBody>
       </p:sp>
-      <p:sp xmlns:a="http://schemas.openxmlformats.org/drawingml/2006/main" xmlns:r="http://schemas.openxmlformats.org/officeDocument/2006/relationships" xmlns:p="http://schemas.openxmlformats.org/presentationml/2006/main">
+      <p:sp>
         <p:nvSpPr>
           <p:cNvPr id="4" name="Footer Placeholder 4"/>
           <p:cNvSpPr>
@@ -9636,7 +9636,7 @@
           <a:p>
             <a:r>
               <a:rPr/>
-              <a:t>script_IQSlidedeck.R | Date: 2024-10-25 09:13:48</a:t>
+              <a:t>script_IQSlidedeck.R | Date: 2025-04-23 16:52:01.844054</a:t>
             </a:r>
           </a:p>
         </p:txBody>
@@ -9666,7 +9666,7 @@
           <a:chExt cx="0" cy="0"/>
         </a:xfrm>
       </p:grpSpPr>
-      <p:sp xmlns:a="http://schemas.openxmlformats.org/drawingml/2006/main" xmlns:r="http://schemas.openxmlformats.org/officeDocument/2006/relationships" xmlns:p="http://schemas.openxmlformats.org/presentationml/2006/main">
+      <p:sp>
         <p:nvSpPr>
           <p:cNvPr id="2" name="Title 1"/>
           <p:cNvSpPr>
@@ -9718,7 +9718,7 @@
           <a:chExt cx="0" cy="0"/>
         </a:xfrm>
       </p:grpSpPr>
-      <p:sp xmlns:a="http://schemas.openxmlformats.org/drawingml/2006/main" xmlns:r="http://schemas.openxmlformats.org/officeDocument/2006/relationships" xmlns:p="http://schemas.openxmlformats.org/presentationml/2006/main">
+      <p:sp>
         <p:nvSpPr>
           <p:cNvPr id="2" name="Title 1"/>
           <p:cNvSpPr>
@@ -9745,7 +9745,7 @@
           </a:p>
         </p:txBody>
       </p:sp>
-      <p:sp xmlns:a="http://schemas.openxmlformats.org/drawingml/2006/main" xmlns:r="http://schemas.openxmlformats.org/officeDocument/2006/relationships" xmlns:p="http://schemas.openxmlformats.org/presentationml/2006/main">
+      <p:sp>
         <p:nvSpPr>
           <p:cNvPr id="3" name="Content Placeholder 2"/>
           <p:cNvSpPr>
@@ -9778,7 +9778,7 @@
           </a:p>
         </p:txBody>
       </p:sp>
-      <p:pic xmlns:a="http://schemas.openxmlformats.org/drawingml/2006/main" xmlns:r="http://schemas.openxmlformats.org/officeDocument/2006/relationships" xmlns:p="http://schemas.openxmlformats.org/presentationml/2006/main">
+      <p:pic>
         <p:nvPicPr>
           <p:cNvPr id="4" name="Content Placeholder 3" descr=""/>
           <p:cNvPicPr>
@@ -9804,7 +9804,7 @@
           </a:prstGeom>
         </p:spPr>
       </p:pic>
-      <p:sp xmlns:a="http://schemas.openxmlformats.org/drawingml/2006/main" xmlns:r="http://schemas.openxmlformats.org/officeDocument/2006/relationships" xmlns:p="http://schemas.openxmlformats.org/presentationml/2006/main">
+      <p:sp>
         <p:nvSpPr>
           <p:cNvPr id="5" name="Text Placeholder 2"/>
           <p:cNvSpPr>
@@ -9831,7 +9831,7 @@
           </a:p>
         </p:txBody>
       </p:sp>
-      <p:sp xmlns:a="http://schemas.openxmlformats.org/drawingml/2006/main" xmlns:r="http://schemas.openxmlformats.org/officeDocument/2006/relationships" xmlns:p="http://schemas.openxmlformats.org/presentationml/2006/main">
+      <p:sp>
         <p:nvSpPr>
           <p:cNvPr id="6" name="Footer Placeholder 5"/>
           <p:cNvSpPr>
@@ -9853,7 +9853,7 @@
           <a:p>
             <a:r>
               <a:rPr/>
-              <a:t>script_IQSlidedeck.R | Date: 2024-10-25 09:13:48</a:t>
+              <a:t>script_IQSlidedeck.R | Date: 2025-04-23 16:52:02.007061</a:t>
             </a:r>
           </a:p>
         </p:txBody>
@@ -9883,7 +9883,7 @@
           <a:chExt cx="0" cy="0"/>
         </a:xfrm>
       </p:grpSpPr>
-      <p:sp xmlns:a="http://schemas.openxmlformats.org/drawingml/2006/main" xmlns:r="http://schemas.openxmlformats.org/officeDocument/2006/relationships" xmlns:p="http://schemas.openxmlformats.org/presentationml/2006/main">
+      <p:sp>
         <p:nvSpPr>
           <p:cNvPr id="2" name="Title 1"/>
           <p:cNvSpPr>
@@ -9910,7 +9910,7 @@
           </a:p>
         </p:txBody>
       </p:sp>
-      <p:pic xmlns:a="http://schemas.openxmlformats.org/drawingml/2006/main" xmlns:r="http://schemas.openxmlformats.org/officeDocument/2006/relationships" xmlns:p="http://schemas.openxmlformats.org/presentationml/2006/main">
+      <p:pic>
         <p:nvPicPr>
           <p:cNvPr id="3" name="Content Placeholder 2" descr=""/>
           <p:cNvPicPr>
@@ -9936,7 +9936,7 @@
           </a:prstGeom>
         </p:spPr>
       </p:pic>
-      <p:sp xmlns:a="http://schemas.openxmlformats.org/drawingml/2006/main" xmlns:r="http://schemas.openxmlformats.org/officeDocument/2006/relationships" xmlns:p="http://schemas.openxmlformats.org/presentationml/2006/main">
+      <p:sp>
         <p:nvSpPr>
           <p:cNvPr id="4" name="Footer Placeholder 4"/>
           <p:cNvSpPr>
@@ -9958,7 +9958,7 @@
           <a:p>
             <a:r>
               <a:rPr/>
-              <a:t>script_IQSlidedeck.R | Date: 2024-10-25 09:13:53</a:t>
+              <a:t>script_IQSlidedeck.R | Date: 2025-04-23 16:52:05.054469</a:t>
             </a:r>
           </a:p>
         </p:txBody>
@@ -9988,7 +9988,7 @@
           <a:chExt cx="0" cy="0"/>
         </a:xfrm>
       </p:grpSpPr>
-      <p:sp xmlns:a="http://schemas.openxmlformats.org/drawingml/2006/main" xmlns:r="http://schemas.openxmlformats.org/officeDocument/2006/relationships" xmlns:p="http://schemas.openxmlformats.org/presentationml/2006/main">
+      <p:sp>
         <p:nvSpPr>
           <p:cNvPr id="2" name="Title 1"/>
           <p:cNvSpPr>
@@ -10015,7 +10015,7 @@
           </a:p>
         </p:txBody>
       </p:sp>
-      <p:pic xmlns:a="http://schemas.openxmlformats.org/drawingml/2006/main" xmlns:r="http://schemas.openxmlformats.org/officeDocument/2006/relationships" xmlns:p="http://schemas.openxmlformats.org/presentationml/2006/main">
+      <p:pic>
         <p:nvPicPr>
           <p:cNvPr id="3" name="Content Placeholder 2" descr=""/>
           <p:cNvPicPr>
@@ -10041,7 +10041,7 @@
           </a:prstGeom>
         </p:spPr>
       </p:pic>
-      <p:sp xmlns:a="http://schemas.openxmlformats.org/drawingml/2006/main" xmlns:r="http://schemas.openxmlformats.org/officeDocument/2006/relationships" xmlns:p="http://schemas.openxmlformats.org/presentationml/2006/main">
+      <p:sp>
         <p:nvSpPr>
           <p:cNvPr id="4" name="Footer Placeholder 4"/>
           <p:cNvSpPr>
@@ -10063,7 +10063,7 @@
           <a:p>
             <a:r>
               <a:rPr/>
-              <a:t>script_IQSlidedeck.R | Date: 2024-10-25 09:13:53</a:t>
+              <a:t>script_IQSlidedeck.R | Date: 2025-04-23 16:52:06.064167</a:t>
             </a:r>
           </a:p>
         </p:txBody>
@@ -10093,7 +10093,7 @@
           <a:chExt cx="0" cy="0"/>
         </a:xfrm>
       </p:grpSpPr>
-      <p:sp xmlns:a="http://schemas.openxmlformats.org/drawingml/2006/main" xmlns:r="http://schemas.openxmlformats.org/officeDocument/2006/relationships" xmlns:p="http://schemas.openxmlformats.org/presentationml/2006/main">
+      <p:sp>
         <p:nvSpPr>
           <p:cNvPr id="2" name="Title 1"/>
           <p:cNvSpPr>
@@ -10120,7 +10120,7 @@
           </a:p>
         </p:txBody>
       </p:sp>
-      <p:pic xmlns:a="http://schemas.openxmlformats.org/drawingml/2006/main" xmlns:r="http://schemas.openxmlformats.org/officeDocument/2006/relationships" xmlns:p="http://schemas.openxmlformats.org/presentationml/2006/main">
+      <p:pic>
         <p:nvPicPr>
           <p:cNvPr id="3" name="Content Placeholder 2" descr=""/>
           <p:cNvPicPr>
@@ -10146,7 +10146,7 @@
           </a:prstGeom>
         </p:spPr>
       </p:pic>
-      <p:sp xmlns:a="http://schemas.openxmlformats.org/drawingml/2006/main" xmlns:r="http://schemas.openxmlformats.org/officeDocument/2006/relationships" xmlns:p="http://schemas.openxmlformats.org/presentationml/2006/main">
+      <p:sp>
         <p:nvSpPr>
           <p:cNvPr id="4" name="Footer Placeholder 4"/>
           <p:cNvSpPr>
@@ -10168,7 +10168,7 @@
           <a:p>
             <a:r>
               <a:rPr/>
-              <a:t>script_IQSlidedeck.R | Date: 2024-10-25 09:13:59</a:t>
+              <a:t>script_IQSlidedeck.R | Date: 2025-04-23 16:52:11.532092</a:t>
             </a:r>
           </a:p>
         </p:txBody>
@@ -10198,7 +10198,7 @@
           <a:chExt cx="0" cy="0"/>
         </a:xfrm>
       </p:grpSpPr>
-      <p:sp xmlns:a="http://schemas.openxmlformats.org/drawingml/2006/main" xmlns:r="http://schemas.openxmlformats.org/officeDocument/2006/relationships" xmlns:p="http://schemas.openxmlformats.org/presentationml/2006/main">
+      <p:sp>
         <p:nvSpPr>
           <p:cNvPr id="2" name="Title 1"/>
           <p:cNvSpPr>

--- a/tests/testresults/script_IQSlidedeck_IQobjects_Default_16_9.pptx
+++ b/tests/testresults/script_IQSlidedeck_IQobjects_Default_16_9.pptx
@@ -5968,7 +5968,7 @@
               <a:rPr/>
               <a:t>IQR Objects (non-QCed)
 Daniel Kaschek, IntiQuan
-2025-04-23</a:t>
+2025-04-26</a:t>
             </a:r>
           </a:p>
         </p:txBody>
@@ -6106,7 +6106,7 @@
           <a:p>
             <a:r>
               <a:rPr/>
-              <a:t>script_IQSlidedeck.R | Date: 2025-04-23 16:52:02.697434</a:t>
+              <a:t>script_IQSlidedeck.R | Date: 2025-04-26 14:26:44.782722</a:t>
             </a:r>
           </a:p>
         </p:txBody>
@@ -6474,7 +6474,7 @@
           <a:p>
             <a:r>
               <a:rPr/>
-              <a:t>script_IQSlidedeck.R | Date: 2025-04-23 16:52:03.538924</a:t>
+              <a:t>script_IQSlidedeck.R | Date: 2025-04-26 14:26:46.103251</a:t>
             </a:r>
           </a:p>
         </p:txBody>
@@ -6842,7 +6842,7 @@
           <a:p>
             <a:r>
               <a:rPr/>
-              <a:t>script_IQSlidedeck.R | Date: 2025-04-23 16:52:04.421185</a:t>
+              <a:t>script_IQSlidedeck.R | Date: 2025-04-26 14:26:47.276842</a:t>
             </a:r>
           </a:p>
         </p:txBody>
@@ -7032,7 +7032,7 @@
           <a:p>
             <a:r>
               <a:rPr/>
-              <a:t>script_IQSlidedeck.R | Date: 2025-04-23 16:52:11.97824</a:t>
+              <a:t>script_IQSlidedeck.R | Date: 2025-04-26 14:26:58.287881</a:t>
             </a:r>
           </a:p>
         </p:txBody>
@@ -7163,7 +7163,7 @@
           <a:p>
             <a:r>
               <a:rPr/>
-              <a:t>script_IQSlidedeck.R | Date: 2025-04-23 16:52:12.011498</a:t>
+              <a:t>script_IQSlidedeck.R | Date: 2025-04-26 14:26:58.339667</a:t>
             </a:r>
           </a:p>
         </p:txBody>
@@ -7323,7 +7323,7 @@
           <a:p>
             <a:r>
               <a:rPr/>
-              <a:t>script_IQSlidedeck.R | Date: 2025-04-23 16:52:12.04445</a:t>
+              <a:t>script_IQSlidedeck.R | Date: 2025-04-26 14:26:58.394227</a:t>
             </a:r>
           </a:p>
         </p:txBody>
@@ -7461,7 +7461,7 @@
           <a:p>
             <a:r>
               <a:rPr/>
-              <a:t>script_IQSlidedeck.R | Date: 2025-04-23 16:52:12.077639</a:t>
+              <a:t>script_IQSlidedeck.R | Date: 2025-04-26 14:26:58.449241</a:t>
             </a:r>
           </a:p>
         </p:txBody>
@@ -7900,7 +7900,7 @@
           <a:p>
             <a:r>
               <a:rPr/>
-              <a:t>IQSlidedeck_IQRobjects.R | Date: 2025-04-23 16:52:44.676244</a:t>
+              <a:t>IQSlidedeck_IQRobjects.R | Date: 2025-04-26 15:05:31.314836</a:t>
             </a:r>
           </a:p>
         </p:txBody>
@@ -8339,7 +8339,7 @@
           <a:p>
             <a:r>
               <a:rPr/>
-              <a:t>IQSlidedeck_IQRobjects.R | Date: 2025-04-23 16:52:44.998912</a:t>
+              <a:t>IQSlidedeck_IQRobjects.R | Date: 2025-04-26 15:05:31.676706</a:t>
             </a:r>
           </a:p>
         </p:txBody>
@@ -8726,7 +8726,7 @@
           <a:p>
             <a:r>
               <a:rPr/>
-              <a:t>IQSlidedeck_IQRobjects.R | Date: 2025-04-23 16:52:45.326926</a:t>
+              <a:t>IQSlidedeck_IQRobjects.R | Date: 2025-04-26 15:05:32.052178</a:t>
             </a:r>
           </a:p>
         </p:txBody>
@@ -9071,7 +9071,7 @@
           <a:p>
             <a:r>
               <a:rPr/>
-              <a:t>IQSlidedeck_IQRobjects.R | Date: 2025-04-23 16:52:46.852127</a:t>
+              <a:t>IQSlidedeck_IQRobjects.R | Date: 2025-04-26 15:05:34.15776</a:t>
             </a:r>
           </a:p>
         </p:txBody>
@@ -9204,7 +9204,7 @@
           <a:p>
             <a:r>
               <a:rPr/>
-              <a:t>IQSlidedeck_IQRobjects.R | Date: 2025-04-23 16:52:49.054522</a:t>
+              <a:t>IQSlidedeck_IQRobjects.R | Date: 2025-04-26 15:05:36.981405</a:t>
             </a:r>
           </a:p>
         </p:txBody>
@@ -9337,7 +9337,7 @@
           <a:p>
             <a:r>
               <a:rPr/>
-              <a:t>IQSlidedeck_IQRobjects.R | Date: 2025-04-23 16:52:50.633523</a:t>
+              <a:t>IQSlidedeck_IQRobjects.R | Date: 2025-04-26 15:05:39.132458</a:t>
             </a:r>
           </a:p>
         </p:txBody>
@@ -9524,7 +9524,7 @@
           <a:p>
             <a:r>
               <a:rPr/>
-              <a:t>IQSlidedeck_IQRobjects.R | Date: 2025-04-23 16:52:51.995491</a:t>
+              <a:t>IQSlidedeck_IQRobjects.R | Date: 2025-04-26 15:05:41.082985</a:t>
             </a:r>
           </a:p>
         </p:txBody>
@@ -9636,7 +9636,7 @@
           <a:p>
             <a:r>
               <a:rPr/>
-              <a:t>script_IQSlidedeck.R | Date: 2025-04-23 16:52:01.844054</a:t>
+              <a:t>script_IQSlidedeck.R | Date: 2025-04-26 14:26:43.345337</a:t>
             </a:r>
           </a:p>
         </p:txBody>
@@ -9853,7 +9853,7 @@
           <a:p>
             <a:r>
               <a:rPr/>
-              <a:t>script_IQSlidedeck.R | Date: 2025-04-23 16:52:02.007061</a:t>
+              <a:t>script_IQSlidedeck.R | Date: 2025-04-26 14:26:43.386721</a:t>
             </a:r>
           </a:p>
         </p:txBody>
@@ -9958,7 +9958,7 @@
           <a:p>
             <a:r>
               <a:rPr/>
-              <a:t>script_IQSlidedeck.R | Date: 2025-04-23 16:52:05.054469</a:t>
+              <a:t>script_IQSlidedeck.R | Date: 2025-04-26 14:26:48.123284</a:t>
             </a:r>
           </a:p>
         </p:txBody>
@@ -10063,7 +10063,7 @@
           <a:p>
             <a:r>
               <a:rPr/>
-              <a:t>script_IQSlidedeck.R | Date: 2025-04-23 16:52:06.064167</a:t>
+              <a:t>script_IQSlidedeck.R | Date: 2025-04-26 14:26:49.16497</a:t>
             </a:r>
           </a:p>
         </p:txBody>
@@ -10168,7 +10168,7 @@
           <a:p>
             <a:r>
               <a:rPr/>
-              <a:t>script_IQSlidedeck.R | Date: 2025-04-23 16:52:11.532092</a:t>
+              <a:t>script_IQSlidedeck.R | Date: 2025-04-26 14:26:57.463487</a:t>
             </a:r>
           </a:p>
         </p:txBody>
